--- a/Netty-Parent/netty分享.pptx
+++ b/Netty-Parent/netty分享.pptx
@@ -16,6 +16,8 @@
     <p:sldId id="260" r:id="rId10"/>
     <p:sldId id="264" r:id="rId11"/>
     <p:sldId id="265" r:id="rId12"/>
+    <p:sldId id="266" r:id="rId13"/>
+    <p:sldId id="267" r:id="rId14"/>
   </p:sldIdLst>
   <p:sldSz cx="12192000" cy="6858000"/>
   <p:notesSz cx="6858000" cy="9144000"/>
@@ -2674,6 +2676,1500 @@
     <dgm:fillClrLst meth="repeat">
       <a:schemeClr val="accent2">
         <a:tint val="40000"/>
+      </a:schemeClr>
+    </dgm:fillClrLst>
+    <dgm:linClrLst meth="repeat">
+      <a:schemeClr val="lt1"/>
+    </dgm:linClrLst>
+    <dgm:effectClrLst/>
+    <dgm:txLinClrLst/>
+    <dgm:txFillClrLst meth="repeat">
+      <a:schemeClr val="dk1"/>
+    </dgm:txFillClrLst>
+    <dgm:txEffectClrLst/>
+  </dgm:styleLbl>
+  <dgm:styleLbl name="revTx">
+    <dgm:fillClrLst meth="repeat">
+      <a:schemeClr val="lt1">
+        <a:alpha val="0"/>
+      </a:schemeClr>
+    </dgm:fillClrLst>
+    <dgm:linClrLst meth="repeat">
+      <a:schemeClr val="dk1">
+        <a:alpha val="0"/>
+      </a:schemeClr>
+    </dgm:linClrLst>
+    <dgm:effectClrLst/>
+    <dgm:txLinClrLst/>
+    <dgm:txFillClrLst meth="repeat">
+      <a:schemeClr val="tx1"/>
+    </dgm:txFillClrLst>
+    <dgm:txEffectClrLst/>
+  </dgm:styleLbl>
+</dgm:colorsDef>
+</file>
+
+<file path=ppt/diagrams/colors4.xml><?xml version="1.0" encoding="utf-8"?>
+<dgm:colorsDef xmlns:dgm="http://schemas.openxmlformats.org/drawingml/2006/diagram" xmlns:a="http://schemas.openxmlformats.org/drawingml/2006/main" uniqueId="urn:microsoft.com/office/officeart/2005/8/colors/accent1_2">
+  <dgm:title val=""/>
+  <dgm:desc val=""/>
+  <dgm:catLst>
+    <dgm:cat type="accent1" pri="11200"/>
+  </dgm:catLst>
+  <dgm:styleLbl name="node0">
+    <dgm:fillClrLst meth="repeat">
+      <a:schemeClr val="accent1"/>
+    </dgm:fillClrLst>
+    <dgm:linClrLst meth="repeat">
+      <a:schemeClr val="lt1"/>
+    </dgm:linClrLst>
+    <dgm:effectClrLst/>
+    <dgm:txLinClrLst/>
+    <dgm:txFillClrLst/>
+    <dgm:txEffectClrLst/>
+  </dgm:styleLbl>
+  <dgm:styleLbl name="alignNode1">
+    <dgm:fillClrLst meth="repeat">
+      <a:schemeClr val="accent1"/>
+    </dgm:fillClrLst>
+    <dgm:linClrLst meth="repeat">
+      <a:schemeClr val="accent1"/>
+    </dgm:linClrLst>
+    <dgm:effectClrLst/>
+    <dgm:txLinClrLst/>
+    <dgm:txFillClrLst/>
+    <dgm:txEffectClrLst/>
+  </dgm:styleLbl>
+  <dgm:styleLbl name="node1">
+    <dgm:fillClrLst meth="repeat">
+      <a:schemeClr val="accent1"/>
+    </dgm:fillClrLst>
+    <dgm:linClrLst meth="repeat">
+      <a:schemeClr val="lt1"/>
+    </dgm:linClrLst>
+    <dgm:effectClrLst/>
+    <dgm:txLinClrLst/>
+    <dgm:txFillClrLst/>
+    <dgm:txEffectClrLst/>
+  </dgm:styleLbl>
+  <dgm:styleLbl name="lnNode1">
+    <dgm:fillClrLst meth="repeat">
+      <a:schemeClr val="accent1"/>
+    </dgm:fillClrLst>
+    <dgm:linClrLst meth="repeat">
+      <a:schemeClr val="lt1"/>
+    </dgm:linClrLst>
+    <dgm:effectClrLst/>
+    <dgm:txLinClrLst/>
+    <dgm:txFillClrLst/>
+    <dgm:txEffectClrLst/>
+  </dgm:styleLbl>
+  <dgm:styleLbl name="vennNode1">
+    <dgm:fillClrLst meth="repeat">
+      <a:schemeClr val="accent1">
+        <a:alpha val="50000"/>
+      </a:schemeClr>
+    </dgm:fillClrLst>
+    <dgm:linClrLst meth="repeat">
+      <a:schemeClr val="lt1"/>
+    </dgm:linClrLst>
+    <dgm:effectClrLst/>
+    <dgm:txLinClrLst/>
+    <dgm:txFillClrLst/>
+    <dgm:txEffectClrLst/>
+  </dgm:styleLbl>
+  <dgm:styleLbl name="node2">
+    <dgm:fillClrLst meth="repeat">
+      <a:schemeClr val="accent1"/>
+    </dgm:fillClrLst>
+    <dgm:linClrLst meth="repeat">
+      <a:schemeClr val="lt1"/>
+    </dgm:linClrLst>
+    <dgm:effectClrLst/>
+    <dgm:txLinClrLst/>
+    <dgm:txFillClrLst/>
+    <dgm:txEffectClrLst/>
+  </dgm:styleLbl>
+  <dgm:styleLbl name="node3">
+    <dgm:fillClrLst meth="repeat">
+      <a:schemeClr val="accent1"/>
+    </dgm:fillClrLst>
+    <dgm:linClrLst meth="repeat">
+      <a:schemeClr val="lt1"/>
+    </dgm:linClrLst>
+    <dgm:effectClrLst/>
+    <dgm:txLinClrLst/>
+    <dgm:txFillClrLst/>
+    <dgm:txEffectClrLst/>
+  </dgm:styleLbl>
+  <dgm:styleLbl name="node4">
+    <dgm:fillClrLst meth="repeat">
+      <a:schemeClr val="accent1"/>
+    </dgm:fillClrLst>
+    <dgm:linClrLst meth="repeat">
+      <a:schemeClr val="lt1"/>
+    </dgm:linClrLst>
+    <dgm:effectClrLst/>
+    <dgm:txLinClrLst/>
+    <dgm:txFillClrLst/>
+    <dgm:txEffectClrLst/>
+  </dgm:styleLbl>
+  <dgm:styleLbl name="fgImgPlace1">
+    <dgm:fillClrLst meth="repeat">
+      <a:schemeClr val="accent1">
+        <a:tint val="50000"/>
+      </a:schemeClr>
+    </dgm:fillClrLst>
+    <dgm:linClrLst meth="repeat">
+      <a:schemeClr val="lt1"/>
+    </dgm:linClrLst>
+    <dgm:effectClrLst/>
+    <dgm:txLinClrLst/>
+    <dgm:txFillClrLst meth="repeat">
+      <a:schemeClr val="lt1"/>
+    </dgm:txFillClrLst>
+    <dgm:txEffectClrLst/>
+  </dgm:styleLbl>
+  <dgm:styleLbl name="alignImgPlace1">
+    <dgm:fillClrLst meth="repeat">
+      <a:schemeClr val="accent1">
+        <a:tint val="50000"/>
+      </a:schemeClr>
+    </dgm:fillClrLst>
+    <dgm:linClrLst meth="repeat">
+      <a:schemeClr val="lt1"/>
+    </dgm:linClrLst>
+    <dgm:effectClrLst/>
+    <dgm:txLinClrLst/>
+    <dgm:txFillClrLst meth="repeat">
+      <a:schemeClr val="lt1"/>
+    </dgm:txFillClrLst>
+    <dgm:txEffectClrLst/>
+  </dgm:styleLbl>
+  <dgm:styleLbl name="bgImgPlace1">
+    <dgm:fillClrLst meth="repeat">
+      <a:schemeClr val="accent1">
+        <a:tint val="50000"/>
+      </a:schemeClr>
+    </dgm:fillClrLst>
+    <dgm:linClrLst meth="repeat">
+      <a:schemeClr val="lt1"/>
+    </dgm:linClrLst>
+    <dgm:effectClrLst/>
+    <dgm:txLinClrLst/>
+    <dgm:txFillClrLst meth="repeat">
+      <a:schemeClr val="lt1"/>
+    </dgm:txFillClrLst>
+    <dgm:txEffectClrLst/>
+  </dgm:styleLbl>
+  <dgm:styleLbl name="sibTrans2D1">
+    <dgm:fillClrLst meth="repeat">
+      <a:schemeClr val="accent1">
+        <a:tint val="60000"/>
+      </a:schemeClr>
+    </dgm:fillClrLst>
+    <dgm:linClrLst meth="repeat">
+      <a:schemeClr val="accent1">
+        <a:tint val="60000"/>
+      </a:schemeClr>
+    </dgm:linClrLst>
+    <dgm:effectClrLst/>
+    <dgm:txLinClrLst/>
+    <dgm:txFillClrLst/>
+    <dgm:txEffectClrLst/>
+  </dgm:styleLbl>
+  <dgm:styleLbl name="fgSibTrans2D1">
+    <dgm:fillClrLst meth="repeat">
+      <a:schemeClr val="accent1">
+        <a:tint val="60000"/>
+      </a:schemeClr>
+    </dgm:fillClrLst>
+    <dgm:linClrLst meth="repeat">
+      <a:schemeClr val="accent1">
+        <a:tint val="60000"/>
+      </a:schemeClr>
+    </dgm:linClrLst>
+    <dgm:effectClrLst/>
+    <dgm:txLinClrLst/>
+    <dgm:txFillClrLst/>
+    <dgm:txEffectClrLst/>
+  </dgm:styleLbl>
+  <dgm:styleLbl name="bgSibTrans2D1">
+    <dgm:fillClrLst meth="repeat">
+      <a:schemeClr val="accent1">
+        <a:tint val="60000"/>
+      </a:schemeClr>
+    </dgm:fillClrLst>
+    <dgm:linClrLst meth="repeat">
+      <a:schemeClr val="accent1">
+        <a:tint val="60000"/>
+      </a:schemeClr>
+    </dgm:linClrLst>
+    <dgm:effectClrLst/>
+    <dgm:txLinClrLst/>
+    <dgm:txFillClrLst/>
+    <dgm:txEffectClrLst/>
+  </dgm:styleLbl>
+  <dgm:styleLbl name="sibTrans1D1">
+    <dgm:fillClrLst meth="repeat">
+      <a:schemeClr val="accent1"/>
+    </dgm:fillClrLst>
+    <dgm:linClrLst meth="repeat">
+      <a:schemeClr val="accent1"/>
+    </dgm:linClrLst>
+    <dgm:effectClrLst/>
+    <dgm:txLinClrLst/>
+    <dgm:txFillClrLst meth="repeat">
+      <a:schemeClr val="tx1"/>
+    </dgm:txFillClrLst>
+    <dgm:txEffectClrLst/>
+  </dgm:styleLbl>
+  <dgm:styleLbl name="callout">
+    <dgm:fillClrLst meth="repeat">
+      <a:schemeClr val="accent1"/>
+    </dgm:fillClrLst>
+    <dgm:linClrLst meth="repeat">
+      <a:schemeClr val="accent1">
+        <a:tint val="50000"/>
+      </a:schemeClr>
+    </dgm:linClrLst>
+    <dgm:effectClrLst/>
+    <dgm:txLinClrLst/>
+    <dgm:txFillClrLst meth="repeat">
+      <a:schemeClr val="tx1"/>
+    </dgm:txFillClrLst>
+    <dgm:txEffectClrLst/>
+  </dgm:styleLbl>
+  <dgm:styleLbl name="asst0">
+    <dgm:fillClrLst meth="repeat">
+      <a:schemeClr val="accent1"/>
+    </dgm:fillClrLst>
+    <dgm:linClrLst meth="repeat">
+      <a:schemeClr val="lt1"/>
+    </dgm:linClrLst>
+    <dgm:effectClrLst/>
+    <dgm:txLinClrLst/>
+    <dgm:txFillClrLst/>
+    <dgm:txEffectClrLst/>
+  </dgm:styleLbl>
+  <dgm:styleLbl name="asst1">
+    <dgm:fillClrLst meth="repeat">
+      <a:schemeClr val="accent1"/>
+    </dgm:fillClrLst>
+    <dgm:linClrLst meth="repeat">
+      <a:schemeClr val="lt1"/>
+    </dgm:linClrLst>
+    <dgm:effectClrLst/>
+    <dgm:txLinClrLst/>
+    <dgm:txFillClrLst/>
+    <dgm:txEffectClrLst/>
+  </dgm:styleLbl>
+  <dgm:styleLbl name="asst2">
+    <dgm:fillClrLst meth="repeat">
+      <a:schemeClr val="accent1"/>
+    </dgm:fillClrLst>
+    <dgm:linClrLst meth="repeat">
+      <a:schemeClr val="lt1"/>
+    </dgm:linClrLst>
+    <dgm:effectClrLst/>
+    <dgm:txLinClrLst/>
+    <dgm:txFillClrLst/>
+    <dgm:txEffectClrLst/>
+  </dgm:styleLbl>
+  <dgm:styleLbl name="asst3">
+    <dgm:fillClrLst meth="repeat">
+      <a:schemeClr val="accent1"/>
+    </dgm:fillClrLst>
+    <dgm:linClrLst meth="repeat">
+      <a:schemeClr val="lt1"/>
+    </dgm:linClrLst>
+    <dgm:effectClrLst/>
+    <dgm:txLinClrLst/>
+    <dgm:txFillClrLst/>
+    <dgm:txEffectClrLst/>
+  </dgm:styleLbl>
+  <dgm:styleLbl name="asst4">
+    <dgm:fillClrLst meth="repeat">
+      <a:schemeClr val="accent1"/>
+    </dgm:fillClrLst>
+    <dgm:linClrLst meth="repeat">
+      <a:schemeClr val="lt1"/>
+    </dgm:linClrLst>
+    <dgm:effectClrLst/>
+    <dgm:txLinClrLst/>
+    <dgm:txFillClrLst/>
+    <dgm:txEffectClrLst/>
+  </dgm:styleLbl>
+  <dgm:styleLbl name="parChTrans2D1">
+    <dgm:fillClrLst meth="repeat">
+      <a:schemeClr val="accent1">
+        <a:tint val="60000"/>
+      </a:schemeClr>
+    </dgm:fillClrLst>
+    <dgm:linClrLst meth="repeat">
+      <a:schemeClr val="accent1">
+        <a:tint val="60000"/>
+      </a:schemeClr>
+    </dgm:linClrLst>
+    <dgm:effectClrLst/>
+    <dgm:txLinClrLst/>
+    <dgm:txFillClrLst meth="repeat">
+      <a:schemeClr val="lt1"/>
+    </dgm:txFillClrLst>
+    <dgm:txEffectClrLst/>
+  </dgm:styleLbl>
+  <dgm:styleLbl name="parChTrans2D2">
+    <dgm:fillClrLst meth="repeat">
+      <a:schemeClr val="accent1"/>
+    </dgm:fillClrLst>
+    <dgm:linClrLst meth="repeat">
+      <a:schemeClr val="accent1"/>
+    </dgm:linClrLst>
+    <dgm:effectClrLst/>
+    <dgm:txLinClrLst/>
+    <dgm:txFillClrLst meth="repeat">
+      <a:schemeClr val="lt1"/>
+    </dgm:txFillClrLst>
+    <dgm:txEffectClrLst/>
+  </dgm:styleLbl>
+  <dgm:styleLbl name="parChTrans2D3">
+    <dgm:fillClrLst meth="repeat">
+      <a:schemeClr val="accent1"/>
+    </dgm:fillClrLst>
+    <dgm:linClrLst meth="repeat">
+      <a:schemeClr val="accent1"/>
+    </dgm:linClrLst>
+    <dgm:effectClrLst/>
+    <dgm:txLinClrLst/>
+    <dgm:txFillClrLst meth="repeat">
+      <a:schemeClr val="lt1"/>
+    </dgm:txFillClrLst>
+    <dgm:txEffectClrLst/>
+  </dgm:styleLbl>
+  <dgm:styleLbl name="parChTrans2D4">
+    <dgm:fillClrLst meth="repeat">
+      <a:schemeClr val="accent1"/>
+    </dgm:fillClrLst>
+    <dgm:linClrLst meth="repeat">
+      <a:schemeClr val="accent1"/>
+    </dgm:linClrLst>
+    <dgm:effectClrLst/>
+    <dgm:txLinClrLst/>
+    <dgm:txFillClrLst meth="repeat">
+      <a:schemeClr val="lt1"/>
+    </dgm:txFillClrLst>
+    <dgm:txEffectClrLst/>
+  </dgm:styleLbl>
+  <dgm:styleLbl name="parChTrans1D1">
+    <dgm:fillClrLst meth="repeat">
+      <a:schemeClr val="accent1"/>
+    </dgm:fillClrLst>
+    <dgm:linClrLst meth="repeat">
+      <a:schemeClr val="accent1">
+        <a:shade val="60000"/>
+      </a:schemeClr>
+    </dgm:linClrLst>
+    <dgm:effectClrLst/>
+    <dgm:txLinClrLst/>
+    <dgm:txFillClrLst meth="repeat">
+      <a:schemeClr val="tx1"/>
+    </dgm:txFillClrLst>
+    <dgm:txEffectClrLst/>
+  </dgm:styleLbl>
+  <dgm:styleLbl name="parChTrans1D2">
+    <dgm:fillClrLst meth="repeat">
+      <a:schemeClr val="accent1"/>
+    </dgm:fillClrLst>
+    <dgm:linClrLst meth="repeat">
+      <a:schemeClr val="accent1">
+        <a:shade val="60000"/>
+      </a:schemeClr>
+    </dgm:linClrLst>
+    <dgm:effectClrLst/>
+    <dgm:txLinClrLst/>
+    <dgm:txFillClrLst meth="repeat">
+      <a:schemeClr val="tx1"/>
+    </dgm:txFillClrLst>
+    <dgm:txEffectClrLst/>
+  </dgm:styleLbl>
+  <dgm:styleLbl name="parChTrans1D3">
+    <dgm:fillClrLst meth="repeat">
+      <a:schemeClr val="accent1"/>
+    </dgm:fillClrLst>
+    <dgm:linClrLst meth="repeat">
+      <a:schemeClr val="accent1">
+        <a:shade val="80000"/>
+      </a:schemeClr>
+    </dgm:linClrLst>
+    <dgm:effectClrLst/>
+    <dgm:txLinClrLst/>
+    <dgm:txFillClrLst meth="repeat">
+      <a:schemeClr val="tx1"/>
+    </dgm:txFillClrLst>
+    <dgm:txEffectClrLst/>
+  </dgm:styleLbl>
+  <dgm:styleLbl name="parChTrans1D4">
+    <dgm:fillClrLst meth="repeat">
+      <a:schemeClr val="accent1"/>
+    </dgm:fillClrLst>
+    <dgm:linClrLst meth="repeat">
+      <a:schemeClr val="accent1">
+        <a:shade val="80000"/>
+      </a:schemeClr>
+    </dgm:linClrLst>
+    <dgm:effectClrLst/>
+    <dgm:txLinClrLst/>
+    <dgm:txFillClrLst meth="repeat">
+      <a:schemeClr val="tx1"/>
+    </dgm:txFillClrLst>
+    <dgm:txEffectClrLst/>
+  </dgm:styleLbl>
+  <dgm:styleLbl name="fgAcc1">
+    <dgm:fillClrLst meth="repeat">
+      <a:schemeClr val="lt1">
+        <a:alpha val="90000"/>
+      </a:schemeClr>
+    </dgm:fillClrLst>
+    <dgm:linClrLst meth="repeat">
+      <a:schemeClr val="accent1"/>
+    </dgm:linClrLst>
+    <dgm:effectClrLst/>
+    <dgm:txLinClrLst/>
+    <dgm:txFillClrLst meth="repeat">
+      <a:schemeClr val="dk1"/>
+    </dgm:txFillClrLst>
+    <dgm:txEffectClrLst/>
+  </dgm:styleLbl>
+  <dgm:styleLbl name="conFgAcc1">
+    <dgm:fillClrLst meth="repeat">
+      <a:schemeClr val="lt1">
+        <a:alpha val="90000"/>
+      </a:schemeClr>
+    </dgm:fillClrLst>
+    <dgm:linClrLst meth="repeat">
+      <a:schemeClr val="accent1"/>
+    </dgm:linClrLst>
+    <dgm:effectClrLst/>
+    <dgm:txLinClrLst/>
+    <dgm:txFillClrLst meth="repeat">
+      <a:schemeClr val="dk1"/>
+    </dgm:txFillClrLst>
+    <dgm:txEffectClrLst/>
+  </dgm:styleLbl>
+  <dgm:styleLbl name="alignAcc1">
+    <dgm:fillClrLst meth="repeat">
+      <a:schemeClr val="lt1">
+        <a:alpha val="90000"/>
+      </a:schemeClr>
+    </dgm:fillClrLst>
+    <dgm:linClrLst meth="repeat">
+      <a:schemeClr val="accent1"/>
+    </dgm:linClrLst>
+    <dgm:effectClrLst/>
+    <dgm:txLinClrLst/>
+    <dgm:txFillClrLst meth="repeat">
+      <a:schemeClr val="dk1"/>
+    </dgm:txFillClrLst>
+    <dgm:txEffectClrLst/>
+  </dgm:styleLbl>
+  <dgm:styleLbl name="trAlignAcc1">
+    <dgm:fillClrLst meth="repeat">
+      <a:schemeClr val="lt1">
+        <a:alpha val="40000"/>
+      </a:schemeClr>
+    </dgm:fillClrLst>
+    <dgm:linClrLst meth="repeat">
+      <a:schemeClr val="accent1"/>
+    </dgm:linClrLst>
+    <dgm:effectClrLst/>
+    <dgm:txLinClrLst/>
+    <dgm:txFillClrLst meth="repeat">
+      <a:schemeClr val="dk1"/>
+    </dgm:txFillClrLst>
+    <dgm:txEffectClrLst/>
+  </dgm:styleLbl>
+  <dgm:styleLbl name="bgAcc1">
+    <dgm:fillClrLst meth="repeat">
+      <a:schemeClr val="lt1">
+        <a:alpha val="90000"/>
+      </a:schemeClr>
+    </dgm:fillClrLst>
+    <dgm:linClrLst meth="repeat">
+      <a:schemeClr val="accent1"/>
+    </dgm:linClrLst>
+    <dgm:effectClrLst/>
+    <dgm:txLinClrLst/>
+    <dgm:txFillClrLst meth="repeat">
+      <a:schemeClr val="dk1"/>
+    </dgm:txFillClrLst>
+    <dgm:txEffectClrLst/>
+  </dgm:styleLbl>
+  <dgm:styleLbl name="solidFgAcc1">
+    <dgm:fillClrLst meth="repeat">
+      <a:schemeClr val="lt1"/>
+    </dgm:fillClrLst>
+    <dgm:linClrLst meth="repeat">
+      <a:schemeClr val="accent1"/>
+    </dgm:linClrLst>
+    <dgm:effectClrLst/>
+    <dgm:txLinClrLst/>
+    <dgm:txFillClrLst meth="repeat">
+      <a:schemeClr val="dk1"/>
+    </dgm:txFillClrLst>
+    <dgm:txEffectClrLst/>
+  </dgm:styleLbl>
+  <dgm:styleLbl name="solidAlignAcc1">
+    <dgm:fillClrLst meth="repeat">
+      <a:schemeClr val="lt1"/>
+    </dgm:fillClrLst>
+    <dgm:linClrLst meth="repeat">
+      <a:schemeClr val="accent1"/>
+    </dgm:linClrLst>
+    <dgm:effectClrLst/>
+    <dgm:txLinClrLst/>
+    <dgm:txFillClrLst meth="repeat">
+      <a:schemeClr val="dk1"/>
+    </dgm:txFillClrLst>
+    <dgm:txEffectClrLst/>
+  </dgm:styleLbl>
+  <dgm:styleLbl name="solidBgAcc1">
+    <dgm:fillClrLst meth="repeat">
+      <a:schemeClr val="lt1"/>
+    </dgm:fillClrLst>
+    <dgm:linClrLst meth="repeat">
+      <a:schemeClr val="accent1"/>
+    </dgm:linClrLst>
+    <dgm:effectClrLst/>
+    <dgm:txLinClrLst/>
+    <dgm:txFillClrLst meth="repeat">
+      <a:schemeClr val="dk1"/>
+    </dgm:txFillClrLst>
+    <dgm:txEffectClrLst/>
+  </dgm:styleLbl>
+  <dgm:styleLbl name="fgAccFollowNode1">
+    <dgm:fillClrLst meth="repeat">
+      <a:schemeClr val="accent1">
+        <a:alpha val="90000"/>
+        <a:tint val="40000"/>
+      </a:schemeClr>
+    </dgm:fillClrLst>
+    <dgm:linClrLst meth="repeat">
+      <a:schemeClr val="accent1">
+        <a:alpha val="90000"/>
+        <a:tint val="40000"/>
+      </a:schemeClr>
+    </dgm:linClrLst>
+    <dgm:effectClrLst/>
+    <dgm:txLinClrLst/>
+    <dgm:txFillClrLst meth="repeat">
+      <a:schemeClr val="dk1"/>
+    </dgm:txFillClrLst>
+    <dgm:txEffectClrLst/>
+  </dgm:styleLbl>
+  <dgm:styleLbl name="alignAccFollowNode1">
+    <dgm:fillClrLst meth="repeat">
+      <a:schemeClr val="accent1">
+        <a:alpha val="90000"/>
+        <a:tint val="40000"/>
+      </a:schemeClr>
+    </dgm:fillClrLst>
+    <dgm:linClrLst meth="repeat">
+      <a:schemeClr val="accent1">
+        <a:alpha val="90000"/>
+        <a:tint val="40000"/>
+      </a:schemeClr>
+    </dgm:linClrLst>
+    <dgm:effectClrLst/>
+    <dgm:txLinClrLst/>
+    <dgm:txFillClrLst meth="repeat">
+      <a:schemeClr val="dk1"/>
+    </dgm:txFillClrLst>
+    <dgm:txEffectClrLst/>
+  </dgm:styleLbl>
+  <dgm:styleLbl name="bgAccFollowNode1">
+    <dgm:fillClrLst meth="repeat">
+      <a:schemeClr val="accent1">
+        <a:alpha val="90000"/>
+        <a:tint val="40000"/>
+      </a:schemeClr>
+    </dgm:fillClrLst>
+    <dgm:linClrLst meth="repeat">
+      <a:schemeClr val="accent1">
+        <a:alpha val="90000"/>
+        <a:tint val="40000"/>
+      </a:schemeClr>
+    </dgm:linClrLst>
+    <dgm:effectClrLst/>
+    <dgm:txLinClrLst/>
+    <dgm:txFillClrLst meth="repeat">
+      <a:schemeClr val="dk1"/>
+    </dgm:txFillClrLst>
+    <dgm:txEffectClrLst/>
+  </dgm:styleLbl>
+  <dgm:styleLbl name="fgAcc0">
+    <dgm:fillClrLst meth="repeat">
+      <a:schemeClr val="lt1">
+        <a:alpha val="90000"/>
+      </a:schemeClr>
+    </dgm:fillClrLst>
+    <dgm:linClrLst meth="repeat">
+      <a:schemeClr val="accent1"/>
+    </dgm:linClrLst>
+    <dgm:effectClrLst/>
+    <dgm:txLinClrLst/>
+    <dgm:txFillClrLst meth="repeat">
+      <a:schemeClr val="dk1"/>
+    </dgm:txFillClrLst>
+    <dgm:txEffectClrLst/>
+  </dgm:styleLbl>
+  <dgm:styleLbl name="fgAcc2">
+    <dgm:fillClrLst meth="repeat">
+      <a:schemeClr val="lt1">
+        <a:alpha val="90000"/>
+      </a:schemeClr>
+    </dgm:fillClrLst>
+    <dgm:linClrLst meth="repeat">
+      <a:schemeClr val="accent1"/>
+    </dgm:linClrLst>
+    <dgm:effectClrLst/>
+    <dgm:txLinClrLst/>
+    <dgm:txFillClrLst meth="repeat">
+      <a:schemeClr val="dk1"/>
+    </dgm:txFillClrLst>
+    <dgm:txEffectClrLst/>
+  </dgm:styleLbl>
+  <dgm:styleLbl name="fgAcc3">
+    <dgm:fillClrLst meth="repeat">
+      <a:schemeClr val="lt1">
+        <a:alpha val="90000"/>
+      </a:schemeClr>
+    </dgm:fillClrLst>
+    <dgm:linClrLst meth="repeat">
+      <a:schemeClr val="accent1"/>
+    </dgm:linClrLst>
+    <dgm:effectClrLst/>
+    <dgm:txLinClrLst/>
+    <dgm:txFillClrLst meth="repeat">
+      <a:schemeClr val="dk1"/>
+    </dgm:txFillClrLst>
+    <dgm:txEffectClrLst/>
+  </dgm:styleLbl>
+  <dgm:styleLbl name="fgAcc4">
+    <dgm:fillClrLst meth="repeat">
+      <a:schemeClr val="lt1">
+        <a:alpha val="90000"/>
+      </a:schemeClr>
+    </dgm:fillClrLst>
+    <dgm:linClrLst meth="repeat">
+      <a:schemeClr val="accent1"/>
+    </dgm:linClrLst>
+    <dgm:effectClrLst/>
+    <dgm:txLinClrLst/>
+    <dgm:txFillClrLst meth="repeat">
+      <a:schemeClr val="dk1"/>
+    </dgm:txFillClrLst>
+    <dgm:txEffectClrLst/>
+  </dgm:styleLbl>
+  <dgm:styleLbl name="bgShp">
+    <dgm:fillClrLst meth="repeat">
+      <a:schemeClr val="accent1">
+        <a:tint val="40000"/>
+      </a:schemeClr>
+    </dgm:fillClrLst>
+    <dgm:linClrLst meth="repeat">
+      <a:schemeClr val="accent1"/>
+    </dgm:linClrLst>
+    <dgm:effectClrLst/>
+    <dgm:txLinClrLst/>
+    <dgm:txFillClrLst meth="repeat">
+      <a:schemeClr val="dk1"/>
+    </dgm:txFillClrLst>
+    <dgm:txEffectClrLst/>
+  </dgm:styleLbl>
+  <dgm:styleLbl name="dkBgShp">
+    <dgm:fillClrLst meth="repeat">
+      <a:schemeClr val="accent1">
+        <a:shade val="80000"/>
+      </a:schemeClr>
+    </dgm:fillClrLst>
+    <dgm:linClrLst meth="repeat">
+      <a:schemeClr val="accent1"/>
+    </dgm:linClrLst>
+    <dgm:effectClrLst/>
+    <dgm:txLinClrLst/>
+    <dgm:txFillClrLst meth="repeat">
+      <a:schemeClr val="lt1"/>
+    </dgm:txFillClrLst>
+    <dgm:txEffectClrLst/>
+  </dgm:styleLbl>
+  <dgm:styleLbl name="trBgShp">
+    <dgm:fillClrLst meth="repeat">
+      <a:schemeClr val="accent1">
+        <a:tint val="50000"/>
+        <a:alpha val="40000"/>
+      </a:schemeClr>
+    </dgm:fillClrLst>
+    <dgm:linClrLst meth="repeat">
+      <a:schemeClr val="accent1"/>
+    </dgm:linClrLst>
+    <dgm:effectClrLst/>
+    <dgm:txLinClrLst/>
+    <dgm:txFillClrLst meth="repeat">
+      <a:schemeClr val="lt1"/>
+    </dgm:txFillClrLst>
+    <dgm:txEffectClrLst/>
+  </dgm:styleLbl>
+  <dgm:styleLbl name="fgShp">
+    <dgm:fillClrLst meth="repeat">
+      <a:schemeClr val="accent1">
+        <a:tint val="60000"/>
+      </a:schemeClr>
+    </dgm:fillClrLst>
+    <dgm:linClrLst meth="repeat">
+      <a:schemeClr val="lt1"/>
+    </dgm:linClrLst>
+    <dgm:effectClrLst/>
+    <dgm:txLinClrLst/>
+    <dgm:txFillClrLst meth="repeat">
+      <a:schemeClr val="dk1"/>
+    </dgm:txFillClrLst>
+    <dgm:txEffectClrLst/>
+  </dgm:styleLbl>
+  <dgm:styleLbl name="revTx">
+    <dgm:fillClrLst meth="repeat">
+      <a:schemeClr val="lt1">
+        <a:alpha val="0"/>
+      </a:schemeClr>
+    </dgm:fillClrLst>
+    <dgm:linClrLst meth="repeat">
+      <a:schemeClr val="dk1">
+        <a:alpha val="0"/>
+      </a:schemeClr>
+    </dgm:linClrLst>
+    <dgm:effectClrLst/>
+    <dgm:txLinClrLst/>
+    <dgm:txFillClrLst meth="repeat">
+      <a:schemeClr val="tx1"/>
+    </dgm:txFillClrLst>
+    <dgm:txEffectClrLst/>
+  </dgm:styleLbl>
+</dgm:colorsDef>
+</file>
+
+<file path=ppt/diagrams/colors5.xml><?xml version="1.0" encoding="utf-8"?>
+<dgm:colorsDef xmlns:dgm="http://schemas.openxmlformats.org/drawingml/2006/diagram" xmlns:a="http://schemas.openxmlformats.org/drawingml/2006/main" uniqueId="urn:microsoft.com/office/officeart/2005/8/colors/accent1_2">
+  <dgm:title val=""/>
+  <dgm:desc val=""/>
+  <dgm:catLst>
+    <dgm:cat type="accent1" pri="11200"/>
+  </dgm:catLst>
+  <dgm:styleLbl name="node0">
+    <dgm:fillClrLst meth="repeat">
+      <a:schemeClr val="accent1"/>
+    </dgm:fillClrLst>
+    <dgm:linClrLst meth="repeat">
+      <a:schemeClr val="lt1"/>
+    </dgm:linClrLst>
+    <dgm:effectClrLst/>
+    <dgm:txLinClrLst/>
+    <dgm:txFillClrLst/>
+    <dgm:txEffectClrLst/>
+  </dgm:styleLbl>
+  <dgm:styleLbl name="alignNode1">
+    <dgm:fillClrLst meth="repeat">
+      <a:schemeClr val="accent1"/>
+    </dgm:fillClrLst>
+    <dgm:linClrLst meth="repeat">
+      <a:schemeClr val="accent1"/>
+    </dgm:linClrLst>
+    <dgm:effectClrLst/>
+    <dgm:txLinClrLst/>
+    <dgm:txFillClrLst/>
+    <dgm:txEffectClrLst/>
+  </dgm:styleLbl>
+  <dgm:styleLbl name="node1">
+    <dgm:fillClrLst meth="repeat">
+      <a:schemeClr val="accent1"/>
+    </dgm:fillClrLst>
+    <dgm:linClrLst meth="repeat">
+      <a:schemeClr val="lt1"/>
+    </dgm:linClrLst>
+    <dgm:effectClrLst/>
+    <dgm:txLinClrLst/>
+    <dgm:txFillClrLst/>
+    <dgm:txEffectClrLst/>
+  </dgm:styleLbl>
+  <dgm:styleLbl name="lnNode1">
+    <dgm:fillClrLst meth="repeat">
+      <a:schemeClr val="accent1"/>
+    </dgm:fillClrLst>
+    <dgm:linClrLst meth="repeat">
+      <a:schemeClr val="lt1"/>
+    </dgm:linClrLst>
+    <dgm:effectClrLst/>
+    <dgm:txLinClrLst/>
+    <dgm:txFillClrLst/>
+    <dgm:txEffectClrLst/>
+  </dgm:styleLbl>
+  <dgm:styleLbl name="vennNode1">
+    <dgm:fillClrLst meth="repeat">
+      <a:schemeClr val="accent1">
+        <a:alpha val="50000"/>
+      </a:schemeClr>
+    </dgm:fillClrLst>
+    <dgm:linClrLst meth="repeat">
+      <a:schemeClr val="lt1"/>
+    </dgm:linClrLst>
+    <dgm:effectClrLst/>
+    <dgm:txLinClrLst/>
+    <dgm:txFillClrLst/>
+    <dgm:txEffectClrLst/>
+  </dgm:styleLbl>
+  <dgm:styleLbl name="node2">
+    <dgm:fillClrLst meth="repeat">
+      <a:schemeClr val="accent1"/>
+    </dgm:fillClrLst>
+    <dgm:linClrLst meth="repeat">
+      <a:schemeClr val="lt1"/>
+    </dgm:linClrLst>
+    <dgm:effectClrLst/>
+    <dgm:txLinClrLst/>
+    <dgm:txFillClrLst/>
+    <dgm:txEffectClrLst/>
+  </dgm:styleLbl>
+  <dgm:styleLbl name="node3">
+    <dgm:fillClrLst meth="repeat">
+      <a:schemeClr val="accent1"/>
+    </dgm:fillClrLst>
+    <dgm:linClrLst meth="repeat">
+      <a:schemeClr val="lt1"/>
+    </dgm:linClrLst>
+    <dgm:effectClrLst/>
+    <dgm:txLinClrLst/>
+    <dgm:txFillClrLst/>
+    <dgm:txEffectClrLst/>
+  </dgm:styleLbl>
+  <dgm:styleLbl name="node4">
+    <dgm:fillClrLst meth="repeat">
+      <a:schemeClr val="accent1"/>
+    </dgm:fillClrLst>
+    <dgm:linClrLst meth="repeat">
+      <a:schemeClr val="lt1"/>
+    </dgm:linClrLst>
+    <dgm:effectClrLst/>
+    <dgm:txLinClrLst/>
+    <dgm:txFillClrLst/>
+    <dgm:txEffectClrLst/>
+  </dgm:styleLbl>
+  <dgm:styleLbl name="fgImgPlace1">
+    <dgm:fillClrLst meth="repeat">
+      <a:schemeClr val="accent1">
+        <a:tint val="50000"/>
+      </a:schemeClr>
+    </dgm:fillClrLst>
+    <dgm:linClrLst meth="repeat">
+      <a:schemeClr val="lt1"/>
+    </dgm:linClrLst>
+    <dgm:effectClrLst/>
+    <dgm:txLinClrLst/>
+    <dgm:txFillClrLst meth="repeat">
+      <a:schemeClr val="lt1"/>
+    </dgm:txFillClrLst>
+    <dgm:txEffectClrLst/>
+  </dgm:styleLbl>
+  <dgm:styleLbl name="alignImgPlace1">
+    <dgm:fillClrLst meth="repeat">
+      <a:schemeClr val="accent1">
+        <a:tint val="50000"/>
+      </a:schemeClr>
+    </dgm:fillClrLst>
+    <dgm:linClrLst meth="repeat">
+      <a:schemeClr val="lt1"/>
+    </dgm:linClrLst>
+    <dgm:effectClrLst/>
+    <dgm:txLinClrLst/>
+    <dgm:txFillClrLst meth="repeat">
+      <a:schemeClr val="lt1"/>
+    </dgm:txFillClrLst>
+    <dgm:txEffectClrLst/>
+  </dgm:styleLbl>
+  <dgm:styleLbl name="bgImgPlace1">
+    <dgm:fillClrLst meth="repeat">
+      <a:schemeClr val="accent1">
+        <a:tint val="50000"/>
+      </a:schemeClr>
+    </dgm:fillClrLst>
+    <dgm:linClrLst meth="repeat">
+      <a:schemeClr val="lt1"/>
+    </dgm:linClrLst>
+    <dgm:effectClrLst/>
+    <dgm:txLinClrLst/>
+    <dgm:txFillClrLst meth="repeat">
+      <a:schemeClr val="lt1"/>
+    </dgm:txFillClrLst>
+    <dgm:txEffectClrLst/>
+  </dgm:styleLbl>
+  <dgm:styleLbl name="sibTrans2D1">
+    <dgm:fillClrLst meth="repeat">
+      <a:schemeClr val="accent1">
+        <a:tint val="60000"/>
+      </a:schemeClr>
+    </dgm:fillClrLst>
+    <dgm:linClrLst meth="repeat">
+      <a:schemeClr val="accent1">
+        <a:tint val="60000"/>
+      </a:schemeClr>
+    </dgm:linClrLst>
+    <dgm:effectClrLst/>
+    <dgm:txLinClrLst/>
+    <dgm:txFillClrLst/>
+    <dgm:txEffectClrLst/>
+  </dgm:styleLbl>
+  <dgm:styleLbl name="fgSibTrans2D1">
+    <dgm:fillClrLst meth="repeat">
+      <a:schemeClr val="accent1">
+        <a:tint val="60000"/>
+      </a:schemeClr>
+    </dgm:fillClrLst>
+    <dgm:linClrLst meth="repeat">
+      <a:schemeClr val="accent1">
+        <a:tint val="60000"/>
+      </a:schemeClr>
+    </dgm:linClrLst>
+    <dgm:effectClrLst/>
+    <dgm:txLinClrLst/>
+    <dgm:txFillClrLst/>
+    <dgm:txEffectClrLst/>
+  </dgm:styleLbl>
+  <dgm:styleLbl name="bgSibTrans2D1">
+    <dgm:fillClrLst meth="repeat">
+      <a:schemeClr val="accent1">
+        <a:tint val="60000"/>
+      </a:schemeClr>
+    </dgm:fillClrLst>
+    <dgm:linClrLst meth="repeat">
+      <a:schemeClr val="accent1">
+        <a:tint val="60000"/>
+      </a:schemeClr>
+    </dgm:linClrLst>
+    <dgm:effectClrLst/>
+    <dgm:txLinClrLst/>
+    <dgm:txFillClrLst/>
+    <dgm:txEffectClrLst/>
+  </dgm:styleLbl>
+  <dgm:styleLbl name="sibTrans1D1">
+    <dgm:fillClrLst meth="repeat">
+      <a:schemeClr val="accent1"/>
+    </dgm:fillClrLst>
+    <dgm:linClrLst meth="repeat">
+      <a:schemeClr val="accent1"/>
+    </dgm:linClrLst>
+    <dgm:effectClrLst/>
+    <dgm:txLinClrLst/>
+    <dgm:txFillClrLst meth="repeat">
+      <a:schemeClr val="tx1"/>
+    </dgm:txFillClrLst>
+    <dgm:txEffectClrLst/>
+  </dgm:styleLbl>
+  <dgm:styleLbl name="callout">
+    <dgm:fillClrLst meth="repeat">
+      <a:schemeClr val="accent1"/>
+    </dgm:fillClrLst>
+    <dgm:linClrLst meth="repeat">
+      <a:schemeClr val="accent1">
+        <a:tint val="50000"/>
+      </a:schemeClr>
+    </dgm:linClrLst>
+    <dgm:effectClrLst/>
+    <dgm:txLinClrLst/>
+    <dgm:txFillClrLst meth="repeat">
+      <a:schemeClr val="tx1"/>
+    </dgm:txFillClrLst>
+    <dgm:txEffectClrLst/>
+  </dgm:styleLbl>
+  <dgm:styleLbl name="asst0">
+    <dgm:fillClrLst meth="repeat">
+      <a:schemeClr val="accent1"/>
+    </dgm:fillClrLst>
+    <dgm:linClrLst meth="repeat">
+      <a:schemeClr val="lt1"/>
+    </dgm:linClrLst>
+    <dgm:effectClrLst/>
+    <dgm:txLinClrLst/>
+    <dgm:txFillClrLst/>
+    <dgm:txEffectClrLst/>
+  </dgm:styleLbl>
+  <dgm:styleLbl name="asst1">
+    <dgm:fillClrLst meth="repeat">
+      <a:schemeClr val="accent1"/>
+    </dgm:fillClrLst>
+    <dgm:linClrLst meth="repeat">
+      <a:schemeClr val="lt1"/>
+    </dgm:linClrLst>
+    <dgm:effectClrLst/>
+    <dgm:txLinClrLst/>
+    <dgm:txFillClrLst/>
+    <dgm:txEffectClrLst/>
+  </dgm:styleLbl>
+  <dgm:styleLbl name="asst2">
+    <dgm:fillClrLst meth="repeat">
+      <a:schemeClr val="accent1"/>
+    </dgm:fillClrLst>
+    <dgm:linClrLst meth="repeat">
+      <a:schemeClr val="lt1"/>
+    </dgm:linClrLst>
+    <dgm:effectClrLst/>
+    <dgm:txLinClrLst/>
+    <dgm:txFillClrLst/>
+    <dgm:txEffectClrLst/>
+  </dgm:styleLbl>
+  <dgm:styleLbl name="asst3">
+    <dgm:fillClrLst meth="repeat">
+      <a:schemeClr val="accent1"/>
+    </dgm:fillClrLst>
+    <dgm:linClrLst meth="repeat">
+      <a:schemeClr val="lt1"/>
+    </dgm:linClrLst>
+    <dgm:effectClrLst/>
+    <dgm:txLinClrLst/>
+    <dgm:txFillClrLst/>
+    <dgm:txEffectClrLst/>
+  </dgm:styleLbl>
+  <dgm:styleLbl name="asst4">
+    <dgm:fillClrLst meth="repeat">
+      <a:schemeClr val="accent1"/>
+    </dgm:fillClrLst>
+    <dgm:linClrLst meth="repeat">
+      <a:schemeClr val="lt1"/>
+    </dgm:linClrLst>
+    <dgm:effectClrLst/>
+    <dgm:txLinClrLst/>
+    <dgm:txFillClrLst/>
+    <dgm:txEffectClrLst/>
+  </dgm:styleLbl>
+  <dgm:styleLbl name="parChTrans2D1">
+    <dgm:fillClrLst meth="repeat">
+      <a:schemeClr val="accent1">
+        <a:tint val="60000"/>
+      </a:schemeClr>
+    </dgm:fillClrLst>
+    <dgm:linClrLst meth="repeat">
+      <a:schemeClr val="accent1">
+        <a:tint val="60000"/>
+      </a:schemeClr>
+    </dgm:linClrLst>
+    <dgm:effectClrLst/>
+    <dgm:txLinClrLst/>
+    <dgm:txFillClrLst meth="repeat">
+      <a:schemeClr val="lt1"/>
+    </dgm:txFillClrLst>
+    <dgm:txEffectClrLst/>
+  </dgm:styleLbl>
+  <dgm:styleLbl name="parChTrans2D2">
+    <dgm:fillClrLst meth="repeat">
+      <a:schemeClr val="accent1"/>
+    </dgm:fillClrLst>
+    <dgm:linClrLst meth="repeat">
+      <a:schemeClr val="accent1"/>
+    </dgm:linClrLst>
+    <dgm:effectClrLst/>
+    <dgm:txLinClrLst/>
+    <dgm:txFillClrLst meth="repeat">
+      <a:schemeClr val="lt1"/>
+    </dgm:txFillClrLst>
+    <dgm:txEffectClrLst/>
+  </dgm:styleLbl>
+  <dgm:styleLbl name="parChTrans2D3">
+    <dgm:fillClrLst meth="repeat">
+      <a:schemeClr val="accent1"/>
+    </dgm:fillClrLst>
+    <dgm:linClrLst meth="repeat">
+      <a:schemeClr val="accent1"/>
+    </dgm:linClrLst>
+    <dgm:effectClrLst/>
+    <dgm:txLinClrLst/>
+    <dgm:txFillClrLst meth="repeat">
+      <a:schemeClr val="lt1"/>
+    </dgm:txFillClrLst>
+    <dgm:txEffectClrLst/>
+  </dgm:styleLbl>
+  <dgm:styleLbl name="parChTrans2D4">
+    <dgm:fillClrLst meth="repeat">
+      <a:schemeClr val="accent1"/>
+    </dgm:fillClrLst>
+    <dgm:linClrLst meth="repeat">
+      <a:schemeClr val="accent1"/>
+    </dgm:linClrLst>
+    <dgm:effectClrLst/>
+    <dgm:txLinClrLst/>
+    <dgm:txFillClrLst meth="repeat">
+      <a:schemeClr val="lt1"/>
+    </dgm:txFillClrLst>
+    <dgm:txEffectClrLst/>
+  </dgm:styleLbl>
+  <dgm:styleLbl name="parChTrans1D1">
+    <dgm:fillClrLst meth="repeat">
+      <a:schemeClr val="accent1"/>
+    </dgm:fillClrLst>
+    <dgm:linClrLst meth="repeat">
+      <a:schemeClr val="accent1">
+        <a:shade val="60000"/>
+      </a:schemeClr>
+    </dgm:linClrLst>
+    <dgm:effectClrLst/>
+    <dgm:txLinClrLst/>
+    <dgm:txFillClrLst meth="repeat">
+      <a:schemeClr val="tx1"/>
+    </dgm:txFillClrLst>
+    <dgm:txEffectClrLst/>
+  </dgm:styleLbl>
+  <dgm:styleLbl name="parChTrans1D2">
+    <dgm:fillClrLst meth="repeat">
+      <a:schemeClr val="accent1"/>
+    </dgm:fillClrLst>
+    <dgm:linClrLst meth="repeat">
+      <a:schemeClr val="accent1">
+        <a:shade val="60000"/>
+      </a:schemeClr>
+    </dgm:linClrLst>
+    <dgm:effectClrLst/>
+    <dgm:txLinClrLst/>
+    <dgm:txFillClrLst meth="repeat">
+      <a:schemeClr val="tx1"/>
+    </dgm:txFillClrLst>
+    <dgm:txEffectClrLst/>
+  </dgm:styleLbl>
+  <dgm:styleLbl name="parChTrans1D3">
+    <dgm:fillClrLst meth="repeat">
+      <a:schemeClr val="accent1"/>
+    </dgm:fillClrLst>
+    <dgm:linClrLst meth="repeat">
+      <a:schemeClr val="accent1">
+        <a:shade val="80000"/>
+      </a:schemeClr>
+    </dgm:linClrLst>
+    <dgm:effectClrLst/>
+    <dgm:txLinClrLst/>
+    <dgm:txFillClrLst meth="repeat">
+      <a:schemeClr val="tx1"/>
+    </dgm:txFillClrLst>
+    <dgm:txEffectClrLst/>
+  </dgm:styleLbl>
+  <dgm:styleLbl name="parChTrans1D4">
+    <dgm:fillClrLst meth="repeat">
+      <a:schemeClr val="accent1"/>
+    </dgm:fillClrLst>
+    <dgm:linClrLst meth="repeat">
+      <a:schemeClr val="accent1">
+        <a:shade val="80000"/>
+      </a:schemeClr>
+    </dgm:linClrLst>
+    <dgm:effectClrLst/>
+    <dgm:txLinClrLst/>
+    <dgm:txFillClrLst meth="repeat">
+      <a:schemeClr val="tx1"/>
+    </dgm:txFillClrLst>
+    <dgm:txEffectClrLst/>
+  </dgm:styleLbl>
+  <dgm:styleLbl name="fgAcc1">
+    <dgm:fillClrLst meth="repeat">
+      <a:schemeClr val="lt1">
+        <a:alpha val="90000"/>
+      </a:schemeClr>
+    </dgm:fillClrLst>
+    <dgm:linClrLst meth="repeat">
+      <a:schemeClr val="accent1"/>
+    </dgm:linClrLst>
+    <dgm:effectClrLst/>
+    <dgm:txLinClrLst/>
+    <dgm:txFillClrLst meth="repeat">
+      <a:schemeClr val="dk1"/>
+    </dgm:txFillClrLst>
+    <dgm:txEffectClrLst/>
+  </dgm:styleLbl>
+  <dgm:styleLbl name="conFgAcc1">
+    <dgm:fillClrLst meth="repeat">
+      <a:schemeClr val="lt1">
+        <a:alpha val="90000"/>
+      </a:schemeClr>
+    </dgm:fillClrLst>
+    <dgm:linClrLst meth="repeat">
+      <a:schemeClr val="accent1"/>
+    </dgm:linClrLst>
+    <dgm:effectClrLst/>
+    <dgm:txLinClrLst/>
+    <dgm:txFillClrLst meth="repeat">
+      <a:schemeClr val="dk1"/>
+    </dgm:txFillClrLst>
+    <dgm:txEffectClrLst/>
+  </dgm:styleLbl>
+  <dgm:styleLbl name="alignAcc1">
+    <dgm:fillClrLst meth="repeat">
+      <a:schemeClr val="lt1">
+        <a:alpha val="90000"/>
+      </a:schemeClr>
+    </dgm:fillClrLst>
+    <dgm:linClrLst meth="repeat">
+      <a:schemeClr val="accent1"/>
+    </dgm:linClrLst>
+    <dgm:effectClrLst/>
+    <dgm:txLinClrLst/>
+    <dgm:txFillClrLst meth="repeat">
+      <a:schemeClr val="dk1"/>
+    </dgm:txFillClrLst>
+    <dgm:txEffectClrLst/>
+  </dgm:styleLbl>
+  <dgm:styleLbl name="trAlignAcc1">
+    <dgm:fillClrLst meth="repeat">
+      <a:schemeClr val="lt1">
+        <a:alpha val="40000"/>
+      </a:schemeClr>
+    </dgm:fillClrLst>
+    <dgm:linClrLst meth="repeat">
+      <a:schemeClr val="accent1"/>
+    </dgm:linClrLst>
+    <dgm:effectClrLst/>
+    <dgm:txLinClrLst/>
+    <dgm:txFillClrLst meth="repeat">
+      <a:schemeClr val="dk1"/>
+    </dgm:txFillClrLst>
+    <dgm:txEffectClrLst/>
+  </dgm:styleLbl>
+  <dgm:styleLbl name="bgAcc1">
+    <dgm:fillClrLst meth="repeat">
+      <a:schemeClr val="lt1">
+        <a:alpha val="90000"/>
+      </a:schemeClr>
+    </dgm:fillClrLst>
+    <dgm:linClrLst meth="repeat">
+      <a:schemeClr val="accent1"/>
+    </dgm:linClrLst>
+    <dgm:effectClrLst/>
+    <dgm:txLinClrLst/>
+    <dgm:txFillClrLst meth="repeat">
+      <a:schemeClr val="dk1"/>
+    </dgm:txFillClrLst>
+    <dgm:txEffectClrLst/>
+  </dgm:styleLbl>
+  <dgm:styleLbl name="solidFgAcc1">
+    <dgm:fillClrLst meth="repeat">
+      <a:schemeClr val="lt1"/>
+    </dgm:fillClrLst>
+    <dgm:linClrLst meth="repeat">
+      <a:schemeClr val="accent1"/>
+    </dgm:linClrLst>
+    <dgm:effectClrLst/>
+    <dgm:txLinClrLst/>
+    <dgm:txFillClrLst meth="repeat">
+      <a:schemeClr val="dk1"/>
+    </dgm:txFillClrLst>
+    <dgm:txEffectClrLst/>
+  </dgm:styleLbl>
+  <dgm:styleLbl name="solidAlignAcc1">
+    <dgm:fillClrLst meth="repeat">
+      <a:schemeClr val="lt1"/>
+    </dgm:fillClrLst>
+    <dgm:linClrLst meth="repeat">
+      <a:schemeClr val="accent1"/>
+    </dgm:linClrLst>
+    <dgm:effectClrLst/>
+    <dgm:txLinClrLst/>
+    <dgm:txFillClrLst meth="repeat">
+      <a:schemeClr val="dk1"/>
+    </dgm:txFillClrLst>
+    <dgm:txEffectClrLst/>
+  </dgm:styleLbl>
+  <dgm:styleLbl name="solidBgAcc1">
+    <dgm:fillClrLst meth="repeat">
+      <a:schemeClr val="lt1"/>
+    </dgm:fillClrLst>
+    <dgm:linClrLst meth="repeat">
+      <a:schemeClr val="accent1"/>
+    </dgm:linClrLst>
+    <dgm:effectClrLst/>
+    <dgm:txLinClrLst/>
+    <dgm:txFillClrLst meth="repeat">
+      <a:schemeClr val="dk1"/>
+    </dgm:txFillClrLst>
+    <dgm:txEffectClrLst/>
+  </dgm:styleLbl>
+  <dgm:styleLbl name="fgAccFollowNode1">
+    <dgm:fillClrLst meth="repeat">
+      <a:schemeClr val="accent1">
+        <a:alpha val="90000"/>
+        <a:tint val="40000"/>
+      </a:schemeClr>
+    </dgm:fillClrLst>
+    <dgm:linClrLst meth="repeat">
+      <a:schemeClr val="accent1">
+        <a:alpha val="90000"/>
+        <a:tint val="40000"/>
+      </a:schemeClr>
+    </dgm:linClrLst>
+    <dgm:effectClrLst/>
+    <dgm:txLinClrLst/>
+    <dgm:txFillClrLst meth="repeat">
+      <a:schemeClr val="dk1"/>
+    </dgm:txFillClrLst>
+    <dgm:txEffectClrLst/>
+  </dgm:styleLbl>
+  <dgm:styleLbl name="alignAccFollowNode1">
+    <dgm:fillClrLst meth="repeat">
+      <a:schemeClr val="accent1">
+        <a:alpha val="90000"/>
+        <a:tint val="40000"/>
+      </a:schemeClr>
+    </dgm:fillClrLst>
+    <dgm:linClrLst meth="repeat">
+      <a:schemeClr val="accent1">
+        <a:alpha val="90000"/>
+        <a:tint val="40000"/>
+      </a:schemeClr>
+    </dgm:linClrLst>
+    <dgm:effectClrLst/>
+    <dgm:txLinClrLst/>
+    <dgm:txFillClrLst meth="repeat">
+      <a:schemeClr val="dk1"/>
+    </dgm:txFillClrLst>
+    <dgm:txEffectClrLst/>
+  </dgm:styleLbl>
+  <dgm:styleLbl name="bgAccFollowNode1">
+    <dgm:fillClrLst meth="repeat">
+      <a:schemeClr val="accent1">
+        <a:alpha val="90000"/>
+        <a:tint val="40000"/>
+      </a:schemeClr>
+    </dgm:fillClrLst>
+    <dgm:linClrLst meth="repeat">
+      <a:schemeClr val="accent1">
+        <a:alpha val="90000"/>
+        <a:tint val="40000"/>
+      </a:schemeClr>
+    </dgm:linClrLst>
+    <dgm:effectClrLst/>
+    <dgm:txLinClrLst/>
+    <dgm:txFillClrLst meth="repeat">
+      <a:schemeClr val="dk1"/>
+    </dgm:txFillClrLst>
+    <dgm:txEffectClrLst/>
+  </dgm:styleLbl>
+  <dgm:styleLbl name="fgAcc0">
+    <dgm:fillClrLst meth="repeat">
+      <a:schemeClr val="lt1">
+        <a:alpha val="90000"/>
+      </a:schemeClr>
+    </dgm:fillClrLst>
+    <dgm:linClrLst meth="repeat">
+      <a:schemeClr val="accent1"/>
+    </dgm:linClrLst>
+    <dgm:effectClrLst/>
+    <dgm:txLinClrLst/>
+    <dgm:txFillClrLst meth="repeat">
+      <a:schemeClr val="dk1"/>
+    </dgm:txFillClrLst>
+    <dgm:txEffectClrLst/>
+  </dgm:styleLbl>
+  <dgm:styleLbl name="fgAcc2">
+    <dgm:fillClrLst meth="repeat">
+      <a:schemeClr val="lt1">
+        <a:alpha val="90000"/>
+      </a:schemeClr>
+    </dgm:fillClrLst>
+    <dgm:linClrLst meth="repeat">
+      <a:schemeClr val="accent1"/>
+    </dgm:linClrLst>
+    <dgm:effectClrLst/>
+    <dgm:txLinClrLst/>
+    <dgm:txFillClrLst meth="repeat">
+      <a:schemeClr val="dk1"/>
+    </dgm:txFillClrLst>
+    <dgm:txEffectClrLst/>
+  </dgm:styleLbl>
+  <dgm:styleLbl name="fgAcc3">
+    <dgm:fillClrLst meth="repeat">
+      <a:schemeClr val="lt1">
+        <a:alpha val="90000"/>
+      </a:schemeClr>
+    </dgm:fillClrLst>
+    <dgm:linClrLst meth="repeat">
+      <a:schemeClr val="accent1"/>
+    </dgm:linClrLst>
+    <dgm:effectClrLst/>
+    <dgm:txLinClrLst/>
+    <dgm:txFillClrLst meth="repeat">
+      <a:schemeClr val="dk1"/>
+    </dgm:txFillClrLst>
+    <dgm:txEffectClrLst/>
+  </dgm:styleLbl>
+  <dgm:styleLbl name="fgAcc4">
+    <dgm:fillClrLst meth="repeat">
+      <a:schemeClr val="lt1">
+        <a:alpha val="90000"/>
+      </a:schemeClr>
+    </dgm:fillClrLst>
+    <dgm:linClrLst meth="repeat">
+      <a:schemeClr val="accent1"/>
+    </dgm:linClrLst>
+    <dgm:effectClrLst/>
+    <dgm:txLinClrLst/>
+    <dgm:txFillClrLst meth="repeat">
+      <a:schemeClr val="dk1"/>
+    </dgm:txFillClrLst>
+    <dgm:txEffectClrLst/>
+  </dgm:styleLbl>
+  <dgm:styleLbl name="bgShp">
+    <dgm:fillClrLst meth="repeat">
+      <a:schemeClr val="accent1">
+        <a:tint val="40000"/>
+      </a:schemeClr>
+    </dgm:fillClrLst>
+    <dgm:linClrLst meth="repeat">
+      <a:schemeClr val="accent1"/>
+    </dgm:linClrLst>
+    <dgm:effectClrLst/>
+    <dgm:txLinClrLst/>
+    <dgm:txFillClrLst meth="repeat">
+      <a:schemeClr val="dk1"/>
+    </dgm:txFillClrLst>
+    <dgm:txEffectClrLst/>
+  </dgm:styleLbl>
+  <dgm:styleLbl name="dkBgShp">
+    <dgm:fillClrLst meth="repeat">
+      <a:schemeClr val="accent1">
+        <a:shade val="80000"/>
+      </a:schemeClr>
+    </dgm:fillClrLst>
+    <dgm:linClrLst meth="repeat">
+      <a:schemeClr val="accent1"/>
+    </dgm:linClrLst>
+    <dgm:effectClrLst/>
+    <dgm:txLinClrLst/>
+    <dgm:txFillClrLst meth="repeat">
+      <a:schemeClr val="lt1"/>
+    </dgm:txFillClrLst>
+    <dgm:txEffectClrLst/>
+  </dgm:styleLbl>
+  <dgm:styleLbl name="trBgShp">
+    <dgm:fillClrLst meth="repeat">
+      <a:schemeClr val="accent1">
+        <a:tint val="50000"/>
+        <a:alpha val="40000"/>
+      </a:schemeClr>
+    </dgm:fillClrLst>
+    <dgm:linClrLst meth="repeat">
+      <a:schemeClr val="accent1"/>
+    </dgm:linClrLst>
+    <dgm:effectClrLst/>
+    <dgm:txLinClrLst/>
+    <dgm:txFillClrLst meth="repeat">
+      <a:schemeClr val="lt1"/>
+    </dgm:txFillClrLst>
+    <dgm:txEffectClrLst/>
+  </dgm:styleLbl>
+  <dgm:styleLbl name="fgShp">
+    <dgm:fillClrLst meth="repeat">
+      <a:schemeClr val="accent1">
+        <a:tint val="60000"/>
       </a:schemeClr>
     </dgm:fillClrLst>
     <dgm:linClrLst meth="repeat">
@@ -3199,19 +4695,19 @@
     </dgm:pt>
   </dgm:ptLst>
   <dgm:cxnLst>
-    <dgm:cxn modelId="{9D1CCF5F-F70F-4EA5-A901-89660CA3AB07}" srcId="{10FE40D6-C3B6-4336-8CB5-731A13E49219}" destId="{2CC91FFE-51BC-4AC1-956B-E6D83D6B5265}" srcOrd="2" destOrd="0" parTransId="{67FA0C95-7AC3-436E-8B7F-ECD4CF494879}" sibTransId="{C3B7A825-C89D-4BB8-A1F4-A66F4BB77425}"/>
     <dgm:cxn modelId="{949B37CA-F258-4EC3-B591-1990E6A23677}" type="presOf" srcId="{2CC91FFE-51BC-4AC1-956B-E6D83D6B5265}" destId="{09F04A3B-D471-45E6-BB8D-DE4B129D58D0}" srcOrd="0" destOrd="0" presId="urn:microsoft.com/office/officeart/2005/8/layout/vList5"/>
-    <dgm:cxn modelId="{7686C187-0E41-4F2C-BFD8-4352E1FA6753}" type="presOf" srcId="{68861929-4E40-4C54-BDC7-B929EFD05597}" destId="{F52B4BDB-80A5-41AA-B9B3-3645F8EF4C11}" srcOrd="0" destOrd="0" presId="urn:microsoft.com/office/officeart/2005/8/layout/vList5"/>
-    <dgm:cxn modelId="{A925A93C-04E4-49D0-B436-A3117D2B5202}" type="presOf" srcId="{10FE40D6-C3B6-4336-8CB5-731A13E49219}" destId="{1D0BD91F-F3C4-488C-8CE7-A2F21EABC647}" srcOrd="0" destOrd="0" presId="urn:microsoft.com/office/officeart/2005/8/layout/vList5"/>
-    <dgm:cxn modelId="{BBEDDA6D-0D31-40C8-8B8E-087C135418EA}" srcId="{2CC91FFE-51BC-4AC1-956B-E6D83D6B5265}" destId="{E769D187-0313-4DC8-93AD-81B7BA7E7937}" srcOrd="0" destOrd="0" parTransId="{B1C1ED42-3183-46DE-B6D6-2C1E84A17F3C}" sibTransId="{C4691D04-7D9B-4B60-A8CA-32DF971E71A5}"/>
+    <dgm:cxn modelId="{35655412-8338-412A-A404-52434B1D5AE4}" srcId="{10FE40D6-C3B6-4336-8CB5-731A13E49219}" destId="{93CAC3CC-AE22-4494-B720-C31FF1451C9E}" srcOrd="0" destOrd="0" parTransId="{90EE975D-A833-462E-A403-953A799C121A}" sibTransId="{C2EA9B8A-EC34-4CE0-89BB-7658BD65F3E5}"/>
     <dgm:cxn modelId="{553A20D6-1D07-42A1-92D4-740ED837D0BF}" srcId="{93CAC3CC-AE22-4494-B720-C31FF1451C9E}" destId="{A691F43A-E572-4457-ACDD-C8E9799F6EB3}" srcOrd="0" destOrd="0" parTransId="{3BE6E77F-B05E-4E17-A0C3-57B132DD457D}" sibTransId="{BA6CBA50-1EF6-485B-9986-E155B51A9125}"/>
-    <dgm:cxn modelId="{1A529A9D-10A7-4815-AB48-413C37FA79C2}" srcId="{68861929-4E40-4C54-BDC7-B929EFD05597}" destId="{6BB40D84-C1D7-4C2F-8DF9-E451CE7A44BA}" srcOrd="0" destOrd="0" parTransId="{78FF9D6B-87A0-471F-BD01-0BF9ADED66BF}" sibTransId="{6DC549BC-3847-40D8-BD42-DC6051E93B56}"/>
-    <dgm:cxn modelId="{57E94998-B3F4-49DC-9344-764E04B1130E}" type="presOf" srcId="{6BB40D84-C1D7-4C2F-8DF9-E451CE7A44BA}" destId="{ED6E39D2-824F-4791-A604-37A1250DABA9}" srcOrd="0" destOrd="0" presId="urn:microsoft.com/office/officeart/2005/8/layout/vList5"/>
     <dgm:cxn modelId="{D33AB769-67A3-4050-B9BB-83BA5662617A}" type="presOf" srcId="{E769D187-0313-4DC8-93AD-81B7BA7E7937}" destId="{3A895E7A-F92A-44EB-ADD1-62EF62E0E337}" srcOrd="0" destOrd="0" presId="urn:microsoft.com/office/officeart/2005/8/layout/vList5"/>
     <dgm:cxn modelId="{21B938CC-9BD5-4C62-84A5-E84BC91F30B6}" srcId="{10FE40D6-C3B6-4336-8CB5-731A13E49219}" destId="{68861929-4E40-4C54-BDC7-B929EFD05597}" srcOrd="1" destOrd="0" parTransId="{8EEEDF21-6523-4A5D-BA7C-5C2836AD9D03}" sibTransId="{F5C4A384-3B2B-4AA4-AB6D-6E3BADD4A028}"/>
+    <dgm:cxn modelId="{1A529A9D-10A7-4815-AB48-413C37FA79C2}" srcId="{68861929-4E40-4C54-BDC7-B929EFD05597}" destId="{6BB40D84-C1D7-4C2F-8DF9-E451CE7A44BA}" srcOrd="0" destOrd="0" parTransId="{78FF9D6B-87A0-471F-BD01-0BF9ADED66BF}" sibTransId="{6DC549BC-3847-40D8-BD42-DC6051E93B56}"/>
+    <dgm:cxn modelId="{CEEF1769-85DF-49A2-86FA-9C9E554AD9DC}" type="presOf" srcId="{93CAC3CC-AE22-4494-B720-C31FF1451C9E}" destId="{EA945CF3-C00F-4A19-97C9-9DC03EC7034E}" srcOrd="0" destOrd="0" presId="urn:microsoft.com/office/officeart/2005/8/layout/vList5"/>
     <dgm:cxn modelId="{BA2DF860-13B2-4440-9F9D-6010D82996A9}" type="presOf" srcId="{A691F43A-E572-4457-ACDD-C8E9799F6EB3}" destId="{1D61917E-66F5-412C-9533-A0AFE78DDA5E}" srcOrd="0" destOrd="0" presId="urn:microsoft.com/office/officeart/2005/8/layout/vList5"/>
-    <dgm:cxn modelId="{35655412-8338-412A-A404-52434B1D5AE4}" srcId="{10FE40D6-C3B6-4336-8CB5-731A13E49219}" destId="{93CAC3CC-AE22-4494-B720-C31FF1451C9E}" srcOrd="0" destOrd="0" parTransId="{90EE975D-A833-462E-A403-953A799C121A}" sibTransId="{C2EA9B8A-EC34-4CE0-89BB-7658BD65F3E5}"/>
-    <dgm:cxn modelId="{CEEF1769-85DF-49A2-86FA-9C9E554AD9DC}" type="presOf" srcId="{93CAC3CC-AE22-4494-B720-C31FF1451C9E}" destId="{EA945CF3-C00F-4A19-97C9-9DC03EC7034E}" srcOrd="0" destOrd="0" presId="urn:microsoft.com/office/officeart/2005/8/layout/vList5"/>
+    <dgm:cxn modelId="{A925A93C-04E4-49D0-B436-A3117D2B5202}" type="presOf" srcId="{10FE40D6-C3B6-4336-8CB5-731A13E49219}" destId="{1D0BD91F-F3C4-488C-8CE7-A2F21EABC647}" srcOrd="0" destOrd="0" presId="urn:microsoft.com/office/officeart/2005/8/layout/vList5"/>
+    <dgm:cxn modelId="{57E94998-B3F4-49DC-9344-764E04B1130E}" type="presOf" srcId="{6BB40D84-C1D7-4C2F-8DF9-E451CE7A44BA}" destId="{ED6E39D2-824F-4791-A604-37A1250DABA9}" srcOrd="0" destOrd="0" presId="urn:microsoft.com/office/officeart/2005/8/layout/vList5"/>
+    <dgm:cxn modelId="{BBEDDA6D-0D31-40C8-8B8E-087C135418EA}" srcId="{2CC91FFE-51BC-4AC1-956B-E6D83D6B5265}" destId="{E769D187-0313-4DC8-93AD-81B7BA7E7937}" srcOrd="0" destOrd="0" parTransId="{B1C1ED42-3183-46DE-B6D6-2C1E84A17F3C}" sibTransId="{C4691D04-7D9B-4B60-A8CA-32DF971E71A5}"/>
+    <dgm:cxn modelId="{7686C187-0E41-4F2C-BFD8-4352E1FA6753}" type="presOf" srcId="{68861929-4E40-4C54-BDC7-B929EFD05597}" destId="{F52B4BDB-80A5-41AA-B9B3-3645F8EF4C11}" srcOrd="0" destOrd="0" presId="urn:microsoft.com/office/officeart/2005/8/layout/vList5"/>
+    <dgm:cxn modelId="{9D1CCF5F-F70F-4EA5-A901-89660CA3AB07}" srcId="{10FE40D6-C3B6-4336-8CB5-731A13E49219}" destId="{2CC91FFE-51BC-4AC1-956B-E6D83D6B5265}" srcOrd="2" destOrd="0" parTransId="{67FA0C95-7AC3-436E-8B7F-ECD4CF494879}" sibTransId="{C3B7A825-C89D-4BB8-A1F4-A66F4BB77425}"/>
     <dgm:cxn modelId="{D8444A86-3559-4A06-B0BE-BFB94CBA2950}" type="presParOf" srcId="{1D0BD91F-F3C4-488C-8CE7-A2F21EABC647}" destId="{483281B5-52B1-46CA-A154-E99EC018A660}" srcOrd="0" destOrd="0" presId="urn:microsoft.com/office/officeart/2005/8/layout/vList5"/>
     <dgm:cxn modelId="{D026071B-A9A7-4D4F-9B11-DE777EC8F5ED}" type="presParOf" srcId="{483281B5-52B1-46CA-A154-E99EC018A660}" destId="{EA945CF3-C00F-4A19-97C9-9DC03EC7034E}" srcOrd="0" destOrd="0" presId="urn:microsoft.com/office/officeart/2005/8/layout/vList5"/>
     <dgm:cxn modelId="{CD21F18B-E05B-441B-BE00-C909F7749FE0}" type="presParOf" srcId="{483281B5-52B1-46CA-A154-E99EC018A660}" destId="{1D61917E-66F5-412C-9533-A0AFE78DDA5E}" srcOrd="1" destOrd="0" presId="urn:microsoft.com/office/officeart/2005/8/layout/vList5"/>
@@ -4353,6 +5849,849 @@
 </dgm:dataModel>
 </file>
 
+<file path=ppt/diagrams/data4.xml><?xml version="1.0" encoding="utf-8"?>
+<dgm:dataModel xmlns:dgm="http://schemas.openxmlformats.org/drawingml/2006/diagram" xmlns:a="http://schemas.openxmlformats.org/drawingml/2006/main">
+  <dgm:ptLst>
+    <dgm:pt modelId="{47EF9CCE-B7BC-4780-AD9F-A9186049D1C6}" type="doc">
+      <dgm:prSet loTypeId="urn:microsoft.com/office/officeart/2005/8/layout/vList2" loCatId="list" qsTypeId="urn:microsoft.com/office/officeart/2005/8/quickstyle/3d6" qsCatId="3D" csTypeId="urn:microsoft.com/office/officeart/2005/8/colors/accent1_2" csCatId="accent1" phldr="1"/>
+      <dgm:spPr/>
+      <dgm:t>
+        <a:bodyPr/>
+        <a:lstStyle/>
+        <a:p>
+          <a:endParaRPr lang="zh-CN" altLang="en-US"/>
+        </a:p>
+      </dgm:t>
+    </dgm:pt>
+    <dgm:pt modelId="{28BBEF99-C481-4311-9B33-BA897D2A372F}">
+      <dgm:prSet phldrT="[文本]"/>
+      <dgm:spPr/>
+      <dgm:t>
+        <a:bodyPr/>
+        <a:lstStyle/>
+        <a:p>
+          <a:r>
+            <a:rPr lang="zh-CN" altLang="en-US" dirty="0" smtClean="0"/>
+            <a:t>粘包</a:t>
+          </a:r>
+          <a:endParaRPr lang="zh-CN" altLang="en-US" dirty="0"/>
+        </a:p>
+      </dgm:t>
+    </dgm:pt>
+    <dgm:pt modelId="{A5387939-4E4A-4E01-A7A2-5C87339B1F95}" type="parTrans" cxnId="{AA270F1A-D7C0-4BCF-9479-5296199A7C1B}">
+      <dgm:prSet/>
+      <dgm:spPr/>
+      <dgm:t>
+        <a:bodyPr/>
+        <a:lstStyle/>
+        <a:p>
+          <a:endParaRPr lang="zh-CN" altLang="en-US"/>
+        </a:p>
+      </dgm:t>
+    </dgm:pt>
+    <dgm:pt modelId="{FF3B9730-1673-45A2-99FE-7E4C5C0AE8CD}" type="sibTrans" cxnId="{AA270F1A-D7C0-4BCF-9479-5296199A7C1B}">
+      <dgm:prSet/>
+      <dgm:spPr/>
+      <dgm:t>
+        <a:bodyPr/>
+        <a:lstStyle/>
+        <a:p>
+          <a:endParaRPr lang="zh-CN" altLang="en-US"/>
+        </a:p>
+      </dgm:t>
+    </dgm:pt>
+    <dgm:pt modelId="{F27BDD69-9F84-44E3-B65E-75ECA0A557C5}">
+      <dgm:prSet phldrT="[文本]" custT="1"/>
+      <dgm:spPr/>
+      <dgm:t>
+        <a:bodyPr/>
+        <a:lstStyle/>
+        <a:p>
+          <a:r>
+            <a:rPr lang="zh-CN" altLang="en-US" sz="3600" dirty="0" smtClean="0"/>
+            <a:t>多次发送的较短的数据一次或几次接收</a:t>
+          </a:r>
+          <a:endParaRPr lang="zh-CN" altLang="en-US" sz="3600" dirty="0"/>
+        </a:p>
+      </dgm:t>
+    </dgm:pt>
+    <dgm:pt modelId="{A3C7607C-14A4-44F9-A29A-D27632FF837C}" type="parTrans" cxnId="{BFC710C5-2B1A-420C-99C5-6EC7A2F450FF}">
+      <dgm:prSet/>
+      <dgm:spPr/>
+      <dgm:t>
+        <a:bodyPr/>
+        <a:lstStyle/>
+        <a:p>
+          <a:endParaRPr lang="zh-CN" altLang="en-US"/>
+        </a:p>
+      </dgm:t>
+    </dgm:pt>
+    <dgm:pt modelId="{C6B0C03F-F3EA-4947-9F32-FF41A3F89C0F}" type="sibTrans" cxnId="{BFC710C5-2B1A-420C-99C5-6EC7A2F450FF}">
+      <dgm:prSet/>
+      <dgm:spPr/>
+      <dgm:t>
+        <a:bodyPr/>
+        <a:lstStyle/>
+        <a:p>
+          <a:endParaRPr lang="zh-CN" altLang="en-US"/>
+        </a:p>
+      </dgm:t>
+    </dgm:pt>
+    <dgm:pt modelId="{5B1CEBA5-2C77-40EB-A99C-6C8F237F6203}">
+      <dgm:prSet phldrT="[文本]"/>
+      <dgm:spPr/>
+      <dgm:t>
+        <a:bodyPr/>
+        <a:lstStyle/>
+        <a:p>
+          <a:r>
+            <a:rPr lang="zh-CN" altLang="en-US" dirty="0" smtClean="0"/>
+            <a:t>拆包</a:t>
+          </a:r>
+          <a:endParaRPr lang="zh-CN" altLang="en-US" dirty="0"/>
+        </a:p>
+      </dgm:t>
+    </dgm:pt>
+    <dgm:pt modelId="{730FCDCB-859B-47CD-941A-4F1D19882383}" type="parTrans" cxnId="{95C13547-2834-439B-9F50-FAE00ED52421}">
+      <dgm:prSet/>
+      <dgm:spPr/>
+      <dgm:t>
+        <a:bodyPr/>
+        <a:lstStyle/>
+        <a:p>
+          <a:endParaRPr lang="zh-CN" altLang="en-US"/>
+        </a:p>
+      </dgm:t>
+    </dgm:pt>
+    <dgm:pt modelId="{5598DD3C-7D2C-4C65-995F-7ECE7B0444A7}" type="sibTrans" cxnId="{95C13547-2834-439B-9F50-FAE00ED52421}">
+      <dgm:prSet/>
+      <dgm:spPr/>
+      <dgm:t>
+        <a:bodyPr/>
+        <a:lstStyle/>
+        <a:p>
+          <a:endParaRPr lang="zh-CN" altLang="en-US"/>
+        </a:p>
+      </dgm:t>
+    </dgm:pt>
+    <dgm:pt modelId="{0416890B-195E-40D2-A3C2-A590D4F4B130}">
+      <dgm:prSet phldrT="[文本]" custT="1"/>
+      <dgm:spPr/>
+      <dgm:t>
+        <a:bodyPr/>
+        <a:lstStyle/>
+        <a:p>
+          <a:r>
+            <a:rPr lang="zh-CN" altLang="en-US" sz="3600" dirty="0" smtClean="0"/>
+            <a:t>一次发送的较长的数据分几次接收</a:t>
+          </a:r>
+          <a:endParaRPr lang="zh-CN" altLang="en-US" sz="3600" dirty="0"/>
+        </a:p>
+      </dgm:t>
+    </dgm:pt>
+    <dgm:pt modelId="{1B292A2C-B747-4CAB-940D-1E13BF0D4740}" type="parTrans" cxnId="{8FCA3F2B-2144-43B8-8CAB-D52E54D3FA31}">
+      <dgm:prSet/>
+      <dgm:spPr/>
+      <dgm:t>
+        <a:bodyPr/>
+        <a:lstStyle/>
+        <a:p>
+          <a:endParaRPr lang="zh-CN" altLang="en-US"/>
+        </a:p>
+      </dgm:t>
+    </dgm:pt>
+    <dgm:pt modelId="{A1BFA07B-38A1-4A6F-9AEE-873D3C00A15F}" type="sibTrans" cxnId="{8FCA3F2B-2144-43B8-8CAB-D52E54D3FA31}">
+      <dgm:prSet/>
+      <dgm:spPr/>
+      <dgm:t>
+        <a:bodyPr/>
+        <a:lstStyle/>
+        <a:p>
+          <a:endParaRPr lang="zh-CN" altLang="en-US"/>
+        </a:p>
+      </dgm:t>
+    </dgm:pt>
+    <dgm:pt modelId="{1FCC2577-F568-470A-BF5F-4994F4BCA0A6}" type="pres">
+      <dgm:prSet presAssocID="{47EF9CCE-B7BC-4780-AD9F-A9186049D1C6}" presName="linear" presStyleCnt="0">
+        <dgm:presLayoutVars>
+          <dgm:animLvl val="lvl"/>
+          <dgm:resizeHandles val="exact"/>
+        </dgm:presLayoutVars>
+      </dgm:prSet>
+      <dgm:spPr/>
+    </dgm:pt>
+    <dgm:pt modelId="{193C5707-8372-4A2F-90A7-49F062D5BF97}" type="pres">
+      <dgm:prSet presAssocID="{28BBEF99-C481-4311-9B33-BA897D2A372F}" presName="parentText" presStyleLbl="node1" presStyleIdx="0" presStyleCnt="2" custScaleY="46529">
+        <dgm:presLayoutVars>
+          <dgm:chMax val="0"/>
+          <dgm:bulletEnabled val="1"/>
+        </dgm:presLayoutVars>
+      </dgm:prSet>
+      <dgm:spPr/>
+    </dgm:pt>
+    <dgm:pt modelId="{D1E764A5-373F-4846-B08A-AEA206222F82}" type="pres">
+      <dgm:prSet presAssocID="{28BBEF99-C481-4311-9B33-BA897D2A372F}" presName="childText" presStyleLbl="revTx" presStyleIdx="0" presStyleCnt="2">
+        <dgm:presLayoutVars>
+          <dgm:bulletEnabled val="1"/>
+        </dgm:presLayoutVars>
+      </dgm:prSet>
+      <dgm:spPr/>
+      <dgm:t>
+        <a:bodyPr/>
+        <a:lstStyle/>
+        <a:p>
+          <a:endParaRPr lang="zh-CN" altLang="en-US"/>
+        </a:p>
+      </dgm:t>
+    </dgm:pt>
+    <dgm:pt modelId="{C5E434E0-4306-4298-B905-C3F1BD11C355}" type="pres">
+      <dgm:prSet presAssocID="{5B1CEBA5-2C77-40EB-A99C-6C8F237F6203}" presName="parentText" presStyleLbl="node1" presStyleIdx="1" presStyleCnt="2" custScaleY="49060">
+        <dgm:presLayoutVars>
+          <dgm:chMax val="0"/>
+          <dgm:bulletEnabled val="1"/>
+        </dgm:presLayoutVars>
+      </dgm:prSet>
+      <dgm:spPr/>
+    </dgm:pt>
+    <dgm:pt modelId="{449958B8-6DD0-498E-B335-97288BC7E2FB}" type="pres">
+      <dgm:prSet presAssocID="{5B1CEBA5-2C77-40EB-A99C-6C8F237F6203}" presName="childText" presStyleLbl="revTx" presStyleIdx="1" presStyleCnt="2" custScaleY="104458">
+        <dgm:presLayoutVars>
+          <dgm:bulletEnabled val="1"/>
+        </dgm:presLayoutVars>
+      </dgm:prSet>
+      <dgm:spPr/>
+    </dgm:pt>
+  </dgm:ptLst>
+  <dgm:cxnLst>
+    <dgm:cxn modelId="{8FCA3F2B-2144-43B8-8CAB-D52E54D3FA31}" srcId="{5B1CEBA5-2C77-40EB-A99C-6C8F237F6203}" destId="{0416890B-195E-40D2-A3C2-A590D4F4B130}" srcOrd="0" destOrd="0" parTransId="{1B292A2C-B747-4CAB-940D-1E13BF0D4740}" sibTransId="{A1BFA07B-38A1-4A6F-9AEE-873D3C00A15F}"/>
+    <dgm:cxn modelId="{95C13547-2834-439B-9F50-FAE00ED52421}" srcId="{47EF9CCE-B7BC-4780-AD9F-A9186049D1C6}" destId="{5B1CEBA5-2C77-40EB-A99C-6C8F237F6203}" srcOrd="1" destOrd="0" parTransId="{730FCDCB-859B-47CD-941A-4F1D19882383}" sibTransId="{5598DD3C-7D2C-4C65-995F-7ECE7B0444A7}"/>
+    <dgm:cxn modelId="{BF544E51-45FD-48DA-8CAF-3D47F4EED8ED}" type="presOf" srcId="{5B1CEBA5-2C77-40EB-A99C-6C8F237F6203}" destId="{C5E434E0-4306-4298-B905-C3F1BD11C355}" srcOrd="0" destOrd="0" presId="urn:microsoft.com/office/officeart/2005/8/layout/vList2"/>
+    <dgm:cxn modelId="{06C6966A-9D68-40A2-864F-1ED0B06A97C0}" type="presOf" srcId="{28BBEF99-C481-4311-9B33-BA897D2A372F}" destId="{193C5707-8372-4A2F-90A7-49F062D5BF97}" srcOrd="0" destOrd="0" presId="urn:microsoft.com/office/officeart/2005/8/layout/vList2"/>
+    <dgm:cxn modelId="{BBECCA01-7004-4F86-BFD0-CC891FE2C025}" type="presOf" srcId="{47EF9CCE-B7BC-4780-AD9F-A9186049D1C6}" destId="{1FCC2577-F568-470A-BF5F-4994F4BCA0A6}" srcOrd="0" destOrd="0" presId="urn:microsoft.com/office/officeart/2005/8/layout/vList2"/>
+    <dgm:cxn modelId="{BFC710C5-2B1A-420C-99C5-6EC7A2F450FF}" srcId="{28BBEF99-C481-4311-9B33-BA897D2A372F}" destId="{F27BDD69-9F84-44E3-B65E-75ECA0A557C5}" srcOrd="0" destOrd="0" parTransId="{A3C7607C-14A4-44F9-A29A-D27632FF837C}" sibTransId="{C6B0C03F-F3EA-4947-9F32-FF41A3F89C0F}"/>
+    <dgm:cxn modelId="{AA270F1A-D7C0-4BCF-9479-5296199A7C1B}" srcId="{47EF9CCE-B7BC-4780-AD9F-A9186049D1C6}" destId="{28BBEF99-C481-4311-9B33-BA897D2A372F}" srcOrd="0" destOrd="0" parTransId="{A5387939-4E4A-4E01-A7A2-5C87339B1F95}" sibTransId="{FF3B9730-1673-45A2-99FE-7E4C5C0AE8CD}"/>
+    <dgm:cxn modelId="{FC3025AF-AC62-471C-9C3D-AFD2617C2AE4}" type="presOf" srcId="{F27BDD69-9F84-44E3-B65E-75ECA0A557C5}" destId="{D1E764A5-373F-4846-B08A-AEA206222F82}" srcOrd="0" destOrd="0" presId="urn:microsoft.com/office/officeart/2005/8/layout/vList2"/>
+    <dgm:cxn modelId="{E124757E-B949-4DD0-9EF4-6DD2E3098C5E}" type="presOf" srcId="{0416890B-195E-40D2-A3C2-A590D4F4B130}" destId="{449958B8-6DD0-498E-B335-97288BC7E2FB}" srcOrd="0" destOrd="0" presId="urn:microsoft.com/office/officeart/2005/8/layout/vList2"/>
+    <dgm:cxn modelId="{D2054F3F-96C9-490B-9422-74ED12DB8808}" type="presParOf" srcId="{1FCC2577-F568-470A-BF5F-4994F4BCA0A6}" destId="{193C5707-8372-4A2F-90A7-49F062D5BF97}" srcOrd="0" destOrd="0" presId="urn:microsoft.com/office/officeart/2005/8/layout/vList2"/>
+    <dgm:cxn modelId="{4E229010-D417-4998-A2E8-9C1202E39C6A}" type="presParOf" srcId="{1FCC2577-F568-470A-BF5F-4994F4BCA0A6}" destId="{D1E764A5-373F-4846-B08A-AEA206222F82}" srcOrd="1" destOrd="0" presId="urn:microsoft.com/office/officeart/2005/8/layout/vList2"/>
+    <dgm:cxn modelId="{59DB4B21-3208-4F5C-89D3-6A1FE420D647}" type="presParOf" srcId="{1FCC2577-F568-470A-BF5F-4994F4BCA0A6}" destId="{C5E434E0-4306-4298-B905-C3F1BD11C355}" srcOrd="2" destOrd="0" presId="urn:microsoft.com/office/officeart/2005/8/layout/vList2"/>
+    <dgm:cxn modelId="{56FF17F9-4774-4C13-968E-03C6A5C834E5}" type="presParOf" srcId="{1FCC2577-F568-470A-BF5F-4994F4BCA0A6}" destId="{449958B8-6DD0-498E-B335-97288BC7E2FB}" srcOrd="3" destOrd="0" presId="urn:microsoft.com/office/officeart/2005/8/layout/vList2"/>
+  </dgm:cxnLst>
+  <dgm:bg/>
+  <dgm:whole/>
+  <dgm:extLst>
+    <a:ext uri="http://schemas.microsoft.com/office/drawing/2008/diagram">
+      <dsp:dataModelExt xmlns:dsp="http://schemas.microsoft.com/office/drawing/2008/diagram" relId="rId6" minVer="http://schemas.openxmlformats.org/drawingml/2006/diagram"/>
+    </a:ext>
+  </dgm:extLst>
+</dgm:dataModel>
+</file>
+
+<file path=ppt/diagrams/data5.xml><?xml version="1.0" encoding="utf-8"?>
+<dgm:dataModel xmlns:dgm="http://schemas.openxmlformats.org/drawingml/2006/diagram" xmlns:a="http://schemas.openxmlformats.org/drawingml/2006/main">
+  <dgm:ptLst>
+    <dgm:pt modelId="{C02690BE-3F15-47B6-B5F1-9063FC833116}" type="doc">
+      <dgm:prSet loTypeId="urn:microsoft.com/office/officeart/2005/8/layout/vList2" loCatId="list" qsTypeId="urn:microsoft.com/office/officeart/2005/8/quickstyle/3d3" qsCatId="3D" csTypeId="urn:microsoft.com/office/officeart/2005/8/colors/accent1_2" csCatId="accent1" phldr="1"/>
+      <dgm:spPr/>
+      <dgm:t>
+        <a:bodyPr/>
+        <a:lstStyle/>
+        <a:p>
+          <a:endParaRPr lang="zh-CN" altLang="en-US"/>
+        </a:p>
+      </dgm:t>
+    </dgm:pt>
+    <dgm:pt modelId="{D65F25BD-5964-43A4-A9F4-3F3A10E13075}">
+      <dgm:prSet phldrT="[文本]" custT="1"/>
+      <dgm:spPr/>
+      <dgm:t>
+        <a:bodyPr/>
+        <a:lstStyle/>
+        <a:p>
+          <a:r>
+            <a:rPr lang="en-US" altLang="en-US" sz="1800" b="1" dirty="0" err="1" smtClean="0">
+              <a:solidFill>
+                <a:srgbClr val="FFC000"/>
+              </a:solidFill>
+            </a:rPr>
+            <a:t>LineBasedFrameDecoder</a:t>
+          </a:r>
+          <a:endParaRPr lang="zh-CN" altLang="en-US" sz="1800" b="1" dirty="0">
+            <a:solidFill>
+              <a:srgbClr val="FFC000"/>
+            </a:solidFill>
+          </a:endParaRPr>
+        </a:p>
+      </dgm:t>
+    </dgm:pt>
+    <dgm:pt modelId="{59E701D3-723B-4B5C-BF71-DA442C9F3DC9}" type="parTrans" cxnId="{CC9A3F97-D15E-418C-AD26-A00AD862EB3E}">
+      <dgm:prSet/>
+      <dgm:spPr/>
+      <dgm:t>
+        <a:bodyPr/>
+        <a:lstStyle/>
+        <a:p>
+          <a:endParaRPr lang="zh-CN" altLang="en-US"/>
+        </a:p>
+      </dgm:t>
+    </dgm:pt>
+    <dgm:pt modelId="{CD2F7102-1486-4897-AA3D-D0B726254B34}" type="sibTrans" cxnId="{CC9A3F97-D15E-418C-AD26-A00AD862EB3E}">
+      <dgm:prSet/>
+      <dgm:spPr/>
+      <dgm:t>
+        <a:bodyPr/>
+        <a:lstStyle/>
+        <a:p>
+          <a:endParaRPr lang="zh-CN" altLang="en-US"/>
+        </a:p>
+      </dgm:t>
+    </dgm:pt>
+    <dgm:pt modelId="{74F31992-22FE-48E2-A977-4FB6A117C6E5}">
+      <dgm:prSet phldrT="[文本]"/>
+      <dgm:spPr/>
+      <dgm:t>
+        <a:bodyPr/>
+        <a:lstStyle/>
+        <a:p>
+          <a:r>
+            <a:rPr lang="zh-CN" altLang="en-US" dirty="0" smtClean="0"/>
+            <a:t>将回车换行符作为消息结束符。如</a:t>
+          </a:r>
+          <a:r>
+            <a:rPr lang="en-US" altLang="en-US" dirty="0" smtClean="0"/>
+            <a:t>FTP</a:t>
+          </a:r>
+          <a:r>
+            <a:rPr lang="zh-CN" altLang="en-US" dirty="0" smtClean="0"/>
+            <a:t>协议，这种方式在文本协议中应用广泛</a:t>
+          </a:r>
+          <a:endParaRPr lang="zh-CN" altLang="en-US" dirty="0"/>
+        </a:p>
+      </dgm:t>
+    </dgm:pt>
+    <dgm:pt modelId="{7D26FA5A-A906-4CAE-BEF6-A84898298975}" type="parTrans" cxnId="{BBC76A7F-CE5A-4F4E-B72B-6A2501EDF666}">
+      <dgm:prSet/>
+      <dgm:spPr/>
+      <dgm:t>
+        <a:bodyPr/>
+        <a:lstStyle/>
+        <a:p>
+          <a:endParaRPr lang="zh-CN" altLang="en-US"/>
+        </a:p>
+      </dgm:t>
+    </dgm:pt>
+    <dgm:pt modelId="{62185F3F-73E0-43E9-A77F-856ACCBC52EB}" type="sibTrans" cxnId="{BBC76A7F-CE5A-4F4E-B72B-6A2501EDF666}">
+      <dgm:prSet/>
+      <dgm:spPr/>
+      <dgm:t>
+        <a:bodyPr/>
+        <a:lstStyle/>
+        <a:p>
+          <a:endParaRPr lang="zh-CN" altLang="en-US"/>
+        </a:p>
+      </dgm:t>
+    </dgm:pt>
+    <dgm:pt modelId="{0B3B9A80-FEAB-4382-AEC1-8F4985BF9AF7}">
+      <dgm:prSet phldrT="[文本]" custT="1"/>
+      <dgm:spPr/>
+      <dgm:t>
+        <a:bodyPr/>
+        <a:lstStyle/>
+        <a:p>
+          <a:r>
+            <a:rPr lang="en-US" altLang="en-US" sz="1800" b="1" dirty="0" err="1" smtClean="0">
+              <a:solidFill>
+                <a:srgbClr val="FFC000"/>
+              </a:solidFill>
+            </a:rPr>
+            <a:t>DelimiterBasedFrameDecoder</a:t>
+          </a:r>
+          <a:endParaRPr lang="zh-CN" altLang="en-US" sz="1800" b="1" dirty="0">
+            <a:solidFill>
+              <a:srgbClr val="FFC000"/>
+            </a:solidFill>
+          </a:endParaRPr>
+        </a:p>
+      </dgm:t>
+    </dgm:pt>
+    <dgm:pt modelId="{6A23D7C0-0A42-47BB-8E9E-279348E9A7D5}" type="parTrans" cxnId="{9CCE129B-312E-4C9E-8670-5F7DE71457F1}">
+      <dgm:prSet/>
+      <dgm:spPr/>
+      <dgm:t>
+        <a:bodyPr/>
+        <a:lstStyle/>
+        <a:p>
+          <a:endParaRPr lang="zh-CN" altLang="en-US"/>
+        </a:p>
+      </dgm:t>
+    </dgm:pt>
+    <dgm:pt modelId="{CF537DE7-4794-4496-82A8-5B723FBAE9DD}" type="sibTrans" cxnId="{9CCE129B-312E-4C9E-8670-5F7DE71457F1}">
+      <dgm:prSet/>
+      <dgm:spPr/>
+      <dgm:t>
+        <a:bodyPr/>
+        <a:lstStyle/>
+        <a:p>
+          <a:endParaRPr lang="zh-CN" altLang="en-US"/>
+        </a:p>
+      </dgm:t>
+    </dgm:pt>
+    <dgm:pt modelId="{3AAAA723-85A9-457D-9A25-EF8FAAC6B2BB}">
+      <dgm:prSet phldrT="[文本]"/>
+      <dgm:spPr/>
+      <dgm:t>
+        <a:bodyPr/>
+        <a:lstStyle/>
+        <a:p>
+          <a:r>
+            <a:rPr lang="zh-CN" altLang="en-US" dirty="0" smtClean="0"/>
+            <a:t>将特殊的分隔符作为消息的结束标志。回车换行符就是一种特殊的结束符</a:t>
+          </a:r>
+          <a:endParaRPr lang="zh-CN" altLang="en-US" dirty="0"/>
+        </a:p>
+      </dgm:t>
+    </dgm:pt>
+    <dgm:pt modelId="{D8EFC524-CD4F-4D32-A672-A086E21E0921}" type="parTrans" cxnId="{D51B9E5C-BFD7-461F-8F9A-1CB5BED1C797}">
+      <dgm:prSet/>
+      <dgm:spPr/>
+      <dgm:t>
+        <a:bodyPr/>
+        <a:lstStyle/>
+        <a:p>
+          <a:endParaRPr lang="zh-CN" altLang="en-US"/>
+        </a:p>
+      </dgm:t>
+    </dgm:pt>
+    <dgm:pt modelId="{D37A2646-ECFF-4F4B-B154-DC8B5B6D0B74}" type="sibTrans" cxnId="{D51B9E5C-BFD7-461F-8F9A-1CB5BED1C797}">
+      <dgm:prSet/>
+      <dgm:spPr/>
+      <dgm:t>
+        <a:bodyPr/>
+        <a:lstStyle/>
+        <a:p>
+          <a:endParaRPr lang="zh-CN" altLang="en-US"/>
+        </a:p>
+      </dgm:t>
+    </dgm:pt>
+    <dgm:pt modelId="{CE2D9564-0D0C-4067-8B04-66280DD4907B}">
+      <dgm:prSet phldrT="[文本]" custT="1"/>
+      <dgm:spPr/>
+      <dgm:t>
+        <a:bodyPr/>
+        <a:lstStyle/>
+        <a:p>
+          <a:r>
+            <a:rPr lang="en-US" altLang="en-US" sz="1800" b="1" dirty="0" err="1" smtClean="0">
+              <a:solidFill>
+                <a:srgbClr val="FFC000"/>
+              </a:solidFill>
+            </a:rPr>
+            <a:t>FixedLengthFrameDecoder</a:t>
+          </a:r>
+          <a:endParaRPr lang="zh-CN" altLang="en-US" sz="1800" b="1" dirty="0">
+            <a:solidFill>
+              <a:srgbClr val="FFC000"/>
+            </a:solidFill>
+          </a:endParaRPr>
+        </a:p>
+      </dgm:t>
+    </dgm:pt>
+    <dgm:pt modelId="{FFB6506E-BBA4-40A0-88EB-92794645E1B5}" type="parTrans" cxnId="{5BCBB689-92ED-4003-B5B4-2E18D96D2250}">
+      <dgm:prSet/>
+      <dgm:spPr/>
+      <dgm:t>
+        <a:bodyPr/>
+        <a:lstStyle/>
+        <a:p>
+          <a:endParaRPr lang="zh-CN" altLang="en-US"/>
+        </a:p>
+      </dgm:t>
+    </dgm:pt>
+    <dgm:pt modelId="{44608420-EA95-45E5-A410-19447E94A400}" type="sibTrans" cxnId="{5BCBB689-92ED-4003-B5B4-2E18D96D2250}">
+      <dgm:prSet/>
+      <dgm:spPr/>
+      <dgm:t>
+        <a:bodyPr/>
+        <a:lstStyle/>
+        <a:p>
+          <a:endParaRPr lang="zh-CN" altLang="en-US"/>
+        </a:p>
+      </dgm:t>
+    </dgm:pt>
+    <dgm:pt modelId="{CEEC253B-E9A7-407C-BB6E-6B72FEB60B84}">
+      <dgm:prSet phldrT="[文本]"/>
+      <dgm:spPr/>
+      <dgm:t>
+        <a:bodyPr/>
+        <a:lstStyle/>
+        <a:p>
+          <a:r>
+            <a:rPr lang="zh-CN" altLang="en-US" dirty="0" smtClean="0"/>
+            <a:t>累计读取到长度总和为定长的</a:t>
+          </a:r>
+          <a:r>
+            <a:rPr lang="en-US" altLang="en-US" dirty="0" smtClean="0"/>
+            <a:t>LEN</a:t>
+          </a:r>
+          <a:r>
+            <a:rPr lang="zh-CN" altLang="en-US" dirty="0" smtClean="0"/>
+            <a:t>的报文后，就认为读取到一个完整的消息。将计数器置位，重新开始读取下个数据报</a:t>
+          </a:r>
+          <a:endParaRPr lang="zh-CN" altLang="en-US" dirty="0"/>
+        </a:p>
+      </dgm:t>
+    </dgm:pt>
+    <dgm:pt modelId="{5AB30D5F-996A-41DE-BBD1-7555C2E97841}" type="parTrans" cxnId="{7CA469CA-B24C-4BFF-B610-A16B1A98DC4C}">
+      <dgm:prSet/>
+      <dgm:spPr/>
+      <dgm:t>
+        <a:bodyPr/>
+        <a:lstStyle/>
+        <a:p>
+          <a:endParaRPr lang="zh-CN" altLang="en-US"/>
+        </a:p>
+      </dgm:t>
+    </dgm:pt>
+    <dgm:pt modelId="{C73B9315-D533-4B2F-8EF4-3CA7E54D18E9}" type="sibTrans" cxnId="{7CA469CA-B24C-4BFF-B610-A16B1A98DC4C}">
+      <dgm:prSet/>
+      <dgm:spPr/>
+      <dgm:t>
+        <a:bodyPr/>
+        <a:lstStyle/>
+        <a:p>
+          <a:endParaRPr lang="zh-CN" altLang="en-US"/>
+        </a:p>
+      </dgm:t>
+    </dgm:pt>
+    <dgm:pt modelId="{622CA088-C9BF-46EB-83FD-2FD80BE93EB3}">
+      <dgm:prSet phldrT="[文本]" custT="1"/>
+      <dgm:spPr/>
+      <dgm:t>
+        <a:bodyPr/>
+        <a:lstStyle/>
+        <a:p>
+          <a:r>
+            <a:rPr lang="zh-CN" altLang="en-US" sz="1800" b="1" dirty="0" smtClean="0">
+              <a:solidFill>
+                <a:srgbClr val="FFC000"/>
+              </a:solidFill>
+            </a:rPr>
+            <a:t>自定义解码器</a:t>
+          </a:r>
+          <a:r>
+            <a:rPr lang="en-US" altLang="zh-CN" sz="1800" b="1" dirty="0" smtClean="0">
+              <a:solidFill>
+                <a:srgbClr val="FFC000"/>
+              </a:solidFill>
+            </a:rPr>
+            <a:t>(</a:t>
+          </a:r>
+          <a:r>
+            <a:rPr lang="zh-CN" altLang="en-US" sz="1800" b="1" dirty="0" smtClean="0">
+              <a:solidFill>
+                <a:srgbClr val="FFC000"/>
+              </a:solidFill>
+            </a:rPr>
+            <a:t>基于长度的通用解码器</a:t>
+          </a:r>
+          <a:r>
+            <a:rPr lang="en-US" altLang="zh-CN" sz="1800" b="1" dirty="0" smtClean="0">
+              <a:solidFill>
+                <a:srgbClr val="FFC000"/>
+              </a:solidFill>
+            </a:rPr>
+            <a:t>)</a:t>
+          </a:r>
+          <a:endParaRPr lang="zh-CN" altLang="en-US" sz="1800" b="1" dirty="0">
+            <a:solidFill>
+              <a:srgbClr val="FFC000"/>
+            </a:solidFill>
+          </a:endParaRPr>
+        </a:p>
+      </dgm:t>
+    </dgm:pt>
+    <dgm:pt modelId="{B98B7F9C-89F1-4172-A628-6739FBD50FE4}" type="parTrans" cxnId="{6ADD0B39-9992-4C4D-8199-F4F531C38353}">
+      <dgm:prSet/>
+      <dgm:spPr/>
+      <dgm:t>
+        <a:bodyPr/>
+        <a:lstStyle/>
+        <a:p>
+          <a:endParaRPr lang="zh-CN" altLang="en-US"/>
+        </a:p>
+      </dgm:t>
+    </dgm:pt>
+    <dgm:pt modelId="{BA800ED1-7538-418E-98E8-09E5889F6F3B}" type="sibTrans" cxnId="{6ADD0B39-9992-4C4D-8199-F4F531C38353}">
+      <dgm:prSet/>
+      <dgm:spPr/>
+      <dgm:t>
+        <a:bodyPr/>
+        <a:lstStyle/>
+        <a:p>
+          <a:endParaRPr lang="zh-CN" altLang="en-US"/>
+        </a:p>
+      </dgm:t>
+    </dgm:pt>
+    <dgm:pt modelId="{7BBB3E7B-9202-4312-B160-476E161E3E44}">
+      <dgm:prSet phldrT="[文本]"/>
+      <dgm:spPr/>
+      <dgm:t>
+        <a:bodyPr/>
+        <a:lstStyle/>
+        <a:p>
+          <a:r>
+            <a:rPr lang="zh-CN" altLang="en-US" dirty="0" smtClean="0"/>
+            <a:t>通过在消息头中定义长度字段来标识消息的总长度</a:t>
+          </a:r>
+          <a:r>
+            <a:rPr lang="en-US" altLang="en-US" dirty="0" smtClean="0"/>
+            <a:t>,</a:t>
+          </a:r>
+          <a:r>
+            <a:rPr lang="zh-CN" altLang="en-US" dirty="0" smtClean="0"/>
+            <a:t>了解</a:t>
+          </a:r>
+          <a:r>
+            <a:rPr lang="en-US" altLang="en-US" dirty="0" err="1" smtClean="0"/>
+            <a:t>netty</a:t>
+          </a:r>
+          <a:r>
+            <a:rPr lang="zh-CN" altLang="en-US" dirty="0" smtClean="0"/>
+            <a:t>的</a:t>
+          </a:r>
+          <a:r>
+            <a:rPr lang="en-US" altLang="en-US" dirty="0" err="1" smtClean="0"/>
+            <a:t>ByteBuf</a:t>
+          </a:r>
+          <a:r>
+            <a:rPr lang="zh-CN" altLang="en-US" dirty="0" smtClean="0"/>
+            <a:t>和读操作</a:t>
+          </a:r>
+          <a:r>
+            <a:rPr lang="en-US" altLang="zh-CN" dirty="0" smtClean="0"/>
+            <a:t>,</a:t>
+          </a:r>
+          <a:r>
+            <a:rPr lang="zh-CN" altLang="en-US" dirty="0" smtClean="0"/>
+            <a:t>如 </a:t>
+          </a:r>
+          <a:r>
+            <a:rPr lang="en-US" altLang="en-US" dirty="0" err="1" smtClean="0"/>
+            <a:t>readInt</a:t>
+          </a:r>
+          <a:r>
+            <a:rPr lang="en-US" altLang="en-US" dirty="0" smtClean="0"/>
+            <a:t>(),</a:t>
+          </a:r>
+          <a:r>
+            <a:rPr lang="en-US" altLang="en-US" dirty="0" err="1" smtClean="0"/>
+            <a:t>readBytes</a:t>
+          </a:r>
+          <a:r>
+            <a:rPr lang="en-US" altLang="en-US" dirty="0" smtClean="0"/>
+            <a:t>(n)</a:t>
+          </a:r>
+          <a:r>
+            <a:rPr lang="zh-CN" altLang="en-US" dirty="0" smtClean="0"/>
+            <a:t>等等</a:t>
+          </a:r>
+          <a:endParaRPr lang="zh-CN" altLang="en-US" dirty="0"/>
+        </a:p>
+      </dgm:t>
+    </dgm:pt>
+    <dgm:pt modelId="{F4A8E4AF-841E-4472-B294-3E73B0998C4E}" type="parTrans" cxnId="{07C303ED-2BD3-4B51-A383-BC3CAA7EF7C3}">
+      <dgm:prSet/>
+      <dgm:spPr/>
+      <dgm:t>
+        <a:bodyPr/>
+        <a:lstStyle/>
+        <a:p>
+          <a:endParaRPr lang="zh-CN" altLang="en-US"/>
+        </a:p>
+      </dgm:t>
+    </dgm:pt>
+    <dgm:pt modelId="{B76AC8A2-F2F8-468A-8B8B-868F649B683F}" type="sibTrans" cxnId="{07C303ED-2BD3-4B51-A383-BC3CAA7EF7C3}">
+      <dgm:prSet/>
+      <dgm:spPr/>
+      <dgm:t>
+        <a:bodyPr/>
+        <a:lstStyle/>
+        <a:p>
+          <a:endParaRPr lang="zh-CN" altLang="en-US"/>
+        </a:p>
+      </dgm:t>
+    </dgm:pt>
+    <dgm:pt modelId="{27364063-BC25-46CF-BBC7-6B414AD95359}" type="pres">
+      <dgm:prSet presAssocID="{C02690BE-3F15-47B6-B5F1-9063FC833116}" presName="linear" presStyleCnt="0">
+        <dgm:presLayoutVars>
+          <dgm:animLvl val="lvl"/>
+          <dgm:resizeHandles val="exact"/>
+        </dgm:presLayoutVars>
+      </dgm:prSet>
+      <dgm:spPr/>
+    </dgm:pt>
+    <dgm:pt modelId="{8480CD49-7A08-44C8-800C-791C578F56D2}" type="pres">
+      <dgm:prSet presAssocID="{D65F25BD-5964-43A4-A9F4-3F3A10E13075}" presName="parentText" presStyleLbl="node1" presStyleIdx="0" presStyleCnt="4">
+        <dgm:presLayoutVars>
+          <dgm:chMax val="0"/>
+          <dgm:bulletEnabled val="1"/>
+        </dgm:presLayoutVars>
+      </dgm:prSet>
+      <dgm:spPr/>
+      <dgm:t>
+        <a:bodyPr/>
+        <a:lstStyle/>
+        <a:p>
+          <a:endParaRPr lang="zh-CN" altLang="en-US"/>
+        </a:p>
+      </dgm:t>
+    </dgm:pt>
+    <dgm:pt modelId="{8CEEE20B-9890-4F12-9002-B17AD2045685}" type="pres">
+      <dgm:prSet presAssocID="{D65F25BD-5964-43A4-A9F4-3F3A10E13075}" presName="childText" presStyleLbl="revTx" presStyleIdx="0" presStyleCnt="4">
+        <dgm:presLayoutVars>
+          <dgm:bulletEnabled val="1"/>
+        </dgm:presLayoutVars>
+      </dgm:prSet>
+      <dgm:spPr/>
+      <dgm:t>
+        <a:bodyPr/>
+        <a:lstStyle/>
+        <a:p>
+          <a:endParaRPr lang="zh-CN" altLang="en-US"/>
+        </a:p>
+      </dgm:t>
+    </dgm:pt>
+    <dgm:pt modelId="{367775B8-3428-4829-A7B2-607BBF34E06D}" type="pres">
+      <dgm:prSet presAssocID="{0B3B9A80-FEAB-4382-AEC1-8F4985BF9AF7}" presName="parentText" presStyleLbl="node1" presStyleIdx="1" presStyleCnt="4">
+        <dgm:presLayoutVars>
+          <dgm:chMax val="0"/>
+          <dgm:bulletEnabled val="1"/>
+        </dgm:presLayoutVars>
+      </dgm:prSet>
+      <dgm:spPr/>
+      <dgm:t>
+        <a:bodyPr/>
+        <a:lstStyle/>
+        <a:p>
+          <a:endParaRPr lang="zh-CN" altLang="en-US"/>
+        </a:p>
+      </dgm:t>
+    </dgm:pt>
+    <dgm:pt modelId="{40F6F29C-9F6F-4FD5-ABDB-029C25C36CA7}" type="pres">
+      <dgm:prSet presAssocID="{0B3B9A80-FEAB-4382-AEC1-8F4985BF9AF7}" presName="childText" presStyleLbl="revTx" presStyleIdx="1" presStyleCnt="4">
+        <dgm:presLayoutVars>
+          <dgm:bulletEnabled val="1"/>
+        </dgm:presLayoutVars>
+      </dgm:prSet>
+      <dgm:spPr/>
+      <dgm:t>
+        <a:bodyPr/>
+        <a:lstStyle/>
+        <a:p>
+          <a:endParaRPr lang="zh-CN" altLang="en-US"/>
+        </a:p>
+      </dgm:t>
+    </dgm:pt>
+    <dgm:pt modelId="{8E88E7CA-A1B5-4CE5-9428-9AFF148C95A8}" type="pres">
+      <dgm:prSet presAssocID="{CE2D9564-0D0C-4067-8B04-66280DD4907B}" presName="parentText" presStyleLbl="node1" presStyleIdx="2" presStyleCnt="4">
+        <dgm:presLayoutVars>
+          <dgm:chMax val="0"/>
+          <dgm:bulletEnabled val="1"/>
+        </dgm:presLayoutVars>
+      </dgm:prSet>
+      <dgm:spPr/>
+      <dgm:t>
+        <a:bodyPr/>
+        <a:lstStyle/>
+        <a:p>
+          <a:endParaRPr lang="zh-CN" altLang="en-US"/>
+        </a:p>
+      </dgm:t>
+    </dgm:pt>
+    <dgm:pt modelId="{560658FD-2AEF-4666-AA72-E101777542C0}" type="pres">
+      <dgm:prSet presAssocID="{CE2D9564-0D0C-4067-8B04-66280DD4907B}" presName="childText" presStyleLbl="revTx" presStyleIdx="2" presStyleCnt="4">
+        <dgm:presLayoutVars>
+          <dgm:bulletEnabled val="1"/>
+        </dgm:presLayoutVars>
+      </dgm:prSet>
+      <dgm:spPr/>
+      <dgm:t>
+        <a:bodyPr/>
+        <a:lstStyle/>
+        <a:p>
+          <a:endParaRPr lang="zh-CN" altLang="en-US"/>
+        </a:p>
+      </dgm:t>
+    </dgm:pt>
+    <dgm:pt modelId="{075DAB5A-EB6D-4514-9392-4F760EBB0DA3}" type="pres">
+      <dgm:prSet presAssocID="{622CA088-C9BF-46EB-83FD-2FD80BE93EB3}" presName="parentText" presStyleLbl="node1" presStyleIdx="3" presStyleCnt="4">
+        <dgm:presLayoutVars>
+          <dgm:chMax val="0"/>
+          <dgm:bulletEnabled val="1"/>
+        </dgm:presLayoutVars>
+      </dgm:prSet>
+      <dgm:spPr/>
+      <dgm:t>
+        <a:bodyPr/>
+        <a:lstStyle/>
+        <a:p>
+          <a:endParaRPr lang="zh-CN" altLang="en-US"/>
+        </a:p>
+      </dgm:t>
+    </dgm:pt>
+    <dgm:pt modelId="{55574814-5C05-49D8-B3D4-751D27E76157}" type="pres">
+      <dgm:prSet presAssocID="{622CA088-C9BF-46EB-83FD-2FD80BE93EB3}" presName="childText" presStyleLbl="revTx" presStyleIdx="3" presStyleCnt="4">
+        <dgm:presLayoutVars>
+          <dgm:bulletEnabled val="1"/>
+        </dgm:presLayoutVars>
+      </dgm:prSet>
+      <dgm:spPr/>
+      <dgm:t>
+        <a:bodyPr/>
+        <a:lstStyle/>
+        <a:p>
+          <a:endParaRPr lang="zh-CN" altLang="en-US"/>
+        </a:p>
+      </dgm:t>
+    </dgm:pt>
+  </dgm:ptLst>
+  <dgm:cxnLst>
+    <dgm:cxn modelId="{EBC9FB74-B789-4A5B-A7BF-9476EFE789AF}" type="presOf" srcId="{3AAAA723-85A9-457D-9A25-EF8FAAC6B2BB}" destId="{40F6F29C-9F6F-4FD5-ABDB-029C25C36CA7}" srcOrd="0" destOrd="0" presId="urn:microsoft.com/office/officeart/2005/8/layout/vList2"/>
+    <dgm:cxn modelId="{EA42B32C-CF25-4BBF-9CBE-E6197414BFD2}" type="presOf" srcId="{C02690BE-3F15-47B6-B5F1-9063FC833116}" destId="{27364063-BC25-46CF-BBC7-6B414AD95359}" srcOrd="0" destOrd="0" presId="urn:microsoft.com/office/officeart/2005/8/layout/vList2"/>
+    <dgm:cxn modelId="{151B849D-08DB-4B4B-B125-2F5661AD0F5F}" type="presOf" srcId="{7BBB3E7B-9202-4312-B160-476E161E3E44}" destId="{55574814-5C05-49D8-B3D4-751D27E76157}" srcOrd="0" destOrd="0" presId="urn:microsoft.com/office/officeart/2005/8/layout/vList2"/>
+    <dgm:cxn modelId="{CC9A3F97-D15E-418C-AD26-A00AD862EB3E}" srcId="{C02690BE-3F15-47B6-B5F1-9063FC833116}" destId="{D65F25BD-5964-43A4-A9F4-3F3A10E13075}" srcOrd="0" destOrd="0" parTransId="{59E701D3-723B-4B5C-BF71-DA442C9F3DC9}" sibTransId="{CD2F7102-1486-4897-AA3D-D0B726254B34}"/>
+    <dgm:cxn modelId="{BBC76A7F-CE5A-4F4E-B72B-6A2501EDF666}" srcId="{D65F25BD-5964-43A4-A9F4-3F3A10E13075}" destId="{74F31992-22FE-48E2-A977-4FB6A117C6E5}" srcOrd="0" destOrd="0" parTransId="{7D26FA5A-A906-4CAE-BEF6-A84898298975}" sibTransId="{62185F3F-73E0-43E9-A77F-856ACCBC52EB}"/>
+    <dgm:cxn modelId="{5BCBB689-92ED-4003-B5B4-2E18D96D2250}" srcId="{C02690BE-3F15-47B6-B5F1-9063FC833116}" destId="{CE2D9564-0D0C-4067-8B04-66280DD4907B}" srcOrd="2" destOrd="0" parTransId="{FFB6506E-BBA4-40A0-88EB-92794645E1B5}" sibTransId="{44608420-EA95-45E5-A410-19447E94A400}"/>
+    <dgm:cxn modelId="{DAC9ADF0-BF35-4159-8F55-6CE82086269D}" type="presOf" srcId="{622CA088-C9BF-46EB-83FD-2FD80BE93EB3}" destId="{075DAB5A-EB6D-4514-9392-4F760EBB0DA3}" srcOrd="0" destOrd="0" presId="urn:microsoft.com/office/officeart/2005/8/layout/vList2"/>
+    <dgm:cxn modelId="{038B2C3D-6401-486F-919E-84BD2D6FA088}" type="presOf" srcId="{CE2D9564-0D0C-4067-8B04-66280DD4907B}" destId="{8E88E7CA-A1B5-4CE5-9428-9AFF148C95A8}" srcOrd="0" destOrd="0" presId="urn:microsoft.com/office/officeart/2005/8/layout/vList2"/>
+    <dgm:cxn modelId="{B9CEC050-2FB0-4E94-B7A0-39A4C0E8178F}" type="presOf" srcId="{74F31992-22FE-48E2-A977-4FB6A117C6E5}" destId="{8CEEE20B-9890-4F12-9002-B17AD2045685}" srcOrd="0" destOrd="0" presId="urn:microsoft.com/office/officeart/2005/8/layout/vList2"/>
+    <dgm:cxn modelId="{6ADD0B39-9992-4C4D-8199-F4F531C38353}" srcId="{C02690BE-3F15-47B6-B5F1-9063FC833116}" destId="{622CA088-C9BF-46EB-83FD-2FD80BE93EB3}" srcOrd="3" destOrd="0" parTransId="{B98B7F9C-89F1-4172-A628-6739FBD50FE4}" sibTransId="{BA800ED1-7538-418E-98E8-09E5889F6F3B}"/>
+    <dgm:cxn modelId="{9CCE129B-312E-4C9E-8670-5F7DE71457F1}" srcId="{C02690BE-3F15-47B6-B5F1-9063FC833116}" destId="{0B3B9A80-FEAB-4382-AEC1-8F4985BF9AF7}" srcOrd="1" destOrd="0" parTransId="{6A23D7C0-0A42-47BB-8E9E-279348E9A7D5}" sibTransId="{CF537DE7-4794-4496-82A8-5B723FBAE9DD}"/>
+    <dgm:cxn modelId="{DAAE4464-9840-47DF-884F-989FF36EE34B}" type="presOf" srcId="{0B3B9A80-FEAB-4382-AEC1-8F4985BF9AF7}" destId="{367775B8-3428-4829-A7B2-607BBF34E06D}" srcOrd="0" destOrd="0" presId="urn:microsoft.com/office/officeart/2005/8/layout/vList2"/>
+    <dgm:cxn modelId="{D51B9E5C-BFD7-461F-8F9A-1CB5BED1C797}" srcId="{0B3B9A80-FEAB-4382-AEC1-8F4985BF9AF7}" destId="{3AAAA723-85A9-457D-9A25-EF8FAAC6B2BB}" srcOrd="0" destOrd="0" parTransId="{D8EFC524-CD4F-4D32-A672-A086E21E0921}" sibTransId="{D37A2646-ECFF-4F4B-B154-DC8B5B6D0B74}"/>
+    <dgm:cxn modelId="{D3595E3B-E712-459A-9BDE-17D74818A970}" type="presOf" srcId="{D65F25BD-5964-43A4-A9F4-3F3A10E13075}" destId="{8480CD49-7A08-44C8-800C-791C578F56D2}" srcOrd="0" destOrd="0" presId="urn:microsoft.com/office/officeart/2005/8/layout/vList2"/>
+    <dgm:cxn modelId="{07C303ED-2BD3-4B51-A383-BC3CAA7EF7C3}" srcId="{622CA088-C9BF-46EB-83FD-2FD80BE93EB3}" destId="{7BBB3E7B-9202-4312-B160-476E161E3E44}" srcOrd="0" destOrd="0" parTransId="{F4A8E4AF-841E-4472-B294-3E73B0998C4E}" sibTransId="{B76AC8A2-F2F8-468A-8B8B-868F649B683F}"/>
+    <dgm:cxn modelId="{7CA469CA-B24C-4BFF-B610-A16B1A98DC4C}" srcId="{CE2D9564-0D0C-4067-8B04-66280DD4907B}" destId="{CEEC253B-E9A7-407C-BB6E-6B72FEB60B84}" srcOrd="0" destOrd="0" parTransId="{5AB30D5F-996A-41DE-BBD1-7555C2E97841}" sibTransId="{C73B9315-D533-4B2F-8EF4-3CA7E54D18E9}"/>
+    <dgm:cxn modelId="{42686C59-A0CA-4BDE-8B06-585E3B4A0A61}" type="presOf" srcId="{CEEC253B-E9A7-407C-BB6E-6B72FEB60B84}" destId="{560658FD-2AEF-4666-AA72-E101777542C0}" srcOrd="0" destOrd="0" presId="urn:microsoft.com/office/officeart/2005/8/layout/vList2"/>
+    <dgm:cxn modelId="{7B4C5AD5-161D-4DA3-92D0-7C15D92B5309}" type="presParOf" srcId="{27364063-BC25-46CF-BBC7-6B414AD95359}" destId="{8480CD49-7A08-44C8-800C-791C578F56D2}" srcOrd="0" destOrd="0" presId="urn:microsoft.com/office/officeart/2005/8/layout/vList2"/>
+    <dgm:cxn modelId="{F23A0662-CC4A-43AD-A00E-CF98272D2B6B}" type="presParOf" srcId="{27364063-BC25-46CF-BBC7-6B414AD95359}" destId="{8CEEE20B-9890-4F12-9002-B17AD2045685}" srcOrd="1" destOrd="0" presId="urn:microsoft.com/office/officeart/2005/8/layout/vList2"/>
+    <dgm:cxn modelId="{749239C9-EB8D-4EFD-903E-D3CC0BAD14CB}" type="presParOf" srcId="{27364063-BC25-46CF-BBC7-6B414AD95359}" destId="{367775B8-3428-4829-A7B2-607BBF34E06D}" srcOrd="2" destOrd="0" presId="urn:microsoft.com/office/officeart/2005/8/layout/vList2"/>
+    <dgm:cxn modelId="{63854D8F-CA63-48AE-AA8B-C5F34ACF2BB6}" type="presParOf" srcId="{27364063-BC25-46CF-BBC7-6B414AD95359}" destId="{40F6F29C-9F6F-4FD5-ABDB-029C25C36CA7}" srcOrd="3" destOrd="0" presId="urn:microsoft.com/office/officeart/2005/8/layout/vList2"/>
+    <dgm:cxn modelId="{53F41124-6480-42E3-AABF-CB0D966C2B84}" type="presParOf" srcId="{27364063-BC25-46CF-BBC7-6B414AD95359}" destId="{8E88E7CA-A1B5-4CE5-9428-9AFF148C95A8}" srcOrd="4" destOrd="0" presId="urn:microsoft.com/office/officeart/2005/8/layout/vList2"/>
+    <dgm:cxn modelId="{AAA88E5A-0CB5-441B-91EB-7996862E1288}" type="presParOf" srcId="{27364063-BC25-46CF-BBC7-6B414AD95359}" destId="{560658FD-2AEF-4666-AA72-E101777542C0}" srcOrd="5" destOrd="0" presId="urn:microsoft.com/office/officeart/2005/8/layout/vList2"/>
+    <dgm:cxn modelId="{4BF348BF-C6F5-45C4-A0C0-441B69E888A5}" type="presParOf" srcId="{27364063-BC25-46CF-BBC7-6B414AD95359}" destId="{075DAB5A-EB6D-4514-9392-4F760EBB0DA3}" srcOrd="6" destOrd="0" presId="urn:microsoft.com/office/officeart/2005/8/layout/vList2"/>
+    <dgm:cxn modelId="{3DA3309D-D76C-4262-9451-24CBEDBE4207}" type="presParOf" srcId="{27364063-BC25-46CF-BBC7-6B414AD95359}" destId="{55574814-5C05-49D8-B3D4-751D27E76157}" srcOrd="7" destOrd="0" presId="urn:microsoft.com/office/officeart/2005/8/layout/vList2"/>
+  </dgm:cxnLst>
+  <dgm:bg/>
+  <dgm:whole/>
+  <dgm:extLst>
+    <a:ext uri="http://schemas.microsoft.com/office/drawing/2008/diagram">
+      <dsp:dataModelExt xmlns:dsp="http://schemas.microsoft.com/office/drawing/2008/diagram" relId="rId6" minVer="http://schemas.openxmlformats.org/drawingml/2006/diagram"/>
+    </a:ext>
+  </dgm:extLst>
+</dgm:dataModel>
+</file>
+
 <file path=ppt/diagrams/drawing1.xml><?xml version="1.0" encoding="utf-8"?>
 <dsp:drawing xmlns:dgm="http://schemas.openxmlformats.org/drawingml/2006/diagram" xmlns:dsp="http://schemas.microsoft.com/office/drawing/2008/diagram" xmlns:a="http://schemas.openxmlformats.org/drawingml/2006/main">
   <dsp:spTree>
@@ -4968,6 +7307,762 @@
       <dsp:cNvGrpSpPr/>
     </dsp:nvGrpSpPr>
     <dsp:grpSpPr/>
+    <dsp:sp modelId="{584451EA-FAE9-4986-832E-105574B55E26}">
+      <dsp:nvSpPr>
+        <dsp:cNvPr id="0" name=""/>
+        <dsp:cNvSpPr/>
+      </dsp:nvSpPr>
+      <dsp:spPr>
+        <a:xfrm rot="5400000">
+          <a:off x="5764177" y="-3274179"/>
+          <a:ext cx="1020322" cy="7798242"/>
+        </a:xfrm>
+        <a:prstGeom prst="round2SameRect">
+          <a:avLst/>
+        </a:prstGeom>
+        <a:solidFill>
+          <a:schemeClr val="accent2">
+            <a:tint val="40000"/>
+            <a:alpha val="90000"/>
+            <a:hueOff val="0"/>
+            <a:satOff val="0"/>
+            <a:lumOff val="0"/>
+            <a:alphaOff val="0"/>
+          </a:schemeClr>
+        </a:solidFill>
+        <a:ln w="15875" cap="rnd" cmpd="sng" algn="ctr">
+          <a:solidFill>
+            <a:schemeClr val="accent2">
+              <a:tint val="40000"/>
+              <a:alpha val="90000"/>
+              <a:hueOff val="0"/>
+              <a:satOff val="0"/>
+              <a:lumOff val="0"/>
+              <a:alphaOff val="0"/>
+            </a:schemeClr>
+          </a:solidFill>
+          <a:prstDash val="solid"/>
+        </a:ln>
+        <a:effectLst/>
+      </dsp:spPr>
+      <dsp:style>
+        <a:lnRef idx="2">
+          <a:scrgbClr r="0" g="0" b="0"/>
+        </a:lnRef>
+        <a:fillRef idx="1">
+          <a:scrgbClr r="0" g="0" b="0"/>
+        </a:fillRef>
+        <a:effectRef idx="0">
+          <a:scrgbClr r="0" g="0" b="0"/>
+        </a:effectRef>
+        <a:fontRef idx="minor"/>
+      </dsp:style>
+      <dsp:txBody>
+        <a:bodyPr spcFirstLastPara="0" vert="horz" wrap="square" lIns="60960" tIns="30480" rIns="60960" bIns="30480" numCol="1" spcCol="1270" anchor="ctr" anchorCtr="0">
+          <a:noAutofit/>
+        </a:bodyPr>
+        <a:lstStyle/>
+        <a:p>
+          <a:pPr marL="171450" lvl="1" indent="-171450" algn="l" defTabSz="711200">
+            <a:lnSpc>
+              <a:spcPct val="90000"/>
+            </a:lnSpc>
+            <a:spcBef>
+              <a:spcPct val="0"/>
+            </a:spcBef>
+            <a:spcAft>
+              <a:spcPct val="15000"/>
+            </a:spcAft>
+            <a:buChar char="••"/>
+          </a:pPr>
+          <a:r>
+            <a:rPr lang="zh-CN" altLang="en-US" sz="1600" kern="1200" dirty="0" smtClean="0"/>
+            <a:t>一个</a:t>
+          </a:r>
+          <a:r>
+            <a:rPr lang="en-US" altLang="en-US" sz="1600" kern="1200" dirty="0" err="1" smtClean="0"/>
+            <a:t>Netty</a:t>
+          </a:r>
+          <a:r>
+            <a:rPr lang="zh-CN" altLang="en-US" sz="1600" kern="1200" dirty="0" smtClean="0"/>
+            <a:t>应用通常由一个</a:t>
+          </a:r>
+          <a:r>
+            <a:rPr lang="en-US" altLang="en-US" sz="1600" kern="1200" dirty="0" smtClean="0"/>
+            <a:t>Bootstrap</a:t>
+          </a:r>
+          <a:r>
+            <a:rPr lang="zh-CN" altLang="en-US" sz="1600" kern="1200" dirty="0" smtClean="0"/>
+            <a:t>开始，它的主要作用是配置整个</a:t>
+          </a:r>
+          <a:r>
+            <a:rPr lang="en-US" altLang="en-US" sz="1600" kern="1200" dirty="0" err="1" smtClean="0"/>
+            <a:t>Netty</a:t>
+          </a:r>
+          <a:r>
+            <a:rPr lang="zh-CN" altLang="en-US" sz="1600" kern="1200" dirty="0" smtClean="0"/>
+            <a:t>程序，串联起各个组件。</a:t>
+          </a:r>
+          <a:r>
+            <a:rPr lang="en-US" altLang="en-US" sz="1600" kern="1200" dirty="0" smtClean="0"/>
+            <a:t>Bootstrap</a:t>
+          </a:r>
+          <a:r>
+            <a:rPr lang="zh-CN" altLang="en-US" sz="1600" kern="1200" dirty="0" smtClean="0"/>
+            <a:t>有两种类型，</a:t>
+          </a:r>
+          <a:r>
+            <a:rPr lang="en-US" altLang="en-US" sz="1600" kern="1200" dirty="0" err="1" smtClean="0"/>
+            <a:t>ServerBootstrap</a:t>
+          </a:r>
+          <a:r>
+            <a:rPr lang="zh-CN" altLang="en-US" sz="1600" kern="1200" dirty="0" smtClean="0"/>
+            <a:t>和</a:t>
+          </a:r>
+          <a:r>
+            <a:rPr lang="en-US" altLang="en-US" sz="1600" kern="1200" dirty="0" smtClean="0"/>
+            <a:t>Bootstrap</a:t>
+          </a:r>
+          <a:r>
+            <a:rPr lang="zh-CN" altLang="en-US" sz="1600" kern="1200" dirty="0" smtClean="0"/>
+            <a:t>，分别用于</a:t>
+          </a:r>
+          <a:r>
+            <a:rPr lang="en-US" altLang="en-US" sz="1600" kern="1200" dirty="0" smtClean="0"/>
+            <a:t>Server</a:t>
+          </a:r>
+          <a:r>
+            <a:rPr lang="zh-CN" altLang="en-US" sz="1600" kern="1200" dirty="0" smtClean="0"/>
+            <a:t>端和</a:t>
+          </a:r>
+          <a:r>
+            <a:rPr lang="en-US" altLang="en-US" sz="1600" kern="1200" dirty="0" smtClean="0"/>
+            <a:t>Client</a:t>
+          </a:r>
+          <a:r>
+            <a:rPr lang="zh-CN" altLang="en-US" sz="1600" kern="1200" dirty="0" smtClean="0"/>
+            <a:t>端</a:t>
+          </a:r>
+          <a:endParaRPr lang="zh-CN" altLang="en-US" sz="1600" kern="1200" dirty="0"/>
+        </a:p>
+      </dsp:txBody>
+      <dsp:txXfrm rot="-5400000">
+        <a:off x="2375217" y="164589"/>
+        <a:ext cx="7748434" cy="920706"/>
+      </dsp:txXfrm>
+    </dsp:sp>
+    <dsp:sp modelId="{92DADAC6-B996-4CC3-9857-88F96E278350}">
+      <dsp:nvSpPr>
+        <dsp:cNvPr id="0" name=""/>
+        <dsp:cNvSpPr/>
+      </dsp:nvSpPr>
+      <dsp:spPr>
+        <a:xfrm>
+          <a:off x="830" y="2587"/>
+          <a:ext cx="2374386" cy="1244708"/>
+        </a:xfrm>
+        <a:prstGeom prst="roundRect">
+          <a:avLst/>
+        </a:prstGeom>
+        <a:solidFill>
+          <a:schemeClr val="accent2">
+            <a:hueOff val="0"/>
+            <a:satOff val="0"/>
+            <a:lumOff val="0"/>
+            <a:alphaOff val="0"/>
+          </a:schemeClr>
+        </a:solidFill>
+        <a:ln w="15875" cap="rnd" cmpd="sng" algn="ctr">
+          <a:solidFill>
+            <a:schemeClr val="lt1">
+              <a:hueOff val="0"/>
+              <a:satOff val="0"/>
+              <a:lumOff val="0"/>
+              <a:alphaOff val="0"/>
+            </a:schemeClr>
+          </a:solidFill>
+          <a:prstDash val="solid"/>
+        </a:ln>
+        <a:effectLst/>
+      </dsp:spPr>
+      <dsp:style>
+        <a:lnRef idx="2">
+          <a:scrgbClr r="0" g="0" b="0"/>
+        </a:lnRef>
+        <a:fillRef idx="1">
+          <a:scrgbClr r="0" g="0" b="0"/>
+        </a:fillRef>
+        <a:effectRef idx="0">
+          <a:scrgbClr r="0" g="0" b="0"/>
+        </a:effectRef>
+        <a:fontRef idx="minor">
+          <a:schemeClr val="lt1"/>
+        </a:fontRef>
+      </dsp:style>
+      <dsp:txBody>
+        <a:bodyPr spcFirstLastPara="0" vert="horz" wrap="square" lIns="80010" tIns="40005" rIns="80010" bIns="40005" numCol="1" spcCol="1270" anchor="ctr" anchorCtr="0">
+          <a:noAutofit/>
+        </a:bodyPr>
+        <a:lstStyle/>
+        <a:p>
+          <a:pPr lvl="0" algn="ctr" defTabSz="933450">
+            <a:lnSpc>
+              <a:spcPct val="90000"/>
+            </a:lnSpc>
+            <a:spcBef>
+              <a:spcPct val="0"/>
+            </a:spcBef>
+            <a:spcAft>
+              <a:spcPct val="35000"/>
+            </a:spcAft>
+          </a:pPr>
+          <a:r>
+            <a:rPr lang="en-US" altLang="en-US" sz="2100" kern="1200" dirty="0" smtClean="0"/>
+            <a:t>Bootstrap</a:t>
+          </a:r>
+          <a:endParaRPr lang="zh-CN" altLang="en-US" sz="2100" kern="1200" dirty="0"/>
+        </a:p>
+      </dsp:txBody>
+      <dsp:txXfrm>
+        <a:off x="61592" y="63349"/>
+        <a:ext cx="2252862" cy="1123184"/>
+      </dsp:txXfrm>
+    </dsp:sp>
+    <dsp:sp modelId="{35F3A075-7F4A-4168-A6C3-69A19955DF8B}">
+      <dsp:nvSpPr>
+        <dsp:cNvPr id="0" name=""/>
+        <dsp:cNvSpPr/>
+      </dsp:nvSpPr>
+      <dsp:spPr>
+        <a:xfrm rot="5400000">
+          <a:off x="5763439" y="-1974490"/>
+          <a:ext cx="995766" cy="7812753"/>
+        </a:xfrm>
+        <a:prstGeom prst="round2SameRect">
+          <a:avLst/>
+        </a:prstGeom>
+        <a:solidFill>
+          <a:schemeClr val="accent3">
+            <a:tint val="40000"/>
+            <a:alpha val="90000"/>
+            <a:hueOff val="0"/>
+            <a:satOff val="0"/>
+            <a:lumOff val="0"/>
+            <a:alphaOff val="0"/>
+          </a:schemeClr>
+        </a:solidFill>
+        <a:ln w="15875" cap="rnd" cmpd="sng" algn="ctr">
+          <a:solidFill>
+            <a:schemeClr val="accent3">
+              <a:tint val="40000"/>
+              <a:alpha val="90000"/>
+              <a:hueOff val="0"/>
+              <a:satOff val="0"/>
+              <a:lumOff val="0"/>
+              <a:alphaOff val="0"/>
+            </a:schemeClr>
+          </a:solidFill>
+          <a:prstDash val="solid"/>
+        </a:ln>
+        <a:effectLst/>
+      </dsp:spPr>
+      <dsp:style>
+        <a:lnRef idx="2">
+          <a:scrgbClr r="0" g="0" b="0"/>
+        </a:lnRef>
+        <a:fillRef idx="1">
+          <a:scrgbClr r="0" g="0" b="0"/>
+        </a:fillRef>
+        <a:effectRef idx="0">
+          <a:scrgbClr r="0" g="0" b="0"/>
+        </a:effectRef>
+        <a:fontRef idx="minor"/>
+      </dsp:style>
+      <dsp:txBody>
+        <a:bodyPr spcFirstLastPara="0" vert="horz" wrap="square" lIns="60960" tIns="30480" rIns="60960" bIns="30480" numCol="1" spcCol="1270" anchor="ctr" anchorCtr="0">
+          <a:noAutofit/>
+        </a:bodyPr>
+        <a:lstStyle/>
+        <a:p>
+          <a:pPr marL="171450" lvl="1" indent="-171450" algn="l" defTabSz="711200">
+            <a:lnSpc>
+              <a:spcPct val="90000"/>
+            </a:lnSpc>
+            <a:spcBef>
+              <a:spcPct val="0"/>
+            </a:spcBef>
+            <a:spcAft>
+              <a:spcPct val="15000"/>
+            </a:spcAft>
+            <a:buChar char="••"/>
+          </a:pPr>
+          <a:r>
+            <a:rPr lang="zh-CN" altLang="en-US" sz="1600" kern="1200" dirty="0" smtClean="0"/>
+            <a:t>代表一个</a:t>
+          </a:r>
+          <a:r>
+            <a:rPr lang="en-US" altLang="en-US" sz="1600" kern="1200" dirty="0" smtClean="0"/>
+            <a:t>Socket</a:t>
+          </a:r>
+          <a:r>
+            <a:rPr lang="zh-CN" altLang="en-US" sz="1600" kern="1200" dirty="0" smtClean="0"/>
+            <a:t>连接，或者其他和</a:t>
+          </a:r>
+          <a:r>
+            <a:rPr lang="en-US" altLang="en-US" sz="1600" kern="1200" dirty="0" smtClean="0"/>
+            <a:t>I/O</a:t>
+          </a:r>
+          <a:r>
+            <a:rPr lang="zh-CN" altLang="en-US" sz="1600" kern="1200" dirty="0" smtClean="0"/>
+            <a:t>相关的组件</a:t>
+          </a:r>
+          <a:endParaRPr lang="zh-CN" altLang="en-US" sz="1600" kern="1200" dirty="0"/>
+        </a:p>
+      </dsp:txBody>
+      <dsp:txXfrm rot="-5400000">
+        <a:off x="2354946" y="1482612"/>
+        <a:ext cx="7764144" cy="898548"/>
+      </dsp:txXfrm>
+    </dsp:sp>
+    <dsp:sp modelId="{9FB27714-68A5-49D8-ACDE-749F741AD41E}">
+      <dsp:nvSpPr>
+        <dsp:cNvPr id="0" name=""/>
+        <dsp:cNvSpPr/>
+      </dsp:nvSpPr>
+      <dsp:spPr>
+        <a:xfrm>
+          <a:off x="830" y="1309531"/>
+          <a:ext cx="2354116" cy="1244708"/>
+        </a:xfrm>
+        <a:prstGeom prst="roundRect">
+          <a:avLst/>
+        </a:prstGeom>
+        <a:solidFill>
+          <a:schemeClr val="accent3">
+            <a:hueOff val="0"/>
+            <a:satOff val="0"/>
+            <a:lumOff val="0"/>
+            <a:alphaOff val="0"/>
+          </a:schemeClr>
+        </a:solidFill>
+        <a:ln w="15875" cap="rnd" cmpd="sng" algn="ctr">
+          <a:solidFill>
+            <a:schemeClr val="lt1">
+              <a:hueOff val="0"/>
+              <a:satOff val="0"/>
+              <a:lumOff val="0"/>
+              <a:alphaOff val="0"/>
+            </a:schemeClr>
+          </a:solidFill>
+          <a:prstDash val="solid"/>
+        </a:ln>
+        <a:effectLst/>
+      </dsp:spPr>
+      <dsp:style>
+        <a:lnRef idx="2">
+          <a:scrgbClr r="0" g="0" b="0"/>
+        </a:lnRef>
+        <a:fillRef idx="1">
+          <a:scrgbClr r="0" g="0" b="0"/>
+        </a:fillRef>
+        <a:effectRef idx="0">
+          <a:scrgbClr r="0" g="0" b="0"/>
+        </a:effectRef>
+        <a:fontRef idx="minor">
+          <a:schemeClr val="lt1"/>
+        </a:fontRef>
+      </dsp:style>
+      <dsp:txBody>
+        <a:bodyPr spcFirstLastPara="0" vert="horz" wrap="square" lIns="80010" tIns="40005" rIns="80010" bIns="40005" numCol="1" spcCol="1270" anchor="ctr" anchorCtr="0">
+          <a:noAutofit/>
+        </a:bodyPr>
+        <a:lstStyle/>
+        <a:p>
+          <a:pPr lvl="0" algn="ctr" defTabSz="933450">
+            <a:lnSpc>
+              <a:spcPct val="90000"/>
+            </a:lnSpc>
+            <a:spcBef>
+              <a:spcPct val="0"/>
+            </a:spcBef>
+            <a:spcAft>
+              <a:spcPct val="35000"/>
+            </a:spcAft>
+          </a:pPr>
+          <a:r>
+            <a:rPr lang="en-US" altLang="en-US" sz="2100" kern="1200" dirty="0" smtClean="0"/>
+            <a:t>Channel</a:t>
+          </a:r>
+          <a:endParaRPr lang="zh-CN" altLang="en-US" sz="2100" kern="1200" dirty="0"/>
+        </a:p>
+      </dsp:txBody>
+      <dsp:txXfrm>
+        <a:off x="61592" y="1370293"/>
+        <a:ext cx="2232592" cy="1123184"/>
+      </dsp:txXfrm>
+    </dsp:sp>
+    <dsp:sp modelId="{4D759A78-99D5-4EEE-A4BF-EC52D4204D23}">
+      <dsp:nvSpPr>
+        <dsp:cNvPr id="0" name=""/>
+        <dsp:cNvSpPr/>
+      </dsp:nvSpPr>
+      <dsp:spPr>
+        <a:xfrm rot="5400000">
+          <a:off x="5777291" y="-659112"/>
+          <a:ext cx="995766" cy="7795883"/>
+        </a:xfrm>
+        <a:prstGeom prst="round2SameRect">
+          <a:avLst/>
+        </a:prstGeom>
+        <a:solidFill>
+          <a:schemeClr val="accent4">
+            <a:tint val="40000"/>
+            <a:alpha val="90000"/>
+            <a:hueOff val="0"/>
+            <a:satOff val="0"/>
+            <a:lumOff val="0"/>
+            <a:alphaOff val="0"/>
+          </a:schemeClr>
+        </a:solidFill>
+        <a:ln w="15875" cap="rnd" cmpd="sng" algn="ctr">
+          <a:solidFill>
+            <a:schemeClr val="accent4">
+              <a:tint val="40000"/>
+              <a:alpha val="90000"/>
+              <a:hueOff val="0"/>
+              <a:satOff val="0"/>
+              <a:lumOff val="0"/>
+              <a:alphaOff val="0"/>
+            </a:schemeClr>
+          </a:solidFill>
+          <a:prstDash val="solid"/>
+        </a:ln>
+        <a:effectLst/>
+      </dsp:spPr>
+      <dsp:style>
+        <a:lnRef idx="2">
+          <a:scrgbClr r="0" g="0" b="0"/>
+        </a:lnRef>
+        <a:fillRef idx="1">
+          <a:scrgbClr r="0" g="0" b="0"/>
+        </a:fillRef>
+        <a:effectRef idx="0">
+          <a:scrgbClr r="0" g="0" b="0"/>
+        </a:effectRef>
+        <a:fontRef idx="minor"/>
+      </dsp:style>
+      <dsp:txBody>
+        <a:bodyPr spcFirstLastPara="0" vert="horz" wrap="square" lIns="60960" tIns="30480" rIns="60960" bIns="30480" numCol="1" spcCol="1270" anchor="ctr" anchorCtr="0">
+          <a:noAutofit/>
+        </a:bodyPr>
+        <a:lstStyle/>
+        <a:p>
+          <a:pPr marL="171450" lvl="1" indent="-171450" algn="l" defTabSz="711200">
+            <a:lnSpc>
+              <a:spcPct val="90000"/>
+            </a:lnSpc>
+            <a:spcBef>
+              <a:spcPct val="0"/>
+            </a:spcBef>
+            <a:spcAft>
+              <a:spcPct val="15000"/>
+            </a:spcAft>
+            <a:buChar char="••"/>
+          </a:pPr>
+          <a:r>
+            <a:rPr lang="zh-CN" altLang="en-US" sz="1600" kern="1200" dirty="0" smtClean="0"/>
+            <a:t>为</a:t>
+          </a:r>
+          <a:r>
+            <a:rPr lang="en-US" altLang="en-US" sz="1600" kern="1200" dirty="0" smtClean="0"/>
+            <a:t>Channel</a:t>
+          </a:r>
+          <a:r>
+            <a:rPr lang="zh-CN" altLang="en-US" sz="1600" kern="1200" dirty="0" smtClean="0"/>
+            <a:t>处理</a:t>
+          </a:r>
+          <a:r>
+            <a:rPr lang="en-US" altLang="en-US" sz="1600" kern="1200" dirty="0" smtClean="0"/>
+            <a:t>I/O</a:t>
+          </a:r>
+          <a:r>
+            <a:rPr lang="zh-CN" altLang="en-US" sz="1600" kern="1200" dirty="0" smtClean="0"/>
+            <a:t>操作，一个</a:t>
+          </a:r>
+          <a:r>
+            <a:rPr lang="en-US" altLang="en-US" sz="1600" kern="1200" dirty="0" err="1" smtClean="0"/>
+            <a:t>EventLoop</a:t>
+          </a:r>
+          <a:r>
+            <a:rPr lang="zh-CN" altLang="en-US" sz="1600" kern="1200" dirty="0" smtClean="0"/>
+            <a:t>可以为多个</a:t>
+          </a:r>
+          <a:r>
+            <a:rPr lang="en-US" altLang="en-US" sz="1600" kern="1200" dirty="0" smtClean="0"/>
+            <a:t>Channel</a:t>
+          </a:r>
+          <a:r>
+            <a:rPr lang="zh-CN" altLang="en-US" sz="1600" kern="1200" dirty="0" smtClean="0"/>
+            <a:t>服务，可理解为一个线程</a:t>
+          </a:r>
+          <a:endParaRPr lang="zh-CN" altLang="en-US" sz="1600" kern="1200" dirty="0"/>
+        </a:p>
+      </dsp:txBody>
+      <dsp:txXfrm rot="-5400000">
+        <a:off x="2377233" y="2789555"/>
+        <a:ext cx="7747274" cy="898548"/>
+      </dsp:txXfrm>
+    </dsp:sp>
+    <dsp:sp modelId="{069DF87E-A98D-4718-8D8A-9B0DEB2A9B4D}">
+      <dsp:nvSpPr>
+        <dsp:cNvPr id="0" name=""/>
+        <dsp:cNvSpPr/>
+      </dsp:nvSpPr>
+      <dsp:spPr>
+        <a:xfrm>
+          <a:off x="830" y="2616475"/>
+          <a:ext cx="2376402" cy="1244708"/>
+        </a:xfrm>
+        <a:prstGeom prst="roundRect">
+          <a:avLst/>
+        </a:prstGeom>
+        <a:solidFill>
+          <a:schemeClr val="accent4">
+            <a:hueOff val="0"/>
+            <a:satOff val="0"/>
+            <a:lumOff val="0"/>
+            <a:alphaOff val="0"/>
+          </a:schemeClr>
+        </a:solidFill>
+        <a:ln w="15875" cap="rnd" cmpd="sng" algn="ctr">
+          <a:solidFill>
+            <a:schemeClr val="lt1">
+              <a:hueOff val="0"/>
+              <a:satOff val="0"/>
+              <a:lumOff val="0"/>
+              <a:alphaOff val="0"/>
+            </a:schemeClr>
+          </a:solidFill>
+          <a:prstDash val="solid"/>
+        </a:ln>
+        <a:effectLst/>
+      </dsp:spPr>
+      <dsp:style>
+        <a:lnRef idx="2">
+          <a:scrgbClr r="0" g="0" b="0"/>
+        </a:lnRef>
+        <a:fillRef idx="1">
+          <a:scrgbClr r="0" g="0" b="0"/>
+        </a:fillRef>
+        <a:effectRef idx="0">
+          <a:scrgbClr r="0" g="0" b="0"/>
+        </a:effectRef>
+        <a:fontRef idx="minor">
+          <a:schemeClr val="lt1"/>
+        </a:fontRef>
+      </dsp:style>
+      <dsp:txBody>
+        <a:bodyPr spcFirstLastPara="0" vert="horz" wrap="square" lIns="80010" tIns="40005" rIns="80010" bIns="40005" numCol="1" spcCol="1270" anchor="ctr" anchorCtr="0">
+          <a:noAutofit/>
+        </a:bodyPr>
+        <a:lstStyle/>
+        <a:p>
+          <a:pPr lvl="0" algn="ctr" defTabSz="933450">
+            <a:lnSpc>
+              <a:spcPct val="90000"/>
+            </a:lnSpc>
+            <a:spcBef>
+              <a:spcPct val="0"/>
+            </a:spcBef>
+            <a:spcAft>
+              <a:spcPct val="35000"/>
+            </a:spcAft>
+          </a:pPr>
+          <a:r>
+            <a:rPr lang="en-US" altLang="en-US" sz="2100" kern="1200" dirty="0" err="1" smtClean="0"/>
+            <a:t>EventLoop</a:t>
+          </a:r>
+          <a:endParaRPr lang="zh-CN" altLang="en-US" sz="2100" kern="1200" dirty="0"/>
+        </a:p>
+      </dsp:txBody>
+      <dsp:txXfrm>
+        <a:off x="61592" y="2677237"/>
+        <a:ext cx="2254878" cy="1123184"/>
+      </dsp:txXfrm>
+    </dsp:sp>
+    <dsp:sp modelId="{7EAFE99C-83FA-4CAC-94F1-0ADDA25F4421}">
+      <dsp:nvSpPr>
+        <dsp:cNvPr id="0" name=""/>
+        <dsp:cNvSpPr/>
+      </dsp:nvSpPr>
+      <dsp:spPr>
+        <a:xfrm rot="5400000">
+          <a:off x="5777291" y="647831"/>
+          <a:ext cx="995766" cy="7795883"/>
+        </a:xfrm>
+        <a:prstGeom prst="round2SameRect">
+          <a:avLst/>
+        </a:prstGeom>
+        <a:solidFill>
+          <a:schemeClr val="accent5">
+            <a:tint val="40000"/>
+            <a:alpha val="90000"/>
+            <a:hueOff val="0"/>
+            <a:satOff val="0"/>
+            <a:lumOff val="0"/>
+            <a:alphaOff val="0"/>
+          </a:schemeClr>
+        </a:solidFill>
+        <a:ln w="15875" cap="rnd" cmpd="sng" algn="ctr">
+          <a:solidFill>
+            <a:schemeClr val="accent5">
+              <a:tint val="40000"/>
+              <a:alpha val="90000"/>
+              <a:hueOff val="0"/>
+              <a:satOff val="0"/>
+              <a:lumOff val="0"/>
+              <a:alphaOff val="0"/>
+            </a:schemeClr>
+          </a:solidFill>
+          <a:prstDash val="solid"/>
+        </a:ln>
+        <a:effectLst/>
+      </dsp:spPr>
+      <dsp:style>
+        <a:lnRef idx="2">
+          <a:scrgbClr r="0" g="0" b="0"/>
+        </a:lnRef>
+        <a:fillRef idx="1">
+          <a:scrgbClr r="0" g="0" b="0"/>
+        </a:fillRef>
+        <a:effectRef idx="0">
+          <a:scrgbClr r="0" g="0" b="0"/>
+        </a:effectRef>
+        <a:fontRef idx="minor"/>
+      </dsp:style>
+      <dsp:txBody>
+        <a:bodyPr spcFirstLastPara="0" vert="horz" wrap="square" lIns="60960" tIns="30480" rIns="60960" bIns="30480" numCol="1" spcCol="1270" anchor="ctr" anchorCtr="0">
+          <a:noAutofit/>
+        </a:bodyPr>
+        <a:lstStyle/>
+        <a:p>
+          <a:pPr marL="171450" lvl="1" indent="-171450" algn="l" defTabSz="711200">
+            <a:lnSpc>
+              <a:spcPct val="90000"/>
+            </a:lnSpc>
+            <a:spcBef>
+              <a:spcPct val="0"/>
+            </a:spcBef>
+            <a:spcAft>
+              <a:spcPct val="15000"/>
+            </a:spcAft>
+            <a:buChar char="••"/>
+          </a:pPr>
+          <a:r>
+            <a:rPr lang="zh-CN" altLang="en-US" sz="1600" kern="1200" dirty="0" smtClean="0"/>
+            <a:t>一个</a:t>
+          </a:r>
+          <a:r>
+            <a:rPr lang="en-US" altLang="en-US" sz="1600" kern="1200" dirty="0" err="1" smtClean="0"/>
+            <a:t>EventLoopGroup</a:t>
+          </a:r>
+          <a:r>
+            <a:rPr lang="zh-CN" altLang="en-US" sz="1600" kern="1200" dirty="0" smtClean="0"/>
+            <a:t>包含多个</a:t>
+          </a:r>
+          <a:r>
+            <a:rPr lang="en-US" altLang="en-US" sz="1600" kern="1200" dirty="0" err="1" smtClean="0"/>
+            <a:t>EventLoop</a:t>
+          </a:r>
+          <a:r>
+            <a:rPr lang="zh-CN" altLang="en-US" sz="1600" kern="1200" dirty="0" smtClean="0"/>
+            <a:t>，可以将其理解为一个线程池</a:t>
+          </a:r>
+          <a:endParaRPr lang="zh-CN" altLang="en-US" sz="1600" kern="1200" dirty="0"/>
+        </a:p>
+      </dsp:txBody>
+      <dsp:txXfrm rot="-5400000">
+        <a:off x="2377233" y="4096499"/>
+        <a:ext cx="7747274" cy="898548"/>
+      </dsp:txXfrm>
+    </dsp:sp>
+    <dsp:sp modelId="{A1DE4708-63A3-4572-A573-F5CBAB5D1392}">
+      <dsp:nvSpPr>
+        <dsp:cNvPr id="0" name=""/>
+        <dsp:cNvSpPr/>
+      </dsp:nvSpPr>
+      <dsp:spPr>
+        <a:xfrm>
+          <a:off x="830" y="3923418"/>
+          <a:ext cx="2376402" cy="1244708"/>
+        </a:xfrm>
+        <a:prstGeom prst="roundRect">
+          <a:avLst/>
+        </a:prstGeom>
+        <a:solidFill>
+          <a:schemeClr val="accent5">
+            <a:hueOff val="0"/>
+            <a:satOff val="0"/>
+            <a:lumOff val="0"/>
+            <a:alphaOff val="0"/>
+          </a:schemeClr>
+        </a:solidFill>
+        <a:ln w="15875" cap="rnd" cmpd="sng" algn="ctr">
+          <a:solidFill>
+            <a:schemeClr val="lt1">
+              <a:hueOff val="0"/>
+              <a:satOff val="0"/>
+              <a:lumOff val="0"/>
+              <a:alphaOff val="0"/>
+            </a:schemeClr>
+          </a:solidFill>
+          <a:prstDash val="solid"/>
+        </a:ln>
+        <a:effectLst/>
+      </dsp:spPr>
+      <dsp:style>
+        <a:lnRef idx="2">
+          <a:scrgbClr r="0" g="0" b="0"/>
+        </a:lnRef>
+        <a:fillRef idx="1">
+          <a:scrgbClr r="0" g="0" b="0"/>
+        </a:fillRef>
+        <a:effectRef idx="0">
+          <a:scrgbClr r="0" g="0" b="0"/>
+        </a:effectRef>
+        <a:fontRef idx="minor">
+          <a:schemeClr val="lt1"/>
+        </a:fontRef>
+      </dsp:style>
+      <dsp:txBody>
+        <a:bodyPr spcFirstLastPara="0" vert="horz" wrap="square" lIns="80010" tIns="40005" rIns="80010" bIns="40005" numCol="1" spcCol="1270" anchor="ctr" anchorCtr="0">
+          <a:noAutofit/>
+        </a:bodyPr>
+        <a:lstStyle/>
+        <a:p>
+          <a:pPr lvl="0" algn="ctr" defTabSz="933450">
+            <a:lnSpc>
+              <a:spcPct val="90000"/>
+            </a:lnSpc>
+            <a:spcBef>
+              <a:spcPct val="0"/>
+            </a:spcBef>
+            <a:spcAft>
+              <a:spcPct val="35000"/>
+            </a:spcAft>
+          </a:pPr>
+          <a:r>
+            <a:rPr lang="en-US" altLang="en-US" sz="2100" kern="1200" dirty="0" err="1" smtClean="0"/>
+            <a:t>EventLoopGroup</a:t>
+          </a:r>
+          <a:endParaRPr lang="zh-CN" altLang="en-US" sz="2100" kern="1200" dirty="0"/>
+        </a:p>
+      </dsp:txBody>
+      <dsp:txXfrm>
+        <a:off x="61592" y="3984180"/>
+        <a:ext cx="2254878" cy="1123184"/>
+      </dsp:txXfrm>
+    </dsp:sp>
   </dsp:spTree>
 </dsp:drawing>
 </file>
@@ -4980,6 +8075,1589 @@
       <dsp:cNvGrpSpPr/>
     </dsp:nvGrpSpPr>
     <dsp:grpSpPr/>
+    <dsp:sp modelId="{661FE5D7-CD61-4C4E-B0DA-62A323A4A9E0}">
+      <dsp:nvSpPr>
+        <dsp:cNvPr id="0" name=""/>
+        <dsp:cNvSpPr/>
+      </dsp:nvSpPr>
+      <dsp:spPr>
+        <a:xfrm rot="5400000">
+          <a:off x="5570817" y="-3134990"/>
+          <a:ext cx="1274138" cy="7867480"/>
+        </a:xfrm>
+        <a:prstGeom prst="round2SameRect">
+          <a:avLst/>
+        </a:prstGeom>
+        <a:solidFill>
+          <a:schemeClr val="accent2">
+            <a:tint val="40000"/>
+            <a:alpha val="90000"/>
+            <a:hueOff val="0"/>
+            <a:satOff val="0"/>
+            <a:lumOff val="0"/>
+            <a:alphaOff val="0"/>
+          </a:schemeClr>
+        </a:solidFill>
+        <a:ln w="15875" cap="rnd" cmpd="sng" algn="ctr">
+          <a:solidFill>
+            <a:schemeClr val="accent2">
+              <a:tint val="40000"/>
+              <a:alpha val="90000"/>
+              <a:hueOff val="0"/>
+              <a:satOff val="0"/>
+              <a:lumOff val="0"/>
+              <a:alphaOff val="0"/>
+            </a:schemeClr>
+          </a:solidFill>
+          <a:prstDash val="solid"/>
+        </a:ln>
+        <a:effectLst/>
+      </dsp:spPr>
+      <dsp:style>
+        <a:lnRef idx="2">
+          <a:scrgbClr r="0" g="0" b="0"/>
+        </a:lnRef>
+        <a:fillRef idx="1">
+          <a:scrgbClr r="0" g="0" b="0"/>
+        </a:fillRef>
+        <a:effectRef idx="0">
+          <a:scrgbClr r="0" g="0" b="0"/>
+        </a:effectRef>
+        <a:fontRef idx="minor"/>
+      </dsp:style>
+      <dsp:txBody>
+        <a:bodyPr spcFirstLastPara="0" vert="horz" wrap="square" lIns="60960" tIns="30480" rIns="60960" bIns="30480" numCol="1" spcCol="1270" anchor="ctr" anchorCtr="0">
+          <a:noAutofit/>
+        </a:bodyPr>
+        <a:lstStyle/>
+        <a:p>
+          <a:pPr marL="171450" lvl="1" indent="-171450" algn="l" defTabSz="711200">
+            <a:lnSpc>
+              <a:spcPct val="90000"/>
+            </a:lnSpc>
+            <a:spcBef>
+              <a:spcPct val="0"/>
+            </a:spcBef>
+            <a:spcAft>
+              <a:spcPct val="15000"/>
+            </a:spcAft>
+            <a:buChar char="••"/>
+          </a:pPr>
+          <a:r>
+            <a:rPr lang="zh-CN" altLang="en-US" sz="1600" kern="1200" dirty="0" smtClean="0"/>
+            <a:t>用来处理各种事件，比如连接、数据接收、异常、数据转换、编解码等。按照输入输出来分，分为</a:t>
+          </a:r>
+          <a:r>
+            <a:rPr lang="en-US" altLang="en-US" sz="1600" kern="1200" dirty="0" err="1" smtClean="0"/>
+            <a:t>ChannelInboundHandler</a:t>
+          </a:r>
+          <a:r>
+            <a:rPr lang="zh-CN" altLang="en-US" sz="1600" kern="1200" dirty="0" smtClean="0"/>
+            <a:t>和</a:t>
+          </a:r>
+          <a:r>
+            <a:rPr lang="en-US" altLang="en-US" sz="1600" kern="1200" dirty="0" err="1" smtClean="0"/>
+            <a:t>ChannelOutboundHandler</a:t>
+          </a:r>
+          <a:r>
+            <a:rPr lang="zh-CN" altLang="en-US" sz="1600" kern="1200" dirty="0" smtClean="0"/>
+            <a:t>。前者对从客户端发往服务器的报文进行处理，一般用来执行编码、读数据、业务处理等；后者处理服务器发往客户端的数据，如编码</a:t>
+          </a:r>
+          <a:endParaRPr lang="zh-CN" altLang="en-US" sz="1600" kern="1200" dirty="0"/>
+        </a:p>
+      </dsp:txBody>
+      <dsp:txXfrm rot="-5400000">
+        <a:off x="2274146" y="223879"/>
+        <a:ext cx="7805282" cy="1149742"/>
+      </dsp:txXfrm>
+    </dsp:sp>
+    <dsp:sp modelId="{B1883787-8131-45B9-A583-28A68E630650}">
+      <dsp:nvSpPr>
+        <dsp:cNvPr id="0" name=""/>
+        <dsp:cNvSpPr/>
+      </dsp:nvSpPr>
+      <dsp:spPr>
+        <a:xfrm>
+          <a:off x="21774" y="2413"/>
+          <a:ext cx="2252372" cy="1592673"/>
+        </a:xfrm>
+        <a:prstGeom prst="roundRect">
+          <a:avLst/>
+        </a:prstGeom>
+        <a:solidFill>
+          <a:schemeClr val="accent2">
+            <a:hueOff val="0"/>
+            <a:satOff val="0"/>
+            <a:lumOff val="0"/>
+            <a:alphaOff val="0"/>
+          </a:schemeClr>
+        </a:solidFill>
+        <a:ln w="15875" cap="rnd" cmpd="sng" algn="ctr">
+          <a:solidFill>
+            <a:schemeClr val="lt1">
+              <a:hueOff val="0"/>
+              <a:satOff val="0"/>
+              <a:lumOff val="0"/>
+              <a:alphaOff val="0"/>
+            </a:schemeClr>
+          </a:solidFill>
+          <a:prstDash val="solid"/>
+        </a:ln>
+        <a:effectLst/>
+      </dsp:spPr>
+      <dsp:style>
+        <a:lnRef idx="2">
+          <a:scrgbClr r="0" g="0" b="0"/>
+        </a:lnRef>
+        <a:fillRef idx="1">
+          <a:scrgbClr r="0" g="0" b="0"/>
+        </a:fillRef>
+        <a:effectRef idx="0">
+          <a:scrgbClr r="0" g="0" b="0"/>
+        </a:effectRef>
+        <a:fontRef idx="minor">
+          <a:schemeClr val="lt1"/>
+        </a:fontRef>
+      </dsp:style>
+      <dsp:txBody>
+        <a:bodyPr spcFirstLastPara="0" vert="horz" wrap="square" lIns="76200" tIns="38100" rIns="76200" bIns="38100" numCol="1" spcCol="1270" anchor="ctr" anchorCtr="0">
+          <a:noAutofit/>
+        </a:bodyPr>
+        <a:lstStyle/>
+        <a:p>
+          <a:pPr lvl="0" algn="ctr" defTabSz="889000">
+            <a:lnSpc>
+              <a:spcPct val="90000"/>
+            </a:lnSpc>
+            <a:spcBef>
+              <a:spcPct val="0"/>
+            </a:spcBef>
+            <a:spcAft>
+              <a:spcPct val="35000"/>
+            </a:spcAft>
+          </a:pPr>
+          <a:r>
+            <a:rPr lang="en-US" altLang="en-US" sz="2000" kern="1200" dirty="0" smtClean="0"/>
+            <a:t>Handler</a:t>
+          </a:r>
+          <a:endParaRPr lang="zh-CN" altLang="en-US" sz="2000" kern="1200" dirty="0"/>
+        </a:p>
+      </dsp:txBody>
+      <dsp:txXfrm>
+        <a:off x="99522" y="80161"/>
+        <a:ext cx="2096876" cy="1437177"/>
+      </dsp:txXfrm>
+    </dsp:sp>
+    <dsp:sp modelId="{89ACE82C-D8E1-4526-9A01-119194BDF575}">
+      <dsp:nvSpPr>
+        <dsp:cNvPr id="0" name=""/>
+        <dsp:cNvSpPr/>
+      </dsp:nvSpPr>
+      <dsp:spPr>
+        <a:xfrm rot="5400000">
+          <a:off x="5570817" y="-1462683"/>
+          <a:ext cx="1274138" cy="7867480"/>
+        </a:xfrm>
+        <a:prstGeom prst="round2SameRect">
+          <a:avLst/>
+        </a:prstGeom>
+        <a:solidFill>
+          <a:schemeClr val="accent3">
+            <a:tint val="40000"/>
+            <a:alpha val="90000"/>
+            <a:hueOff val="0"/>
+            <a:satOff val="0"/>
+            <a:lumOff val="0"/>
+            <a:alphaOff val="0"/>
+          </a:schemeClr>
+        </a:solidFill>
+        <a:ln w="15875" cap="rnd" cmpd="sng" algn="ctr">
+          <a:solidFill>
+            <a:schemeClr val="accent3">
+              <a:tint val="40000"/>
+              <a:alpha val="90000"/>
+              <a:hueOff val="0"/>
+              <a:satOff val="0"/>
+              <a:lumOff val="0"/>
+              <a:alphaOff val="0"/>
+            </a:schemeClr>
+          </a:solidFill>
+          <a:prstDash val="solid"/>
+        </a:ln>
+        <a:effectLst/>
+      </dsp:spPr>
+      <dsp:style>
+        <a:lnRef idx="2">
+          <a:scrgbClr r="0" g="0" b="0"/>
+        </a:lnRef>
+        <a:fillRef idx="1">
+          <a:scrgbClr r="0" g="0" b="0"/>
+        </a:fillRef>
+        <a:effectRef idx="0">
+          <a:scrgbClr r="0" g="0" b="0"/>
+        </a:effectRef>
+        <a:fontRef idx="minor"/>
+      </dsp:style>
+      <dsp:txBody>
+        <a:bodyPr spcFirstLastPara="0" vert="horz" wrap="square" lIns="60960" tIns="30480" rIns="60960" bIns="30480" numCol="1" spcCol="1270" anchor="ctr" anchorCtr="0">
+          <a:noAutofit/>
+        </a:bodyPr>
+        <a:lstStyle/>
+        <a:p>
+          <a:pPr marL="171450" lvl="1" indent="-171450" algn="l" defTabSz="711200">
+            <a:lnSpc>
+              <a:spcPct val="90000"/>
+            </a:lnSpc>
+            <a:spcBef>
+              <a:spcPct val="0"/>
+            </a:spcBef>
+            <a:spcAft>
+              <a:spcPct val="15000"/>
+            </a:spcAft>
+            <a:buChar char="••"/>
+          </a:pPr>
+          <a:r>
+            <a:rPr lang="en-US" altLang="en-US" sz="1600" kern="1200" dirty="0" err="1" smtClean="0"/>
+            <a:t>ChannelHandler</a:t>
+          </a:r>
+          <a:r>
+            <a:rPr lang="zh-CN" altLang="en-US" sz="1600" kern="1200" dirty="0" smtClean="0"/>
+            <a:t>的容器。每个</a:t>
+          </a:r>
+          <a:r>
+            <a:rPr lang="en-US" altLang="en-US" sz="1600" kern="1200" dirty="0" smtClean="0"/>
+            <a:t>Channel</a:t>
+          </a:r>
+          <a:r>
+            <a:rPr lang="zh-CN" altLang="en-US" sz="1600" kern="1200" dirty="0" smtClean="0"/>
+            <a:t>会绑定一个</a:t>
+          </a:r>
+          <a:r>
+            <a:rPr lang="en-US" altLang="en-US" sz="1600" kern="1200" dirty="0" err="1" smtClean="0"/>
+            <a:t>ChannelPipeline</a:t>
+          </a:r>
+          <a:r>
+            <a:rPr lang="zh-CN" altLang="en-US" sz="1600" kern="1200" dirty="0" smtClean="0"/>
+            <a:t>，用于处理该</a:t>
+          </a:r>
+          <a:r>
+            <a:rPr lang="en-US" altLang="en-US" sz="1600" kern="1200" dirty="0" smtClean="0"/>
+            <a:t>Channel</a:t>
+          </a:r>
+          <a:r>
+            <a:rPr lang="zh-CN" altLang="en-US" sz="1600" kern="1200" dirty="0" smtClean="0"/>
+            <a:t>上产生的事件</a:t>
+          </a:r>
+          <a:endParaRPr lang="zh-CN" altLang="en-US" sz="1600" kern="1200" dirty="0"/>
+        </a:p>
+      </dsp:txBody>
+      <dsp:txXfrm rot="-5400000">
+        <a:off x="2274146" y="1896186"/>
+        <a:ext cx="7805282" cy="1149742"/>
+      </dsp:txXfrm>
+    </dsp:sp>
+    <dsp:sp modelId="{22941AF0-2C40-4F83-82FB-3C1A7E45EF87}">
+      <dsp:nvSpPr>
+        <dsp:cNvPr id="0" name=""/>
+        <dsp:cNvSpPr/>
+      </dsp:nvSpPr>
+      <dsp:spPr>
+        <a:xfrm>
+          <a:off x="21774" y="1674720"/>
+          <a:ext cx="2252372" cy="1592673"/>
+        </a:xfrm>
+        <a:prstGeom prst="roundRect">
+          <a:avLst/>
+        </a:prstGeom>
+        <a:solidFill>
+          <a:schemeClr val="accent3">
+            <a:hueOff val="0"/>
+            <a:satOff val="0"/>
+            <a:lumOff val="0"/>
+            <a:alphaOff val="0"/>
+          </a:schemeClr>
+        </a:solidFill>
+        <a:ln w="15875" cap="rnd" cmpd="sng" algn="ctr">
+          <a:solidFill>
+            <a:schemeClr val="lt1">
+              <a:hueOff val="0"/>
+              <a:satOff val="0"/>
+              <a:lumOff val="0"/>
+              <a:alphaOff val="0"/>
+            </a:schemeClr>
+          </a:solidFill>
+          <a:prstDash val="solid"/>
+        </a:ln>
+        <a:effectLst/>
+      </dsp:spPr>
+      <dsp:style>
+        <a:lnRef idx="2">
+          <a:scrgbClr r="0" g="0" b="0"/>
+        </a:lnRef>
+        <a:fillRef idx="1">
+          <a:scrgbClr r="0" g="0" b="0"/>
+        </a:fillRef>
+        <a:effectRef idx="0">
+          <a:scrgbClr r="0" g="0" b="0"/>
+        </a:effectRef>
+        <a:fontRef idx="minor">
+          <a:schemeClr val="lt1"/>
+        </a:fontRef>
+      </dsp:style>
+      <dsp:txBody>
+        <a:bodyPr spcFirstLastPara="0" vert="horz" wrap="square" lIns="76200" tIns="38100" rIns="76200" bIns="38100" numCol="1" spcCol="1270" anchor="ctr" anchorCtr="0">
+          <a:noAutofit/>
+        </a:bodyPr>
+        <a:lstStyle/>
+        <a:p>
+          <a:pPr lvl="0" algn="ctr" defTabSz="889000">
+            <a:lnSpc>
+              <a:spcPct val="90000"/>
+            </a:lnSpc>
+            <a:spcBef>
+              <a:spcPct val="0"/>
+            </a:spcBef>
+            <a:spcAft>
+              <a:spcPct val="35000"/>
+            </a:spcAft>
+          </a:pPr>
+          <a:r>
+            <a:rPr lang="en-US" altLang="en-US" sz="2000" kern="1200" dirty="0" err="1" smtClean="0"/>
+            <a:t>ChannelPipeline</a:t>
+          </a:r>
+          <a:endParaRPr lang="zh-CN" altLang="en-US" sz="2000" kern="1200" dirty="0"/>
+        </a:p>
+      </dsp:txBody>
+      <dsp:txXfrm>
+        <a:off x="99522" y="1752468"/>
+        <a:ext cx="2096876" cy="1437177"/>
+      </dsp:txXfrm>
+    </dsp:sp>
+    <dsp:sp modelId="{ED247BB7-994B-4048-8869-7C3A49E2BEA3}">
+      <dsp:nvSpPr>
+        <dsp:cNvPr id="0" name=""/>
+        <dsp:cNvSpPr/>
+      </dsp:nvSpPr>
+      <dsp:spPr>
+        <a:xfrm rot="5400000">
+          <a:off x="5570817" y="209623"/>
+          <a:ext cx="1274138" cy="7867480"/>
+        </a:xfrm>
+        <a:prstGeom prst="round2SameRect">
+          <a:avLst/>
+        </a:prstGeom>
+        <a:solidFill>
+          <a:schemeClr val="accent4">
+            <a:tint val="40000"/>
+            <a:alpha val="90000"/>
+            <a:hueOff val="0"/>
+            <a:satOff val="0"/>
+            <a:lumOff val="0"/>
+            <a:alphaOff val="0"/>
+          </a:schemeClr>
+        </a:solidFill>
+        <a:ln w="15875" cap="rnd" cmpd="sng" algn="ctr">
+          <a:solidFill>
+            <a:schemeClr val="accent4">
+              <a:tint val="40000"/>
+              <a:alpha val="90000"/>
+              <a:hueOff val="0"/>
+              <a:satOff val="0"/>
+              <a:lumOff val="0"/>
+              <a:alphaOff val="0"/>
+            </a:schemeClr>
+          </a:solidFill>
+          <a:prstDash val="solid"/>
+        </a:ln>
+        <a:effectLst/>
+      </dsp:spPr>
+      <dsp:style>
+        <a:lnRef idx="2">
+          <a:scrgbClr r="0" g="0" b="0"/>
+        </a:lnRef>
+        <a:fillRef idx="1">
+          <a:scrgbClr r="0" g="0" b="0"/>
+        </a:fillRef>
+        <a:effectRef idx="0">
+          <a:scrgbClr r="0" g="0" b="0"/>
+        </a:effectRef>
+        <a:fontRef idx="minor"/>
+      </dsp:style>
+      <dsp:txBody>
+        <a:bodyPr spcFirstLastPara="0" vert="horz" wrap="square" lIns="60960" tIns="30480" rIns="60960" bIns="30480" numCol="1" spcCol="1270" anchor="ctr" anchorCtr="0">
+          <a:noAutofit/>
+        </a:bodyPr>
+        <a:lstStyle/>
+        <a:p>
+          <a:pPr marL="171450" lvl="1" indent="-171450" algn="l" defTabSz="711200">
+            <a:lnSpc>
+              <a:spcPct val="90000"/>
+            </a:lnSpc>
+            <a:spcBef>
+              <a:spcPct val="0"/>
+            </a:spcBef>
+            <a:spcAft>
+              <a:spcPct val="15000"/>
+            </a:spcAft>
+            <a:buChar char="••"/>
+          </a:pPr>
+          <a:r>
+            <a:rPr lang="en-US" altLang="en-US" sz="1600" kern="1200" dirty="0" err="1" smtClean="0"/>
+            <a:t>Netty</a:t>
+          </a:r>
+          <a:r>
+            <a:rPr lang="zh-CN" altLang="en-US" sz="1600" kern="1200" dirty="0" smtClean="0"/>
+            <a:t>中所有的</a:t>
+          </a:r>
+          <a:r>
+            <a:rPr lang="en-US" altLang="en-US" sz="1600" kern="1200" dirty="0" smtClean="0"/>
+            <a:t>I/O</a:t>
+          </a:r>
+          <a:r>
+            <a:rPr lang="zh-CN" altLang="en-US" sz="1600" kern="1200" dirty="0" smtClean="0"/>
+            <a:t>操作都是异步的，所以不能立刻得知消息的处理结果。因此，我们需要通过</a:t>
+          </a:r>
+          <a:r>
+            <a:rPr lang="en-US" altLang="en-US" sz="1600" kern="1200" dirty="0" err="1" smtClean="0"/>
+            <a:t>ChannelFuture</a:t>
+          </a:r>
+          <a:r>
+            <a:rPr lang="zh-CN" altLang="en-US" sz="1600" kern="1200" dirty="0" smtClean="0"/>
+            <a:t>注册一个监听，当操作执行成功或失败时进行一些处理</a:t>
+          </a:r>
+          <a:endParaRPr lang="zh-CN" altLang="en-US" sz="1600" kern="1200" dirty="0"/>
+        </a:p>
+      </dsp:txBody>
+      <dsp:txXfrm rot="-5400000">
+        <a:off x="2274146" y="3568492"/>
+        <a:ext cx="7805282" cy="1149742"/>
+      </dsp:txXfrm>
+    </dsp:sp>
+    <dsp:sp modelId="{02BC8B40-EBDF-49CF-807A-9A2710857950}">
+      <dsp:nvSpPr>
+        <dsp:cNvPr id="0" name=""/>
+        <dsp:cNvSpPr/>
+      </dsp:nvSpPr>
+      <dsp:spPr>
+        <a:xfrm>
+          <a:off x="32636" y="3349440"/>
+          <a:ext cx="2252372" cy="1592673"/>
+        </a:xfrm>
+        <a:prstGeom prst="roundRect">
+          <a:avLst/>
+        </a:prstGeom>
+        <a:solidFill>
+          <a:schemeClr val="accent4">
+            <a:hueOff val="0"/>
+            <a:satOff val="0"/>
+            <a:lumOff val="0"/>
+            <a:alphaOff val="0"/>
+          </a:schemeClr>
+        </a:solidFill>
+        <a:ln w="15875" cap="rnd" cmpd="sng" algn="ctr">
+          <a:solidFill>
+            <a:schemeClr val="lt1">
+              <a:hueOff val="0"/>
+              <a:satOff val="0"/>
+              <a:lumOff val="0"/>
+              <a:alphaOff val="0"/>
+            </a:schemeClr>
+          </a:solidFill>
+          <a:prstDash val="solid"/>
+        </a:ln>
+        <a:effectLst/>
+      </dsp:spPr>
+      <dsp:style>
+        <a:lnRef idx="2">
+          <a:scrgbClr r="0" g="0" b="0"/>
+        </a:lnRef>
+        <a:fillRef idx="1">
+          <a:scrgbClr r="0" g="0" b="0"/>
+        </a:fillRef>
+        <a:effectRef idx="0">
+          <a:scrgbClr r="0" g="0" b="0"/>
+        </a:effectRef>
+        <a:fontRef idx="minor">
+          <a:schemeClr val="lt1"/>
+        </a:fontRef>
+      </dsp:style>
+      <dsp:txBody>
+        <a:bodyPr spcFirstLastPara="0" vert="horz" wrap="square" lIns="76200" tIns="38100" rIns="76200" bIns="38100" numCol="1" spcCol="1270" anchor="ctr" anchorCtr="0">
+          <a:noAutofit/>
+        </a:bodyPr>
+        <a:lstStyle/>
+        <a:p>
+          <a:pPr lvl="0" algn="ctr" defTabSz="889000">
+            <a:lnSpc>
+              <a:spcPct val="90000"/>
+            </a:lnSpc>
+            <a:spcBef>
+              <a:spcPct val="0"/>
+            </a:spcBef>
+            <a:spcAft>
+              <a:spcPct val="35000"/>
+            </a:spcAft>
+          </a:pPr>
+          <a:r>
+            <a:rPr lang="en-US" altLang="en-US" sz="2000" kern="1200" dirty="0" err="1" smtClean="0"/>
+            <a:t>ChannelFuture</a:t>
+          </a:r>
+          <a:endParaRPr lang="zh-CN" altLang="en-US" sz="2000" kern="1200" dirty="0"/>
+        </a:p>
+      </dsp:txBody>
+      <dsp:txXfrm>
+        <a:off x="110384" y="3427188"/>
+        <a:ext cx="2096876" cy="1437177"/>
+      </dsp:txXfrm>
+    </dsp:sp>
+  </dsp:spTree>
+</dsp:drawing>
+</file>
+
+<file path=ppt/diagrams/drawing4.xml><?xml version="1.0" encoding="utf-8"?>
+<dsp:drawing xmlns:dgm="http://schemas.openxmlformats.org/drawingml/2006/diagram" xmlns:dsp="http://schemas.microsoft.com/office/drawing/2008/diagram" xmlns:a="http://schemas.openxmlformats.org/drawingml/2006/main">
+  <dsp:spTree>
+    <dsp:nvGrpSpPr>
+      <dsp:cNvPr id="0" name=""/>
+      <dsp:cNvGrpSpPr/>
+    </dsp:nvGrpSpPr>
+    <dsp:grpSpPr/>
+    <dsp:sp modelId="{193C5707-8372-4A2F-90A7-49F062D5BF97}">
+      <dsp:nvSpPr>
+        <dsp:cNvPr id="0" name=""/>
+        <dsp:cNvSpPr/>
+      </dsp:nvSpPr>
+      <dsp:spPr>
+        <a:xfrm>
+          <a:off x="0" y="233934"/>
+          <a:ext cx="10018712" cy="826382"/>
+        </a:xfrm>
+        <a:prstGeom prst="roundRect">
+          <a:avLst/>
+        </a:prstGeom>
+        <a:solidFill>
+          <a:schemeClr val="accent1">
+            <a:hueOff val="0"/>
+            <a:satOff val="0"/>
+            <a:lumOff val="0"/>
+            <a:alphaOff val="0"/>
+          </a:schemeClr>
+        </a:solidFill>
+        <a:ln>
+          <a:noFill/>
+        </a:ln>
+        <a:effectLst>
+          <a:reflection blurRad="12700" stA="26000" endPos="32000" dist="12700" dir="5400000" sy="-100000" rotWithShape="0"/>
+        </a:effectLst>
+        <a:sp3d prstMaterial="plastic">
+          <a:bevelT w="50800" h="50800"/>
+          <a:bevelB w="50800" h="50800"/>
+        </a:sp3d>
+      </dsp:spPr>
+      <dsp:style>
+        <a:lnRef idx="0">
+          <a:scrgbClr r="0" g="0" b="0"/>
+        </a:lnRef>
+        <a:fillRef idx="1">
+          <a:scrgbClr r="0" g="0" b="0"/>
+        </a:fillRef>
+        <a:effectRef idx="2">
+          <a:scrgbClr r="0" g="0" b="0"/>
+        </a:effectRef>
+        <a:fontRef idx="minor">
+          <a:schemeClr val="lt1"/>
+        </a:fontRef>
+      </dsp:style>
+      <dsp:txBody>
+        <a:bodyPr spcFirstLastPara="0" vert="horz" wrap="square" lIns="114300" tIns="114300" rIns="114300" bIns="114300" numCol="1" spcCol="1270" anchor="ctr" anchorCtr="0">
+          <a:noAutofit/>
+        </a:bodyPr>
+        <a:lstStyle/>
+        <a:p>
+          <a:pPr lvl="0" algn="l" defTabSz="1333500">
+            <a:lnSpc>
+              <a:spcPct val="90000"/>
+            </a:lnSpc>
+            <a:spcBef>
+              <a:spcPct val="0"/>
+            </a:spcBef>
+            <a:spcAft>
+              <a:spcPct val="35000"/>
+            </a:spcAft>
+          </a:pPr>
+          <a:r>
+            <a:rPr lang="zh-CN" altLang="en-US" sz="3000" kern="1200" dirty="0" smtClean="0"/>
+            <a:t>粘包</a:t>
+          </a:r>
+          <a:endParaRPr lang="zh-CN" altLang="en-US" sz="3000" kern="1200" dirty="0"/>
+        </a:p>
+      </dsp:txBody>
+      <dsp:txXfrm>
+        <a:off x="40341" y="274275"/>
+        <a:ext cx="9938030" cy="745700"/>
+      </dsp:txXfrm>
+    </dsp:sp>
+    <dsp:sp modelId="{D1E764A5-373F-4846-B08A-AEA206222F82}">
+      <dsp:nvSpPr>
+        <dsp:cNvPr id="0" name=""/>
+        <dsp:cNvSpPr/>
+      </dsp:nvSpPr>
+      <dsp:spPr>
+        <a:xfrm>
+          <a:off x="0" y="1060317"/>
+          <a:ext cx="10018712" cy="1059840"/>
+        </a:xfrm>
+        <a:prstGeom prst="rect">
+          <a:avLst/>
+        </a:prstGeom>
+        <a:solidFill>
+          <a:schemeClr val="lt1">
+            <a:alpha val="0"/>
+            <a:hueOff val="0"/>
+            <a:satOff val="0"/>
+            <a:lumOff val="0"/>
+            <a:alphaOff val="0"/>
+          </a:schemeClr>
+        </a:solidFill>
+        <a:ln>
+          <a:noFill/>
+        </a:ln>
+        <a:effectLst/>
+      </dsp:spPr>
+      <dsp:style>
+        <a:lnRef idx="0">
+          <a:scrgbClr r="0" g="0" b="0"/>
+        </a:lnRef>
+        <a:fillRef idx="1">
+          <a:scrgbClr r="0" g="0" b="0"/>
+        </a:fillRef>
+        <a:effectRef idx="0">
+          <a:scrgbClr r="0" g="0" b="0"/>
+        </a:effectRef>
+        <a:fontRef idx="minor"/>
+      </dsp:style>
+      <dsp:txBody>
+        <a:bodyPr spcFirstLastPara="0" vert="horz" wrap="square" lIns="318094" tIns="45720" rIns="256032" bIns="45720" numCol="1" spcCol="1270" anchor="t" anchorCtr="0">
+          <a:noAutofit/>
+        </a:bodyPr>
+        <a:lstStyle/>
+        <a:p>
+          <a:pPr marL="285750" lvl="1" indent="-285750" algn="l" defTabSz="1600200">
+            <a:lnSpc>
+              <a:spcPct val="90000"/>
+            </a:lnSpc>
+            <a:spcBef>
+              <a:spcPct val="0"/>
+            </a:spcBef>
+            <a:spcAft>
+              <a:spcPct val="20000"/>
+            </a:spcAft>
+            <a:buChar char="••"/>
+          </a:pPr>
+          <a:r>
+            <a:rPr lang="zh-CN" altLang="en-US" sz="3600" kern="1200" dirty="0" smtClean="0"/>
+            <a:t>多次发送的较短的数据一次或几次接收</a:t>
+          </a:r>
+          <a:endParaRPr lang="zh-CN" altLang="en-US" sz="3600" kern="1200" dirty="0"/>
+        </a:p>
+      </dsp:txBody>
+      <dsp:txXfrm>
+        <a:off x="0" y="1060317"/>
+        <a:ext cx="10018712" cy="1059840"/>
+      </dsp:txXfrm>
+    </dsp:sp>
+    <dsp:sp modelId="{C5E434E0-4306-4298-B905-C3F1BD11C355}">
+      <dsp:nvSpPr>
+        <dsp:cNvPr id="0" name=""/>
+        <dsp:cNvSpPr/>
+      </dsp:nvSpPr>
+      <dsp:spPr>
+        <a:xfrm>
+          <a:off x="0" y="2120157"/>
+          <a:ext cx="10018712" cy="871335"/>
+        </a:xfrm>
+        <a:prstGeom prst="roundRect">
+          <a:avLst/>
+        </a:prstGeom>
+        <a:solidFill>
+          <a:schemeClr val="accent1">
+            <a:hueOff val="0"/>
+            <a:satOff val="0"/>
+            <a:lumOff val="0"/>
+            <a:alphaOff val="0"/>
+          </a:schemeClr>
+        </a:solidFill>
+        <a:ln>
+          <a:noFill/>
+        </a:ln>
+        <a:effectLst>
+          <a:reflection blurRad="12700" stA="26000" endPos="32000" dist="12700" dir="5400000" sy="-100000" rotWithShape="0"/>
+        </a:effectLst>
+        <a:sp3d prstMaterial="plastic">
+          <a:bevelT w="50800" h="50800"/>
+          <a:bevelB w="50800" h="50800"/>
+        </a:sp3d>
+      </dsp:spPr>
+      <dsp:style>
+        <a:lnRef idx="0">
+          <a:scrgbClr r="0" g="0" b="0"/>
+        </a:lnRef>
+        <a:fillRef idx="1">
+          <a:scrgbClr r="0" g="0" b="0"/>
+        </a:fillRef>
+        <a:effectRef idx="2">
+          <a:scrgbClr r="0" g="0" b="0"/>
+        </a:effectRef>
+        <a:fontRef idx="minor">
+          <a:schemeClr val="lt1"/>
+        </a:fontRef>
+      </dsp:style>
+      <dsp:txBody>
+        <a:bodyPr spcFirstLastPara="0" vert="horz" wrap="square" lIns="114300" tIns="114300" rIns="114300" bIns="114300" numCol="1" spcCol="1270" anchor="ctr" anchorCtr="0">
+          <a:noAutofit/>
+        </a:bodyPr>
+        <a:lstStyle/>
+        <a:p>
+          <a:pPr lvl="0" algn="l" defTabSz="1333500">
+            <a:lnSpc>
+              <a:spcPct val="90000"/>
+            </a:lnSpc>
+            <a:spcBef>
+              <a:spcPct val="0"/>
+            </a:spcBef>
+            <a:spcAft>
+              <a:spcPct val="35000"/>
+            </a:spcAft>
+          </a:pPr>
+          <a:r>
+            <a:rPr lang="zh-CN" altLang="en-US" sz="3000" kern="1200" dirty="0" smtClean="0"/>
+            <a:t>拆包</a:t>
+          </a:r>
+          <a:endParaRPr lang="zh-CN" altLang="en-US" sz="3000" kern="1200" dirty="0"/>
+        </a:p>
+      </dsp:txBody>
+      <dsp:txXfrm>
+        <a:off x="42535" y="2162692"/>
+        <a:ext cx="9933642" cy="786265"/>
+      </dsp:txXfrm>
+    </dsp:sp>
+    <dsp:sp modelId="{449958B8-6DD0-498E-B335-97288BC7E2FB}">
+      <dsp:nvSpPr>
+        <dsp:cNvPr id="0" name=""/>
+        <dsp:cNvSpPr/>
+      </dsp:nvSpPr>
+      <dsp:spPr>
+        <a:xfrm>
+          <a:off x="0" y="2991492"/>
+          <a:ext cx="10018712" cy="1107087"/>
+        </a:xfrm>
+        <a:prstGeom prst="rect">
+          <a:avLst/>
+        </a:prstGeom>
+        <a:solidFill>
+          <a:schemeClr val="lt1">
+            <a:alpha val="0"/>
+            <a:hueOff val="0"/>
+            <a:satOff val="0"/>
+            <a:lumOff val="0"/>
+            <a:alphaOff val="0"/>
+          </a:schemeClr>
+        </a:solidFill>
+        <a:ln>
+          <a:noFill/>
+        </a:ln>
+        <a:effectLst/>
+      </dsp:spPr>
+      <dsp:style>
+        <a:lnRef idx="0">
+          <a:scrgbClr r="0" g="0" b="0"/>
+        </a:lnRef>
+        <a:fillRef idx="1">
+          <a:scrgbClr r="0" g="0" b="0"/>
+        </a:fillRef>
+        <a:effectRef idx="0">
+          <a:scrgbClr r="0" g="0" b="0"/>
+        </a:effectRef>
+        <a:fontRef idx="minor"/>
+      </dsp:style>
+      <dsp:txBody>
+        <a:bodyPr spcFirstLastPara="0" vert="horz" wrap="square" lIns="318094" tIns="45720" rIns="256032" bIns="45720" numCol="1" spcCol="1270" anchor="t" anchorCtr="0">
+          <a:noAutofit/>
+        </a:bodyPr>
+        <a:lstStyle/>
+        <a:p>
+          <a:pPr marL="285750" lvl="1" indent="-285750" algn="l" defTabSz="1600200">
+            <a:lnSpc>
+              <a:spcPct val="90000"/>
+            </a:lnSpc>
+            <a:spcBef>
+              <a:spcPct val="0"/>
+            </a:spcBef>
+            <a:spcAft>
+              <a:spcPct val="20000"/>
+            </a:spcAft>
+            <a:buChar char="••"/>
+          </a:pPr>
+          <a:r>
+            <a:rPr lang="zh-CN" altLang="en-US" sz="3600" kern="1200" dirty="0" smtClean="0"/>
+            <a:t>一次发送的较长的数据分几次接收</a:t>
+          </a:r>
+          <a:endParaRPr lang="zh-CN" altLang="en-US" sz="3600" kern="1200" dirty="0"/>
+        </a:p>
+      </dsp:txBody>
+      <dsp:txXfrm>
+        <a:off x="0" y="2991492"/>
+        <a:ext cx="10018712" cy="1107087"/>
+      </dsp:txXfrm>
+    </dsp:sp>
+  </dsp:spTree>
+</dsp:drawing>
+</file>
+
+<file path=ppt/diagrams/drawing5.xml><?xml version="1.0" encoding="utf-8"?>
+<dsp:drawing xmlns:dgm="http://schemas.openxmlformats.org/drawingml/2006/diagram" xmlns:dsp="http://schemas.microsoft.com/office/drawing/2008/diagram" xmlns:a="http://schemas.openxmlformats.org/drawingml/2006/main">
+  <dsp:spTree>
+    <dsp:nvGrpSpPr>
+      <dsp:cNvPr id="0" name=""/>
+      <dsp:cNvGrpSpPr/>
+    </dsp:nvGrpSpPr>
+    <dsp:grpSpPr/>
+    <dsp:sp modelId="{8480CD49-7A08-44C8-800C-791C578F56D2}">
+      <dsp:nvSpPr>
+        <dsp:cNvPr id="0" name=""/>
+        <dsp:cNvSpPr/>
+      </dsp:nvSpPr>
+      <dsp:spPr>
+        <a:xfrm>
+          <a:off x="0" y="80943"/>
+          <a:ext cx="10018712" cy="505440"/>
+        </a:xfrm>
+        <a:prstGeom prst="roundRect">
+          <a:avLst/>
+        </a:prstGeom>
+        <a:solidFill>
+          <a:schemeClr val="accent1">
+            <a:hueOff val="0"/>
+            <a:satOff val="0"/>
+            <a:lumOff val="0"/>
+            <a:alphaOff val="0"/>
+          </a:schemeClr>
+        </a:solidFill>
+        <a:ln>
+          <a:noFill/>
+        </a:ln>
+        <a:effectLst>
+          <a:reflection blurRad="12700" stA="26000" endPos="32000" dist="12700" dir="5400000" sy="-100000" rotWithShape="0"/>
+        </a:effectLst>
+        <a:scene3d>
+          <a:camera prst="orthographicFront">
+            <a:rot lat="0" lon="0" rev="0"/>
+          </a:camera>
+          <a:lightRig rig="contrasting" dir="t">
+            <a:rot lat="0" lon="0" rev="1200000"/>
+          </a:lightRig>
+        </a:scene3d>
+        <a:sp3d contourW="19050" prstMaterial="metal">
+          <a:bevelT w="88900" h="203200"/>
+          <a:bevelB w="165100" h="254000"/>
+        </a:sp3d>
+      </dsp:spPr>
+      <dsp:style>
+        <a:lnRef idx="0">
+          <a:scrgbClr r="0" g="0" b="0"/>
+        </a:lnRef>
+        <a:fillRef idx="1">
+          <a:scrgbClr r="0" g="0" b="0"/>
+        </a:fillRef>
+        <a:effectRef idx="2">
+          <a:scrgbClr r="0" g="0" b="0"/>
+        </a:effectRef>
+        <a:fontRef idx="minor">
+          <a:schemeClr val="lt1"/>
+        </a:fontRef>
+      </dsp:style>
+      <dsp:txBody>
+        <a:bodyPr spcFirstLastPara="0" vert="horz" wrap="square" lIns="68580" tIns="68580" rIns="68580" bIns="68580" numCol="1" spcCol="1270" anchor="ctr" anchorCtr="0">
+          <a:noAutofit/>
+        </a:bodyPr>
+        <a:lstStyle/>
+        <a:p>
+          <a:pPr lvl="0" algn="l" defTabSz="800100">
+            <a:lnSpc>
+              <a:spcPct val="90000"/>
+            </a:lnSpc>
+            <a:spcBef>
+              <a:spcPct val="0"/>
+            </a:spcBef>
+            <a:spcAft>
+              <a:spcPct val="35000"/>
+            </a:spcAft>
+          </a:pPr>
+          <a:r>
+            <a:rPr lang="en-US" altLang="en-US" sz="1800" b="1" kern="1200" dirty="0" err="1" smtClean="0">
+              <a:solidFill>
+                <a:srgbClr val="FFC000"/>
+              </a:solidFill>
+            </a:rPr>
+            <a:t>LineBasedFrameDecoder</a:t>
+          </a:r>
+          <a:endParaRPr lang="zh-CN" altLang="en-US" sz="1800" b="1" kern="1200" dirty="0">
+            <a:solidFill>
+              <a:srgbClr val="FFC000"/>
+            </a:solidFill>
+          </a:endParaRPr>
+        </a:p>
+      </dsp:txBody>
+      <dsp:txXfrm>
+        <a:off x="24674" y="105617"/>
+        <a:ext cx="9969364" cy="456092"/>
+      </dsp:txXfrm>
+    </dsp:sp>
+    <dsp:sp modelId="{8CEEE20B-9890-4F12-9002-B17AD2045685}">
+      <dsp:nvSpPr>
+        <dsp:cNvPr id="0" name=""/>
+        <dsp:cNvSpPr/>
+      </dsp:nvSpPr>
+      <dsp:spPr>
+        <a:xfrm>
+          <a:off x="0" y="586383"/>
+          <a:ext cx="10018712" cy="447120"/>
+        </a:xfrm>
+        <a:prstGeom prst="rect">
+          <a:avLst/>
+        </a:prstGeom>
+        <a:noFill/>
+        <a:ln w="9525" cap="rnd" cmpd="sng" algn="ctr">
+          <a:solidFill>
+            <a:schemeClr val="dk1">
+              <a:alpha val="0"/>
+              <a:hueOff val="0"/>
+              <a:satOff val="0"/>
+              <a:lumOff val="0"/>
+              <a:alphaOff val="0"/>
+            </a:schemeClr>
+          </a:solidFill>
+          <a:prstDash val="solid"/>
+        </a:ln>
+        <a:effectLst/>
+      </dsp:spPr>
+      <dsp:style>
+        <a:lnRef idx="1">
+          <a:scrgbClr r="0" g="0" b="0"/>
+        </a:lnRef>
+        <a:fillRef idx="0">
+          <a:scrgbClr r="0" g="0" b="0"/>
+        </a:fillRef>
+        <a:effectRef idx="0">
+          <a:scrgbClr r="0" g="0" b="0"/>
+        </a:effectRef>
+        <a:fontRef idx="minor"/>
+      </dsp:style>
+      <dsp:txBody>
+        <a:bodyPr spcFirstLastPara="0" vert="horz" wrap="square" lIns="318094" tIns="34290" rIns="192024" bIns="34290" numCol="1" spcCol="1270" anchor="t" anchorCtr="0">
+          <a:noAutofit/>
+        </a:bodyPr>
+        <a:lstStyle/>
+        <a:p>
+          <a:pPr marL="228600" lvl="1" indent="-228600" algn="l" defTabSz="933450">
+            <a:lnSpc>
+              <a:spcPct val="90000"/>
+            </a:lnSpc>
+            <a:spcBef>
+              <a:spcPct val="0"/>
+            </a:spcBef>
+            <a:spcAft>
+              <a:spcPct val="20000"/>
+            </a:spcAft>
+            <a:buChar char="••"/>
+          </a:pPr>
+          <a:r>
+            <a:rPr lang="zh-CN" altLang="en-US" sz="2100" kern="1200" dirty="0" smtClean="0"/>
+            <a:t>将回车换行符作为消息结束符。如</a:t>
+          </a:r>
+          <a:r>
+            <a:rPr lang="en-US" altLang="en-US" sz="2100" kern="1200" dirty="0" smtClean="0"/>
+            <a:t>FTP</a:t>
+          </a:r>
+          <a:r>
+            <a:rPr lang="zh-CN" altLang="en-US" sz="2100" kern="1200" dirty="0" smtClean="0"/>
+            <a:t>协议，这种方式在文本协议中应用广泛</a:t>
+          </a:r>
+          <a:endParaRPr lang="zh-CN" altLang="en-US" sz="2100" kern="1200" dirty="0"/>
+        </a:p>
+      </dsp:txBody>
+      <dsp:txXfrm>
+        <a:off x="0" y="586383"/>
+        <a:ext cx="10018712" cy="447120"/>
+      </dsp:txXfrm>
+    </dsp:sp>
+    <dsp:sp modelId="{367775B8-3428-4829-A7B2-607BBF34E06D}">
+      <dsp:nvSpPr>
+        <dsp:cNvPr id="0" name=""/>
+        <dsp:cNvSpPr/>
+      </dsp:nvSpPr>
+      <dsp:spPr>
+        <a:xfrm>
+          <a:off x="0" y="1033503"/>
+          <a:ext cx="10018712" cy="505440"/>
+        </a:xfrm>
+        <a:prstGeom prst="roundRect">
+          <a:avLst/>
+        </a:prstGeom>
+        <a:solidFill>
+          <a:schemeClr val="accent1">
+            <a:hueOff val="0"/>
+            <a:satOff val="0"/>
+            <a:lumOff val="0"/>
+            <a:alphaOff val="0"/>
+          </a:schemeClr>
+        </a:solidFill>
+        <a:ln>
+          <a:noFill/>
+        </a:ln>
+        <a:effectLst>
+          <a:reflection blurRad="12700" stA="26000" endPos="32000" dist="12700" dir="5400000" sy="-100000" rotWithShape="0"/>
+        </a:effectLst>
+        <a:scene3d>
+          <a:camera prst="orthographicFront">
+            <a:rot lat="0" lon="0" rev="0"/>
+          </a:camera>
+          <a:lightRig rig="contrasting" dir="t">
+            <a:rot lat="0" lon="0" rev="1200000"/>
+          </a:lightRig>
+        </a:scene3d>
+        <a:sp3d contourW="19050" prstMaterial="metal">
+          <a:bevelT w="88900" h="203200"/>
+          <a:bevelB w="165100" h="254000"/>
+        </a:sp3d>
+      </dsp:spPr>
+      <dsp:style>
+        <a:lnRef idx="0">
+          <a:scrgbClr r="0" g="0" b="0"/>
+        </a:lnRef>
+        <a:fillRef idx="1">
+          <a:scrgbClr r="0" g="0" b="0"/>
+        </a:fillRef>
+        <a:effectRef idx="2">
+          <a:scrgbClr r="0" g="0" b="0"/>
+        </a:effectRef>
+        <a:fontRef idx="minor">
+          <a:schemeClr val="lt1"/>
+        </a:fontRef>
+      </dsp:style>
+      <dsp:txBody>
+        <a:bodyPr spcFirstLastPara="0" vert="horz" wrap="square" lIns="68580" tIns="68580" rIns="68580" bIns="68580" numCol="1" spcCol="1270" anchor="ctr" anchorCtr="0">
+          <a:noAutofit/>
+        </a:bodyPr>
+        <a:lstStyle/>
+        <a:p>
+          <a:pPr lvl="0" algn="l" defTabSz="800100">
+            <a:lnSpc>
+              <a:spcPct val="90000"/>
+            </a:lnSpc>
+            <a:spcBef>
+              <a:spcPct val="0"/>
+            </a:spcBef>
+            <a:spcAft>
+              <a:spcPct val="35000"/>
+            </a:spcAft>
+          </a:pPr>
+          <a:r>
+            <a:rPr lang="en-US" altLang="en-US" sz="1800" b="1" kern="1200" dirty="0" err="1" smtClean="0">
+              <a:solidFill>
+                <a:srgbClr val="FFC000"/>
+              </a:solidFill>
+            </a:rPr>
+            <a:t>DelimiterBasedFrameDecoder</a:t>
+          </a:r>
+          <a:endParaRPr lang="zh-CN" altLang="en-US" sz="1800" b="1" kern="1200" dirty="0">
+            <a:solidFill>
+              <a:srgbClr val="FFC000"/>
+            </a:solidFill>
+          </a:endParaRPr>
+        </a:p>
+      </dsp:txBody>
+      <dsp:txXfrm>
+        <a:off x="24674" y="1058177"/>
+        <a:ext cx="9969364" cy="456092"/>
+      </dsp:txXfrm>
+    </dsp:sp>
+    <dsp:sp modelId="{40F6F29C-9F6F-4FD5-ABDB-029C25C36CA7}">
+      <dsp:nvSpPr>
+        <dsp:cNvPr id="0" name=""/>
+        <dsp:cNvSpPr/>
+      </dsp:nvSpPr>
+      <dsp:spPr>
+        <a:xfrm>
+          <a:off x="0" y="1538943"/>
+          <a:ext cx="10018712" cy="447120"/>
+        </a:xfrm>
+        <a:prstGeom prst="rect">
+          <a:avLst/>
+        </a:prstGeom>
+        <a:noFill/>
+        <a:ln w="9525" cap="rnd" cmpd="sng" algn="ctr">
+          <a:solidFill>
+            <a:schemeClr val="dk1">
+              <a:alpha val="0"/>
+              <a:hueOff val="0"/>
+              <a:satOff val="0"/>
+              <a:lumOff val="0"/>
+              <a:alphaOff val="0"/>
+            </a:schemeClr>
+          </a:solidFill>
+          <a:prstDash val="solid"/>
+        </a:ln>
+        <a:effectLst/>
+      </dsp:spPr>
+      <dsp:style>
+        <a:lnRef idx="1">
+          <a:scrgbClr r="0" g="0" b="0"/>
+        </a:lnRef>
+        <a:fillRef idx="0">
+          <a:scrgbClr r="0" g="0" b="0"/>
+        </a:fillRef>
+        <a:effectRef idx="0">
+          <a:scrgbClr r="0" g="0" b="0"/>
+        </a:effectRef>
+        <a:fontRef idx="minor"/>
+      </dsp:style>
+      <dsp:txBody>
+        <a:bodyPr spcFirstLastPara="0" vert="horz" wrap="square" lIns="318094" tIns="34290" rIns="192024" bIns="34290" numCol="1" spcCol="1270" anchor="t" anchorCtr="0">
+          <a:noAutofit/>
+        </a:bodyPr>
+        <a:lstStyle/>
+        <a:p>
+          <a:pPr marL="228600" lvl="1" indent="-228600" algn="l" defTabSz="933450">
+            <a:lnSpc>
+              <a:spcPct val="90000"/>
+            </a:lnSpc>
+            <a:spcBef>
+              <a:spcPct val="0"/>
+            </a:spcBef>
+            <a:spcAft>
+              <a:spcPct val="20000"/>
+            </a:spcAft>
+            <a:buChar char="••"/>
+          </a:pPr>
+          <a:r>
+            <a:rPr lang="zh-CN" altLang="en-US" sz="2100" kern="1200" dirty="0" smtClean="0"/>
+            <a:t>将特殊的分隔符作为消息的结束标志。回车换行符就是一种特殊的结束符</a:t>
+          </a:r>
+          <a:endParaRPr lang="zh-CN" altLang="en-US" sz="2100" kern="1200" dirty="0"/>
+        </a:p>
+      </dsp:txBody>
+      <dsp:txXfrm>
+        <a:off x="0" y="1538943"/>
+        <a:ext cx="10018712" cy="447120"/>
+      </dsp:txXfrm>
+    </dsp:sp>
+    <dsp:sp modelId="{8E88E7CA-A1B5-4CE5-9428-9AFF148C95A8}">
+      <dsp:nvSpPr>
+        <dsp:cNvPr id="0" name=""/>
+        <dsp:cNvSpPr/>
+      </dsp:nvSpPr>
+      <dsp:spPr>
+        <a:xfrm>
+          <a:off x="0" y="1986063"/>
+          <a:ext cx="10018712" cy="505440"/>
+        </a:xfrm>
+        <a:prstGeom prst="roundRect">
+          <a:avLst/>
+        </a:prstGeom>
+        <a:solidFill>
+          <a:schemeClr val="accent1">
+            <a:hueOff val="0"/>
+            <a:satOff val="0"/>
+            <a:lumOff val="0"/>
+            <a:alphaOff val="0"/>
+          </a:schemeClr>
+        </a:solidFill>
+        <a:ln>
+          <a:noFill/>
+        </a:ln>
+        <a:effectLst>
+          <a:reflection blurRad="12700" stA="26000" endPos="32000" dist="12700" dir="5400000" sy="-100000" rotWithShape="0"/>
+        </a:effectLst>
+        <a:scene3d>
+          <a:camera prst="orthographicFront">
+            <a:rot lat="0" lon="0" rev="0"/>
+          </a:camera>
+          <a:lightRig rig="contrasting" dir="t">
+            <a:rot lat="0" lon="0" rev="1200000"/>
+          </a:lightRig>
+        </a:scene3d>
+        <a:sp3d contourW="19050" prstMaterial="metal">
+          <a:bevelT w="88900" h="203200"/>
+          <a:bevelB w="165100" h="254000"/>
+        </a:sp3d>
+      </dsp:spPr>
+      <dsp:style>
+        <a:lnRef idx="0">
+          <a:scrgbClr r="0" g="0" b="0"/>
+        </a:lnRef>
+        <a:fillRef idx="1">
+          <a:scrgbClr r="0" g="0" b="0"/>
+        </a:fillRef>
+        <a:effectRef idx="2">
+          <a:scrgbClr r="0" g="0" b="0"/>
+        </a:effectRef>
+        <a:fontRef idx="minor">
+          <a:schemeClr val="lt1"/>
+        </a:fontRef>
+      </dsp:style>
+      <dsp:txBody>
+        <a:bodyPr spcFirstLastPara="0" vert="horz" wrap="square" lIns="68580" tIns="68580" rIns="68580" bIns="68580" numCol="1" spcCol="1270" anchor="ctr" anchorCtr="0">
+          <a:noAutofit/>
+        </a:bodyPr>
+        <a:lstStyle/>
+        <a:p>
+          <a:pPr lvl="0" algn="l" defTabSz="800100">
+            <a:lnSpc>
+              <a:spcPct val="90000"/>
+            </a:lnSpc>
+            <a:spcBef>
+              <a:spcPct val="0"/>
+            </a:spcBef>
+            <a:spcAft>
+              <a:spcPct val="35000"/>
+            </a:spcAft>
+          </a:pPr>
+          <a:r>
+            <a:rPr lang="en-US" altLang="en-US" sz="1800" b="1" kern="1200" dirty="0" err="1" smtClean="0">
+              <a:solidFill>
+                <a:srgbClr val="FFC000"/>
+              </a:solidFill>
+            </a:rPr>
+            <a:t>FixedLengthFrameDecoder</a:t>
+          </a:r>
+          <a:endParaRPr lang="zh-CN" altLang="en-US" sz="1800" b="1" kern="1200" dirty="0">
+            <a:solidFill>
+              <a:srgbClr val="FFC000"/>
+            </a:solidFill>
+          </a:endParaRPr>
+        </a:p>
+      </dsp:txBody>
+      <dsp:txXfrm>
+        <a:off x="24674" y="2010737"/>
+        <a:ext cx="9969364" cy="456092"/>
+      </dsp:txXfrm>
+    </dsp:sp>
+    <dsp:sp modelId="{560658FD-2AEF-4666-AA72-E101777542C0}">
+      <dsp:nvSpPr>
+        <dsp:cNvPr id="0" name=""/>
+        <dsp:cNvSpPr/>
+      </dsp:nvSpPr>
+      <dsp:spPr>
+        <a:xfrm>
+          <a:off x="0" y="2491503"/>
+          <a:ext cx="10018712" cy="768487"/>
+        </a:xfrm>
+        <a:prstGeom prst="rect">
+          <a:avLst/>
+        </a:prstGeom>
+        <a:noFill/>
+        <a:ln w="9525" cap="rnd" cmpd="sng" algn="ctr">
+          <a:solidFill>
+            <a:schemeClr val="dk1">
+              <a:alpha val="0"/>
+              <a:hueOff val="0"/>
+              <a:satOff val="0"/>
+              <a:lumOff val="0"/>
+              <a:alphaOff val="0"/>
+            </a:schemeClr>
+          </a:solidFill>
+          <a:prstDash val="solid"/>
+        </a:ln>
+        <a:effectLst/>
+      </dsp:spPr>
+      <dsp:style>
+        <a:lnRef idx="1">
+          <a:scrgbClr r="0" g="0" b="0"/>
+        </a:lnRef>
+        <a:fillRef idx="0">
+          <a:scrgbClr r="0" g="0" b="0"/>
+        </a:fillRef>
+        <a:effectRef idx="0">
+          <a:scrgbClr r="0" g="0" b="0"/>
+        </a:effectRef>
+        <a:fontRef idx="minor"/>
+      </dsp:style>
+      <dsp:txBody>
+        <a:bodyPr spcFirstLastPara="0" vert="horz" wrap="square" lIns="318094" tIns="34290" rIns="192024" bIns="34290" numCol="1" spcCol="1270" anchor="t" anchorCtr="0">
+          <a:noAutofit/>
+        </a:bodyPr>
+        <a:lstStyle/>
+        <a:p>
+          <a:pPr marL="228600" lvl="1" indent="-228600" algn="l" defTabSz="933450">
+            <a:lnSpc>
+              <a:spcPct val="90000"/>
+            </a:lnSpc>
+            <a:spcBef>
+              <a:spcPct val="0"/>
+            </a:spcBef>
+            <a:spcAft>
+              <a:spcPct val="20000"/>
+            </a:spcAft>
+            <a:buChar char="••"/>
+          </a:pPr>
+          <a:r>
+            <a:rPr lang="zh-CN" altLang="en-US" sz="2100" kern="1200" dirty="0" smtClean="0"/>
+            <a:t>累计读取到长度总和为定长的</a:t>
+          </a:r>
+          <a:r>
+            <a:rPr lang="en-US" altLang="en-US" sz="2100" kern="1200" dirty="0" smtClean="0"/>
+            <a:t>LEN</a:t>
+          </a:r>
+          <a:r>
+            <a:rPr lang="zh-CN" altLang="en-US" sz="2100" kern="1200" dirty="0" smtClean="0"/>
+            <a:t>的报文后，就认为读取到一个完整的消息。将计数器置位，重新开始读取下个数据报</a:t>
+          </a:r>
+          <a:endParaRPr lang="zh-CN" altLang="en-US" sz="2100" kern="1200" dirty="0"/>
+        </a:p>
+      </dsp:txBody>
+      <dsp:txXfrm>
+        <a:off x="0" y="2491503"/>
+        <a:ext cx="10018712" cy="768487"/>
+      </dsp:txXfrm>
+    </dsp:sp>
+    <dsp:sp modelId="{075DAB5A-EB6D-4514-9392-4F760EBB0DA3}">
+      <dsp:nvSpPr>
+        <dsp:cNvPr id="0" name=""/>
+        <dsp:cNvSpPr/>
+      </dsp:nvSpPr>
+      <dsp:spPr>
+        <a:xfrm>
+          <a:off x="0" y="3259990"/>
+          <a:ext cx="10018712" cy="505440"/>
+        </a:xfrm>
+        <a:prstGeom prst="roundRect">
+          <a:avLst/>
+        </a:prstGeom>
+        <a:solidFill>
+          <a:schemeClr val="accent1">
+            <a:hueOff val="0"/>
+            <a:satOff val="0"/>
+            <a:lumOff val="0"/>
+            <a:alphaOff val="0"/>
+          </a:schemeClr>
+        </a:solidFill>
+        <a:ln>
+          <a:noFill/>
+        </a:ln>
+        <a:effectLst>
+          <a:reflection blurRad="12700" stA="26000" endPos="32000" dist="12700" dir="5400000" sy="-100000" rotWithShape="0"/>
+        </a:effectLst>
+        <a:scene3d>
+          <a:camera prst="orthographicFront">
+            <a:rot lat="0" lon="0" rev="0"/>
+          </a:camera>
+          <a:lightRig rig="contrasting" dir="t">
+            <a:rot lat="0" lon="0" rev="1200000"/>
+          </a:lightRig>
+        </a:scene3d>
+        <a:sp3d contourW="19050" prstMaterial="metal">
+          <a:bevelT w="88900" h="203200"/>
+          <a:bevelB w="165100" h="254000"/>
+        </a:sp3d>
+      </dsp:spPr>
+      <dsp:style>
+        <a:lnRef idx="0">
+          <a:scrgbClr r="0" g="0" b="0"/>
+        </a:lnRef>
+        <a:fillRef idx="1">
+          <a:scrgbClr r="0" g="0" b="0"/>
+        </a:fillRef>
+        <a:effectRef idx="2">
+          <a:scrgbClr r="0" g="0" b="0"/>
+        </a:effectRef>
+        <a:fontRef idx="minor">
+          <a:schemeClr val="lt1"/>
+        </a:fontRef>
+      </dsp:style>
+      <dsp:txBody>
+        <a:bodyPr spcFirstLastPara="0" vert="horz" wrap="square" lIns="68580" tIns="68580" rIns="68580" bIns="68580" numCol="1" spcCol="1270" anchor="ctr" anchorCtr="0">
+          <a:noAutofit/>
+        </a:bodyPr>
+        <a:lstStyle/>
+        <a:p>
+          <a:pPr lvl="0" algn="l" defTabSz="800100">
+            <a:lnSpc>
+              <a:spcPct val="90000"/>
+            </a:lnSpc>
+            <a:spcBef>
+              <a:spcPct val="0"/>
+            </a:spcBef>
+            <a:spcAft>
+              <a:spcPct val="35000"/>
+            </a:spcAft>
+          </a:pPr>
+          <a:r>
+            <a:rPr lang="zh-CN" altLang="en-US" sz="1800" b="1" kern="1200" dirty="0" smtClean="0">
+              <a:solidFill>
+                <a:srgbClr val="FFC000"/>
+              </a:solidFill>
+            </a:rPr>
+            <a:t>自定义解码器</a:t>
+          </a:r>
+          <a:r>
+            <a:rPr lang="en-US" altLang="zh-CN" sz="1800" b="1" kern="1200" dirty="0" smtClean="0">
+              <a:solidFill>
+                <a:srgbClr val="FFC000"/>
+              </a:solidFill>
+            </a:rPr>
+            <a:t>(</a:t>
+          </a:r>
+          <a:r>
+            <a:rPr lang="zh-CN" altLang="en-US" sz="1800" b="1" kern="1200" dirty="0" smtClean="0">
+              <a:solidFill>
+                <a:srgbClr val="FFC000"/>
+              </a:solidFill>
+            </a:rPr>
+            <a:t>基于长度的通用解码器</a:t>
+          </a:r>
+          <a:r>
+            <a:rPr lang="en-US" altLang="zh-CN" sz="1800" b="1" kern="1200" dirty="0" smtClean="0">
+              <a:solidFill>
+                <a:srgbClr val="FFC000"/>
+              </a:solidFill>
+            </a:rPr>
+            <a:t>)</a:t>
+          </a:r>
+          <a:endParaRPr lang="zh-CN" altLang="en-US" sz="1800" b="1" kern="1200" dirty="0">
+            <a:solidFill>
+              <a:srgbClr val="FFC000"/>
+            </a:solidFill>
+          </a:endParaRPr>
+        </a:p>
+      </dsp:txBody>
+      <dsp:txXfrm>
+        <a:off x="24674" y="3284664"/>
+        <a:ext cx="9969364" cy="456092"/>
+      </dsp:txXfrm>
+    </dsp:sp>
+    <dsp:sp modelId="{55574814-5C05-49D8-B3D4-751D27E76157}">
+      <dsp:nvSpPr>
+        <dsp:cNvPr id="0" name=""/>
+        <dsp:cNvSpPr/>
+      </dsp:nvSpPr>
+      <dsp:spPr>
+        <a:xfrm>
+          <a:off x="0" y="3765431"/>
+          <a:ext cx="10018712" cy="768487"/>
+        </a:xfrm>
+        <a:prstGeom prst="rect">
+          <a:avLst/>
+        </a:prstGeom>
+        <a:noFill/>
+        <a:ln w="9525" cap="rnd" cmpd="sng" algn="ctr">
+          <a:solidFill>
+            <a:schemeClr val="dk1">
+              <a:alpha val="0"/>
+              <a:hueOff val="0"/>
+              <a:satOff val="0"/>
+              <a:lumOff val="0"/>
+              <a:alphaOff val="0"/>
+            </a:schemeClr>
+          </a:solidFill>
+          <a:prstDash val="solid"/>
+        </a:ln>
+        <a:effectLst/>
+      </dsp:spPr>
+      <dsp:style>
+        <a:lnRef idx="1">
+          <a:scrgbClr r="0" g="0" b="0"/>
+        </a:lnRef>
+        <a:fillRef idx="0">
+          <a:scrgbClr r="0" g="0" b="0"/>
+        </a:fillRef>
+        <a:effectRef idx="0">
+          <a:scrgbClr r="0" g="0" b="0"/>
+        </a:effectRef>
+        <a:fontRef idx="minor"/>
+      </dsp:style>
+      <dsp:txBody>
+        <a:bodyPr spcFirstLastPara="0" vert="horz" wrap="square" lIns="318094" tIns="34290" rIns="192024" bIns="34290" numCol="1" spcCol="1270" anchor="t" anchorCtr="0">
+          <a:noAutofit/>
+        </a:bodyPr>
+        <a:lstStyle/>
+        <a:p>
+          <a:pPr marL="228600" lvl="1" indent="-228600" algn="l" defTabSz="933450">
+            <a:lnSpc>
+              <a:spcPct val="90000"/>
+            </a:lnSpc>
+            <a:spcBef>
+              <a:spcPct val="0"/>
+            </a:spcBef>
+            <a:spcAft>
+              <a:spcPct val="20000"/>
+            </a:spcAft>
+            <a:buChar char="••"/>
+          </a:pPr>
+          <a:r>
+            <a:rPr lang="zh-CN" altLang="en-US" sz="2100" kern="1200" dirty="0" smtClean="0"/>
+            <a:t>通过在消息头中定义长度字段来标识消息的总长度</a:t>
+          </a:r>
+          <a:r>
+            <a:rPr lang="en-US" altLang="en-US" sz="2100" kern="1200" dirty="0" smtClean="0"/>
+            <a:t>,</a:t>
+          </a:r>
+          <a:r>
+            <a:rPr lang="zh-CN" altLang="en-US" sz="2100" kern="1200" dirty="0" smtClean="0"/>
+            <a:t>了解</a:t>
+          </a:r>
+          <a:r>
+            <a:rPr lang="en-US" altLang="en-US" sz="2100" kern="1200" dirty="0" err="1" smtClean="0"/>
+            <a:t>netty</a:t>
+          </a:r>
+          <a:r>
+            <a:rPr lang="zh-CN" altLang="en-US" sz="2100" kern="1200" dirty="0" smtClean="0"/>
+            <a:t>的</a:t>
+          </a:r>
+          <a:r>
+            <a:rPr lang="en-US" altLang="en-US" sz="2100" kern="1200" dirty="0" err="1" smtClean="0"/>
+            <a:t>ByteBuf</a:t>
+          </a:r>
+          <a:r>
+            <a:rPr lang="zh-CN" altLang="en-US" sz="2100" kern="1200" dirty="0" smtClean="0"/>
+            <a:t>和读操作</a:t>
+          </a:r>
+          <a:r>
+            <a:rPr lang="en-US" altLang="zh-CN" sz="2100" kern="1200" dirty="0" smtClean="0"/>
+            <a:t>,</a:t>
+          </a:r>
+          <a:r>
+            <a:rPr lang="zh-CN" altLang="en-US" sz="2100" kern="1200" dirty="0" smtClean="0"/>
+            <a:t>如 </a:t>
+          </a:r>
+          <a:r>
+            <a:rPr lang="en-US" altLang="en-US" sz="2100" kern="1200" dirty="0" err="1" smtClean="0"/>
+            <a:t>readInt</a:t>
+          </a:r>
+          <a:r>
+            <a:rPr lang="en-US" altLang="en-US" sz="2100" kern="1200" dirty="0" smtClean="0"/>
+            <a:t>(),</a:t>
+          </a:r>
+          <a:r>
+            <a:rPr lang="en-US" altLang="en-US" sz="2100" kern="1200" dirty="0" err="1" smtClean="0"/>
+            <a:t>readBytes</a:t>
+          </a:r>
+          <a:r>
+            <a:rPr lang="en-US" altLang="en-US" sz="2100" kern="1200" dirty="0" smtClean="0"/>
+            <a:t>(n)</a:t>
+          </a:r>
+          <a:r>
+            <a:rPr lang="zh-CN" altLang="en-US" sz="2100" kern="1200" dirty="0" smtClean="0"/>
+            <a:t>等等</a:t>
+          </a:r>
+          <a:endParaRPr lang="zh-CN" altLang="en-US" sz="2100" kern="1200" dirty="0"/>
+        </a:p>
+      </dsp:txBody>
+      <dsp:txXfrm>
+        <a:off x="0" y="3765431"/>
+        <a:ext cx="10018712" cy="768487"/>
+      </dsp:txXfrm>
+    </dsp:sp>
   </dsp:spTree>
 </dsp:drawing>
 </file>
@@ -5683,6 +10361,340 @@
 </dgm:layoutDef>
 </file>
 
+<file path=ppt/diagrams/layout4.xml><?xml version="1.0" encoding="utf-8"?>
+<dgm:layoutDef xmlns:dgm="http://schemas.openxmlformats.org/drawingml/2006/diagram" xmlns:a="http://schemas.openxmlformats.org/drawingml/2006/main" uniqueId="urn:microsoft.com/office/officeart/2005/8/layout/vList2">
+  <dgm:title val=""/>
+  <dgm:desc val=""/>
+  <dgm:catLst>
+    <dgm:cat type="list" pri="3000"/>
+    <dgm:cat type="convert" pri="1000"/>
+  </dgm:catLst>
+  <dgm:sampData>
+    <dgm:dataModel>
+      <dgm:ptLst>
+        <dgm:pt modelId="0" type="doc"/>
+        <dgm:pt modelId="1">
+          <dgm:prSet phldr="1"/>
+        </dgm:pt>
+        <dgm:pt modelId="11">
+          <dgm:prSet phldr="1"/>
+        </dgm:pt>
+        <dgm:pt modelId="2">
+          <dgm:prSet phldr="1"/>
+        </dgm:pt>
+        <dgm:pt modelId="21">
+          <dgm:prSet phldr="1"/>
+        </dgm:pt>
+      </dgm:ptLst>
+      <dgm:cxnLst>
+        <dgm:cxn modelId="4" srcId="0" destId="1" srcOrd="0" destOrd="0"/>
+        <dgm:cxn modelId="5" srcId="0" destId="2" srcOrd="1" destOrd="0"/>
+        <dgm:cxn modelId="12" srcId="1" destId="11" srcOrd="0" destOrd="0"/>
+        <dgm:cxn modelId="23" srcId="2" destId="21" srcOrd="0" destOrd="0"/>
+      </dgm:cxnLst>
+      <dgm:bg/>
+      <dgm:whole/>
+    </dgm:dataModel>
+  </dgm:sampData>
+  <dgm:styleData>
+    <dgm:dataModel>
+      <dgm:ptLst>
+        <dgm:pt modelId="0" type="doc"/>
+        <dgm:pt modelId="1"/>
+        <dgm:pt modelId="2"/>
+      </dgm:ptLst>
+      <dgm:cxnLst>
+        <dgm:cxn modelId="3" srcId="0" destId="1" srcOrd="0" destOrd="0"/>
+        <dgm:cxn modelId="4" srcId="0" destId="2" srcOrd="1" destOrd="0"/>
+      </dgm:cxnLst>
+      <dgm:bg/>
+      <dgm:whole/>
+    </dgm:dataModel>
+  </dgm:styleData>
+  <dgm:clrData>
+    <dgm:dataModel>
+      <dgm:ptLst>
+        <dgm:pt modelId="0" type="doc"/>
+        <dgm:pt modelId="1"/>
+        <dgm:pt modelId="2"/>
+        <dgm:pt modelId="3"/>
+        <dgm:pt modelId="4"/>
+      </dgm:ptLst>
+      <dgm:cxnLst>
+        <dgm:cxn modelId="5" srcId="0" destId="1" srcOrd="0" destOrd="0"/>
+        <dgm:cxn modelId="6" srcId="0" destId="2" srcOrd="1" destOrd="0"/>
+        <dgm:cxn modelId="7" srcId="0" destId="3" srcOrd="2" destOrd="0"/>
+        <dgm:cxn modelId="8" srcId="0" destId="4" srcOrd="3" destOrd="0"/>
+      </dgm:cxnLst>
+      <dgm:bg/>
+      <dgm:whole/>
+    </dgm:dataModel>
+  </dgm:clrData>
+  <dgm:layoutNode name="linear">
+    <dgm:varLst>
+      <dgm:animLvl val="lvl"/>
+      <dgm:resizeHandles val="exact"/>
+    </dgm:varLst>
+    <dgm:alg type="lin">
+      <dgm:param type="linDir" val="fromT"/>
+      <dgm:param type="vertAlign" val="mid"/>
+    </dgm:alg>
+    <dgm:shape xmlns:r="http://schemas.openxmlformats.org/officeDocument/2006/relationships" r:blip="">
+      <dgm:adjLst/>
+    </dgm:shape>
+    <dgm:presOf/>
+    <dgm:constrLst>
+      <dgm:constr type="w" for="ch" forName="parentText" refType="w"/>
+      <dgm:constr type="h" for="ch" forName="parentText" refType="primFontSz" refFor="ch" refForName="parentText" fact="0.52"/>
+      <dgm:constr type="w" for="ch" forName="childText" refType="w"/>
+      <dgm:constr type="h" for="ch" forName="childText" refType="primFontSz" refFor="ch" refForName="parentText" fact="0.46"/>
+      <dgm:constr type="h" for="ch" forName="parentText" op="equ"/>
+      <dgm:constr type="primFontSz" for="ch" forName="parentText" op="equ" val="65"/>
+      <dgm:constr type="primFontSz" for="ch" forName="childText" refType="primFontSz" refFor="ch" refForName="parentText" op="equ"/>
+      <dgm:constr type="h" for="ch" forName="spacer" refType="primFontSz" refFor="ch" refForName="parentText" fact="0.08"/>
+    </dgm:constrLst>
+    <dgm:ruleLst>
+      <dgm:rule type="primFontSz" for="ch" forName="parentText" val="5" fact="NaN" max="NaN"/>
+    </dgm:ruleLst>
+    <dgm:forEach name="Name0" axis="ch" ptType="node">
+      <dgm:layoutNode name="parentText" styleLbl="node1">
+        <dgm:varLst>
+          <dgm:chMax val="0"/>
+          <dgm:bulletEnabled val="1"/>
+        </dgm:varLst>
+        <dgm:alg type="tx">
+          <dgm:param type="parTxLTRAlign" val="l"/>
+          <dgm:param type="parTxRTLAlign" val="r"/>
+        </dgm:alg>
+        <dgm:shape xmlns:r="http://schemas.openxmlformats.org/officeDocument/2006/relationships" type="roundRect" r:blip="">
+          <dgm:adjLst/>
+        </dgm:shape>
+        <dgm:presOf axis="self"/>
+        <dgm:constrLst>
+          <dgm:constr type="tMarg" refType="primFontSz" fact="0.3"/>
+          <dgm:constr type="bMarg" refType="primFontSz" fact="0.3"/>
+          <dgm:constr type="lMarg" refType="primFontSz" fact="0.3"/>
+          <dgm:constr type="rMarg" refType="primFontSz" fact="0.3"/>
+        </dgm:constrLst>
+        <dgm:ruleLst>
+          <dgm:rule type="h" val="INF" fact="NaN" max="NaN"/>
+        </dgm:ruleLst>
+      </dgm:layoutNode>
+      <dgm:choose name="Name1">
+        <dgm:if name="Name2" axis="ch" ptType="node" func="cnt" op="gte" val="1">
+          <dgm:layoutNode name="childText" styleLbl="revTx">
+            <dgm:varLst>
+              <dgm:bulletEnabled val="1"/>
+            </dgm:varLst>
+            <dgm:alg type="tx">
+              <dgm:param type="stBulletLvl" val="1"/>
+              <dgm:param type="lnSpAfChP" val="20"/>
+            </dgm:alg>
+            <dgm:shape xmlns:r="http://schemas.openxmlformats.org/officeDocument/2006/relationships" type="rect" r:blip="">
+              <dgm:adjLst/>
+            </dgm:shape>
+            <dgm:presOf axis="des" ptType="node"/>
+            <dgm:constrLst>
+              <dgm:constr type="tMarg" refType="primFontSz" fact="0.1"/>
+              <dgm:constr type="bMarg" refType="primFontSz" fact="0.1"/>
+              <dgm:constr type="lMarg" refType="w" fact="0.09"/>
+            </dgm:constrLst>
+            <dgm:ruleLst>
+              <dgm:rule type="h" val="INF" fact="NaN" max="NaN"/>
+            </dgm:ruleLst>
+          </dgm:layoutNode>
+        </dgm:if>
+        <dgm:else name="Name3">
+          <dgm:choose name="Name4">
+            <dgm:if name="Name5" axis="par ch" ptType="doc node" func="cnt" op="gte" val="2">
+              <dgm:forEach name="Name6" axis="followSib" ptType="sibTrans" cnt="1">
+                <dgm:layoutNode name="spacer">
+                  <dgm:alg type="sp"/>
+                  <dgm:shape xmlns:r="http://schemas.openxmlformats.org/officeDocument/2006/relationships" r:blip="">
+                    <dgm:adjLst/>
+                  </dgm:shape>
+                  <dgm:presOf/>
+                  <dgm:constrLst/>
+                  <dgm:ruleLst/>
+                </dgm:layoutNode>
+              </dgm:forEach>
+            </dgm:if>
+            <dgm:else name="Name7"/>
+          </dgm:choose>
+        </dgm:else>
+      </dgm:choose>
+    </dgm:forEach>
+  </dgm:layoutNode>
+</dgm:layoutDef>
+</file>
+
+<file path=ppt/diagrams/layout5.xml><?xml version="1.0" encoding="utf-8"?>
+<dgm:layoutDef xmlns:dgm="http://schemas.openxmlformats.org/drawingml/2006/diagram" xmlns:a="http://schemas.openxmlformats.org/drawingml/2006/main" uniqueId="urn:microsoft.com/office/officeart/2005/8/layout/vList2">
+  <dgm:title val=""/>
+  <dgm:desc val=""/>
+  <dgm:catLst>
+    <dgm:cat type="list" pri="3000"/>
+    <dgm:cat type="convert" pri="1000"/>
+  </dgm:catLst>
+  <dgm:sampData>
+    <dgm:dataModel>
+      <dgm:ptLst>
+        <dgm:pt modelId="0" type="doc"/>
+        <dgm:pt modelId="1">
+          <dgm:prSet phldr="1"/>
+        </dgm:pt>
+        <dgm:pt modelId="11">
+          <dgm:prSet phldr="1"/>
+        </dgm:pt>
+        <dgm:pt modelId="2">
+          <dgm:prSet phldr="1"/>
+        </dgm:pt>
+        <dgm:pt modelId="21">
+          <dgm:prSet phldr="1"/>
+        </dgm:pt>
+      </dgm:ptLst>
+      <dgm:cxnLst>
+        <dgm:cxn modelId="4" srcId="0" destId="1" srcOrd="0" destOrd="0"/>
+        <dgm:cxn modelId="5" srcId="0" destId="2" srcOrd="1" destOrd="0"/>
+        <dgm:cxn modelId="12" srcId="1" destId="11" srcOrd="0" destOrd="0"/>
+        <dgm:cxn modelId="23" srcId="2" destId="21" srcOrd="0" destOrd="0"/>
+      </dgm:cxnLst>
+      <dgm:bg/>
+      <dgm:whole/>
+    </dgm:dataModel>
+  </dgm:sampData>
+  <dgm:styleData>
+    <dgm:dataModel>
+      <dgm:ptLst>
+        <dgm:pt modelId="0" type="doc"/>
+        <dgm:pt modelId="1"/>
+        <dgm:pt modelId="2"/>
+      </dgm:ptLst>
+      <dgm:cxnLst>
+        <dgm:cxn modelId="3" srcId="0" destId="1" srcOrd="0" destOrd="0"/>
+        <dgm:cxn modelId="4" srcId="0" destId="2" srcOrd="1" destOrd="0"/>
+      </dgm:cxnLst>
+      <dgm:bg/>
+      <dgm:whole/>
+    </dgm:dataModel>
+  </dgm:styleData>
+  <dgm:clrData>
+    <dgm:dataModel>
+      <dgm:ptLst>
+        <dgm:pt modelId="0" type="doc"/>
+        <dgm:pt modelId="1"/>
+        <dgm:pt modelId="2"/>
+        <dgm:pt modelId="3"/>
+        <dgm:pt modelId="4"/>
+      </dgm:ptLst>
+      <dgm:cxnLst>
+        <dgm:cxn modelId="5" srcId="0" destId="1" srcOrd="0" destOrd="0"/>
+        <dgm:cxn modelId="6" srcId="0" destId="2" srcOrd="1" destOrd="0"/>
+        <dgm:cxn modelId="7" srcId="0" destId="3" srcOrd="2" destOrd="0"/>
+        <dgm:cxn modelId="8" srcId="0" destId="4" srcOrd="3" destOrd="0"/>
+      </dgm:cxnLst>
+      <dgm:bg/>
+      <dgm:whole/>
+    </dgm:dataModel>
+  </dgm:clrData>
+  <dgm:layoutNode name="linear">
+    <dgm:varLst>
+      <dgm:animLvl val="lvl"/>
+      <dgm:resizeHandles val="exact"/>
+    </dgm:varLst>
+    <dgm:alg type="lin">
+      <dgm:param type="linDir" val="fromT"/>
+      <dgm:param type="vertAlign" val="mid"/>
+    </dgm:alg>
+    <dgm:shape xmlns:r="http://schemas.openxmlformats.org/officeDocument/2006/relationships" r:blip="">
+      <dgm:adjLst/>
+    </dgm:shape>
+    <dgm:presOf/>
+    <dgm:constrLst>
+      <dgm:constr type="w" for="ch" forName="parentText" refType="w"/>
+      <dgm:constr type="h" for="ch" forName="parentText" refType="primFontSz" refFor="ch" refForName="parentText" fact="0.52"/>
+      <dgm:constr type="w" for="ch" forName="childText" refType="w"/>
+      <dgm:constr type="h" for="ch" forName="childText" refType="primFontSz" refFor="ch" refForName="parentText" fact="0.46"/>
+      <dgm:constr type="h" for="ch" forName="parentText" op="equ"/>
+      <dgm:constr type="primFontSz" for="ch" forName="parentText" op="equ" val="65"/>
+      <dgm:constr type="primFontSz" for="ch" forName="childText" refType="primFontSz" refFor="ch" refForName="parentText" op="equ"/>
+      <dgm:constr type="h" for="ch" forName="spacer" refType="primFontSz" refFor="ch" refForName="parentText" fact="0.08"/>
+    </dgm:constrLst>
+    <dgm:ruleLst>
+      <dgm:rule type="primFontSz" for="ch" forName="parentText" val="5" fact="NaN" max="NaN"/>
+    </dgm:ruleLst>
+    <dgm:forEach name="Name0" axis="ch" ptType="node">
+      <dgm:layoutNode name="parentText" styleLbl="node1">
+        <dgm:varLst>
+          <dgm:chMax val="0"/>
+          <dgm:bulletEnabled val="1"/>
+        </dgm:varLst>
+        <dgm:alg type="tx">
+          <dgm:param type="parTxLTRAlign" val="l"/>
+          <dgm:param type="parTxRTLAlign" val="r"/>
+        </dgm:alg>
+        <dgm:shape xmlns:r="http://schemas.openxmlformats.org/officeDocument/2006/relationships" type="roundRect" r:blip="">
+          <dgm:adjLst/>
+        </dgm:shape>
+        <dgm:presOf axis="self"/>
+        <dgm:constrLst>
+          <dgm:constr type="tMarg" refType="primFontSz" fact="0.3"/>
+          <dgm:constr type="bMarg" refType="primFontSz" fact="0.3"/>
+          <dgm:constr type="lMarg" refType="primFontSz" fact="0.3"/>
+          <dgm:constr type="rMarg" refType="primFontSz" fact="0.3"/>
+        </dgm:constrLst>
+        <dgm:ruleLst>
+          <dgm:rule type="h" val="INF" fact="NaN" max="NaN"/>
+        </dgm:ruleLst>
+      </dgm:layoutNode>
+      <dgm:choose name="Name1">
+        <dgm:if name="Name2" axis="ch" ptType="node" func="cnt" op="gte" val="1">
+          <dgm:layoutNode name="childText" styleLbl="revTx">
+            <dgm:varLst>
+              <dgm:bulletEnabled val="1"/>
+            </dgm:varLst>
+            <dgm:alg type="tx">
+              <dgm:param type="stBulletLvl" val="1"/>
+              <dgm:param type="lnSpAfChP" val="20"/>
+            </dgm:alg>
+            <dgm:shape xmlns:r="http://schemas.openxmlformats.org/officeDocument/2006/relationships" type="rect" r:blip="">
+              <dgm:adjLst/>
+            </dgm:shape>
+            <dgm:presOf axis="des" ptType="node"/>
+            <dgm:constrLst>
+              <dgm:constr type="tMarg" refType="primFontSz" fact="0.1"/>
+              <dgm:constr type="bMarg" refType="primFontSz" fact="0.1"/>
+              <dgm:constr type="lMarg" refType="w" fact="0.09"/>
+            </dgm:constrLst>
+            <dgm:ruleLst>
+              <dgm:rule type="h" val="INF" fact="NaN" max="NaN"/>
+            </dgm:ruleLst>
+          </dgm:layoutNode>
+        </dgm:if>
+        <dgm:else name="Name3">
+          <dgm:choose name="Name4">
+            <dgm:if name="Name5" axis="par ch" ptType="doc node" func="cnt" op="gte" val="2">
+              <dgm:forEach name="Name6" axis="followSib" ptType="sibTrans" cnt="1">
+                <dgm:layoutNode name="spacer">
+                  <dgm:alg type="sp"/>
+                  <dgm:shape xmlns:r="http://schemas.openxmlformats.org/officeDocument/2006/relationships" r:blip="">
+                    <dgm:adjLst/>
+                  </dgm:shape>
+                  <dgm:presOf/>
+                  <dgm:constrLst/>
+                  <dgm:ruleLst/>
+                </dgm:layoutNode>
+              </dgm:forEach>
+            </dgm:if>
+            <dgm:else name="Name7"/>
+          </dgm:choose>
+        </dgm:else>
+      </dgm:choose>
+    </dgm:forEach>
+  </dgm:layoutNode>
+</dgm:layoutDef>
+</file>
+
 <file path=ppt/diagrams/quickStyle1.xml><?xml version="1.0" encoding="utf-8"?>
 <dgm:styleDef xmlns:dgm="http://schemas.openxmlformats.org/drawingml/2006/diagram" xmlns:a="http://schemas.openxmlformats.org/drawingml/2006/main" uniqueId="urn:microsoft.com/office/officeart/2005/8/quickstyle/simple1">
   <dgm:title val=""/>
@@ -8771,6 +13783,2478 @@
     <dgm:txPr/>
     <dgm:style>
       <a:lnRef idx="0">
+        <a:scrgbClr r="0" g="0" b="0"/>
+      </a:lnRef>
+      <a:fillRef idx="0">
+        <a:scrgbClr r="0" g="0" b="0"/>
+      </a:fillRef>
+      <a:effectRef idx="0">
+        <a:scrgbClr r="0" g="0" b="0"/>
+      </a:effectRef>
+      <a:fontRef idx="minor"/>
+    </dgm:style>
+  </dgm:styleLbl>
+</dgm:styleDef>
+</file>
+
+<file path=ppt/diagrams/quickStyle4.xml><?xml version="1.0" encoding="utf-8"?>
+<dgm:styleDef xmlns:dgm="http://schemas.openxmlformats.org/drawingml/2006/diagram" xmlns:a="http://schemas.openxmlformats.org/drawingml/2006/main" uniqueId="urn:microsoft.com/office/officeart/2005/8/quickstyle/3d6">
+  <dgm:title val=""/>
+  <dgm:desc val=""/>
+  <dgm:catLst>
+    <dgm:cat type="3D" pri="11600"/>
+  </dgm:catLst>
+  <dgm:scene3d>
+    <a:camera prst="perspectiveRelaxedModerately" zoom="92000"/>
+    <a:lightRig rig="balanced" dir="t">
+      <a:rot lat="0" lon="0" rev="12700000"/>
+    </a:lightRig>
+  </dgm:scene3d>
+  <dgm:styleLbl name="node0">
+    <dgm:scene3d>
+      <a:camera prst="orthographicFront"/>
+      <a:lightRig rig="threePt" dir="t"/>
+    </dgm:scene3d>
+    <dgm:sp3d prstMaterial="plastic">
+      <a:bevelT w="50800" h="50800"/>
+      <a:bevelB w="50800" h="50800"/>
+    </dgm:sp3d>
+    <dgm:txPr/>
+    <dgm:style>
+      <a:lnRef idx="0">
+        <a:scrgbClr r="0" g="0" b="0"/>
+      </a:lnRef>
+      <a:fillRef idx="1">
+        <a:scrgbClr r="0" g="0" b="0"/>
+      </a:fillRef>
+      <a:effectRef idx="2">
+        <a:scrgbClr r="0" g="0" b="0"/>
+      </a:effectRef>
+      <a:fontRef idx="minor">
+        <a:schemeClr val="lt1"/>
+      </a:fontRef>
+    </dgm:style>
+  </dgm:styleLbl>
+  <dgm:styleLbl name="lnNode1">
+    <dgm:scene3d>
+      <a:camera prst="orthographicFront"/>
+      <a:lightRig rig="threePt" dir="t"/>
+    </dgm:scene3d>
+    <dgm:sp3d prstMaterial="plastic">
+      <a:bevelT w="50800" h="50800"/>
+      <a:bevelB w="50800" h="50800"/>
+    </dgm:sp3d>
+    <dgm:txPr/>
+    <dgm:style>
+      <a:lnRef idx="0">
+        <a:scrgbClr r="0" g="0" b="0"/>
+      </a:lnRef>
+      <a:fillRef idx="1">
+        <a:scrgbClr r="0" g="0" b="0"/>
+      </a:fillRef>
+      <a:effectRef idx="2">
+        <a:scrgbClr r="0" g="0" b="0"/>
+      </a:effectRef>
+      <a:fontRef idx="minor">
+        <a:schemeClr val="lt1"/>
+      </a:fontRef>
+    </dgm:style>
+  </dgm:styleLbl>
+  <dgm:styleLbl name="vennNode1">
+    <dgm:scene3d>
+      <a:camera prst="orthographicFront"/>
+      <a:lightRig rig="threePt" dir="t"/>
+    </dgm:scene3d>
+    <dgm:sp3d prstMaterial="plastic">
+      <a:bevelT w="50800" h="50800"/>
+      <a:bevelB w="50800" h="50800"/>
+    </dgm:sp3d>
+    <dgm:txPr/>
+    <dgm:style>
+      <a:lnRef idx="0">
+        <a:scrgbClr r="0" g="0" b="0"/>
+      </a:lnRef>
+      <a:fillRef idx="1">
+        <a:scrgbClr r="0" g="0" b="0"/>
+      </a:fillRef>
+      <a:effectRef idx="2">
+        <a:scrgbClr r="0" g="0" b="0"/>
+      </a:effectRef>
+      <a:fontRef idx="minor">
+        <a:schemeClr val="tx1"/>
+      </a:fontRef>
+    </dgm:style>
+  </dgm:styleLbl>
+  <dgm:styleLbl name="alignNode1">
+    <dgm:scene3d>
+      <a:camera prst="orthographicFront"/>
+      <a:lightRig rig="threePt" dir="t"/>
+    </dgm:scene3d>
+    <dgm:sp3d prstMaterial="plastic">
+      <a:bevelT w="50800" h="50800"/>
+      <a:bevelB w="50800" h="50800"/>
+    </dgm:sp3d>
+    <dgm:txPr/>
+    <dgm:style>
+      <a:lnRef idx="1">
+        <a:scrgbClr r="0" g="0" b="0"/>
+      </a:lnRef>
+      <a:fillRef idx="1">
+        <a:scrgbClr r="0" g="0" b="0"/>
+      </a:fillRef>
+      <a:effectRef idx="2">
+        <a:scrgbClr r="0" g="0" b="0"/>
+      </a:effectRef>
+      <a:fontRef idx="minor">
+        <a:schemeClr val="lt1"/>
+      </a:fontRef>
+    </dgm:style>
+  </dgm:styleLbl>
+  <dgm:styleLbl name="node1">
+    <dgm:scene3d>
+      <a:camera prst="orthographicFront"/>
+      <a:lightRig rig="threePt" dir="t"/>
+    </dgm:scene3d>
+    <dgm:sp3d prstMaterial="plastic">
+      <a:bevelT w="50800" h="50800"/>
+      <a:bevelB w="50800" h="50800"/>
+    </dgm:sp3d>
+    <dgm:txPr/>
+    <dgm:style>
+      <a:lnRef idx="0">
+        <a:scrgbClr r="0" g="0" b="0"/>
+      </a:lnRef>
+      <a:fillRef idx="1">
+        <a:scrgbClr r="0" g="0" b="0"/>
+      </a:fillRef>
+      <a:effectRef idx="2">
+        <a:scrgbClr r="0" g="0" b="0"/>
+      </a:effectRef>
+      <a:fontRef idx="minor">
+        <a:schemeClr val="lt1"/>
+      </a:fontRef>
+    </dgm:style>
+  </dgm:styleLbl>
+  <dgm:styleLbl name="node2">
+    <dgm:scene3d>
+      <a:camera prst="orthographicFront"/>
+      <a:lightRig rig="threePt" dir="t"/>
+    </dgm:scene3d>
+    <dgm:sp3d prstMaterial="plastic">
+      <a:bevelT w="50800" h="50800"/>
+      <a:bevelB w="50800" h="50800"/>
+    </dgm:sp3d>
+    <dgm:txPr/>
+    <dgm:style>
+      <a:lnRef idx="0">
+        <a:scrgbClr r="0" g="0" b="0"/>
+      </a:lnRef>
+      <a:fillRef idx="1">
+        <a:scrgbClr r="0" g="0" b="0"/>
+      </a:fillRef>
+      <a:effectRef idx="2">
+        <a:scrgbClr r="0" g="0" b="0"/>
+      </a:effectRef>
+      <a:fontRef idx="minor">
+        <a:schemeClr val="lt1"/>
+      </a:fontRef>
+    </dgm:style>
+  </dgm:styleLbl>
+  <dgm:styleLbl name="node3">
+    <dgm:scene3d>
+      <a:camera prst="orthographicFront"/>
+      <a:lightRig rig="threePt" dir="t"/>
+    </dgm:scene3d>
+    <dgm:sp3d prstMaterial="plastic">
+      <a:bevelT w="50800" h="50800"/>
+      <a:bevelB w="50800" h="50800"/>
+    </dgm:sp3d>
+    <dgm:txPr/>
+    <dgm:style>
+      <a:lnRef idx="0">
+        <a:scrgbClr r="0" g="0" b="0"/>
+      </a:lnRef>
+      <a:fillRef idx="1">
+        <a:scrgbClr r="0" g="0" b="0"/>
+      </a:fillRef>
+      <a:effectRef idx="2">
+        <a:scrgbClr r="0" g="0" b="0"/>
+      </a:effectRef>
+      <a:fontRef idx="minor">
+        <a:schemeClr val="lt1"/>
+      </a:fontRef>
+    </dgm:style>
+  </dgm:styleLbl>
+  <dgm:styleLbl name="node4">
+    <dgm:scene3d>
+      <a:camera prst="orthographicFront"/>
+      <a:lightRig rig="threePt" dir="t"/>
+    </dgm:scene3d>
+    <dgm:sp3d prstMaterial="plastic">
+      <a:bevelT w="50800" h="50800"/>
+      <a:bevelB w="50800" h="50800"/>
+    </dgm:sp3d>
+    <dgm:txPr/>
+    <dgm:style>
+      <a:lnRef idx="0">
+        <a:scrgbClr r="0" g="0" b="0"/>
+      </a:lnRef>
+      <a:fillRef idx="1">
+        <a:scrgbClr r="0" g="0" b="0"/>
+      </a:fillRef>
+      <a:effectRef idx="2">
+        <a:scrgbClr r="0" g="0" b="0"/>
+      </a:effectRef>
+      <a:fontRef idx="minor">
+        <a:schemeClr val="lt1"/>
+      </a:fontRef>
+    </dgm:style>
+  </dgm:styleLbl>
+  <dgm:styleLbl name="fgImgPlace1">
+    <dgm:scene3d>
+      <a:camera prst="orthographicFront"/>
+      <a:lightRig rig="threePt" dir="t"/>
+    </dgm:scene3d>
+    <dgm:sp3d z="50080" prstMaterial="plastic">
+      <a:bevelT w="50800" h="50800"/>
+      <a:bevelB w="50800" h="50800"/>
+    </dgm:sp3d>
+    <dgm:txPr/>
+    <dgm:style>
+      <a:lnRef idx="0">
+        <a:scrgbClr r="0" g="0" b="0"/>
+      </a:lnRef>
+      <a:fillRef idx="1">
+        <a:scrgbClr r="0" g="0" b="0"/>
+      </a:fillRef>
+      <a:effectRef idx="2">
+        <a:scrgbClr r="0" g="0" b="0"/>
+      </a:effectRef>
+      <a:fontRef idx="minor"/>
+    </dgm:style>
+  </dgm:styleLbl>
+  <dgm:styleLbl name="alignImgPlace1">
+    <dgm:scene3d>
+      <a:camera prst="orthographicFront"/>
+      <a:lightRig rig="threePt" dir="t"/>
+    </dgm:scene3d>
+    <dgm:sp3d prstMaterial="plastic">
+      <a:bevelT w="50800" h="50800"/>
+      <a:bevelB w="50800" h="50800"/>
+    </dgm:sp3d>
+    <dgm:txPr/>
+    <dgm:style>
+      <a:lnRef idx="0">
+        <a:scrgbClr r="0" g="0" b="0"/>
+      </a:lnRef>
+      <a:fillRef idx="1">
+        <a:scrgbClr r="0" g="0" b="0"/>
+      </a:fillRef>
+      <a:effectRef idx="2">
+        <a:scrgbClr r="0" g="0" b="0"/>
+      </a:effectRef>
+      <a:fontRef idx="minor"/>
+    </dgm:style>
+  </dgm:styleLbl>
+  <dgm:styleLbl name="bgImgPlace1">
+    <dgm:scene3d>
+      <a:camera prst="orthographicFront"/>
+      <a:lightRig rig="threePt" dir="t"/>
+    </dgm:scene3d>
+    <dgm:sp3d z="-54000" prstMaterial="plastic">
+      <a:bevelT w="50800" h="50800"/>
+      <a:bevelB w="50800" h="50800"/>
+    </dgm:sp3d>
+    <dgm:txPr/>
+    <dgm:style>
+      <a:lnRef idx="0">
+        <a:scrgbClr r="0" g="0" b="0"/>
+      </a:lnRef>
+      <a:fillRef idx="1">
+        <a:scrgbClr r="0" g="0" b="0"/>
+      </a:fillRef>
+      <a:effectRef idx="2">
+        <a:scrgbClr r="0" g="0" b="0"/>
+      </a:effectRef>
+      <a:fontRef idx="minor"/>
+    </dgm:style>
+  </dgm:styleLbl>
+  <dgm:styleLbl name="sibTrans2D1">
+    <dgm:scene3d>
+      <a:camera prst="orthographicFront"/>
+      <a:lightRig rig="threePt" dir="t"/>
+    </dgm:scene3d>
+    <dgm:sp3d z="-25400" prstMaterial="plastic">
+      <a:bevelT w="25400" h="25400"/>
+      <a:bevelB w="25400" h="25400"/>
+    </dgm:sp3d>
+    <dgm:txPr/>
+    <dgm:style>
+      <a:lnRef idx="1">
+        <a:scrgbClr r="0" g="0" b="0"/>
+      </a:lnRef>
+      <a:fillRef idx="1">
+        <a:scrgbClr r="0" g="0" b="0"/>
+      </a:fillRef>
+      <a:effectRef idx="2">
+        <a:scrgbClr r="0" g="0" b="0"/>
+      </a:effectRef>
+      <a:fontRef idx="minor">
+        <a:schemeClr val="lt1"/>
+      </a:fontRef>
+    </dgm:style>
+  </dgm:styleLbl>
+  <dgm:styleLbl name="fgSibTrans2D1">
+    <dgm:scene3d>
+      <a:camera prst="orthographicFront"/>
+      <a:lightRig rig="threePt" dir="t"/>
+    </dgm:scene3d>
+    <dgm:sp3d z="50080" prstMaterial="plastic">
+      <a:bevelT w="25400" h="25400"/>
+      <a:bevelB w="25400" h="25400"/>
+    </dgm:sp3d>
+    <dgm:txPr/>
+    <dgm:style>
+      <a:lnRef idx="1">
+        <a:scrgbClr r="0" g="0" b="0"/>
+      </a:lnRef>
+      <a:fillRef idx="1">
+        <a:scrgbClr r="0" g="0" b="0"/>
+      </a:fillRef>
+      <a:effectRef idx="2">
+        <a:scrgbClr r="0" g="0" b="0"/>
+      </a:effectRef>
+      <a:fontRef idx="minor">
+        <a:schemeClr val="lt1"/>
+      </a:fontRef>
+    </dgm:style>
+  </dgm:styleLbl>
+  <dgm:styleLbl name="bgSibTrans2D1">
+    <dgm:scene3d>
+      <a:camera prst="orthographicFront"/>
+      <a:lightRig rig="threePt" dir="t"/>
+    </dgm:scene3d>
+    <dgm:sp3d z="-54080" prstMaterial="plastic">
+      <a:bevelT w="25400" h="25400"/>
+      <a:bevelB w="25400" h="25400"/>
+    </dgm:sp3d>
+    <dgm:txPr/>
+    <dgm:style>
+      <a:lnRef idx="1">
+        <a:scrgbClr r="0" g="0" b="0"/>
+      </a:lnRef>
+      <a:fillRef idx="1">
+        <a:scrgbClr r="0" g="0" b="0"/>
+      </a:fillRef>
+      <a:effectRef idx="2">
+        <a:scrgbClr r="0" g="0" b="0"/>
+      </a:effectRef>
+      <a:fontRef idx="minor">
+        <a:schemeClr val="lt1"/>
+      </a:fontRef>
+    </dgm:style>
+  </dgm:styleLbl>
+  <dgm:styleLbl name="sibTrans1D1">
+    <dgm:scene3d>
+      <a:camera prst="orthographicFront"/>
+      <a:lightRig rig="threePt" dir="t"/>
+    </dgm:scene3d>
+    <dgm:sp3d z="-25400" prstMaterial="plastic"/>
+    <dgm:txPr/>
+    <dgm:style>
+      <a:lnRef idx="1">
+        <a:scrgbClr r="0" g="0" b="0"/>
+      </a:lnRef>
+      <a:fillRef idx="0">
+        <a:scrgbClr r="0" g="0" b="0"/>
+      </a:fillRef>
+      <a:effectRef idx="0">
+        <a:scrgbClr r="0" g="0" b="0"/>
+      </a:effectRef>
+      <a:fontRef idx="minor"/>
+    </dgm:style>
+  </dgm:styleLbl>
+  <dgm:styleLbl name="callout">
+    <dgm:scene3d>
+      <a:camera prst="orthographicFront"/>
+      <a:lightRig rig="threePt" dir="t"/>
+    </dgm:scene3d>
+    <dgm:sp3d z="75000" prstMaterial="plastic"/>
+    <dgm:txPr/>
+    <dgm:style>
+      <a:lnRef idx="2">
+        <a:scrgbClr r="0" g="0" b="0"/>
+      </a:lnRef>
+      <a:fillRef idx="1">
+        <a:scrgbClr r="0" g="0" b="0"/>
+      </a:fillRef>
+      <a:effectRef idx="0">
+        <a:scrgbClr r="0" g="0" b="0"/>
+      </a:effectRef>
+      <a:fontRef idx="minor"/>
+    </dgm:style>
+  </dgm:styleLbl>
+  <dgm:styleLbl name="asst0">
+    <dgm:scene3d>
+      <a:camera prst="orthographicFront"/>
+      <a:lightRig rig="threePt" dir="t"/>
+    </dgm:scene3d>
+    <dgm:sp3d prstMaterial="plastic">
+      <a:bevelT w="50800" h="50800"/>
+      <a:bevelB w="50800" h="50800"/>
+    </dgm:sp3d>
+    <dgm:txPr/>
+    <dgm:style>
+      <a:lnRef idx="0">
+        <a:scrgbClr r="0" g="0" b="0"/>
+      </a:lnRef>
+      <a:fillRef idx="1">
+        <a:scrgbClr r="0" g="0" b="0"/>
+      </a:fillRef>
+      <a:effectRef idx="2">
+        <a:scrgbClr r="0" g="0" b="0"/>
+      </a:effectRef>
+      <a:fontRef idx="minor">
+        <a:schemeClr val="lt1"/>
+      </a:fontRef>
+    </dgm:style>
+  </dgm:styleLbl>
+  <dgm:styleLbl name="asst1">
+    <dgm:scene3d>
+      <a:camera prst="orthographicFront"/>
+      <a:lightRig rig="threePt" dir="t"/>
+    </dgm:scene3d>
+    <dgm:sp3d prstMaterial="plastic">
+      <a:bevelT w="50800" h="50800"/>
+      <a:bevelB w="50800" h="50800"/>
+    </dgm:sp3d>
+    <dgm:txPr/>
+    <dgm:style>
+      <a:lnRef idx="0">
+        <a:scrgbClr r="0" g="0" b="0"/>
+      </a:lnRef>
+      <a:fillRef idx="1">
+        <a:scrgbClr r="0" g="0" b="0"/>
+      </a:fillRef>
+      <a:effectRef idx="2">
+        <a:scrgbClr r="0" g="0" b="0"/>
+      </a:effectRef>
+      <a:fontRef idx="minor">
+        <a:schemeClr val="lt1"/>
+      </a:fontRef>
+    </dgm:style>
+  </dgm:styleLbl>
+  <dgm:styleLbl name="asst2">
+    <dgm:scene3d>
+      <a:camera prst="orthographicFront"/>
+      <a:lightRig rig="threePt" dir="t"/>
+    </dgm:scene3d>
+    <dgm:sp3d prstMaterial="plastic">
+      <a:bevelT w="50800" h="50800"/>
+      <a:bevelB w="50800" h="50800"/>
+    </dgm:sp3d>
+    <dgm:txPr/>
+    <dgm:style>
+      <a:lnRef idx="0">
+        <a:scrgbClr r="0" g="0" b="0"/>
+      </a:lnRef>
+      <a:fillRef idx="1">
+        <a:scrgbClr r="0" g="0" b="0"/>
+      </a:fillRef>
+      <a:effectRef idx="2">
+        <a:scrgbClr r="0" g="0" b="0"/>
+      </a:effectRef>
+      <a:fontRef idx="minor">
+        <a:schemeClr val="lt1"/>
+      </a:fontRef>
+    </dgm:style>
+  </dgm:styleLbl>
+  <dgm:styleLbl name="asst3">
+    <dgm:scene3d>
+      <a:camera prst="orthographicFront"/>
+      <a:lightRig rig="threePt" dir="t"/>
+    </dgm:scene3d>
+    <dgm:sp3d prstMaterial="plastic">
+      <a:bevelT w="50800" h="50800"/>
+      <a:bevelB w="50800" h="50800"/>
+    </dgm:sp3d>
+    <dgm:txPr/>
+    <dgm:style>
+      <a:lnRef idx="0">
+        <a:scrgbClr r="0" g="0" b="0"/>
+      </a:lnRef>
+      <a:fillRef idx="1">
+        <a:scrgbClr r="0" g="0" b="0"/>
+      </a:fillRef>
+      <a:effectRef idx="2">
+        <a:scrgbClr r="0" g="0" b="0"/>
+      </a:effectRef>
+      <a:fontRef idx="minor">
+        <a:schemeClr val="lt1"/>
+      </a:fontRef>
+    </dgm:style>
+  </dgm:styleLbl>
+  <dgm:styleLbl name="parChTrans2D1">
+    <dgm:scene3d>
+      <a:camera prst="orthographicFront"/>
+      <a:lightRig rig="threePt" dir="t"/>
+    </dgm:scene3d>
+    <dgm:sp3d z="-25400" prstMaterial="plastic">
+      <a:bevelT w="25400" h="25400"/>
+      <a:bevelB w="25400" h="25400"/>
+    </dgm:sp3d>
+    <dgm:txPr/>
+    <dgm:style>
+      <a:lnRef idx="0">
+        <a:scrgbClr r="0" g="0" b="0"/>
+      </a:lnRef>
+      <a:fillRef idx="1">
+        <a:scrgbClr r="0" g="0" b="0"/>
+      </a:fillRef>
+      <a:effectRef idx="2">
+        <a:scrgbClr r="0" g="0" b="0"/>
+      </a:effectRef>
+      <a:fontRef idx="minor">
+        <a:schemeClr val="lt1"/>
+      </a:fontRef>
+    </dgm:style>
+  </dgm:styleLbl>
+  <dgm:styleLbl name="parChTrans2D2">
+    <dgm:scene3d>
+      <a:camera prst="orthographicFront"/>
+      <a:lightRig rig="threePt" dir="t"/>
+    </dgm:scene3d>
+    <dgm:sp3d z="-25400" prstMaterial="plastic">
+      <a:bevelT w="25400" h="25400"/>
+      <a:bevelB w="25400" h="25400"/>
+    </dgm:sp3d>
+    <dgm:txPr/>
+    <dgm:style>
+      <a:lnRef idx="0">
+        <a:scrgbClr r="0" g="0" b="0"/>
+      </a:lnRef>
+      <a:fillRef idx="1">
+        <a:scrgbClr r="0" g="0" b="0"/>
+      </a:fillRef>
+      <a:effectRef idx="2">
+        <a:scrgbClr r="0" g="0" b="0"/>
+      </a:effectRef>
+      <a:fontRef idx="minor">
+        <a:schemeClr val="lt1"/>
+      </a:fontRef>
+    </dgm:style>
+  </dgm:styleLbl>
+  <dgm:styleLbl name="parChTrans2D3">
+    <dgm:scene3d>
+      <a:camera prst="orthographicFront"/>
+      <a:lightRig rig="threePt" dir="t"/>
+    </dgm:scene3d>
+    <dgm:sp3d z="-25400" prstMaterial="plastic">
+      <a:bevelT w="25400" h="25400"/>
+      <a:bevelB w="25400" h="25400"/>
+    </dgm:sp3d>
+    <dgm:txPr/>
+    <dgm:style>
+      <a:lnRef idx="0">
+        <a:scrgbClr r="0" g="0" b="0"/>
+      </a:lnRef>
+      <a:fillRef idx="1">
+        <a:scrgbClr r="0" g="0" b="0"/>
+      </a:fillRef>
+      <a:effectRef idx="2">
+        <a:scrgbClr r="0" g="0" b="0"/>
+      </a:effectRef>
+      <a:fontRef idx="minor">
+        <a:schemeClr val="lt1"/>
+      </a:fontRef>
+    </dgm:style>
+  </dgm:styleLbl>
+  <dgm:styleLbl name="parChTrans2D4">
+    <dgm:scene3d>
+      <a:camera prst="orthographicFront"/>
+      <a:lightRig rig="threePt" dir="t"/>
+    </dgm:scene3d>
+    <dgm:sp3d z="-25400" prstMaterial="plastic">
+      <a:bevelT w="25400" h="25400"/>
+      <a:bevelB w="25400" h="25400"/>
+    </dgm:sp3d>
+    <dgm:txPr/>
+    <dgm:style>
+      <a:lnRef idx="0">
+        <a:scrgbClr r="0" g="0" b="0"/>
+      </a:lnRef>
+      <a:fillRef idx="1">
+        <a:scrgbClr r="0" g="0" b="0"/>
+      </a:fillRef>
+      <a:effectRef idx="2">
+        <a:scrgbClr r="0" g="0" b="0"/>
+      </a:effectRef>
+      <a:fontRef idx="minor">
+        <a:schemeClr val="lt1"/>
+      </a:fontRef>
+    </dgm:style>
+  </dgm:styleLbl>
+  <dgm:styleLbl name="parChTrans1D1">
+    <dgm:scene3d>
+      <a:camera prst="orthographicFront"/>
+      <a:lightRig rig="threePt" dir="t"/>
+    </dgm:scene3d>
+    <dgm:sp3d z="-25400" prstMaterial="plastic"/>
+    <dgm:txPr/>
+    <dgm:style>
+      <a:lnRef idx="2">
+        <a:scrgbClr r="0" g="0" b="0"/>
+      </a:lnRef>
+      <a:fillRef idx="0">
+        <a:scrgbClr r="0" g="0" b="0"/>
+      </a:fillRef>
+      <a:effectRef idx="0">
+        <a:scrgbClr r="0" g="0" b="0"/>
+      </a:effectRef>
+      <a:fontRef idx="minor">
+        <a:schemeClr val="tx1"/>
+      </a:fontRef>
+    </dgm:style>
+  </dgm:styleLbl>
+  <dgm:styleLbl name="parChTrans1D2">
+    <dgm:scene3d>
+      <a:camera prst="orthographicFront"/>
+      <a:lightRig rig="threePt" dir="t"/>
+    </dgm:scene3d>
+    <dgm:sp3d z="-25400" prstMaterial="plastic"/>
+    <dgm:txPr/>
+    <dgm:style>
+      <a:lnRef idx="2">
+        <a:scrgbClr r="0" g="0" b="0"/>
+      </a:lnRef>
+      <a:fillRef idx="0">
+        <a:scrgbClr r="0" g="0" b="0"/>
+      </a:fillRef>
+      <a:effectRef idx="0">
+        <a:scrgbClr r="0" g="0" b="0"/>
+      </a:effectRef>
+      <a:fontRef idx="minor">
+        <a:schemeClr val="tx1"/>
+      </a:fontRef>
+    </dgm:style>
+  </dgm:styleLbl>
+  <dgm:styleLbl name="parChTrans1D3">
+    <dgm:scene3d>
+      <a:camera prst="orthographicFront"/>
+      <a:lightRig rig="threePt" dir="t"/>
+    </dgm:scene3d>
+    <dgm:sp3d z="-25400" prstMaterial="plastic"/>
+    <dgm:txPr/>
+    <dgm:style>
+      <a:lnRef idx="2">
+        <a:scrgbClr r="0" g="0" b="0"/>
+      </a:lnRef>
+      <a:fillRef idx="0">
+        <a:scrgbClr r="0" g="0" b="0"/>
+      </a:fillRef>
+      <a:effectRef idx="0">
+        <a:scrgbClr r="0" g="0" b="0"/>
+      </a:effectRef>
+      <a:fontRef idx="minor">
+        <a:schemeClr val="tx1"/>
+      </a:fontRef>
+    </dgm:style>
+  </dgm:styleLbl>
+  <dgm:styleLbl name="parChTrans1D4">
+    <dgm:scene3d>
+      <a:camera prst="orthographicFront"/>
+      <a:lightRig rig="threePt" dir="t"/>
+    </dgm:scene3d>
+    <dgm:sp3d z="-25400" prstMaterial="plastic"/>
+    <dgm:txPr/>
+    <dgm:style>
+      <a:lnRef idx="2">
+        <a:scrgbClr r="0" g="0" b="0"/>
+      </a:lnRef>
+      <a:fillRef idx="0">
+        <a:scrgbClr r="0" g="0" b="0"/>
+      </a:fillRef>
+      <a:effectRef idx="0">
+        <a:scrgbClr r="0" g="0" b="0"/>
+      </a:effectRef>
+      <a:fontRef idx="minor">
+        <a:schemeClr val="tx1"/>
+      </a:fontRef>
+    </dgm:style>
+  </dgm:styleLbl>
+  <dgm:styleLbl name="fgAcc1">
+    <dgm:scene3d>
+      <a:camera prst="orthographicFront"/>
+      <a:lightRig rig="threePt" dir="t"/>
+    </dgm:scene3d>
+    <dgm:sp3d z="50080" prstMaterial="plastic">
+      <a:bevelT w="25400" h="25400"/>
+      <a:bevelB w="25400" h="25400"/>
+    </dgm:sp3d>
+    <dgm:txPr/>
+    <dgm:style>
+      <a:lnRef idx="1">
+        <a:scrgbClr r="0" g="0" b="0"/>
+      </a:lnRef>
+      <a:fillRef idx="1">
+        <a:scrgbClr r="0" g="0" b="0"/>
+      </a:fillRef>
+      <a:effectRef idx="2">
+        <a:scrgbClr r="0" g="0" b="0"/>
+      </a:effectRef>
+      <a:fontRef idx="minor"/>
+    </dgm:style>
+  </dgm:styleLbl>
+  <dgm:styleLbl name="conFgAcc1">
+    <dgm:scene3d>
+      <a:camera prst="orthographicFront"/>
+      <a:lightRig rig="threePt" dir="t"/>
+    </dgm:scene3d>
+    <dgm:sp3d z="-152400" prstMaterial="plastic">
+      <a:bevelT w="25400" h="25400"/>
+      <a:bevelB w="25400" h="25400"/>
+    </dgm:sp3d>
+    <dgm:txPr/>
+    <dgm:style>
+      <a:lnRef idx="1">
+        <a:scrgbClr r="0" g="0" b="0"/>
+      </a:lnRef>
+      <a:fillRef idx="1">
+        <a:scrgbClr r="0" g="0" b="0"/>
+      </a:fillRef>
+      <a:effectRef idx="2">
+        <a:scrgbClr r="0" g="0" b="0"/>
+      </a:effectRef>
+      <a:fontRef idx="minor"/>
+    </dgm:style>
+  </dgm:styleLbl>
+  <dgm:styleLbl name="alignAcc1">
+    <dgm:scene3d>
+      <a:camera prst="orthographicFront"/>
+      <a:lightRig rig="threePt" dir="t"/>
+    </dgm:scene3d>
+    <dgm:sp3d prstMaterial="plastic">
+      <a:bevelT w="25400" h="25400"/>
+      <a:bevelB w="25400" h="25400"/>
+    </dgm:sp3d>
+    <dgm:txPr/>
+    <dgm:style>
+      <a:lnRef idx="1">
+        <a:scrgbClr r="0" g="0" b="0"/>
+      </a:lnRef>
+      <a:fillRef idx="1">
+        <a:scrgbClr r="0" g="0" b="0"/>
+      </a:fillRef>
+      <a:effectRef idx="2">
+        <a:scrgbClr r="0" g="0" b="0"/>
+      </a:effectRef>
+      <a:fontRef idx="minor"/>
+    </dgm:style>
+  </dgm:styleLbl>
+  <dgm:styleLbl name="trAlignAcc1">
+    <dgm:scene3d>
+      <a:camera prst="orthographicFront"/>
+      <a:lightRig rig="threePt" dir="t"/>
+    </dgm:scene3d>
+    <dgm:sp3d prstMaterial="plastic">
+      <a:bevelT w="50800" h="50800"/>
+      <a:bevelB w="50800" h="50800"/>
+    </dgm:sp3d>
+    <dgm:txPr/>
+    <dgm:style>
+      <a:lnRef idx="1">
+        <a:scrgbClr r="0" g="0" b="0"/>
+      </a:lnRef>
+      <a:fillRef idx="1">
+        <a:scrgbClr r="0" g="0" b="0"/>
+      </a:fillRef>
+      <a:effectRef idx="2">
+        <a:scrgbClr r="0" g="0" b="0"/>
+      </a:effectRef>
+      <a:fontRef idx="minor"/>
+    </dgm:style>
+  </dgm:styleLbl>
+  <dgm:styleLbl name="bgAcc1">
+    <dgm:scene3d>
+      <a:camera prst="orthographicFront"/>
+      <a:lightRig rig="threePt" dir="t"/>
+    </dgm:scene3d>
+    <dgm:sp3d z="-152400" prstMaterial="plastic">
+      <a:bevelT w="25400" h="25400"/>
+      <a:bevelB w="25400" h="25400"/>
+    </dgm:sp3d>
+    <dgm:txPr/>
+    <dgm:style>
+      <a:lnRef idx="1">
+        <a:scrgbClr r="0" g="0" b="0"/>
+      </a:lnRef>
+      <a:fillRef idx="1">
+        <a:scrgbClr r="0" g="0" b="0"/>
+      </a:fillRef>
+      <a:effectRef idx="2">
+        <a:scrgbClr r="0" g="0" b="0"/>
+      </a:effectRef>
+      <a:fontRef idx="minor"/>
+    </dgm:style>
+  </dgm:styleLbl>
+  <dgm:styleLbl name="solidFgAcc1">
+    <dgm:scene3d>
+      <a:camera prst="orthographicFront"/>
+      <a:lightRig rig="threePt" dir="t"/>
+    </dgm:scene3d>
+    <dgm:sp3d z="152400" prstMaterial="plastic">
+      <a:bevelT w="25400" h="25400"/>
+      <a:bevelB w="25400" h="25400"/>
+    </dgm:sp3d>
+    <dgm:txPr/>
+    <dgm:style>
+      <a:lnRef idx="1">
+        <a:scrgbClr r="0" g="0" b="0"/>
+      </a:lnRef>
+      <a:fillRef idx="1">
+        <a:scrgbClr r="0" g="0" b="0"/>
+      </a:fillRef>
+      <a:effectRef idx="2">
+        <a:scrgbClr r="0" g="0" b="0"/>
+      </a:effectRef>
+      <a:fontRef idx="minor"/>
+    </dgm:style>
+  </dgm:styleLbl>
+  <dgm:styleLbl name="solidAlignAcc1">
+    <dgm:scene3d>
+      <a:camera prst="orthographicFront"/>
+      <a:lightRig rig="threePt" dir="t"/>
+    </dgm:scene3d>
+    <dgm:sp3d prstMaterial="plastic">
+      <a:bevelT w="25400" h="25400"/>
+      <a:bevelB w="25400" h="25400"/>
+    </dgm:sp3d>
+    <dgm:txPr/>
+    <dgm:style>
+      <a:lnRef idx="1">
+        <a:scrgbClr r="0" g="0" b="0"/>
+      </a:lnRef>
+      <a:fillRef idx="1">
+        <a:scrgbClr r="0" g="0" b="0"/>
+      </a:fillRef>
+      <a:effectRef idx="2">
+        <a:scrgbClr r="0" g="0" b="0"/>
+      </a:effectRef>
+      <a:fontRef idx="minor"/>
+    </dgm:style>
+  </dgm:styleLbl>
+  <dgm:styleLbl name="solidBgAcc1">
+    <dgm:scene3d>
+      <a:camera prst="orthographicFront"/>
+      <a:lightRig rig="threePt" dir="t"/>
+    </dgm:scene3d>
+    <dgm:sp3d z="-152400" prstMaterial="plastic">
+      <a:bevelT w="25400" h="25400"/>
+      <a:bevelB w="25400" h="25400"/>
+    </dgm:sp3d>
+    <dgm:txPr/>
+    <dgm:style>
+      <a:lnRef idx="1">
+        <a:scrgbClr r="0" g="0" b="0"/>
+      </a:lnRef>
+      <a:fillRef idx="1">
+        <a:scrgbClr r="0" g="0" b="0"/>
+      </a:fillRef>
+      <a:effectRef idx="2">
+        <a:scrgbClr r="0" g="0" b="0"/>
+      </a:effectRef>
+      <a:fontRef idx="minor"/>
+    </dgm:style>
+  </dgm:styleLbl>
+  <dgm:styleLbl name="fgAccFollowNode1">
+    <dgm:scene3d>
+      <a:camera prst="orthographicFront"/>
+      <a:lightRig rig="threePt" dir="t"/>
+    </dgm:scene3d>
+    <dgm:sp3d z="50080" prstMaterial="plastic">
+      <a:bevelT w="25400" h="25400"/>
+      <a:bevelB w="25400" h="25400"/>
+    </dgm:sp3d>
+    <dgm:txPr/>
+    <dgm:style>
+      <a:lnRef idx="0">
+        <a:scrgbClr r="0" g="0" b="0"/>
+      </a:lnRef>
+      <a:fillRef idx="1">
+        <a:scrgbClr r="0" g="0" b="0"/>
+      </a:fillRef>
+      <a:effectRef idx="2">
+        <a:scrgbClr r="0" g="0" b="0"/>
+      </a:effectRef>
+      <a:fontRef idx="minor"/>
+    </dgm:style>
+  </dgm:styleLbl>
+  <dgm:styleLbl name="alignAccFollowNode1">
+    <dgm:scene3d>
+      <a:camera prst="orthographicFront"/>
+      <a:lightRig rig="threePt" dir="t"/>
+    </dgm:scene3d>
+    <dgm:sp3d prstMaterial="plastic">
+      <a:bevelT w="25400" h="25400"/>
+      <a:bevelB w="25400" h="25400"/>
+    </dgm:sp3d>
+    <dgm:txPr/>
+    <dgm:style>
+      <a:lnRef idx="0">
+        <a:scrgbClr r="0" g="0" b="0"/>
+      </a:lnRef>
+      <a:fillRef idx="1">
+        <a:scrgbClr r="0" g="0" b="0"/>
+      </a:fillRef>
+      <a:effectRef idx="2">
+        <a:scrgbClr r="0" g="0" b="0"/>
+      </a:effectRef>
+      <a:fontRef idx="minor"/>
+    </dgm:style>
+  </dgm:styleLbl>
+  <dgm:styleLbl name="bgAccFollowNode1">
+    <dgm:scene3d>
+      <a:camera prst="orthographicFront"/>
+      <a:lightRig rig="threePt" dir="t"/>
+    </dgm:scene3d>
+    <dgm:sp3d z="-152400" prstMaterial="plastic">
+      <a:bevelT w="25400" h="25400"/>
+      <a:bevelB w="25400" h="25400"/>
+    </dgm:sp3d>
+    <dgm:txPr/>
+    <dgm:style>
+      <a:lnRef idx="0">
+        <a:scrgbClr r="0" g="0" b="0"/>
+      </a:lnRef>
+      <a:fillRef idx="1">
+        <a:scrgbClr r="0" g="0" b="0"/>
+      </a:fillRef>
+      <a:effectRef idx="2">
+        <a:scrgbClr r="0" g="0" b="0"/>
+      </a:effectRef>
+      <a:fontRef idx="minor"/>
+    </dgm:style>
+  </dgm:styleLbl>
+  <dgm:styleLbl name="fgAcc0">
+    <dgm:scene3d>
+      <a:camera prst="orthographicFront"/>
+      <a:lightRig rig="threePt" dir="t"/>
+    </dgm:scene3d>
+    <dgm:sp3d z="50080" prstMaterial="plastic">
+      <a:bevelT w="25400" h="25400"/>
+      <a:bevelB w="25400" h="25400"/>
+    </dgm:sp3d>
+    <dgm:txPr/>
+    <dgm:style>
+      <a:lnRef idx="1">
+        <a:scrgbClr r="0" g="0" b="0"/>
+      </a:lnRef>
+      <a:fillRef idx="1">
+        <a:scrgbClr r="0" g="0" b="0"/>
+      </a:fillRef>
+      <a:effectRef idx="0">
+        <a:scrgbClr r="0" g="0" b="0"/>
+      </a:effectRef>
+      <a:fontRef idx="minor"/>
+    </dgm:style>
+  </dgm:styleLbl>
+  <dgm:styleLbl name="fgAcc2">
+    <dgm:scene3d>
+      <a:camera prst="orthographicFront"/>
+      <a:lightRig rig="threePt" dir="t"/>
+    </dgm:scene3d>
+    <dgm:sp3d z="50080" prstMaterial="plastic">
+      <a:bevelT w="25400" h="25400"/>
+      <a:bevelB w="25400" h="25400"/>
+    </dgm:sp3d>
+    <dgm:txPr/>
+    <dgm:style>
+      <a:lnRef idx="1">
+        <a:scrgbClr r="0" g="0" b="0"/>
+      </a:lnRef>
+      <a:fillRef idx="1">
+        <a:scrgbClr r="0" g="0" b="0"/>
+      </a:fillRef>
+      <a:effectRef idx="0">
+        <a:scrgbClr r="0" g="0" b="0"/>
+      </a:effectRef>
+      <a:fontRef idx="minor"/>
+    </dgm:style>
+  </dgm:styleLbl>
+  <dgm:styleLbl name="fgAcc3">
+    <dgm:scene3d>
+      <a:camera prst="orthographicFront"/>
+      <a:lightRig rig="threePt" dir="t"/>
+    </dgm:scene3d>
+    <dgm:sp3d z="50080" prstMaterial="plastic">
+      <a:bevelT w="25400" h="25400"/>
+      <a:bevelB w="25400" h="25400"/>
+    </dgm:sp3d>
+    <dgm:txPr/>
+    <dgm:style>
+      <a:lnRef idx="1">
+        <a:scrgbClr r="0" g="0" b="0"/>
+      </a:lnRef>
+      <a:fillRef idx="1">
+        <a:scrgbClr r="0" g="0" b="0"/>
+      </a:fillRef>
+      <a:effectRef idx="0">
+        <a:scrgbClr r="0" g="0" b="0"/>
+      </a:effectRef>
+      <a:fontRef idx="minor"/>
+    </dgm:style>
+  </dgm:styleLbl>
+  <dgm:styleLbl name="fgAcc4">
+    <dgm:scene3d>
+      <a:camera prst="orthographicFront"/>
+      <a:lightRig rig="threePt" dir="t"/>
+    </dgm:scene3d>
+    <dgm:sp3d z="50080" prstMaterial="plastic">
+      <a:bevelT w="25400" h="25400"/>
+      <a:bevelB w="25400" h="25400"/>
+    </dgm:sp3d>
+    <dgm:txPr/>
+    <dgm:style>
+      <a:lnRef idx="1">
+        <a:scrgbClr r="0" g="0" b="0"/>
+      </a:lnRef>
+      <a:fillRef idx="1">
+        <a:scrgbClr r="0" g="0" b="0"/>
+      </a:fillRef>
+      <a:effectRef idx="0">
+        <a:scrgbClr r="0" g="0" b="0"/>
+      </a:effectRef>
+      <a:fontRef idx="minor"/>
+    </dgm:style>
+  </dgm:styleLbl>
+  <dgm:styleLbl name="bgShp">
+    <dgm:scene3d>
+      <a:camera prst="orthographicFront"/>
+      <a:lightRig rig="threePt" dir="t"/>
+    </dgm:scene3d>
+    <dgm:sp3d z="-152400" prstMaterial="plastic">
+      <a:bevelT w="25400" h="25400"/>
+      <a:bevelB w="25400" h="25400"/>
+    </dgm:sp3d>
+    <dgm:txPr/>
+    <dgm:style>
+      <a:lnRef idx="0">
+        <a:scrgbClr r="0" g="0" b="0"/>
+      </a:lnRef>
+      <a:fillRef idx="1">
+        <a:scrgbClr r="0" g="0" b="0"/>
+      </a:fillRef>
+      <a:effectRef idx="0">
+        <a:scrgbClr r="0" g="0" b="0"/>
+      </a:effectRef>
+      <a:fontRef idx="minor"/>
+    </dgm:style>
+  </dgm:styleLbl>
+  <dgm:styleLbl name="dkBgShp">
+    <dgm:scene3d>
+      <a:camera prst="orthographicFront"/>
+      <a:lightRig rig="threePt" dir="t"/>
+    </dgm:scene3d>
+    <dgm:sp3d prstMaterial="plastic">
+      <a:bevelT w="50800" h="50800"/>
+      <a:bevelB w="50800" h="50800"/>
+    </dgm:sp3d>
+    <dgm:txPr/>
+    <dgm:style>
+      <a:lnRef idx="0">
+        <a:scrgbClr r="0" g="0" b="0"/>
+      </a:lnRef>
+      <a:fillRef idx="1">
+        <a:scrgbClr r="0" g="0" b="0"/>
+      </a:fillRef>
+      <a:effectRef idx="2">
+        <a:scrgbClr r="0" g="0" b="0"/>
+      </a:effectRef>
+      <a:fontRef idx="minor"/>
+    </dgm:style>
+  </dgm:styleLbl>
+  <dgm:styleLbl name="trBgShp">
+    <dgm:scene3d>
+      <a:camera prst="orthographicFront"/>
+      <a:lightRig rig="threePt" dir="t"/>
+    </dgm:scene3d>
+    <dgm:sp3d z="-10400" extrusionH="12700" prstMaterial="plastic"/>
+    <dgm:txPr/>
+    <dgm:style>
+      <a:lnRef idx="0">
+        <a:scrgbClr r="0" g="0" b="0"/>
+      </a:lnRef>
+      <a:fillRef idx="1">
+        <a:scrgbClr r="0" g="0" b="0"/>
+      </a:fillRef>
+      <a:effectRef idx="0">
+        <a:scrgbClr r="0" g="0" b="0"/>
+      </a:effectRef>
+      <a:fontRef idx="minor"/>
+    </dgm:style>
+  </dgm:styleLbl>
+  <dgm:styleLbl name="fgShp">
+    <dgm:scene3d>
+      <a:camera prst="orthographicFront"/>
+      <a:lightRig rig="threePt" dir="t"/>
+    </dgm:scene3d>
+    <dgm:sp3d z="50080" prstMaterial="plastic">
+      <a:bevelT w="50800" h="50800"/>
+      <a:bevelB w="50800" h="50800"/>
+    </dgm:sp3d>
+    <dgm:txPr/>
+    <dgm:style>
+      <a:lnRef idx="0">
+        <a:scrgbClr r="0" g="0" b="0"/>
+      </a:lnRef>
+      <a:fillRef idx="1">
+        <a:scrgbClr r="0" g="0" b="0"/>
+      </a:fillRef>
+      <a:effectRef idx="2">
+        <a:scrgbClr r="0" g="0" b="0"/>
+      </a:effectRef>
+      <a:fontRef idx="minor"/>
+    </dgm:style>
+  </dgm:styleLbl>
+  <dgm:styleLbl name="revTx">
+    <dgm:scene3d>
+      <a:camera prst="orthographicFront"/>
+      <a:lightRig rig="threePt" dir="t"/>
+    </dgm:scene3d>
+    <dgm:sp3d/>
+    <dgm:txPr/>
+    <dgm:style>
+      <a:lnRef idx="0">
+        <a:scrgbClr r="0" g="0" b="0"/>
+      </a:lnRef>
+      <a:fillRef idx="1">
+        <a:scrgbClr r="0" g="0" b="0"/>
+      </a:fillRef>
+      <a:effectRef idx="0">
+        <a:scrgbClr r="0" g="0" b="0"/>
+      </a:effectRef>
+      <a:fontRef idx="minor"/>
+    </dgm:style>
+  </dgm:styleLbl>
+</dgm:styleDef>
+</file>
+
+<file path=ppt/diagrams/quickStyle5.xml><?xml version="1.0" encoding="utf-8"?>
+<dgm:styleDef xmlns:dgm="http://schemas.openxmlformats.org/drawingml/2006/diagram" xmlns:a="http://schemas.openxmlformats.org/drawingml/2006/main" uniqueId="urn:microsoft.com/office/officeart/2005/8/quickstyle/3d3">
+  <dgm:title val=""/>
+  <dgm:desc val=""/>
+  <dgm:catLst>
+    <dgm:cat type="3D" pri="11300"/>
+  </dgm:catLst>
+  <dgm:scene3d>
+    <a:camera prst="orthographicFront"/>
+    <a:lightRig rig="threePt" dir="t"/>
+  </dgm:scene3d>
+  <dgm:styleLbl name="node0">
+    <dgm:scene3d>
+      <a:camera prst="orthographicFront">
+        <a:rot lat="0" lon="0" rev="0"/>
+      </a:camera>
+      <a:lightRig rig="contrasting" dir="t">
+        <a:rot lat="0" lon="0" rev="1200000"/>
+      </a:lightRig>
+    </dgm:scene3d>
+    <dgm:sp3d contourW="19050" prstMaterial="metal">
+      <a:bevelT w="88900" h="203200"/>
+      <a:bevelB w="165100" h="254000"/>
+    </dgm:sp3d>
+    <dgm:txPr/>
+    <dgm:style>
+      <a:lnRef idx="0">
+        <a:scrgbClr r="0" g="0" b="0"/>
+      </a:lnRef>
+      <a:fillRef idx="1">
+        <a:scrgbClr r="0" g="0" b="0"/>
+      </a:fillRef>
+      <a:effectRef idx="1">
+        <a:scrgbClr r="0" g="0" b="0"/>
+      </a:effectRef>
+      <a:fontRef idx="minor">
+        <a:schemeClr val="lt1"/>
+      </a:fontRef>
+    </dgm:style>
+  </dgm:styleLbl>
+  <dgm:styleLbl name="lnNode1">
+    <dgm:scene3d>
+      <a:camera prst="orthographicFront">
+        <a:rot lat="0" lon="0" rev="0"/>
+      </a:camera>
+      <a:lightRig rig="contrasting" dir="t">
+        <a:rot lat="0" lon="0" rev="1200000"/>
+      </a:lightRig>
+    </dgm:scene3d>
+    <dgm:sp3d contourW="19050" prstMaterial="metal">
+      <a:bevelT w="88900" h="203200"/>
+      <a:bevelB w="165100" h="254000"/>
+    </dgm:sp3d>
+    <dgm:txPr/>
+    <dgm:style>
+      <a:lnRef idx="0">
+        <a:scrgbClr r="0" g="0" b="0"/>
+      </a:lnRef>
+      <a:fillRef idx="1">
+        <a:scrgbClr r="0" g="0" b="0"/>
+      </a:fillRef>
+      <a:effectRef idx="1">
+        <a:scrgbClr r="0" g="0" b="0"/>
+      </a:effectRef>
+      <a:fontRef idx="minor">
+        <a:schemeClr val="lt1"/>
+      </a:fontRef>
+    </dgm:style>
+  </dgm:styleLbl>
+  <dgm:styleLbl name="vennNode1">
+    <dgm:scene3d>
+      <a:camera prst="orthographicFront">
+        <a:rot lat="0" lon="0" rev="0"/>
+      </a:camera>
+      <a:lightRig rig="contrasting" dir="t">
+        <a:rot lat="0" lon="0" rev="1200000"/>
+      </a:lightRig>
+    </dgm:scene3d>
+    <dgm:sp3d contourW="12700" prstMaterial="clear">
+      <a:bevelT w="177800" h="254000"/>
+      <a:bevelB w="152400"/>
+    </dgm:sp3d>
+    <dgm:txPr/>
+    <dgm:style>
+      <a:lnRef idx="0">
+        <a:scrgbClr r="0" g="0" b="0"/>
+      </a:lnRef>
+      <a:fillRef idx="1">
+        <a:scrgbClr r="0" g="0" b="0"/>
+      </a:fillRef>
+      <a:effectRef idx="0">
+        <a:scrgbClr r="0" g="0" b="0"/>
+      </a:effectRef>
+      <a:fontRef idx="minor">
+        <a:schemeClr val="tx1"/>
+      </a:fontRef>
+    </dgm:style>
+  </dgm:styleLbl>
+  <dgm:styleLbl name="alignNode1">
+    <dgm:scene3d>
+      <a:camera prst="orthographicFront">
+        <a:rot lat="0" lon="0" rev="0"/>
+      </a:camera>
+      <a:lightRig rig="contrasting" dir="t">
+        <a:rot lat="0" lon="0" rev="1200000"/>
+      </a:lightRig>
+    </dgm:scene3d>
+    <dgm:sp3d contourW="19050" prstMaterial="metal">
+      <a:bevelT w="88900" h="203200"/>
+      <a:bevelB w="165100" h="254000"/>
+    </dgm:sp3d>
+    <dgm:txPr/>
+    <dgm:style>
+      <a:lnRef idx="0">
+        <a:scrgbClr r="0" g="0" b="0"/>
+      </a:lnRef>
+      <a:fillRef idx="1">
+        <a:scrgbClr r="0" g="0" b="0"/>
+      </a:fillRef>
+      <a:effectRef idx="2">
+        <a:scrgbClr r="0" g="0" b="0"/>
+      </a:effectRef>
+      <a:fontRef idx="minor">
+        <a:schemeClr val="lt1"/>
+      </a:fontRef>
+    </dgm:style>
+  </dgm:styleLbl>
+  <dgm:styleLbl name="node1">
+    <dgm:scene3d>
+      <a:camera prst="orthographicFront">
+        <a:rot lat="0" lon="0" rev="0"/>
+      </a:camera>
+      <a:lightRig rig="contrasting" dir="t">
+        <a:rot lat="0" lon="0" rev="1200000"/>
+      </a:lightRig>
+    </dgm:scene3d>
+    <dgm:sp3d contourW="19050" prstMaterial="metal">
+      <a:bevelT w="88900" h="203200"/>
+      <a:bevelB w="165100" h="254000"/>
+    </dgm:sp3d>
+    <dgm:txPr/>
+    <dgm:style>
+      <a:lnRef idx="0">
+        <a:scrgbClr r="0" g="0" b="0"/>
+      </a:lnRef>
+      <a:fillRef idx="1">
+        <a:scrgbClr r="0" g="0" b="0"/>
+      </a:fillRef>
+      <a:effectRef idx="2">
+        <a:scrgbClr r="0" g="0" b="0"/>
+      </a:effectRef>
+      <a:fontRef idx="minor">
+        <a:schemeClr val="lt1"/>
+      </a:fontRef>
+    </dgm:style>
+  </dgm:styleLbl>
+  <dgm:styleLbl name="node2">
+    <dgm:scene3d>
+      <a:camera prst="orthographicFront">
+        <a:rot lat="0" lon="0" rev="0"/>
+      </a:camera>
+      <a:lightRig rig="contrasting" dir="t">
+        <a:rot lat="0" lon="0" rev="1200000"/>
+      </a:lightRig>
+    </dgm:scene3d>
+    <dgm:sp3d contourW="19050" prstMaterial="metal">
+      <a:bevelT w="88900" h="203200"/>
+      <a:bevelB w="165100" h="254000"/>
+    </dgm:sp3d>
+    <dgm:txPr/>
+    <dgm:style>
+      <a:lnRef idx="0">
+        <a:scrgbClr r="0" g="0" b="0"/>
+      </a:lnRef>
+      <a:fillRef idx="1">
+        <a:scrgbClr r="0" g="0" b="0"/>
+      </a:fillRef>
+      <a:effectRef idx="1">
+        <a:scrgbClr r="0" g="0" b="0"/>
+      </a:effectRef>
+      <a:fontRef idx="minor">
+        <a:schemeClr val="lt1"/>
+      </a:fontRef>
+    </dgm:style>
+  </dgm:styleLbl>
+  <dgm:styleLbl name="node3">
+    <dgm:scene3d>
+      <a:camera prst="orthographicFront">
+        <a:rot lat="0" lon="0" rev="0"/>
+      </a:camera>
+      <a:lightRig rig="contrasting" dir="t">
+        <a:rot lat="0" lon="0" rev="1200000"/>
+      </a:lightRig>
+    </dgm:scene3d>
+    <dgm:sp3d contourW="19050" prstMaterial="metal">
+      <a:bevelT w="88900" h="203200"/>
+      <a:bevelB w="165100" h="254000"/>
+    </dgm:sp3d>
+    <dgm:txPr/>
+    <dgm:style>
+      <a:lnRef idx="0">
+        <a:scrgbClr r="0" g="0" b="0"/>
+      </a:lnRef>
+      <a:fillRef idx="1">
+        <a:scrgbClr r="0" g="0" b="0"/>
+      </a:fillRef>
+      <a:effectRef idx="1">
+        <a:scrgbClr r="0" g="0" b="0"/>
+      </a:effectRef>
+      <a:fontRef idx="minor">
+        <a:schemeClr val="lt1"/>
+      </a:fontRef>
+    </dgm:style>
+  </dgm:styleLbl>
+  <dgm:styleLbl name="node4">
+    <dgm:scene3d>
+      <a:camera prst="orthographicFront">
+        <a:rot lat="0" lon="0" rev="0"/>
+      </a:camera>
+      <a:lightRig rig="contrasting" dir="t">
+        <a:rot lat="0" lon="0" rev="1200000"/>
+      </a:lightRig>
+    </dgm:scene3d>
+    <dgm:sp3d contourW="19050" prstMaterial="metal">
+      <a:bevelT w="88900" h="203200"/>
+      <a:bevelB w="165100" h="254000"/>
+    </dgm:sp3d>
+    <dgm:txPr/>
+    <dgm:style>
+      <a:lnRef idx="0">
+        <a:scrgbClr r="0" g="0" b="0"/>
+      </a:lnRef>
+      <a:fillRef idx="1">
+        <a:scrgbClr r="0" g="0" b="0"/>
+      </a:fillRef>
+      <a:effectRef idx="1">
+        <a:scrgbClr r="0" g="0" b="0"/>
+      </a:effectRef>
+      <a:fontRef idx="minor">
+        <a:schemeClr val="lt1"/>
+      </a:fontRef>
+    </dgm:style>
+  </dgm:styleLbl>
+  <dgm:styleLbl name="fgImgPlace1">
+    <dgm:scene3d>
+      <a:camera prst="orthographicFront">
+        <a:rot lat="0" lon="0" rev="0"/>
+      </a:camera>
+      <a:lightRig rig="contrasting" dir="t">
+        <a:rot lat="0" lon="0" rev="1200000"/>
+      </a:lightRig>
+    </dgm:scene3d>
+    <dgm:sp3d z="300000" contourW="19050" prstMaterial="metal">
+      <a:bevelT w="88900" h="203200"/>
+      <a:bevelB w="165100" h="254000"/>
+    </dgm:sp3d>
+    <dgm:txPr/>
+    <dgm:style>
+      <a:lnRef idx="0">
+        <a:scrgbClr r="0" g="0" b="0"/>
+      </a:lnRef>
+      <a:fillRef idx="1">
+        <a:scrgbClr r="0" g="0" b="0"/>
+      </a:fillRef>
+      <a:effectRef idx="1">
+        <a:scrgbClr r="0" g="0" b="0"/>
+      </a:effectRef>
+      <a:fontRef idx="minor"/>
+    </dgm:style>
+  </dgm:styleLbl>
+  <dgm:styleLbl name="alignImgPlace1">
+    <dgm:scene3d>
+      <a:camera prst="orthographicFront">
+        <a:rot lat="0" lon="0" rev="0"/>
+      </a:camera>
+      <a:lightRig rig="contrasting" dir="t">
+        <a:rot lat="0" lon="0" rev="1200000"/>
+      </a:lightRig>
+    </dgm:scene3d>
+    <dgm:sp3d contourW="12700" prstMaterial="flat">
+      <a:bevelT w="177800" h="254000"/>
+      <a:bevelB w="152400"/>
+    </dgm:sp3d>
+    <dgm:txPr/>
+    <dgm:style>
+      <a:lnRef idx="0">
+        <a:scrgbClr r="0" g="0" b="0"/>
+      </a:lnRef>
+      <a:fillRef idx="1">
+        <a:scrgbClr r="0" g="0" b="0"/>
+      </a:fillRef>
+      <a:effectRef idx="1">
+        <a:scrgbClr r="0" g="0" b="0"/>
+      </a:effectRef>
+      <a:fontRef idx="minor"/>
+    </dgm:style>
+  </dgm:styleLbl>
+  <dgm:styleLbl name="bgImgPlace1">
+    <dgm:scene3d>
+      <a:camera prst="orthographicFront">
+        <a:rot lat="0" lon="0" rev="0"/>
+      </a:camera>
+      <a:lightRig rig="contrasting" dir="t">
+        <a:rot lat="0" lon="0" rev="1200000"/>
+      </a:lightRig>
+    </dgm:scene3d>
+    <dgm:sp3d z="-300000" contourW="19050" prstMaterial="metal">
+      <a:bevelT w="88900" h="203200"/>
+      <a:bevelB w="165100" h="254000"/>
+    </dgm:sp3d>
+    <dgm:txPr/>
+    <dgm:style>
+      <a:lnRef idx="0">
+        <a:scrgbClr r="0" g="0" b="0"/>
+      </a:lnRef>
+      <a:fillRef idx="1">
+        <a:scrgbClr r="0" g="0" b="0"/>
+      </a:fillRef>
+      <a:effectRef idx="1">
+        <a:scrgbClr r="0" g="0" b="0"/>
+      </a:effectRef>
+      <a:fontRef idx="minor"/>
+    </dgm:style>
+  </dgm:styleLbl>
+  <dgm:styleLbl name="sibTrans2D1">
+    <dgm:scene3d>
+      <a:camera prst="orthographicFront">
+        <a:rot lat="0" lon="0" rev="0"/>
+      </a:camera>
+      <a:lightRig rig="contrasting" dir="t">
+        <a:rot lat="0" lon="0" rev="1200000"/>
+      </a:lightRig>
+    </dgm:scene3d>
+    <dgm:sp3d z="-182000" contourW="19050" prstMaterial="metal">
+      <a:bevelT w="88900" h="203200"/>
+      <a:bevelB w="165100" h="254000"/>
+    </dgm:sp3d>
+    <dgm:txPr/>
+    <dgm:style>
+      <a:lnRef idx="0">
+        <a:scrgbClr r="0" g="0" b="0"/>
+      </a:lnRef>
+      <a:fillRef idx="1">
+        <a:scrgbClr r="0" g="0" b="0"/>
+      </a:fillRef>
+      <a:effectRef idx="0">
+        <a:scrgbClr r="0" g="0" b="0"/>
+      </a:effectRef>
+      <a:fontRef idx="minor">
+        <a:schemeClr val="lt1"/>
+      </a:fontRef>
+    </dgm:style>
+  </dgm:styleLbl>
+  <dgm:styleLbl name="fgSibTrans2D1">
+    <dgm:scene3d>
+      <a:camera prst="orthographicFront">
+        <a:rot lat="0" lon="0" rev="0"/>
+      </a:camera>
+      <a:lightRig rig="contrasting" dir="t">
+        <a:rot lat="0" lon="0" rev="1200000"/>
+      </a:lightRig>
+    </dgm:scene3d>
+    <dgm:sp3d z="300000" contourW="19050" prstMaterial="metal">
+      <a:bevelT w="88900" h="203200"/>
+      <a:bevelB w="165100" h="254000"/>
+    </dgm:sp3d>
+    <dgm:txPr/>
+    <dgm:style>
+      <a:lnRef idx="0">
+        <a:scrgbClr r="0" g="0" b="0"/>
+      </a:lnRef>
+      <a:fillRef idx="1">
+        <a:scrgbClr r="0" g="0" b="0"/>
+      </a:fillRef>
+      <a:effectRef idx="0">
+        <a:scrgbClr r="0" g="0" b="0"/>
+      </a:effectRef>
+      <a:fontRef idx="minor"/>
+    </dgm:style>
+  </dgm:styleLbl>
+  <dgm:styleLbl name="bgSibTrans2D1">
+    <dgm:scene3d>
+      <a:camera prst="orthographicFront">
+        <a:rot lat="0" lon="0" rev="0"/>
+      </a:camera>
+      <a:lightRig rig="contrasting" dir="t">
+        <a:rot lat="0" lon="0" rev="1200000"/>
+      </a:lightRig>
+    </dgm:scene3d>
+    <dgm:sp3d z="-300000" contourW="19050" prstMaterial="metal">
+      <a:bevelT w="88900" h="203200"/>
+      <a:bevelB w="165100" h="254000"/>
+    </dgm:sp3d>
+    <dgm:txPr/>
+    <dgm:style>
+      <a:lnRef idx="0">
+        <a:scrgbClr r="0" g="0" b="0"/>
+      </a:lnRef>
+      <a:fillRef idx="1">
+        <a:scrgbClr r="0" g="0" b="0"/>
+      </a:fillRef>
+      <a:effectRef idx="0">
+        <a:scrgbClr r="0" g="0" b="0"/>
+      </a:effectRef>
+      <a:fontRef idx="minor"/>
+    </dgm:style>
+  </dgm:styleLbl>
+  <dgm:styleLbl name="sibTrans1D1">
+    <dgm:scene3d>
+      <a:camera prst="orthographicFront">
+        <a:rot lat="0" lon="0" rev="0"/>
+      </a:camera>
+      <a:lightRig rig="contrasting" dir="t">
+        <a:rot lat="0" lon="0" rev="1200000"/>
+      </a:lightRig>
+    </dgm:scene3d>
+    <dgm:sp3d z="-110000"/>
+    <dgm:txPr/>
+    <dgm:style>
+      <a:lnRef idx="1">
+        <a:scrgbClr r="0" g="0" b="0"/>
+      </a:lnRef>
+      <a:fillRef idx="0">
+        <a:scrgbClr r="0" g="0" b="0"/>
+      </a:fillRef>
+      <a:effectRef idx="0">
+        <a:scrgbClr r="0" g="0" b="0"/>
+      </a:effectRef>
+      <a:fontRef idx="minor"/>
+    </dgm:style>
+  </dgm:styleLbl>
+  <dgm:styleLbl name="callout">
+    <dgm:scene3d>
+      <a:camera prst="orthographicFront">
+        <a:rot lat="0" lon="0" rev="0"/>
+      </a:camera>
+      <a:lightRig rig="contrasting" dir="t">
+        <a:rot lat="0" lon="0" rev="1200000"/>
+      </a:lightRig>
+    </dgm:scene3d>
+    <dgm:sp3d z="10000"/>
+    <dgm:txPr/>
+    <dgm:style>
+      <a:lnRef idx="2">
+        <a:scrgbClr r="0" g="0" b="0"/>
+      </a:lnRef>
+      <a:fillRef idx="1">
+        <a:scrgbClr r="0" g="0" b="0"/>
+      </a:fillRef>
+      <a:effectRef idx="0">
+        <a:scrgbClr r="0" g="0" b="0"/>
+      </a:effectRef>
+      <a:fontRef idx="minor"/>
+    </dgm:style>
+  </dgm:styleLbl>
+  <dgm:styleLbl name="asst0">
+    <dgm:scene3d>
+      <a:camera prst="orthographicFront">
+        <a:rot lat="0" lon="0" rev="0"/>
+      </a:camera>
+      <a:lightRig rig="contrasting" dir="t">
+        <a:rot lat="0" lon="0" rev="1200000"/>
+      </a:lightRig>
+    </dgm:scene3d>
+    <dgm:sp3d contourW="19050" prstMaterial="metal">
+      <a:bevelT w="88900" h="203200"/>
+      <a:bevelB w="165100" h="254000"/>
+    </dgm:sp3d>
+    <dgm:txPr/>
+    <dgm:style>
+      <a:lnRef idx="0">
+        <a:scrgbClr r="0" g="0" b="0"/>
+      </a:lnRef>
+      <a:fillRef idx="1">
+        <a:scrgbClr r="0" g="0" b="0"/>
+      </a:fillRef>
+      <a:effectRef idx="1">
+        <a:scrgbClr r="0" g="0" b="0"/>
+      </a:effectRef>
+      <a:fontRef idx="minor">
+        <a:schemeClr val="lt1"/>
+      </a:fontRef>
+    </dgm:style>
+  </dgm:styleLbl>
+  <dgm:styleLbl name="asst1">
+    <dgm:scene3d>
+      <a:camera prst="orthographicFront">
+        <a:rot lat="0" lon="0" rev="0"/>
+      </a:camera>
+      <a:lightRig rig="contrasting" dir="t">
+        <a:rot lat="0" lon="0" rev="1200000"/>
+      </a:lightRig>
+    </dgm:scene3d>
+    <dgm:sp3d contourW="19050" prstMaterial="metal">
+      <a:bevelT w="88900" h="203200"/>
+      <a:bevelB w="165100" h="254000"/>
+    </dgm:sp3d>
+    <dgm:txPr/>
+    <dgm:style>
+      <a:lnRef idx="0">
+        <a:scrgbClr r="0" g="0" b="0"/>
+      </a:lnRef>
+      <a:fillRef idx="1">
+        <a:scrgbClr r="0" g="0" b="0"/>
+      </a:fillRef>
+      <a:effectRef idx="1">
+        <a:scrgbClr r="0" g="0" b="0"/>
+      </a:effectRef>
+      <a:fontRef idx="minor">
+        <a:schemeClr val="lt1"/>
+      </a:fontRef>
+    </dgm:style>
+  </dgm:styleLbl>
+  <dgm:styleLbl name="asst2">
+    <dgm:scene3d>
+      <a:camera prst="orthographicFront">
+        <a:rot lat="0" lon="0" rev="0"/>
+      </a:camera>
+      <a:lightRig rig="contrasting" dir="t">
+        <a:rot lat="0" lon="0" rev="1200000"/>
+      </a:lightRig>
+    </dgm:scene3d>
+    <dgm:sp3d contourW="19050" prstMaterial="metal">
+      <a:bevelT w="88900" h="203200"/>
+      <a:bevelB w="165100" h="254000"/>
+    </dgm:sp3d>
+    <dgm:txPr/>
+    <dgm:style>
+      <a:lnRef idx="0">
+        <a:scrgbClr r="0" g="0" b="0"/>
+      </a:lnRef>
+      <a:fillRef idx="1">
+        <a:scrgbClr r="0" g="0" b="0"/>
+      </a:fillRef>
+      <a:effectRef idx="1">
+        <a:scrgbClr r="0" g="0" b="0"/>
+      </a:effectRef>
+      <a:fontRef idx="minor">
+        <a:schemeClr val="lt1"/>
+      </a:fontRef>
+    </dgm:style>
+  </dgm:styleLbl>
+  <dgm:styleLbl name="asst3">
+    <dgm:scene3d>
+      <a:camera prst="orthographicFront">
+        <a:rot lat="0" lon="0" rev="0"/>
+      </a:camera>
+      <a:lightRig rig="contrasting" dir="t">
+        <a:rot lat="0" lon="0" rev="1200000"/>
+      </a:lightRig>
+    </dgm:scene3d>
+    <dgm:sp3d contourW="19050" prstMaterial="metal">
+      <a:bevelT w="88900" h="203200"/>
+      <a:bevelB w="165100" h="254000"/>
+    </dgm:sp3d>
+    <dgm:txPr/>
+    <dgm:style>
+      <a:lnRef idx="0">
+        <a:scrgbClr r="0" g="0" b="0"/>
+      </a:lnRef>
+      <a:fillRef idx="1">
+        <a:scrgbClr r="0" g="0" b="0"/>
+      </a:fillRef>
+      <a:effectRef idx="1">
+        <a:scrgbClr r="0" g="0" b="0"/>
+      </a:effectRef>
+      <a:fontRef idx="minor">
+        <a:schemeClr val="lt1"/>
+      </a:fontRef>
+    </dgm:style>
+  </dgm:styleLbl>
+  <dgm:styleLbl name="asst4">
+    <dgm:scene3d>
+      <a:camera prst="orthographicFront"/>
+      <a:lightRig rig="threePt" dir="t"/>
+    </dgm:scene3d>
+    <dgm:sp3d contourW="19050" prstMaterial="metal">
+      <a:bevelT w="88900" h="203200"/>
+      <a:bevelB w="165100" h="254000"/>
+    </dgm:sp3d>
+    <dgm:txPr/>
+    <dgm:style>
+      <a:lnRef idx="0">
+        <a:scrgbClr r="0" g="0" b="0"/>
+      </a:lnRef>
+      <a:fillRef idx="1">
+        <a:scrgbClr r="0" g="0" b="0"/>
+      </a:fillRef>
+      <a:effectRef idx="1">
+        <a:scrgbClr r="0" g="0" b="0"/>
+      </a:effectRef>
+      <a:fontRef idx="minor">
+        <a:schemeClr val="lt1"/>
+      </a:fontRef>
+    </dgm:style>
+  </dgm:styleLbl>
+  <dgm:styleLbl name="parChTrans2D1">
+    <dgm:scene3d>
+      <a:camera prst="orthographicFront">
+        <a:rot lat="0" lon="0" rev="0"/>
+      </a:camera>
+      <a:lightRig rig="contrasting" dir="t">
+        <a:rot lat="0" lon="0" rev="1200000"/>
+      </a:lightRig>
+    </dgm:scene3d>
+    <dgm:sp3d contourW="19050" prstMaterial="metal">
+      <a:bevelT w="88900" h="203200"/>
+      <a:bevelB w="165100" h="254000"/>
+    </dgm:sp3d>
+    <dgm:txPr/>
+    <dgm:style>
+      <a:lnRef idx="0">
+        <a:scrgbClr r="0" g="0" b="0"/>
+      </a:lnRef>
+      <a:fillRef idx="1">
+        <a:scrgbClr r="0" g="0" b="0"/>
+      </a:fillRef>
+      <a:effectRef idx="0">
+        <a:scrgbClr r="0" g="0" b="0"/>
+      </a:effectRef>
+      <a:fontRef idx="minor"/>
+    </dgm:style>
+  </dgm:styleLbl>
+  <dgm:styleLbl name="parChTrans2D2">
+    <dgm:scene3d>
+      <a:camera prst="orthographicFront">
+        <a:rot lat="0" lon="0" rev="0"/>
+      </a:camera>
+      <a:lightRig rig="contrasting" dir="t">
+        <a:rot lat="0" lon="0" rev="1200000"/>
+      </a:lightRig>
+    </dgm:scene3d>
+    <dgm:sp3d contourW="19050" prstMaterial="metal">
+      <a:bevelT w="88900" h="203200"/>
+      <a:bevelB w="165100" h="254000"/>
+    </dgm:sp3d>
+    <dgm:txPr/>
+    <dgm:style>
+      <a:lnRef idx="0">
+        <a:scrgbClr r="0" g="0" b="0"/>
+      </a:lnRef>
+      <a:fillRef idx="1">
+        <a:scrgbClr r="0" g="0" b="0"/>
+      </a:fillRef>
+      <a:effectRef idx="0">
+        <a:scrgbClr r="0" g="0" b="0"/>
+      </a:effectRef>
+      <a:fontRef idx="minor"/>
+    </dgm:style>
+  </dgm:styleLbl>
+  <dgm:styleLbl name="parChTrans2D3">
+    <dgm:scene3d>
+      <a:camera prst="orthographicFront">
+        <a:rot lat="0" lon="0" rev="0"/>
+      </a:camera>
+      <a:lightRig rig="contrasting" dir="t">
+        <a:rot lat="0" lon="0" rev="1200000"/>
+      </a:lightRig>
+    </dgm:scene3d>
+    <dgm:sp3d contourW="19050" prstMaterial="metal">
+      <a:bevelT w="88900" h="203200"/>
+      <a:bevelB w="165100" h="254000"/>
+    </dgm:sp3d>
+    <dgm:txPr/>
+    <dgm:style>
+      <a:lnRef idx="0">
+        <a:scrgbClr r="0" g="0" b="0"/>
+      </a:lnRef>
+      <a:fillRef idx="1">
+        <a:scrgbClr r="0" g="0" b="0"/>
+      </a:fillRef>
+      <a:effectRef idx="0">
+        <a:scrgbClr r="0" g="0" b="0"/>
+      </a:effectRef>
+      <a:fontRef idx="minor"/>
+    </dgm:style>
+  </dgm:styleLbl>
+  <dgm:styleLbl name="parChTrans2D4">
+    <dgm:scene3d>
+      <a:camera prst="orthographicFront">
+        <a:rot lat="0" lon="0" rev="0"/>
+      </a:camera>
+      <a:lightRig rig="contrasting" dir="t">
+        <a:rot lat="0" lon="0" rev="1200000"/>
+      </a:lightRig>
+    </dgm:scene3d>
+    <dgm:sp3d contourW="19050" prstMaterial="metal">
+      <a:bevelT w="88900" h="203200"/>
+      <a:bevelB w="165100" h="254000"/>
+    </dgm:sp3d>
+    <dgm:txPr/>
+    <dgm:style>
+      <a:lnRef idx="0">
+        <a:scrgbClr r="0" g="0" b="0"/>
+      </a:lnRef>
+      <a:fillRef idx="1">
+        <a:scrgbClr r="0" g="0" b="0"/>
+      </a:fillRef>
+      <a:effectRef idx="0">
+        <a:scrgbClr r="0" g="0" b="0"/>
+      </a:effectRef>
+      <a:fontRef idx="minor"/>
+    </dgm:style>
+  </dgm:styleLbl>
+  <dgm:styleLbl name="parChTrans1D1">
+    <dgm:scene3d>
+      <a:camera prst="orthographicFront">
+        <a:rot lat="0" lon="0" rev="0"/>
+      </a:camera>
+      <a:lightRig rig="contrasting" dir="t">
+        <a:rot lat="0" lon="0" rev="1200000"/>
+      </a:lightRig>
+    </dgm:scene3d>
+    <dgm:sp3d z="-110000"/>
+    <dgm:txPr/>
+    <dgm:style>
+      <a:lnRef idx="2">
+        <a:scrgbClr r="0" g="0" b="0"/>
+      </a:lnRef>
+      <a:fillRef idx="0">
+        <a:scrgbClr r="0" g="0" b="0"/>
+      </a:fillRef>
+      <a:effectRef idx="0">
+        <a:scrgbClr r="0" g="0" b="0"/>
+      </a:effectRef>
+      <a:fontRef idx="minor"/>
+    </dgm:style>
+  </dgm:styleLbl>
+  <dgm:styleLbl name="parChTrans1D2">
+    <dgm:scene3d>
+      <a:camera prst="orthographicFront">
+        <a:rot lat="0" lon="0" rev="0"/>
+      </a:camera>
+      <a:lightRig rig="contrasting" dir="t">
+        <a:rot lat="0" lon="0" rev="1200000"/>
+      </a:lightRig>
+    </dgm:scene3d>
+    <dgm:sp3d z="-110000"/>
+    <dgm:txPr/>
+    <dgm:style>
+      <a:lnRef idx="2">
+        <a:scrgbClr r="0" g="0" b="0"/>
+      </a:lnRef>
+      <a:fillRef idx="0">
+        <a:scrgbClr r="0" g="0" b="0"/>
+      </a:fillRef>
+      <a:effectRef idx="0">
+        <a:scrgbClr r="0" g="0" b="0"/>
+      </a:effectRef>
+      <a:fontRef idx="minor"/>
+    </dgm:style>
+  </dgm:styleLbl>
+  <dgm:styleLbl name="parChTrans1D3">
+    <dgm:scene3d>
+      <a:camera prst="orthographicFront">
+        <a:rot lat="0" lon="0" rev="0"/>
+      </a:camera>
+      <a:lightRig rig="contrasting" dir="t">
+        <a:rot lat="0" lon="0" rev="1200000"/>
+      </a:lightRig>
+    </dgm:scene3d>
+    <dgm:sp3d z="-110000"/>
+    <dgm:txPr/>
+    <dgm:style>
+      <a:lnRef idx="2">
+        <a:scrgbClr r="0" g="0" b="0"/>
+      </a:lnRef>
+      <a:fillRef idx="0">
+        <a:scrgbClr r="0" g="0" b="0"/>
+      </a:fillRef>
+      <a:effectRef idx="0">
+        <a:scrgbClr r="0" g="0" b="0"/>
+      </a:effectRef>
+      <a:fontRef idx="minor"/>
+    </dgm:style>
+  </dgm:styleLbl>
+  <dgm:styleLbl name="parChTrans1D4">
+    <dgm:scene3d>
+      <a:camera prst="orthographicFront">
+        <a:rot lat="0" lon="0" rev="0"/>
+      </a:camera>
+      <a:lightRig rig="contrasting" dir="t">
+        <a:rot lat="0" lon="0" rev="1200000"/>
+      </a:lightRig>
+    </dgm:scene3d>
+    <dgm:sp3d z="-110000"/>
+    <dgm:txPr/>
+    <dgm:style>
+      <a:lnRef idx="2">
+        <a:scrgbClr r="0" g="0" b="0"/>
+      </a:lnRef>
+      <a:fillRef idx="0">
+        <a:scrgbClr r="0" g="0" b="0"/>
+      </a:fillRef>
+      <a:effectRef idx="0">
+        <a:scrgbClr r="0" g="0" b="0"/>
+      </a:effectRef>
+      <a:fontRef idx="minor"/>
+    </dgm:style>
+  </dgm:styleLbl>
+  <dgm:styleLbl name="fgAcc1">
+    <dgm:scene3d>
+      <a:camera prst="orthographicFront">
+        <a:rot lat="0" lon="0" rev="0"/>
+      </a:camera>
+      <a:lightRig rig="contrasting" dir="t">
+        <a:rot lat="0" lon="0" rev="1200000"/>
+      </a:lightRig>
+    </dgm:scene3d>
+    <dgm:sp3d z="300000" contourW="19050" prstMaterial="metal">
+      <a:bevelT w="88900" h="203200"/>
+      <a:bevelB w="165100" h="254000"/>
+    </dgm:sp3d>
+    <dgm:txPr/>
+    <dgm:style>
+      <a:lnRef idx="0">
+        <a:scrgbClr r="0" g="0" b="0"/>
+      </a:lnRef>
+      <a:fillRef idx="1">
+        <a:scrgbClr r="0" g="0" b="0"/>
+      </a:fillRef>
+      <a:effectRef idx="0">
+        <a:scrgbClr r="0" g="0" b="0"/>
+      </a:effectRef>
+      <a:fontRef idx="minor"/>
+    </dgm:style>
+  </dgm:styleLbl>
+  <dgm:styleLbl name="conFgAcc1">
+    <dgm:scene3d>
+      <a:camera prst="orthographicFront">
+        <a:rot lat="0" lon="0" rev="0"/>
+      </a:camera>
+      <a:lightRig rig="contrasting" dir="t">
+        <a:rot lat="0" lon="0" rev="1200000"/>
+      </a:lightRig>
+    </dgm:scene3d>
+    <dgm:sp3d z="300000" contourW="19050" prstMaterial="metal">
+      <a:bevelT w="88900" h="203200"/>
+      <a:bevelB w="165100" h="254000"/>
+    </dgm:sp3d>
+    <dgm:txPr/>
+    <dgm:style>
+      <a:lnRef idx="0">
+        <a:scrgbClr r="0" g="0" b="0"/>
+      </a:lnRef>
+      <a:fillRef idx="1">
+        <a:scrgbClr r="0" g="0" b="0"/>
+      </a:fillRef>
+      <a:effectRef idx="0">
+        <a:scrgbClr r="0" g="0" b="0"/>
+      </a:effectRef>
+      <a:fontRef idx="minor"/>
+    </dgm:style>
+  </dgm:styleLbl>
+  <dgm:styleLbl name="alignAcc1">
+    <dgm:scene3d>
+      <a:camera prst="orthographicFront">
+        <a:rot lat="0" lon="0" rev="0"/>
+      </a:camera>
+      <a:lightRig rig="contrasting" dir="t">
+        <a:rot lat="0" lon="0" rev="1200000"/>
+      </a:lightRig>
+    </dgm:scene3d>
+    <dgm:sp3d contourW="19050" prstMaterial="metal">
+      <a:bevelT w="88900" h="203200"/>
+      <a:bevelB w="165100" h="254000"/>
+    </dgm:sp3d>
+    <dgm:txPr/>
+    <dgm:style>
+      <a:lnRef idx="0">
+        <a:scrgbClr r="0" g="0" b="0"/>
+      </a:lnRef>
+      <a:fillRef idx="1">
+        <a:scrgbClr r="0" g="0" b="0"/>
+      </a:fillRef>
+      <a:effectRef idx="0">
+        <a:scrgbClr r="0" g="0" b="0"/>
+      </a:effectRef>
+      <a:fontRef idx="minor"/>
+    </dgm:style>
+  </dgm:styleLbl>
+  <dgm:styleLbl name="trAlignAcc1">
+    <dgm:scene3d>
+      <a:camera prst="orthographicFront">
+        <a:rot lat="0" lon="0" rev="0"/>
+      </a:camera>
+      <a:lightRig rig="contrasting" dir="t">
+        <a:rot lat="0" lon="0" rev="1200000"/>
+      </a:lightRig>
+    </dgm:scene3d>
+    <dgm:sp3d contourW="19050" prstMaterial="metal">
+      <a:bevelT w="88900" h="203200"/>
+      <a:bevelB w="165100" h="254000"/>
+    </dgm:sp3d>
+    <dgm:txPr/>
+    <dgm:style>
+      <a:lnRef idx="0">
+        <a:scrgbClr r="0" g="0" b="0"/>
+      </a:lnRef>
+      <a:fillRef idx="1">
+        <a:scrgbClr r="0" g="0" b="0"/>
+      </a:fillRef>
+      <a:effectRef idx="1">
+        <a:scrgbClr r="0" g="0" b="0"/>
+      </a:effectRef>
+      <a:fontRef idx="minor"/>
+    </dgm:style>
+  </dgm:styleLbl>
+  <dgm:styleLbl name="bgAcc1">
+    <dgm:scene3d>
+      <a:camera prst="orthographicFront">
+        <a:rot lat="0" lon="0" rev="0"/>
+      </a:camera>
+      <a:lightRig rig="contrasting" dir="t">
+        <a:rot lat="0" lon="0" rev="1200000"/>
+      </a:lightRig>
+    </dgm:scene3d>
+    <dgm:sp3d z="-300000" contourW="19050" prstMaterial="metal">
+      <a:bevelT w="88900" h="203200"/>
+      <a:bevelB w="165100" h="254000"/>
+    </dgm:sp3d>
+    <dgm:txPr/>
+    <dgm:style>
+      <a:lnRef idx="0">
+        <a:scrgbClr r="0" g="0" b="0"/>
+      </a:lnRef>
+      <a:fillRef idx="1">
+        <a:scrgbClr r="0" g="0" b="0"/>
+      </a:fillRef>
+      <a:effectRef idx="0">
+        <a:scrgbClr r="0" g="0" b="0"/>
+      </a:effectRef>
+      <a:fontRef idx="minor"/>
+    </dgm:style>
+  </dgm:styleLbl>
+  <dgm:styleLbl name="solidFgAcc1">
+    <dgm:scene3d>
+      <a:camera prst="orthographicFront">
+        <a:rot lat="0" lon="0" rev="0"/>
+      </a:camera>
+      <a:lightRig rig="contrasting" dir="t">
+        <a:rot lat="0" lon="0" rev="1200000"/>
+      </a:lightRig>
+    </dgm:scene3d>
+    <dgm:sp3d z="300000" contourW="12700" prstMaterial="flat">
+      <a:bevelT w="177800" h="254000"/>
+      <a:bevelB w="152400"/>
+    </dgm:sp3d>
+    <dgm:txPr/>
+    <dgm:style>
+      <a:lnRef idx="0">
+        <a:scrgbClr r="0" g="0" b="0"/>
+      </a:lnRef>
+      <a:fillRef idx="1">
+        <a:scrgbClr r="0" g="0" b="0"/>
+      </a:fillRef>
+      <a:effectRef idx="0">
+        <a:scrgbClr r="0" g="0" b="0"/>
+      </a:effectRef>
+      <a:fontRef idx="minor"/>
+    </dgm:style>
+  </dgm:styleLbl>
+  <dgm:styleLbl name="solidAlignAcc1">
+    <dgm:scene3d>
+      <a:camera prst="orthographicFront">
+        <a:rot lat="0" lon="0" rev="0"/>
+      </a:camera>
+      <a:lightRig rig="contrasting" dir="t">
+        <a:rot lat="0" lon="0" rev="1200000"/>
+      </a:lightRig>
+    </dgm:scene3d>
+    <dgm:sp3d contourW="19050" prstMaterial="metal">
+      <a:bevelT w="88900" h="203200"/>
+      <a:bevelB w="165100" h="254000"/>
+    </dgm:sp3d>
+    <dgm:txPr/>
+    <dgm:style>
+      <a:lnRef idx="0">
+        <a:scrgbClr r="0" g="0" b="0"/>
+      </a:lnRef>
+      <a:fillRef idx="1">
+        <a:scrgbClr r="0" g="0" b="0"/>
+      </a:fillRef>
+      <a:effectRef idx="0">
+        <a:scrgbClr r="0" g="0" b="0"/>
+      </a:effectRef>
+      <a:fontRef idx="minor"/>
+    </dgm:style>
+  </dgm:styleLbl>
+  <dgm:styleLbl name="solidBgAcc1">
+    <dgm:scene3d>
+      <a:camera prst="orthographicFront">
+        <a:rot lat="0" lon="0" rev="0"/>
+      </a:camera>
+      <a:lightRig rig="contrasting" dir="t">
+        <a:rot lat="0" lon="0" rev="1200000"/>
+      </a:lightRig>
+    </dgm:scene3d>
+    <dgm:sp3d z="-300000" contourW="19050" prstMaterial="metal">
+      <a:bevelT w="88900" h="203200"/>
+      <a:bevelB w="165100" h="254000"/>
+    </dgm:sp3d>
+    <dgm:txPr/>
+    <dgm:style>
+      <a:lnRef idx="0">
+        <a:scrgbClr r="0" g="0" b="0"/>
+      </a:lnRef>
+      <a:fillRef idx="1">
+        <a:scrgbClr r="0" g="0" b="0"/>
+      </a:fillRef>
+      <a:effectRef idx="0">
+        <a:scrgbClr r="0" g="0" b="0"/>
+      </a:effectRef>
+      <a:fontRef idx="minor"/>
+    </dgm:style>
+  </dgm:styleLbl>
+  <dgm:styleLbl name="fgAccFollowNode1">
+    <dgm:scene3d>
+      <a:camera prst="orthographicFront">
+        <a:rot lat="0" lon="0" rev="0"/>
+      </a:camera>
+      <a:lightRig rig="contrasting" dir="t">
+        <a:rot lat="0" lon="0" rev="1200000"/>
+      </a:lightRig>
+    </dgm:scene3d>
+    <dgm:sp3d z="300000" contourW="19050" prstMaterial="metal">
+      <a:bevelT w="88900" h="203200"/>
+      <a:bevelB w="165100" h="254000"/>
+    </dgm:sp3d>
+    <dgm:txPr/>
+    <dgm:style>
+      <a:lnRef idx="0">
+        <a:scrgbClr r="0" g="0" b="0"/>
+      </a:lnRef>
+      <a:fillRef idx="1">
+        <a:scrgbClr r="0" g="0" b="0"/>
+      </a:fillRef>
+      <a:effectRef idx="0">
+        <a:scrgbClr r="0" g="0" b="0"/>
+      </a:effectRef>
+      <a:fontRef idx="minor"/>
+    </dgm:style>
+  </dgm:styleLbl>
+  <dgm:styleLbl name="alignAccFollowNode1">
+    <dgm:scene3d>
+      <a:camera prst="orthographicFront">
+        <a:rot lat="0" lon="0" rev="0"/>
+      </a:camera>
+      <a:lightRig rig="contrasting" dir="t">
+        <a:rot lat="0" lon="0" rev="1200000"/>
+      </a:lightRig>
+    </dgm:scene3d>
+    <dgm:sp3d contourW="19050" prstMaterial="metal">
+      <a:bevelT w="88900" h="203200"/>
+      <a:bevelB w="165100" h="254000"/>
+    </dgm:sp3d>
+    <dgm:txPr/>
+    <dgm:style>
+      <a:lnRef idx="0">
+        <a:scrgbClr r="0" g="0" b="0"/>
+      </a:lnRef>
+      <a:fillRef idx="1">
+        <a:scrgbClr r="0" g="0" b="0"/>
+      </a:fillRef>
+      <a:effectRef idx="0">
+        <a:scrgbClr r="0" g="0" b="0"/>
+      </a:effectRef>
+      <a:fontRef idx="minor"/>
+    </dgm:style>
+  </dgm:styleLbl>
+  <dgm:styleLbl name="bgAccFollowNode1">
+    <dgm:scene3d>
+      <a:camera prst="orthographicFront">
+        <a:rot lat="0" lon="0" rev="0"/>
+      </a:camera>
+      <a:lightRig rig="contrasting" dir="t">
+        <a:rot lat="0" lon="0" rev="1200000"/>
+      </a:lightRig>
+    </dgm:scene3d>
+    <dgm:sp3d z="-300000" contourW="19050" prstMaterial="metal">
+      <a:bevelT w="88900" h="203200"/>
+      <a:bevelB w="165100" h="254000"/>
+    </dgm:sp3d>
+    <dgm:txPr/>
+    <dgm:style>
+      <a:lnRef idx="0">
+        <a:scrgbClr r="0" g="0" b="0"/>
+      </a:lnRef>
+      <a:fillRef idx="1">
+        <a:scrgbClr r="0" g="0" b="0"/>
+      </a:fillRef>
+      <a:effectRef idx="0">
+        <a:scrgbClr r="0" g="0" b="0"/>
+      </a:effectRef>
+      <a:fontRef idx="minor"/>
+    </dgm:style>
+  </dgm:styleLbl>
+  <dgm:styleLbl name="fgAcc0">
+    <dgm:scene3d>
+      <a:camera prst="orthographicFront">
+        <a:rot lat="0" lon="0" rev="0"/>
+      </a:camera>
+      <a:lightRig rig="contrasting" dir="t">
+        <a:rot lat="0" lon="0" rev="1200000"/>
+      </a:lightRig>
+    </dgm:scene3d>
+    <dgm:sp3d z="300000" contourW="19050" prstMaterial="metal">
+      <a:bevelT w="88900" h="203200"/>
+      <a:bevelB w="165100" h="254000"/>
+    </dgm:sp3d>
+    <dgm:txPr/>
+    <dgm:style>
+      <a:lnRef idx="0">
+        <a:scrgbClr r="0" g="0" b="0"/>
+      </a:lnRef>
+      <a:fillRef idx="1">
+        <a:scrgbClr r="0" g="0" b="0"/>
+      </a:fillRef>
+      <a:effectRef idx="0">
+        <a:scrgbClr r="0" g="0" b="0"/>
+      </a:effectRef>
+      <a:fontRef idx="minor"/>
+    </dgm:style>
+  </dgm:styleLbl>
+  <dgm:styleLbl name="fgAcc2">
+    <dgm:scene3d>
+      <a:camera prst="orthographicFront">
+        <a:rot lat="0" lon="0" rev="0"/>
+      </a:camera>
+      <a:lightRig rig="contrasting" dir="t">
+        <a:rot lat="0" lon="0" rev="1200000"/>
+      </a:lightRig>
+    </dgm:scene3d>
+    <dgm:sp3d z="300000" contourW="19050" prstMaterial="metal">
+      <a:bevelT w="88900" h="203200"/>
+      <a:bevelB w="165100" h="254000"/>
+    </dgm:sp3d>
+    <dgm:txPr/>
+    <dgm:style>
+      <a:lnRef idx="0">
+        <a:scrgbClr r="0" g="0" b="0"/>
+      </a:lnRef>
+      <a:fillRef idx="1">
+        <a:scrgbClr r="0" g="0" b="0"/>
+      </a:fillRef>
+      <a:effectRef idx="0">
+        <a:scrgbClr r="0" g="0" b="0"/>
+      </a:effectRef>
+      <a:fontRef idx="minor"/>
+    </dgm:style>
+  </dgm:styleLbl>
+  <dgm:styleLbl name="fgAcc3">
+    <dgm:scene3d>
+      <a:camera prst="orthographicFront">
+        <a:rot lat="0" lon="0" rev="0"/>
+      </a:camera>
+      <a:lightRig rig="contrasting" dir="t">
+        <a:rot lat="0" lon="0" rev="1200000"/>
+      </a:lightRig>
+    </dgm:scene3d>
+    <dgm:sp3d z="300000" contourW="19050" prstMaterial="metal">
+      <a:bevelT w="88900" h="203200"/>
+      <a:bevelB w="165100" h="254000"/>
+    </dgm:sp3d>
+    <dgm:txPr/>
+    <dgm:style>
+      <a:lnRef idx="0">
+        <a:scrgbClr r="0" g="0" b="0"/>
+      </a:lnRef>
+      <a:fillRef idx="1">
+        <a:scrgbClr r="0" g="0" b="0"/>
+      </a:fillRef>
+      <a:effectRef idx="0">
+        <a:scrgbClr r="0" g="0" b="0"/>
+      </a:effectRef>
+      <a:fontRef idx="minor"/>
+    </dgm:style>
+  </dgm:styleLbl>
+  <dgm:styleLbl name="fgAcc4">
+    <dgm:scene3d>
+      <a:camera prst="orthographicFront">
+        <a:rot lat="0" lon="0" rev="0"/>
+      </a:camera>
+      <a:lightRig rig="contrasting" dir="t">
+        <a:rot lat="0" lon="0" rev="1200000"/>
+      </a:lightRig>
+    </dgm:scene3d>
+    <dgm:sp3d z="300000" contourW="19050" prstMaterial="metal">
+      <a:bevelT w="88900" h="203200"/>
+      <a:bevelB w="165100" h="254000"/>
+    </dgm:sp3d>
+    <dgm:txPr/>
+    <dgm:style>
+      <a:lnRef idx="0">
+        <a:scrgbClr r="0" g="0" b="0"/>
+      </a:lnRef>
+      <a:fillRef idx="1">
+        <a:scrgbClr r="0" g="0" b="0"/>
+      </a:fillRef>
+      <a:effectRef idx="0">
+        <a:scrgbClr r="0" g="0" b="0"/>
+      </a:effectRef>
+      <a:fontRef idx="minor"/>
+    </dgm:style>
+  </dgm:styleLbl>
+  <dgm:styleLbl name="bgShp">
+    <dgm:scene3d>
+      <a:camera prst="orthographicFront">
+        <a:rot lat="0" lon="0" rev="0"/>
+      </a:camera>
+      <a:lightRig rig="contrasting" dir="t">
+        <a:rot lat="0" lon="0" rev="1200000"/>
+      </a:lightRig>
+    </dgm:scene3d>
+    <dgm:sp3d z="-300000" prstMaterial="plastic"/>
+    <dgm:txPr/>
+    <dgm:style>
+      <a:lnRef idx="1">
+        <a:scrgbClr r="0" g="0" b="0"/>
+      </a:lnRef>
+      <a:fillRef idx="1">
+        <a:scrgbClr r="0" g="0" b="0"/>
+      </a:fillRef>
+      <a:effectRef idx="0">
+        <a:scrgbClr r="0" g="0" b="0"/>
+      </a:effectRef>
+      <a:fontRef idx="minor"/>
+    </dgm:style>
+  </dgm:styleLbl>
+  <dgm:styleLbl name="dkBgShp">
+    <dgm:scene3d>
+      <a:camera prst="orthographicFront">
+        <a:rot lat="0" lon="0" rev="0"/>
+      </a:camera>
+      <a:lightRig rig="contrasting" dir="t">
+        <a:rot lat="0" lon="0" rev="1200000"/>
+      </a:lightRig>
+    </dgm:scene3d>
+    <dgm:sp3d contourW="12700" prstMaterial="flat">
+      <a:bevelT w="100800" h="154000"/>
+      <a:bevelB w="152400"/>
+    </dgm:sp3d>
+    <dgm:txPr/>
+    <dgm:style>
+      <a:lnRef idx="0">
+        <a:scrgbClr r="0" g="0" b="0"/>
+      </a:lnRef>
+      <a:fillRef idx="1">
+        <a:scrgbClr r="0" g="0" b="0"/>
+      </a:fillRef>
+      <a:effectRef idx="0">
+        <a:scrgbClr r="0" g="0" b="0"/>
+      </a:effectRef>
+      <a:fontRef idx="minor"/>
+    </dgm:style>
+  </dgm:styleLbl>
+  <dgm:styleLbl name="trBgShp">
+    <dgm:scene3d>
+      <a:camera prst="orthographicFront">
+        <a:rot lat="0" lon="0" rev="0"/>
+      </a:camera>
+      <a:lightRig rig="contrasting" dir="t">
+        <a:rot lat="0" lon="0" rev="1200000"/>
+      </a:lightRig>
+    </dgm:scene3d>
+    <dgm:sp3d z="-152400" prstMaterial="matte"/>
+    <dgm:txPr/>
+    <dgm:style>
+      <a:lnRef idx="1">
+        <a:scrgbClr r="0" g="0" b="0"/>
+      </a:lnRef>
+      <a:fillRef idx="1">
+        <a:scrgbClr r="0" g="0" b="0"/>
+      </a:fillRef>
+      <a:effectRef idx="0">
+        <a:scrgbClr r="0" g="0" b="0"/>
+      </a:effectRef>
+      <a:fontRef idx="minor"/>
+    </dgm:style>
+  </dgm:styleLbl>
+  <dgm:styleLbl name="fgShp">
+    <dgm:scene3d>
+      <a:camera prst="orthographicFront">
+        <a:rot lat="0" lon="0" rev="0"/>
+      </a:camera>
+      <a:lightRig rig="contrasting" dir="t">
+        <a:rot lat="0" lon="0" rev="1200000"/>
+      </a:lightRig>
+    </dgm:scene3d>
+    <dgm:sp3d z="300000" contourW="19050" prstMaterial="metal">
+      <a:bevelT w="88900" h="203200"/>
+      <a:bevelB w="165100" h="254000"/>
+    </dgm:sp3d>
+    <dgm:txPr/>
+    <dgm:style>
+      <a:lnRef idx="0">
+        <a:scrgbClr r="0" g="0" b="0"/>
+      </a:lnRef>
+      <a:fillRef idx="1">
+        <a:scrgbClr r="0" g="0" b="0"/>
+      </a:fillRef>
+      <a:effectRef idx="0">
+        <a:scrgbClr r="0" g="0" b="0"/>
+      </a:effectRef>
+      <a:fontRef idx="minor"/>
+    </dgm:style>
+  </dgm:styleLbl>
+  <dgm:styleLbl name="revTx">
+    <dgm:scene3d>
+      <a:camera prst="orthographicFront"/>
+      <a:lightRig rig="threePt" dir="t"/>
+    </dgm:scene3d>
+    <dgm:sp3d/>
+    <dgm:txPr/>
+    <dgm:style>
+      <a:lnRef idx="1">
         <a:scrgbClr r="0" g="0" b="0"/>
       </a:lnRef>
       <a:fillRef idx="0">
@@ -8927,7 +16411,7 @@
           <a:p>
             <a:fld id="{A24A1628-B285-4774-91C7-C9C97F69F986}" type="datetimeFigureOut">
               <a:rPr lang="zh-CN" altLang="en-US" smtClean="0"/>
-              <a:t>2018/7/22</a:t>
+              <a:t>2018/7/23</a:t>
             </a:fld>
             <a:endParaRPr lang="zh-CN" altLang="en-US"/>
           </a:p>
@@ -9097,7 +16581,7 @@
           <a:p>
             <a:fld id="{A24A1628-B285-4774-91C7-C9C97F69F986}" type="datetimeFigureOut">
               <a:rPr lang="zh-CN" altLang="en-US" smtClean="0"/>
-              <a:t>2018/7/22</a:t>
+              <a:t>2018/7/23</a:t>
             </a:fld>
             <a:endParaRPr lang="zh-CN" altLang="en-US"/>
           </a:p>
@@ -9277,7 +16761,7 @@
           <a:p>
             <a:fld id="{A24A1628-B285-4774-91C7-C9C97F69F986}" type="datetimeFigureOut">
               <a:rPr lang="zh-CN" altLang="en-US" smtClean="0"/>
-              <a:t>2018/7/22</a:t>
+              <a:t>2018/7/23</a:t>
             </a:fld>
             <a:endParaRPr lang="zh-CN" altLang="en-US"/>
           </a:p>
@@ -9840,7 +17324,7 @@
           <a:p>
             <a:fld id="{A24A1628-B285-4774-91C7-C9C97F69F986}" type="datetimeFigureOut">
               <a:rPr lang="zh-CN" altLang="en-US" smtClean="0"/>
-              <a:t>2018/7/22</a:t>
+              <a:t>2018/7/23</a:t>
             </a:fld>
             <a:endParaRPr lang="zh-CN" altLang="en-US"/>
           </a:p>
@@ -10015,7 +17499,7 @@
           <a:p>
             <a:fld id="{A24A1628-B285-4774-91C7-C9C97F69F986}" type="datetimeFigureOut">
               <a:rPr lang="zh-CN" altLang="en-US" smtClean="0"/>
-              <a:t>2018/7/22</a:t>
+              <a:t>2018/7/23</a:t>
             </a:fld>
             <a:endParaRPr lang="zh-CN" altLang="en-US"/>
           </a:p>
@@ -10266,7 +17750,7 @@
           <a:p>
             <a:fld id="{A24A1628-B285-4774-91C7-C9C97F69F986}" type="datetimeFigureOut">
               <a:rPr lang="zh-CN" altLang="en-US" smtClean="0"/>
-              <a:t>2018/7/22</a:t>
+              <a:t>2018/7/23</a:t>
             </a:fld>
             <a:endParaRPr lang="zh-CN" altLang="en-US"/>
           </a:p>
@@ -10563,7 +18047,7 @@
           <a:p>
             <a:fld id="{A24A1628-B285-4774-91C7-C9C97F69F986}" type="datetimeFigureOut">
               <a:rPr lang="zh-CN" altLang="en-US" smtClean="0"/>
-              <a:t>2018/7/22</a:t>
+              <a:t>2018/7/23</a:t>
             </a:fld>
             <a:endParaRPr lang="zh-CN" altLang="en-US"/>
           </a:p>
@@ -11010,7 +18494,7 @@
           <a:p>
             <a:fld id="{A24A1628-B285-4774-91C7-C9C97F69F986}" type="datetimeFigureOut">
               <a:rPr lang="zh-CN" altLang="en-US" smtClean="0"/>
-              <a:t>2018/7/22</a:t>
+              <a:t>2018/7/23</a:t>
             </a:fld>
             <a:endParaRPr lang="zh-CN" altLang="en-US"/>
           </a:p>
@@ -11133,7 +18617,7 @@
           <a:p>
             <a:fld id="{A24A1628-B285-4774-91C7-C9C97F69F986}" type="datetimeFigureOut">
               <a:rPr lang="zh-CN" altLang="en-US" smtClean="0"/>
-              <a:t>2018/7/22</a:t>
+              <a:t>2018/7/23</a:t>
             </a:fld>
             <a:endParaRPr lang="zh-CN" altLang="en-US"/>
           </a:p>
@@ -11228,7 +18712,7 @@
           <a:p>
             <a:fld id="{A24A1628-B285-4774-91C7-C9C97F69F986}" type="datetimeFigureOut">
               <a:rPr lang="zh-CN" altLang="en-US" smtClean="0"/>
-              <a:t>2018/7/22</a:t>
+              <a:t>2018/7/23</a:t>
             </a:fld>
             <a:endParaRPr lang="zh-CN" altLang="en-US"/>
           </a:p>
@@ -11511,7 +18995,7 @@
           <a:p>
             <a:fld id="{A24A1628-B285-4774-91C7-C9C97F69F986}" type="datetimeFigureOut">
               <a:rPr lang="zh-CN" altLang="en-US" smtClean="0"/>
-              <a:t>2018/7/22</a:t>
+              <a:t>2018/7/23</a:t>
             </a:fld>
             <a:endParaRPr lang="zh-CN" altLang="en-US"/>
           </a:p>
@@ -11686,7 +19170,7 @@
           <a:p>
             <a:fld id="{A24A1628-B285-4774-91C7-C9C97F69F986}" type="datetimeFigureOut">
               <a:rPr lang="zh-CN" altLang="en-US" smtClean="0"/>
-              <a:t>2018/7/22</a:t>
+              <a:t>2018/7/23</a:t>
             </a:fld>
             <a:endParaRPr lang="zh-CN" altLang="en-US"/>
           </a:p>
@@ -11977,7 +19461,7 @@
           <a:p>
             <a:fld id="{A24A1628-B285-4774-91C7-C9C97F69F986}" type="datetimeFigureOut">
               <a:rPr lang="zh-CN" altLang="en-US" smtClean="0"/>
-              <a:t>2018/7/22</a:t>
+              <a:t>2018/7/23</a:t>
             </a:fld>
             <a:endParaRPr lang="zh-CN" altLang="en-US"/>
           </a:p>
@@ -12268,7 +19752,7 @@
           <a:p>
             <a:fld id="{A24A1628-B285-4774-91C7-C9C97F69F986}" type="datetimeFigureOut">
               <a:rPr lang="zh-CN" altLang="en-US" smtClean="0"/>
-              <a:t>2018/7/22</a:t>
+              <a:t>2018/7/23</a:t>
             </a:fld>
             <a:endParaRPr lang="zh-CN" altLang="en-US"/>
           </a:p>
@@ -12516,7 +20000,7 @@
           <a:p>
             <a:fld id="{A24A1628-B285-4774-91C7-C9C97F69F986}" type="datetimeFigureOut">
               <a:rPr lang="zh-CN" altLang="en-US" smtClean="0"/>
-              <a:t>2018/7/22</a:t>
+              <a:t>2018/7/23</a:t>
             </a:fld>
             <a:endParaRPr lang="zh-CN" altLang="en-US"/>
           </a:p>
@@ -13056,7 +20540,7 @@
           <a:p>
             <a:fld id="{A24A1628-B285-4774-91C7-C9C97F69F986}" type="datetimeFigureOut">
               <a:rPr lang="zh-CN" altLang="en-US" smtClean="0"/>
-              <a:t>2018/7/22</a:t>
+              <a:t>2018/7/23</a:t>
             </a:fld>
             <a:endParaRPr lang="zh-CN" altLang="en-US"/>
           </a:p>
@@ -13304,7 +20788,7 @@
           <a:p>
             <a:fld id="{A24A1628-B285-4774-91C7-C9C97F69F986}" type="datetimeFigureOut">
               <a:rPr lang="zh-CN" altLang="en-US" smtClean="0"/>
-              <a:t>2018/7/22</a:t>
+              <a:t>2018/7/23</a:t>
             </a:fld>
             <a:endParaRPr lang="zh-CN" altLang="en-US"/>
           </a:p>
@@ -13836,7 +21320,7 @@
           <a:p>
             <a:fld id="{A24A1628-B285-4774-91C7-C9C97F69F986}" type="datetimeFigureOut">
               <a:rPr lang="zh-CN" altLang="en-US" smtClean="0"/>
-              <a:t>2018/7/22</a:t>
+              <a:t>2018/7/23</a:t>
             </a:fld>
             <a:endParaRPr lang="zh-CN" altLang="en-US"/>
           </a:p>
@@ -14133,7 +21617,7 @@
           <a:p>
             <a:fld id="{A24A1628-B285-4774-91C7-C9C97F69F986}" type="datetimeFigureOut">
               <a:rPr lang="zh-CN" altLang="en-US" smtClean="0"/>
-              <a:t>2018/7/22</a:t>
+              <a:t>2018/7/23</a:t>
             </a:fld>
             <a:endParaRPr lang="zh-CN" altLang="en-US"/>
           </a:p>
@@ -14307,7 +21791,7 @@
           <a:p>
             <a:fld id="{A24A1628-B285-4774-91C7-C9C97F69F986}" type="datetimeFigureOut">
               <a:rPr lang="zh-CN" altLang="en-US" smtClean="0"/>
-              <a:t>2018/7/22</a:t>
+              <a:t>2018/7/23</a:t>
             </a:fld>
             <a:endParaRPr lang="zh-CN" altLang="en-US"/>
           </a:p>
@@ -14487,7 +21971,7 @@
           <a:p>
             <a:fld id="{A24A1628-B285-4774-91C7-C9C97F69F986}" type="datetimeFigureOut">
               <a:rPr lang="zh-CN" altLang="en-US" smtClean="0"/>
-              <a:t>2018/7/22</a:t>
+              <a:t>2018/7/23</a:t>
             </a:fld>
             <a:endParaRPr lang="zh-CN" altLang="en-US"/>
           </a:p>
@@ -14738,7 +22222,7 @@
           <a:p>
             <a:fld id="{A24A1628-B285-4774-91C7-C9C97F69F986}" type="datetimeFigureOut">
               <a:rPr lang="zh-CN" altLang="en-US" smtClean="0"/>
-              <a:t>2018/7/22</a:t>
+              <a:t>2018/7/23</a:t>
             </a:fld>
             <a:endParaRPr lang="zh-CN" altLang="en-US"/>
           </a:p>
@@ -14970,7 +22454,7 @@
           <a:p>
             <a:fld id="{A24A1628-B285-4774-91C7-C9C97F69F986}" type="datetimeFigureOut">
               <a:rPr lang="zh-CN" altLang="en-US" smtClean="0"/>
-              <a:t>2018/7/22</a:t>
+              <a:t>2018/7/23</a:t>
             </a:fld>
             <a:endParaRPr lang="zh-CN" altLang="en-US"/>
           </a:p>
@@ -15322,7 +22806,7 @@
           <a:p>
             <a:fld id="{A24A1628-B285-4774-91C7-C9C97F69F986}" type="datetimeFigureOut">
               <a:rPr lang="zh-CN" altLang="en-US" smtClean="0"/>
-              <a:t>2018/7/22</a:t>
+              <a:t>2018/7/23</a:t>
             </a:fld>
             <a:endParaRPr lang="zh-CN" altLang="en-US"/>
           </a:p>
@@ -15445,7 +22929,7 @@
           <a:p>
             <a:fld id="{A24A1628-B285-4774-91C7-C9C97F69F986}" type="datetimeFigureOut">
               <a:rPr lang="zh-CN" altLang="en-US" smtClean="0"/>
-              <a:t>2018/7/22</a:t>
+              <a:t>2018/7/23</a:t>
             </a:fld>
             <a:endParaRPr lang="zh-CN" altLang="en-US"/>
           </a:p>
@@ -15563,7 +23047,7 @@
           <a:p>
             <a:fld id="{A24A1628-B285-4774-91C7-C9C97F69F986}" type="datetimeFigureOut">
               <a:rPr lang="zh-CN" altLang="en-US" smtClean="0"/>
-              <a:t>2018/7/22</a:t>
+              <a:t>2018/7/23</a:t>
             </a:fld>
             <a:endParaRPr lang="zh-CN" altLang="en-US"/>
           </a:p>
@@ -15847,7 +23331,7 @@
           <a:p>
             <a:fld id="{A24A1628-B285-4774-91C7-C9C97F69F986}" type="datetimeFigureOut">
               <a:rPr lang="zh-CN" altLang="en-US" smtClean="0"/>
-              <a:t>2018/7/22</a:t>
+              <a:t>2018/7/23</a:t>
             </a:fld>
             <a:endParaRPr lang="zh-CN" altLang="en-US"/>
           </a:p>
@@ -16116,7 +23600,7 @@
           <a:p>
             <a:fld id="{A24A1628-B285-4774-91C7-C9C97F69F986}" type="datetimeFigureOut">
               <a:rPr lang="zh-CN" altLang="en-US" smtClean="0"/>
-              <a:t>2018/7/22</a:t>
+              <a:t>2018/7/23</a:t>
             </a:fld>
             <a:endParaRPr lang="zh-CN" altLang="en-US"/>
           </a:p>
@@ -16330,7 +23814,7 @@
           <a:p>
             <a:fld id="{A24A1628-B285-4774-91C7-C9C97F69F986}" type="datetimeFigureOut">
               <a:rPr lang="zh-CN" altLang="en-US" smtClean="0"/>
-              <a:t>2018/7/22</a:t>
+              <a:t>2018/7/23</a:t>
             </a:fld>
             <a:endParaRPr lang="zh-CN" altLang="en-US"/>
           </a:p>
@@ -17181,7 +24665,7 @@
           <a:p>
             <a:fld id="{A24A1628-B285-4774-91C7-C9C97F69F986}" type="datetimeFigureOut">
               <a:rPr lang="zh-CN" altLang="en-US" smtClean="0"/>
-              <a:t>2018/7/22</a:t>
+              <a:t>2018/7/23</a:t>
             </a:fld>
             <a:endParaRPr lang="zh-CN" altLang="en-US"/>
           </a:p>
@@ -17900,6 +25384,229 @@
   <p:clrMapOvr>
     <a:masterClrMapping/>
   </p:clrMapOvr>
+  <p:timing>
+    <p:tnLst>
+      <p:par>
+        <p:cTn id="1" dur="indefinite" restart="never" nodeType="tmRoot"/>
+      </p:par>
+    </p:tnLst>
+  </p:timing>
+</p:sld>
+</file>
+
+<file path=ppt/slides/slide11.xml><?xml version="1.0" encoding="utf-8"?>
+<p:sld xmlns:a="http://schemas.openxmlformats.org/drawingml/2006/main" xmlns:r="http://schemas.openxmlformats.org/officeDocument/2006/relationships" xmlns:p="http://schemas.openxmlformats.org/presentationml/2006/main">
+  <p:cSld>
+    <p:spTree>
+      <p:nvGrpSpPr>
+        <p:cNvPr id="1" name=""/>
+        <p:cNvGrpSpPr/>
+        <p:nvPr/>
+      </p:nvGrpSpPr>
+      <p:grpSpPr>
+        <a:xfrm>
+          <a:off x="0" y="0"/>
+          <a:ext cx="0" cy="0"/>
+          <a:chOff x="0" y="0"/>
+          <a:chExt cx="0" cy="0"/>
+        </a:xfrm>
+      </p:grpSpPr>
+      <p:sp>
+        <p:nvSpPr>
+          <p:cNvPr id="2" name="标题 1"/>
+          <p:cNvSpPr>
+            <a:spLocks noGrp="1"/>
+          </p:cNvSpPr>
+          <p:nvPr>
+            <p:ph type="title"/>
+          </p:nvPr>
+        </p:nvSpPr>
+        <p:spPr>
+          <a:xfrm>
+            <a:off x="1484311" y="293915"/>
+            <a:ext cx="10018713" cy="859972"/>
+          </a:xfrm>
+        </p:spPr>
+        <p:txBody>
+          <a:bodyPr/>
+          <a:lstStyle/>
+          <a:p>
+            <a:r>
+              <a:rPr lang="en-US" altLang="zh-CN" dirty="0" err="1" smtClean="0"/>
+              <a:t>Netty</a:t>
+            </a:r>
+            <a:r>
+              <a:rPr lang="zh-CN" altLang="en-US" dirty="0" smtClean="0"/>
+              <a:t>的</a:t>
+            </a:r>
+            <a:r>
+              <a:rPr lang="zh-CN" altLang="en-US" b="1" dirty="0"/>
+              <a:t>粘包拆</a:t>
+            </a:r>
+            <a:r>
+              <a:rPr lang="zh-CN" altLang="en-US" b="1" dirty="0" smtClean="0"/>
+              <a:t>包</a:t>
+            </a:r>
+            <a:r>
+              <a:rPr lang="en-US" altLang="zh-CN" sz="2000" dirty="0" smtClean="0">
+                <a:solidFill>
+                  <a:srgbClr val="FF0000"/>
+                </a:solidFill>
+              </a:rPr>
+              <a:t>(demo2)</a:t>
+            </a:r>
+            <a:endParaRPr lang="zh-CN" altLang="en-US" sz="2000" dirty="0">
+              <a:solidFill>
+                <a:srgbClr val="FF0000"/>
+              </a:solidFill>
+            </a:endParaRPr>
+          </a:p>
+        </p:txBody>
+      </p:sp>
+      <p:graphicFrame>
+        <p:nvGraphicFramePr>
+          <p:cNvPr id="6" name="内容占位符 5"/>
+          <p:cNvGraphicFramePr>
+            <a:graphicFrameLocks noGrp="1"/>
+          </p:cNvGraphicFramePr>
+          <p:nvPr>
+            <p:ph idx="1"/>
+            <p:extLst>
+              <p:ext uri="{D42A27DB-BD31-4B8C-83A1-F6EECF244321}">
+                <p14:modId xmlns:p14="http://schemas.microsoft.com/office/powerpoint/2010/main" val="2800838003"/>
+              </p:ext>
+            </p:extLst>
+          </p:nvPr>
+        </p:nvGraphicFramePr>
+        <p:xfrm>
+          <a:off x="1484313" y="1458686"/>
+          <a:ext cx="10018712" cy="4332514"/>
+        </p:xfrm>
+        <a:graphic>
+          <a:graphicData uri="http://schemas.openxmlformats.org/drawingml/2006/diagram">
+            <dgm:relIds xmlns:dgm="http://schemas.openxmlformats.org/drawingml/2006/diagram" xmlns:r="http://schemas.openxmlformats.org/officeDocument/2006/relationships" r:dm="rId2" r:lo="rId3" r:qs="rId4" r:cs="rId5"/>
+          </a:graphicData>
+        </a:graphic>
+      </p:graphicFrame>
+    </p:spTree>
+    <p:extLst>
+      <p:ext uri="{BB962C8B-B14F-4D97-AF65-F5344CB8AC3E}">
+        <p14:creationId xmlns:p14="http://schemas.microsoft.com/office/powerpoint/2010/main" val="3035425843"/>
+      </p:ext>
+    </p:extLst>
+  </p:cSld>
+  <p:clrMapOvr>
+    <a:masterClrMapping/>
+  </p:clrMapOvr>
+  <p:timing>
+    <p:tnLst>
+      <p:par>
+        <p:cTn id="1" dur="indefinite" restart="never" nodeType="tmRoot"/>
+      </p:par>
+    </p:tnLst>
+  </p:timing>
+</p:sld>
+</file>
+
+<file path=ppt/slides/slide12.xml><?xml version="1.0" encoding="utf-8"?>
+<p:sld xmlns:a="http://schemas.openxmlformats.org/drawingml/2006/main" xmlns:r="http://schemas.openxmlformats.org/officeDocument/2006/relationships" xmlns:p="http://schemas.openxmlformats.org/presentationml/2006/main">
+  <p:cSld>
+    <p:spTree>
+      <p:nvGrpSpPr>
+        <p:cNvPr id="1" name=""/>
+        <p:cNvGrpSpPr/>
+        <p:nvPr/>
+      </p:nvGrpSpPr>
+      <p:grpSpPr>
+        <a:xfrm>
+          <a:off x="0" y="0"/>
+          <a:ext cx="0" cy="0"/>
+          <a:chOff x="0" y="0"/>
+          <a:chExt cx="0" cy="0"/>
+        </a:xfrm>
+      </p:grpSpPr>
+      <p:sp>
+        <p:nvSpPr>
+          <p:cNvPr id="2" name="标题 1"/>
+          <p:cNvSpPr>
+            <a:spLocks noGrp="1"/>
+          </p:cNvSpPr>
+          <p:nvPr>
+            <p:ph type="title"/>
+          </p:nvPr>
+        </p:nvSpPr>
+        <p:spPr>
+          <a:xfrm>
+            <a:off x="1484311" y="283030"/>
+            <a:ext cx="10018713" cy="892627"/>
+          </a:xfrm>
+        </p:spPr>
+        <p:txBody>
+          <a:bodyPr/>
+          <a:lstStyle/>
+          <a:p>
+            <a:r>
+              <a:rPr lang="en-US" altLang="zh-CN" dirty="0" err="1" smtClean="0"/>
+              <a:t>Netty</a:t>
+            </a:r>
+            <a:r>
+              <a:rPr lang="zh-CN" altLang="en-US" dirty="0" smtClean="0"/>
+              <a:t>粘包拆包的解决方案</a:t>
+            </a:r>
+            <a:r>
+              <a:rPr lang="en-US" altLang="zh-CN" dirty="0" smtClean="0"/>
+              <a:t>——</a:t>
+            </a:r>
+            <a:r>
+              <a:rPr lang="zh-CN" altLang="en-US" dirty="0" smtClean="0"/>
+              <a:t>解码器</a:t>
+            </a:r>
+            <a:endParaRPr lang="zh-CN" altLang="en-US" dirty="0"/>
+          </a:p>
+        </p:txBody>
+      </p:sp>
+      <p:graphicFrame>
+        <p:nvGraphicFramePr>
+          <p:cNvPr id="7" name="内容占位符 6"/>
+          <p:cNvGraphicFramePr>
+            <a:graphicFrameLocks noGrp="1"/>
+          </p:cNvGraphicFramePr>
+          <p:nvPr>
+            <p:ph idx="1"/>
+            <p:extLst>
+              <p:ext uri="{D42A27DB-BD31-4B8C-83A1-F6EECF244321}">
+                <p14:modId xmlns:p14="http://schemas.microsoft.com/office/powerpoint/2010/main" val="3190449665"/>
+              </p:ext>
+            </p:extLst>
+          </p:nvPr>
+        </p:nvGraphicFramePr>
+        <p:xfrm>
+          <a:off x="1484313" y="1176338"/>
+          <a:ext cx="10018712" cy="4614862"/>
+        </p:xfrm>
+        <a:graphic>
+          <a:graphicData uri="http://schemas.openxmlformats.org/drawingml/2006/diagram">
+            <dgm:relIds xmlns:dgm="http://schemas.openxmlformats.org/drawingml/2006/diagram" xmlns:r="http://schemas.openxmlformats.org/officeDocument/2006/relationships" r:dm="rId2" r:lo="rId3" r:qs="rId4" r:cs="rId5"/>
+          </a:graphicData>
+        </a:graphic>
+      </p:graphicFrame>
+    </p:spTree>
+    <p:extLst>
+      <p:ext uri="{BB962C8B-B14F-4D97-AF65-F5344CB8AC3E}">
+        <p14:creationId xmlns:p14="http://schemas.microsoft.com/office/powerpoint/2010/main" val="2259128206"/>
+      </p:ext>
+    </p:extLst>
+  </p:cSld>
+  <p:clrMapOvr>
+    <a:masterClrMapping/>
+  </p:clrMapOvr>
+  <p:timing>
+    <p:tnLst>
+      <p:par>
+        <p:cTn id="1" dur="indefinite" restart="never" nodeType="tmRoot"/>
+      </p:par>
+    </p:tnLst>
+  </p:timing>
 </p:sld>
 </file>
 
@@ -19128,11 +26835,7 @@
             </a:r>
             <a:r>
               <a:rPr lang="zh-CN" altLang="en-US" dirty="0" smtClean="0"/>
-              <a:t>入门小</a:t>
-            </a:r>
-            <a:r>
-              <a:rPr lang="zh-CN" altLang="en-US" dirty="0" smtClean="0"/>
-              <a:t>例子</a:t>
+              <a:t>入门小例子</a:t>
             </a:r>
             <a:r>
               <a:rPr lang="en-US" altLang="zh-CN" dirty="0" smtClean="0"/>
@@ -19185,6 +26888,13 @@
   <p:clrMapOvr>
     <a:masterClrMapping/>
   </p:clrMapOvr>
+  <p:timing>
+    <p:tnLst>
+      <p:par>
+        <p:cTn id="1" dur="indefinite" restart="never" nodeType="tmRoot"/>
+      </p:par>
+    </p:tnLst>
+  </p:timing>
 </p:sld>
 </file>
 

--- a/Netty-Parent/netty分享.pptx
+++ b/Netty-Parent/netty分享.pptx
@@ -18,6 +18,7 @@
     <p:sldId id="265" r:id="rId12"/>
     <p:sldId id="266" r:id="rId13"/>
     <p:sldId id="267" r:id="rId14"/>
+    <p:sldId id="268" r:id="rId15"/>
   </p:sldIdLst>
   <p:sldSz cx="12192000" cy="6858000"/>
   <p:notesSz cx="6858000" cy="9144000"/>
@@ -4695,19 +4696,19 @@
     </dgm:pt>
   </dgm:ptLst>
   <dgm:cxnLst>
+    <dgm:cxn modelId="{9D1CCF5F-F70F-4EA5-A901-89660CA3AB07}" srcId="{10FE40D6-C3B6-4336-8CB5-731A13E49219}" destId="{2CC91FFE-51BC-4AC1-956B-E6D83D6B5265}" srcOrd="2" destOrd="0" parTransId="{67FA0C95-7AC3-436E-8B7F-ECD4CF494879}" sibTransId="{C3B7A825-C89D-4BB8-A1F4-A66F4BB77425}"/>
     <dgm:cxn modelId="{949B37CA-F258-4EC3-B591-1990E6A23677}" type="presOf" srcId="{2CC91FFE-51BC-4AC1-956B-E6D83D6B5265}" destId="{09F04A3B-D471-45E6-BB8D-DE4B129D58D0}" srcOrd="0" destOrd="0" presId="urn:microsoft.com/office/officeart/2005/8/layout/vList5"/>
-    <dgm:cxn modelId="{35655412-8338-412A-A404-52434B1D5AE4}" srcId="{10FE40D6-C3B6-4336-8CB5-731A13E49219}" destId="{93CAC3CC-AE22-4494-B720-C31FF1451C9E}" srcOrd="0" destOrd="0" parTransId="{90EE975D-A833-462E-A403-953A799C121A}" sibTransId="{C2EA9B8A-EC34-4CE0-89BB-7658BD65F3E5}"/>
+    <dgm:cxn modelId="{7686C187-0E41-4F2C-BFD8-4352E1FA6753}" type="presOf" srcId="{68861929-4E40-4C54-BDC7-B929EFD05597}" destId="{F52B4BDB-80A5-41AA-B9B3-3645F8EF4C11}" srcOrd="0" destOrd="0" presId="urn:microsoft.com/office/officeart/2005/8/layout/vList5"/>
+    <dgm:cxn modelId="{A925A93C-04E4-49D0-B436-A3117D2B5202}" type="presOf" srcId="{10FE40D6-C3B6-4336-8CB5-731A13E49219}" destId="{1D0BD91F-F3C4-488C-8CE7-A2F21EABC647}" srcOrd="0" destOrd="0" presId="urn:microsoft.com/office/officeart/2005/8/layout/vList5"/>
+    <dgm:cxn modelId="{BBEDDA6D-0D31-40C8-8B8E-087C135418EA}" srcId="{2CC91FFE-51BC-4AC1-956B-E6D83D6B5265}" destId="{E769D187-0313-4DC8-93AD-81B7BA7E7937}" srcOrd="0" destOrd="0" parTransId="{B1C1ED42-3183-46DE-B6D6-2C1E84A17F3C}" sibTransId="{C4691D04-7D9B-4B60-A8CA-32DF971E71A5}"/>
     <dgm:cxn modelId="{553A20D6-1D07-42A1-92D4-740ED837D0BF}" srcId="{93CAC3CC-AE22-4494-B720-C31FF1451C9E}" destId="{A691F43A-E572-4457-ACDD-C8E9799F6EB3}" srcOrd="0" destOrd="0" parTransId="{3BE6E77F-B05E-4E17-A0C3-57B132DD457D}" sibTransId="{BA6CBA50-1EF6-485B-9986-E155B51A9125}"/>
+    <dgm:cxn modelId="{1A529A9D-10A7-4815-AB48-413C37FA79C2}" srcId="{68861929-4E40-4C54-BDC7-B929EFD05597}" destId="{6BB40D84-C1D7-4C2F-8DF9-E451CE7A44BA}" srcOrd="0" destOrd="0" parTransId="{78FF9D6B-87A0-471F-BD01-0BF9ADED66BF}" sibTransId="{6DC549BC-3847-40D8-BD42-DC6051E93B56}"/>
+    <dgm:cxn modelId="{57E94998-B3F4-49DC-9344-764E04B1130E}" type="presOf" srcId="{6BB40D84-C1D7-4C2F-8DF9-E451CE7A44BA}" destId="{ED6E39D2-824F-4791-A604-37A1250DABA9}" srcOrd="0" destOrd="0" presId="urn:microsoft.com/office/officeart/2005/8/layout/vList5"/>
     <dgm:cxn modelId="{D33AB769-67A3-4050-B9BB-83BA5662617A}" type="presOf" srcId="{E769D187-0313-4DC8-93AD-81B7BA7E7937}" destId="{3A895E7A-F92A-44EB-ADD1-62EF62E0E337}" srcOrd="0" destOrd="0" presId="urn:microsoft.com/office/officeart/2005/8/layout/vList5"/>
     <dgm:cxn modelId="{21B938CC-9BD5-4C62-84A5-E84BC91F30B6}" srcId="{10FE40D6-C3B6-4336-8CB5-731A13E49219}" destId="{68861929-4E40-4C54-BDC7-B929EFD05597}" srcOrd="1" destOrd="0" parTransId="{8EEEDF21-6523-4A5D-BA7C-5C2836AD9D03}" sibTransId="{F5C4A384-3B2B-4AA4-AB6D-6E3BADD4A028}"/>
-    <dgm:cxn modelId="{1A529A9D-10A7-4815-AB48-413C37FA79C2}" srcId="{68861929-4E40-4C54-BDC7-B929EFD05597}" destId="{6BB40D84-C1D7-4C2F-8DF9-E451CE7A44BA}" srcOrd="0" destOrd="0" parTransId="{78FF9D6B-87A0-471F-BD01-0BF9ADED66BF}" sibTransId="{6DC549BC-3847-40D8-BD42-DC6051E93B56}"/>
+    <dgm:cxn modelId="{BA2DF860-13B2-4440-9F9D-6010D82996A9}" type="presOf" srcId="{A691F43A-E572-4457-ACDD-C8E9799F6EB3}" destId="{1D61917E-66F5-412C-9533-A0AFE78DDA5E}" srcOrd="0" destOrd="0" presId="urn:microsoft.com/office/officeart/2005/8/layout/vList5"/>
+    <dgm:cxn modelId="{35655412-8338-412A-A404-52434B1D5AE4}" srcId="{10FE40D6-C3B6-4336-8CB5-731A13E49219}" destId="{93CAC3CC-AE22-4494-B720-C31FF1451C9E}" srcOrd="0" destOrd="0" parTransId="{90EE975D-A833-462E-A403-953A799C121A}" sibTransId="{C2EA9B8A-EC34-4CE0-89BB-7658BD65F3E5}"/>
     <dgm:cxn modelId="{CEEF1769-85DF-49A2-86FA-9C9E554AD9DC}" type="presOf" srcId="{93CAC3CC-AE22-4494-B720-C31FF1451C9E}" destId="{EA945CF3-C00F-4A19-97C9-9DC03EC7034E}" srcOrd="0" destOrd="0" presId="urn:microsoft.com/office/officeart/2005/8/layout/vList5"/>
-    <dgm:cxn modelId="{BA2DF860-13B2-4440-9F9D-6010D82996A9}" type="presOf" srcId="{A691F43A-E572-4457-ACDD-C8E9799F6EB3}" destId="{1D61917E-66F5-412C-9533-A0AFE78DDA5E}" srcOrd="0" destOrd="0" presId="urn:microsoft.com/office/officeart/2005/8/layout/vList5"/>
-    <dgm:cxn modelId="{A925A93C-04E4-49D0-B436-A3117D2B5202}" type="presOf" srcId="{10FE40D6-C3B6-4336-8CB5-731A13E49219}" destId="{1D0BD91F-F3C4-488C-8CE7-A2F21EABC647}" srcOrd="0" destOrd="0" presId="urn:microsoft.com/office/officeart/2005/8/layout/vList5"/>
-    <dgm:cxn modelId="{57E94998-B3F4-49DC-9344-764E04B1130E}" type="presOf" srcId="{6BB40D84-C1D7-4C2F-8DF9-E451CE7A44BA}" destId="{ED6E39D2-824F-4791-A604-37A1250DABA9}" srcOrd="0" destOrd="0" presId="urn:microsoft.com/office/officeart/2005/8/layout/vList5"/>
-    <dgm:cxn modelId="{BBEDDA6D-0D31-40C8-8B8E-087C135418EA}" srcId="{2CC91FFE-51BC-4AC1-956B-E6D83D6B5265}" destId="{E769D187-0313-4DC8-93AD-81B7BA7E7937}" srcOrd="0" destOrd="0" parTransId="{B1C1ED42-3183-46DE-B6D6-2C1E84A17F3C}" sibTransId="{C4691D04-7D9B-4B60-A8CA-32DF971E71A5}"/>
-    <dgm:cxn modelId="{7686C187-0E41-4F2C-BFD8-4352E1FA6753}" type="presOf" srcId="{68861929-4E40-4C54-BDC7-B929EFD05597}" destId="{F52B4BDB-80A5-41AA-B9B3-3645F8EF4C11}" srcOrd="0" destOrd="0" presId="urn:microsoft.com/office/officeart/2005/8/layout/vList5"/>
-    <dgm:cxn modelId="{9D1CCF5F-F70F-4EA5-A901-89660CA3AB07}" srcId="{10FE40D6-C3B6-4336-8CB5-731A13E49219}" destId="{2CC91FFE-51BC-4AC1-956B-E6D83D6B5265}" srcOrd="2" destOrd="0" parTransId="{67FA0C95-7AC3-436E-8B7F-ECD4CF494879}" sibTransId="{C3B7A825-C89D-4BB8-A1F4-A66F4BB77425}"/>
     <dgm:cxn modelId="{D8444A86-3559-4A06-B0BE-BFB94CBA2950}" type="presParOf" srcId="{1D0BD91F-F3C4-488C-8CE7-A2F21EABC647}" destId="{483281B5-52B1-46CA-A154-E99EC018A660}" srcOrd="0" destOrd="0" presId="urn:microsoft.com/office/officeart/2005/8/layout/vList5"/>
     <dgm:cxn modelId="{D026071B-A9A7-4D4F-9B11-DE777EC8F5ED}" type="presParOf" srcId="{483281B5-52B1-46CA-A154-E99EC018A660}" destId="{EA945CF3-C00F-4A19-97C9-9DC03EC7034E}" srcOrd="0" destOrd="0" presId="urn:microsoft.com/office/officeart/2005/8/layout/vList5"/>
     <dgm:cxn modelId="{CD21F18B-E05B-441B-BE00-C909F7749FE0}" type="presParOf" srcId="{483281B5-52B1-46CA-A154-E99EC018A660}" destId="{1D61917E-66F5-412C-9533-A0AFE78DDA5E}" srcOrd="1" destOrd="0" presId="urn:microsoft.com/office/officeart/2005/8/layout/vList5"/>
@@ -6019,6 +6020,13 @@
         </dgm:presLayoutVars>
       </dgm:prSet>
       <dgm:spPr/>
+      <dgm:t>
+        <a:bodyPr/>
+        <a:lstStyle/>
+        <a:p>
+          <a:endParaRPr lang="zh-CN" altLang="en-US"/>
+        </a:p>
+      </dgm:t>
     </dgm:pt>
     <dgm:pt modelId="{193C5707-8372-4A2F-90A7-49F062D5BF97}" type="pres">
       <dgm:prSet presAssocID="{28BBEF99-C481-4311-9B33-BA897D2A372F}" presName="parentText" presStyleLbl="node1" presStyleIdx="0" presStyleCnt="2" custScaleY="46529">
@@ -6028,6 +6036,13 @@
         </dgm:presLayoutVars>
       </dgm:prSet>
       <dgm:spPr/>
+      <dgm:t>
+        <a:bodyPr/>
+        <a:lstStyle/>
+        <a:p>
+          <a:endParaRPr lang="zh-CN" altLang="en-US"/>
+        </a:p>
+      </dgm:t>
     </dgm:pt>
     <dgm:pt modelId="{D1E764A5-373F-4846-B08A-AEA206222F82}" type="pres">
       <dgm:prSet presAssocID="{28BBEF99-C481-4311-9B33-BA897D2A372F}" presName="childText" presStyleLbl="revTx" presStyleIdx="0" presStyleCnt="2">
@@ -6052,6 +6067,13 @@
         </dgm:presLayoutVars>
       </dgm:prSet>
       <dgm:spPr/>
+      <dgm:t>
+        <a:bodyPr/>
+        <a:lstStyle/>
+        <a:p>
+          <a:endParaRPr lang="zh-CN" altLang="en-US"/>
+        </a:p>
+      </dgm:t>
     </dgm:pt>
     <dgm:pt modelId="{449958B8-6DD0-498E-B335-97288BC7E2FB}" type="pres">
       <dgm:prSet presAssocID="{5B1CEBA5-2C77-40EB-A99C-6C8F237F6203}" presName="childText" presStyleLbl="revTx" presStyleIdx="1" presStyleCnt="2" custScaleY="104458">
@@ -6060,6 +6082,13 @@
         </dgm:presLayoutVars>
       </dgm:prSet>
       <dgm:spPr/>
+      <dgm:t>
+        <a:bodyPr/>
+        <a:lstStyle/>
+        <a:p>
+          <a:endParaRPr lang="zh-CN" altLang="en-US"/>
+        </a:p>
+      </dgm:t>
     </dgm:pt>
   </dgm:ptLst>
   <dgm:cxnLst>
@@ -6529,6 +6558,13 @@
         </dgm:presLayoutVars>
       </dgm:prSet>
       <dgm:spPr/>
+      <dgm:t>
+        <a:bodyPr/>
+        <a:lstStyle/>
+        <a:p>
+          <a:endParaRPr lang="zh-CN" altLang="en-US"/>
+        </a:p>
+      </dgm:t>
     </dgm:pt>
     <dgm:pt modelId="{8480CD49-7A08-44C8-800C-791C578F56D2}" type="pres">
       <dgm:prSet presAssocID="{D65F25BD-5964-43A4-A9F4-3F3A10E13075}" presName="parentText" presStyleLbl="node1" presStyleIdx="0" presStyleCnt="4">
@@ -6656,23 +6692,23 @@
     </dgm:pt>
   </dgm:ptLst>
   <dgm:cxnLst>
+    <dgm:cxn modelId="{7CA469CA-B24C-4BFF-B610-A16B1A98DC4C}" srcId="{CE2D9564-0D0C-4067-8B04-66280DD4907B}" destId="{CEEC253B-E9A7-407C-BB6E-6B72FEB60B84}" srcOrd="0" destOrd="0" parTransId="{5AB30D5F-996A-41DE-BBD1-7555C2E97841}" sibTransId="{C73B9315-D533-4B2F-8EF4-3CA7E54D18E9}"/>
+    <dgm:cxn modelId="{B9CEC050-2FB0-4E94-B7A0-39A4C0E8178F}" type="presOf" srcId="{74F31992-22FE-48E2-A977-4FB6A117C6E5}" destId="{8CEEE20B-9890-4F12-9002-B17AD2045685}" srcOrd="0" destOrd="0" presId="urn:microsoft.com/office/officeart/2005/8/layout/vList2"/>
+    <dgm:cxn modelId="{5BCBB689-92ED-4003-B5B4-2E18D96D2250}" srcId="{C02690BE-3F15-47B6-B5F1-9063FC833116}" destId="{CE2D9564-0D0C-4067-8B04-66280DD4907B}" srcOrd="2" destOrd="0" parTransId="{FFB6506E-BBA4-40A0-88EB-92794645E1B5}" sibTransId="{44608420-EA95-45E5-A410-19447E94A400}"/>
     <dgm:cxn modelId="{EBC9FB74-B789-4A5B-A7BF-9476EFE789AF}" type="presOf" srcId="{3AAAA723-85A9-457D-9A25-EF8FAAC6B2BB}" destId="{40F6F29C-9F6F-4FD5-ABDB-029C25C36CA7}" srcOrd="0" destOrd="0" presId="urn:microsoft.com/office/officeart/2005/8/layout/vList2"/>
+    <dgm:cxn modelId="{BBC76A7F-CE5A-4F4E-B72B-6A2501EDF666}" srcId="{D65F25BD-5964-43A4-A9F4-3F3A10E13075}" destId="{74F31992-22FE-48E2-A977-4FB6A117C6E5}" srcOrd="0" destOrd="0" parTransId="{7D26FA5A-A906-4CAE-BEF6-A84898298975}" sibTransId="{62185F3F-73E0-43E9-A77F-856ACCBC52EB}"/>
+    <dgm:cxn modelId="{D51B9E5C-BFD7-461F-8F9A-1CB5BED1C797}" srcId="{0B3B9A80-FEAB-4382-AEC1-8F4985BF9AF7}" destId="{3AAAA723-85A9-457D-9A25-EF8FAAC6B2BB}" srcOrd="0" destOrd="0" parTransId="{D8EFC524-CD4F-4D32-A672-A086E21E0921}" sibTransId="{D37A2646-ECFF-4F4B-B154-DC8B5B6D0B74}"/>
+    <dgm:cxn modelId="{42686C59-A0CA-4BDE-8B06-585E3B4A0A61}" type="presOf" srcId="{CEEC253B-E9A7-407C-BB6E-6B72FEB60B84}" destId="{560658FD-2AEF-4666-AA72-E101777542C0}" srcOrd="0" destOrd="0" presId="urn:microsoft.com/office/officeart/2005/8/layout/vList2"/>
+    <dgm:cxn modelId="{CC9A3F97-D15E-418C-AD26-A00AD862EB3E}" srcId="{C02690BE-3F15-47B6-B5F1-9063FC833116}" destId="{D65F25BD-5964-43A4-A9F4-3F3A10E13075}" srcOrd="0" destOrd="0" parTransId="{59E701D3-723B-4B5C-BF71-DA442C9F3DC9}" sibTransId="{CD2F7102-1486-4897-AA3D-D0B726254B34}"/>
+    <dgm:cxn modelId="{07C303ED-2BD3-4B51-A383-BC3CAA7EF7C3}" srcId="{622CA088-C9BF-46EB-83FD-2FD80BE93EB3}" destId="{7BBB3E7B-9202-4312-B160-476E161E3E44}" srcOrd="0" destOrd="0" parTransId="{F4A8E4AF-841E-4472-B294-3E73B0998C4E}" sibTransId="{B76AC8A2-F2F8-468A-8B8B-868F649B683F}"/>
     <dgm:cxn modelId="{EA42B32C-CF25-4BBF-9CBE-E6197414BFD2}" type="presOf" srcId="{C02690BE-3F15-47B6-B5F1-9063FC833116}" destId="{27364063-BC25-46CF-BBC7-6B414AD95359}" srcOrd="0" destOrd="0" presId="urn:microsoft.com/office/officeart/2005/8/layout/vList2"/>
-    <dgm:cxn modelId="{151B849D-08DB-4B4B-B125-2F5661AD0F5F}" type="presOf" srcId="{7BBB3E7B-9202-4312-B160-476E161E3E44}" destId="{55574814-5C05-49D8-B3D4-751D27E76157}" srcOrd="0" destOrd="0" presId="urn:microsoft.com/office/officeart/2005/8/layout/vList2"/>
-    <dgm:cxn modelId="{CC9A3F97-D15E-418C-AD26-A00AD862EB3E}" srcId="{C02690BE-3F15-47B6-B5F1-9063FC833116}" destId="{D65F25BD-5964-43A4-A9F4-3F3A10E13075}" srcOrd="0" destOrd="0" parTransId="{59E701D3-723B-4B5C-BF71-DA442C9F3DC9}" sibTransId="{CD2F7102-1486-4897-AA3D-D0B726254B34}"/>
-    <dgm:cxn modelId="{BBC76A7F-CE5A-4F4E-B72B-6A2501EDF666}" srcId="{D65F25BD-5964-43A4-A9F4-3F3A10E13075}" destId="{74F31992-22FE-48E2-A977-4FB6A117C6E5}" srcOrd="0" destOrd="0" parTransId="{7D26FA5A-A906-4CAE-BEF6-A84898298975}" sibTransId="{62185F3F-73E0-43E9-A77F-856ACCBC52EB}"/>
-    <dgm:cxn modelId="{5BCBB689-92ED-4003-B5B4-2E18D96D2250}" srcId="{C02690BE-3F15-47B6-B5F1-9063FC833116}" destId="{CE2D9564-0D0C-4067-8B04-66280DD4907B}" srcOrd="2" destOrd="0" parTransId="{FFB6506E-BBA4-40A0-88EB-92794645E1B5}" sibTransId="{44608420-EA95-45E5-A410-19447E94A400}"/>
+    <dgm:cxn modelId="{DAAE4464-9840-47DF-884F-989FF36EE34B}" type="presOf" srcId="{0B3B9A80-FEAB-4382-AEC1-8F4985BF9AF7}" destId="{367775B8-3428-4829-A7B2-607BBF34E06D}" srcOrd="0" destOrd="0" presId="urn:microsoft.com/office/officeart/2005/8/layout/vList2"/>
     <dgm:cxn modelId="{DAC9ADF0-BF35-4159-8F55-6CE82086269D}" type="presOf" srcId="{622CA088-C9BF-46EB-83FD-2FD80BE93EB3}" destId="{075DAB5A-EB6D-4514-9392-4F760EBB0DA3}" srcOrd="0" destOrd="0" presId="urn:microsoft.com/office/officeart/2005/8/layout/vList2"/>
     <dgm:cxn modelId="{038B2C3D-6401-486F-919E-84BD2D6FA088}" type="presOf" srcId="{CE2D9564-0D0C-4067-8B04-66280DD4907B}" destId="{8E88E7CA-A1B5-4CE5-9428-9AFF148C95A8}" srcOrd="0" destOrd="0" presId="urn:microsoft.com/office/officeart/2005/8/layout/vList2"/>
-    <dgm:cxn modelId="{B9CEC050-2FB0-4E94-B7A0-39A4C0E8178F}" type="presOf" srcId="{74F31992-22FE-48E2-A977-4FB6A117C6E5}" destId="{8CEEE20B-9890-4F12-9002-B17AD2045685}" srcOrd="0" destOrd="0" presId="urn:microsoft.com/office/officeart/2005/8/layout/vList2"/>
+    <dgm:cxn modelId="{D3595E3B-E712-459A-9BDE-17D74818A970}" type="presOf" srcId="{D65F25BD-5964-43A4-A9F4-3F3A10E13075}" destId="{8480CD49-7A08-44C8-800C-791C578F56D2}" srcOrd="0" destOrd="0" presId="urn:microsoft.com/office/officeart/2005/8/layout/vList2"/>
+    <dgm:cxn modelId="{9CCE129B-312E-4C9E-8670-5F7DE71457F1}" srcId="{C02690BE-3F15-47B6-B5F1-9063FC833116}" destId="{0B3B9A80-FEAB-4382-AEC1-8F4985BF9AF7}" srcOrd="1" destOrd="0" parTransId="{6A23D7C0-0A42-47BB-8E9E-279348E9A7D5}" sibTransId="{CF537DE7-4794-4496-82A8-5B723FBAE9DD}"/>
     <dgm:cxn modelId="{6ADD0B39-9992-4C4D-8199-F4F531C38353}" srcId="{C02690BE-3F15-47B6-B5F1-9063FC833116}" destId="{622CA088-C9BF-46EB-83FD-2FD80BE93EB3}" srcOrd="3" destOrd="0" parTransId="{B98B7F9C-89F1-4172-A628-6739FBD50FE4}" sibTransId="{BA800ED1-7538-418E-98E8-09E5889F6F3B}"/>
-    <dgm:cxn modelId="{9CCE129B-312E-4C9E-8670-5F7DE71457F1}" srcId="{C02690BE-3F15-47B6-B5F1-9063FC833116}" destId="{0B3B9A80-FEAB-4382-AEC1-8F4985BF9AF7}" srcOrd="1" destOrd="0" parTransId="{6A23D7C0-0A42-47BB-8E9E-279348E9A7D5}" sibTransId="{CF537DE7-4794-4496-82A8-5B723FBAE9DD}"/>
-    <dgm:cxn modelId="{DAAE4464-9840-47DF-884F-989FF36EE34B}" type="presOf" srcId="{0B3B9A80-FEAB-4382-AEC1-8F4985BF9AF7}" destId="{367775B8-3428-4829-A7B2-607BBF34E06D}" srcOrd="0" destOrd="0" presId="urn:microsoft.com/office/officeart/2005/8/layout/vList2"/>
-    <dgm:cxn modelId="{D51B9E5C-BFD7-461F-8F9A-1CB5BED1C797}" srcId="{0B3B9A80-FEAB-4382-AEC1-8F4985BF9AF7}" destId="{3AAAA723-85A9-457D-9A25-EF8FAAC6B2BB}" srcOrd="0" destOrd="0" parTransId="{D8EFC524-CD4F-4D32-A672-A086E21E0921}" sibTransId="{D37A2646-ECFF-4F4B-B154-DC8B5B6D0B74}"/>
-    <dgm:cxn modelId="{D3595E3B-E712-459A-9BDE-17D74818A970}" type="presOf" srcId="{D65F25BD-5964-43A4-A9F4-3F3A10E13075}" destId="{8480CD49-7A08-44C8-800C-791C578F56D2}" srcOrd="0" destOrd="0" presId="urn:microsoft.com/office/officeart/2005/8/layout/vList2"/>
-    <dgm:cxn modelId="{07C303ED-2BD3-4B51-A383-BC3CAA7EF7C3}" srcId="{622CA088-C9BF-46EB-83FD-2FD80BE93EB3}" destId="{7BBB3E7B-9202-4312-B160-476E161E3E44}" srcOrd="0" destOrd="0" parTransId="{F4A8E4AF-841E-4472-B294-3E73B0998C4E}" sibTransId="{B76AC8A2-F2F8-468A-8B8B-868F649B683F}"/>
-    <dgm:cxn modelId="{7CA469CA-B24C-4BFF-B610-A16B1A98DC4C}" srcId="{CE2D9564-0D0C-4067-8B04-66280DD4907B}" destId="{CEEC253B-E9A7-407C-BB6E-6B72FEB60B84}" srcOrd="0" destOrd="0" parTransId="{5AB30D5F-996A-41DE-BBD1-7555C2E97841}" sibTransId="{C73B9315-D533-4B2F-8EF4-3CA7E54D18E9}"/>
-    <dgm:cxn modelId="{42686C59-A0CA-4BDE-8B06-585E3B4A0A61}" type="presOf" srcId="{CEEC253B-E9A7-407C-BB6E-6B72FEB60B84}" destId="{560658FD-2AEF-4666-AA72-E101777542C0}" srcOrd="0" destOrd="0" presId="urn:microsoft.com/office/officeart/2005/8/layout/vList2"/>
+    <dgm:cxn modelId="{151B849D-08DB-4B4B-B125-2F5661AD0F5F}" type="presOf" srcId="{7BBB3E7B-9202-4312-B160-476E161E3E44}" destId="{55574814-5C05-49D8-B3D4-751D27E76157}" srcOrd="0" destOrd="0" presId="urn:microsoft.com/office/officeart/2005/8/layout/vList2"/>
     <dgm:cxn modelId="{7B4C5AD5-161D-4DA3-92D0-7C15D92B5309}" type="presParOf" srcId="{27364063-BC25-46CF-BBC7-6B414AD95359}" destId="{8480CD49-7A08-44C8-800C-791C578F56D2}" srcOrd="0" destOrd="0" presId="urn:microsoft.com/office/officeart/2005/8/layout/vList2"/>
     <dgm:cxn modelId="{F23A0662-CC4A-43AD-A00E-CF98272D2B6B}" type="presParOf" srcId="{27364063-BC25-46CF-BBC7-6B414AD95359}" destId="{8CEEE20B-9890-4F12-9002-B17AD2045685}" srcOrd="1" destOrd="0" presId="urn:microsoft.com/office/officeart/2005/8/layout/vList2"/>
     <dgm:cxn modelId="{749239C9-EB8D-4EFD-903E-D3CC0BAD14CB}" type="presParOf" srcId="{27364063-BC25-46CF-BBC7-6B414AD95359}" destId="{367775B8-3428-4829-A7B2-607BBF34E06D}" srcOrd="2" destOrd="0" presId="urn:microsoft.com/office/officeart/2005/8/layout/vList2"/>
@@ -6700,601 +6736,6 @@
       <dsp:cNvGrpSpPr/>
     </dsp:nvGrpSpPr>
     <dsp:grpSpPr/>
-    <dsp:sp modelId="{1D61917E-66F5-412C-9533-A0AFE78DDA5E}">
-      <dsp:nvSpPr>
-        <dsp:cNvPr id="0" name=""/>
-        <dsp:cNvSpPr/>
-      </dsp:nvSpPr>
-      <dsp:spPr>
-        <a:xfrm rot="5400000">
-          <a:off x="5352046" y="-3063309"/>
-          <a:ext cx="1164803" cy="7587034"/>
-        </a:xfrm>
-        <a:prstGeom prst="round2SameRect">
-          <a:avLst/>
-        </a:prstGeom>
-        <a:solidFill>
-          <a:schemeClr val="accent1">
-            <a:alpha val="90000"/>
-            <a:tint val="40000"/>
-            <a:hueOff val="0"/>
-            <a:satOff val="0"/>
-            <a:lumOff val="0"/>
-            <a:alphaOff val="0"/>
-          </a:schemeClr>
-        </a:solidFill>
-        <a:ln w="15875" cap="rnd" cmpd="sng" algn="ctr">
-          <a:solidFill>
-            <a:schemeClr val="accent1">
-              <a:alpha val="90000"/>
-              <a:tint val="40000"/>
-              <a:hueOff val="0"/>
-              <a:satOff val="0"/>
-              <a:lumOff val="0"/>
-              <a:alphaOff val="0"/>
-            </a:schemeClr>
-          </a:solidFill>
-          <a:prstDash val="solid"/>
-        </a:ln>
-        <a:effectLst/>
-      </dsp:spPr>
-      <dsp:style>
-        <a:lnRef idx="2">
-          <a:scrgbClr r="0" g="0" b="0"/>
-        </a:lnRef>
-        <a:fillRef idx="1">
-          <a:scrgbClr r="0" g="0" b="0"/>
-        </a:fillRef>
-        <a:effectRef idx="0">
-          <a:scrgbClr r="0" g="0" b="0"/>
-        </a:effectRef>
-        <a:fontRef idx="minor"/>
-      </dsp:style>
-      <dsp:txBody>
-        <a:bodyPr spcFirstLastPara="0" vert="horz" wrap="square" lIns="60960" tIns="30480" rIns="60960" bIns="30480" numCol="1" spcCol="1270" anchor="ctr" anchorCtr="0">
-          <a:noAutofit/>
-        </a:bodyPr>
-        <a:lstStyle/>
-        <a:p>
-          <a:pPr marL="171450" lvl="1" indent="-171450" algn="l" defTabSz="711200">
-            <a:lnSpc>
-              <a:spcPct val="90000"/>
-            </a:lnSpc>
-            <a:spcBef>
-              <a:spcPct val="0"/>
-            </a:spcBef>
-            <a:spcAft>
-              <a:spcPct val="15000"/>
-            </a:spcAft>
-            <a:buChar char="••"/>
-          </a:pPr>
-          <a:r>
-            <a:rPr lang="en-US" altLang="en-US" sz="1600" kern="1200" dirty="0" smtClean="0"/>
-            <a:t>Reactor </a:t>
-          </a:r>
-          <a:r>
-            <a:rPr lang="zh-CN" altLang="en-US" sz="1600" kern="1200" dirty="0" smtClean="0"/>
-            <a:t>通信调度层，它由一系列辅助类组成，包括 </a:t>
-          </a:r>
-          <a:r>
-            <a:rPr lang="en-US" altLang="en-US" sz="1600" kern="1200" dirty="0" smtClean="0"/>
-            <a:t>Reactor </a:t>
-          </a:r>
-          <a:r>
-            <a:rPr lang="zh-CN" altLang="en-US" sz="1600" kern="1200" dirty="0" smtClean="0"/>
-            <a:t>线程</a:t>
-          </a:r>
-          <a:r>
-            <a:rPr lang="en-US" altLang="en-US" sz="1600" kern="1200" dirty="0" err="1" smtClean="0"/>
-            <a:t>NioEventLoop</a:t>
-          </a:r>
-          <a:r>
-            <a:rPr lang="en-US" altLang="en-US" sz="1600" kern="1200" dirty="0" smtClean="0"/>
-            <a:t> </a:t>
-          </a:r>
-          <a:r>
-            <a:rPr lang="zh-CN" altLang="en-US" sz="1600" kern="1200" dirty="0" smtClean="0"/>
-            <a:t>以及其父类、</a:t>
-          </a:r>
-          <a:r>
-            <a:rPr lang="en-US" altLang="en-US" sz="1600" kern="1200" dirty="0" err="1" smtClean="0"/>
-            <a:t>NioSocketChannel</a:t>
-          </a:r>
-          <a:r>
-            <a:rPr lang="en-US" altLang="en-US" sz="1600" kern="1200" dirty="0" smtClean="0"/>
-            <a:t>/</a:t>
-          </a:r>
-          <a:r>
-            <a:rPr lang="en-US" altLang="en-US" sz="1600" kern="1200" dirty="0" err="1" smtClean="0"/>
-            <a:t>NioServerSocketChannel</a:t>
-          </a:r>
-          <a:r>
-            <a:rPr lang="en-US" altLang="en-US" sz="1600" kern="1200" dirty="0" smtClean="0"/>
-            <a:t> </a:t>
-          </a:r>
-          <a:r>
-            <a:rPr lang="zh-CN" altLang="en-US" sz="1600" kern="1200" dirty="0" smtClean="0"/>
-            <a:t>以及其父类、</a:t>
-          </a:r>
-          <a:r>
-            <a:rPr lang="en-US" altLang="en-US" sz="1600" kern="1200" dirty="0" err="1" smtClean="0"/>
-            <a:t>ByteBuffer</a:t>
-          </a:r>
-          <a:r>
-            <a:rPr lang="en-US" altLang="en-US" sz="1600" kern="1200" dirty="0" smtClean="0"/>
-            <a:t> </a:t>
-          </a:r>
-          <a:r>
-            <a:rPr lang="zh-CN" altLang="en-US" sz="1600" kern="1200" dirty="0" smtClean="0"/>
-            <a:t>以及由其衍生出来的各种 </a:t>
-          </a:r>
-          <a:r>
-            <a:rPr lang="en-US" altLang="en-US" sz="1600" kern="1200" dirty="0" smtClean="0"/>
-            <a:t>Buffer</a:t>
-          </a:r>
-          <a:r>
-            <a:rPr lang="zh-CN" altLang="en-US" sz="1600" kern="1200" dirty="0" smtClean="0"/>
-            <a:t>、</a:t>
-          </a:r>
-          <a:r>
-            <a:rPr lang="en-US" altLang="en-US" sz="1600" kern="1200" dirty="0" smtClean="0"/>
-            <a:t>Unsafe </a:t>
-          </a:r>
-          <a:r>
-            <a:rPr lang="zh-CN" altLang="en-US" sz="1600" kern="1200" dirty="0" smtClean="0"/>
-            <a:t>以及其衍生出的各种内部子类等；</a:t>
-          </a:r>
-          <a:endParaRPr lang="zh-CN" altLang="en-US" sz="1600" kern="1200" dirty="0"/>
-        </a:p>
-      </dsp:txBody>
-      <dsp:txXfrm rot="-5400000">
-        <a:off x="2140931" y="204667"/>
-        <a:ext cx="7530173" cy="1051081"/>
-      </dsp:txXfrm>
-    </dsp:sp>
-    <dsp:sp modelId="{EA945CF3-C00F-4A19-97C9-9DC03EC7034E}">
-      <dsp:nvSpPr>
-        <dsp:cNvPr id="0" name=""/>
-        <dsp:cNvSpPr/>
-      </dsp:nvSpPr>
-      <dsp:spPr>
-        <a:xfrm>
-          <a:off x="290747" y="2206"/>
-          <a:ext cx="1850183" cy="1456004"/>
-        </a:xfrm>
-        <a:prstGeom prst="roundRect">
-          <a:avLst/>
-        </a:prstGeom>
-        <a:solidFill>
-          <a:schemeClr val="accent1">
-            <a:hueOff val="0"/>
-            <a:satOff val="0"/>
-            <a:lumOff val="0"/>
-            <a:alphaOff val="0"/>
-          </a:schemeClr>
-        </a:solidFill>
-        <a:ln w="15875" cap="rnd" cmpd="sng" algn="ctr">
-          <a:solidFill>
-            <a:schemeClr val="lt1">
-              <a:hueOff val="0"/>
-              <a:satOff val="0"/>
-              <a:lumOff val="0"/>
-              <a:alphaOff val="0"/>
-            </a:schemeClr>
-          </a:solidFill>
-          <a:prstDash val="solid"/>
-        </a:ln>
-        <a:effectLst/>
-      </dsp:spPr>
-      <dsp:style>
-        <a:lnRef idx="2">
-          <a:scrgbClr r="0" g="0" b="0"/>
-        </a:lnRef>
-        <a:fillRef idx="1">
-          <a:scrgbClr r="0" g="0" b="0"/>
-        </a:fillRef>
-        <a:effectRef idx="0">
-          <a:scrgbClr r="0" g="0" b="0"/>
-        </a:effectRef>
-        <a:fontRef idx="minor">
-          <a:schemeClr val="lt1"/>
-        </a:fontRef>
-      </dsp:style>
-      <dsp:txBody>
-        <a:bodyPr spcFirstLastPara="0" vert="horz" wrap="square" lIns="140970" tIns="70485" rIns="140970" bIns="70485" numCol="1" spcCol="1270" anchor="ctr" anchorCtr="0">
-          <a:noAutofit/>
-        </a:bodyPr>
-        <a:lstStyle/>
-        <a:p>
-          <a:pPr lvl="0" algn="ctr" defTabSz="1644650">
-            <a:lnSpc>
-              <a:spcPct val="90000"/>
-            </a:lnSpc>
-            <a:spcBef>
-              <a:spcPct val="0"/>
-            </a:spcBef>
-            <a:spcAft>
-              <a:spcPct val="35000"/>
-            </a:spcAft>
-          </a:pPr>
-          <a:r>
-            <a:rPr lang="zh-CN" altLang="en-US" sz="3700" kern="1200" dirty="0" smtClean="0"/>
-            <a:t>第一层</a:t>
-          </a:r>
-          <a:endParaRPr lang="zh-CN" altLang="en-US" sz="3700" kern="1200" dirty="0"/>
-        </a:p>
-      </dsp:txBody>
-      <dsp:txXfrm>
-        <a:off x="361823" y="73282"/>
-        <a:ext cx="1708031" cy="1313852"/>
-      </dsp:txXfrm>
-    </dsp:sp>
-    <dsp:sp modelId="{ED6E39D2-824F-4791-A604-37A1250DABA9}">
-      <dsp:nvSpPr>
-        <dsp:cNvPr id="0" name=""/>
-        <dsp:cNvSpPr/>
-      </dsp:nvSpPr>
-      <dsp:spPr>
-        <a:xfrm rot="5400000">
-          <a:off x="5352046" y="-1534504"/>
-          <a:ext cx="1164803" cy="7587034"/>
-        </a:xfrm>
-        <a:prstGeom prst="round2SameRect">
-          <a:avLst/>
-        </a:prstGeom>
-        <a:solidFill>
-          <a:schemeClr val="accent1">
-            <a:alpha val="90000"/>
-            <a:tint val="40000"/>
-            <a:hueOff val="0"/>
-            <a:satOff val="0"/>
-            <a:lumOff val="0"/>
-            <a:alphaOff val="0"/>
-          </a:schemeClr>
-        </a:solidFill>
-        <a:ln w="15875" cap="rnd" cmpd="sng" algn="ctr">
-          <a:solidFill>
-            <a:schemeClr val="accent1">
-              <a:alpha val="90000"/>
-              <a:tint val="40000"/>
-              <a:hueOff val="0"/>
-              <a:satOff val="0"/>
-              <a:lumOff val="0"/>
-              <a:alphaOff val="0"/>
-            </a:schemeClr>
-          </a:solidFill>
-          <a:prstDash val="solid"/>
-        </a:ln>
-        <a:effectLst/>
-      </dsp:spPr>
-      <dsp:style>
-        <a:lnRef idx="2">
-          <a:scrgbClr r="0" g="0" b="0"/>
-        </a:lnRef>
-        <a:fillRef idx="1">
-          <a:scrgbClr r="0" g="0" b="0"/>
-        </a:fillRef>
-        <a:effectRef idx="0">
-          <a:scrgbClr r="0" g="0" b="0"/>
-        </a:effectRef>
-        <a:fontRef idx="minor"/>
-      </dsp:style>
-      <dsp:txBody>
-        <a:bodyPr spcFirstLastPara="0" vert="horz" wrap="square" lIns="60960" tIns="30480" rIns="60960" bIns="30480" numCol="1" spcCol="1270" anchor="ctr" anchorCtr="0">
-          <a:noAutofit/>
-        </a:bodyPr>
-        <a:lstStyle/>
-        <a:p>
-          <a:pPr marL="171450" lvl="1" indent="-171450" algn="l" defTabSz="711200">
-            <a:lnSpc>
-              <a:spcPct val="90000"/>
-            </a:lnSpc>
-            <a:spcBef>
-              <a:spcPct val="0"/>
-            </a:spcBef>
-            <a:spcAft>
-              <a:spcPct val="15000"/>
-            </a:spcAft>
-            <a:buChar char="••"/>
-          </a:pPr>
-          <a:r>
-            <a:rPr lang="zh-CN" altLang="en-US" sz="1600" kern="1200" dirty="0" smtClean="0"/>
-            <a:t>职责链 </a:t>
-          </a:r>
-          <a:r>
-            <a:rPr lang="en-US" altLang="en-US" sz="1600" kern="1200" dirty="0" err="1" smtClean="0"/>
-            <a:t>ChannelPipeLine</a:t>
-          </a:r>
-          <a:r>
-            <a:rPr lang="zh-CN" altLang="en-US" sz="1600" kern="1200" dirty="0" smtClean="0"/>
-            <a:t>，它负责调度事件在职责链中的传播，支持动态的编排职责链，职责链可以选择性的拦截自己关心的事件，对于其它</a:t>
-          </a:r>
-          <a:r>
-            <a:rPr lang="en-US" altLang="en-US" sz="1600" kern="1200" dirty="0" smtClean="0"/>
-            <a:t>IO</a:t>
-          </a:r>
-          <a:r>
-            <a:rPr lang="zh-CN" altLang="en-US" sz="1600" kern="1200" dirty="0" smtClean="0"/>
-            <a:t>操作和事件忽略，</a:t>
-          </a:r>
-          <a:r>
-            <a:rPr lang="en-US" altLang="en-US" sz="1600" kern="1200" dirty="0" smtClean="0"/>
-            <a:t>Handler</a:t>
-          </a:r>
-          <a:r>
-            <a:rPr lang="zh-CN" altLang="en-US" sz="1600" kern="1200" dirty="0" smtClean="0"/>
-            <a:t>同时支持</a:t>
-          </a:r>
-          <a:r>
-            <a:rPr lang="en-US" altLang="en-US" sz="1600" kern="1200" dirty="0" smtClean="0"/>
-            <a:t>inbound</a:t>
-          </a:r>
-          <a:r>
-            <a:rPr lang="zh-CN" altLang="en-US" sz="1600" kern="1200" dirty="0" smtClean="0"/>
-            <a:t>和</a:t>
-          </a:r>
-          <a:r>
-            <a:rPr lang="en-US" altLang="en-US" sz="1600" kern="1200" dirty="0" smtClean="0"/>
-            <a:t>outbound</a:t>
-          </a:r>
-          <a:r>
-            <a:rPr lang="zh-CN" altLang="en-US" sz="1600" kern="1200" dirty="0" smtClean="0"/>
-            <a:t>事件；</a:t>
-          </a:r>
-          <a:endParaRPr lang="zh-CN" altLang="en-US" sz="1600" kern="1200" dirty="0"/>
-        </a:p>
-      </dsp:txBody>
-      <dsp:txXfrm rot="-5400000">
-        <a:off x="2140931" y="1733472"/>
-        <a:ext cx="7530173" cy="1051081"/>
-      </dsp:txXfrm>
-    </dsp:sp>
-    <dsp:sp modelId="{F52B4BDB-80A5-41AA-B9B3-3645F8EF4C11}">
-      <dsp:nvSpPr>
-        <dsp:cNvPr id="0" name=""/>
-        <dsp:cNvSpPr/>
-      </dsp:nvSpPr>
-      <dsp:spPr>
-        <a:xfrm>
-          <a:off x="290747" y="1531010"/>
-          <a:ext cx="1850183" cy="1456004"/>
-        </a:xfrm>
-        <a:prstGeom prst="roundRect">
-          <a:avLst/>
-        </a:prstGeom>
-        <a:solidFill>
-          <a:schemeClr val="accent1">
-            <a:hueOff val="0"/>
-            <a:satOff val="0"/>
-            <a:lumOff val="0"/>
-            <a:alphaOff val="0"/>
-          </a:schemeClr>
-        </a:solidFill>
-        <a:ln w="15875" cap="rnd" cmpd="sng" algn="ctr">
-          <a:solidFill>
-            <a:schemeClr val="lt1">
-              <a:hueOff val="0"/>
-              <a:satOff val="0"/>
-              <a:lumOff val="0"/>
-              <a:alphaOff val="0"/>
-            </a:schemeClr>
-          </a:solidFill>
-          <a:prstDash val="solid"/>
-        </a:ln>
-        <a:effectLst/>
-      </dsp:spPr>
-      <dsp:style>
-        <a:lnRef idx="2">
-          <a:scrgbClr r="0" g="0" b="0"/>
-        </a:lnRef>
-        <a:fillRef idx="1">
-          <a:scrgbClr r="0" g="0" b="0"/>
-        </a:fillRef>
-        <a:effectRef idx="0">
-          <a:scrgbClr r="0" g="0" b="0"/>
-        </a:effectRef>
-        <a:fontRef idx="minor">
-          <a:schemeClr val="lt1"/>
-        </a:fontRef>
-      </dsp:style>
-      <dsp:txBody>
-        <a:bodyPr spcFirstLastPara="0" vert="horz" wrap="square" lIns="140970" tIns="70485" rIns="140970" bIns="70485" numCol="1" spcCol="1270" anchor="ctr" anchorCtr="0">
-          <a:noAutofit/>
-        </a:bodyPr>
-        <a:lstStyle/>
-        <a:p>
-          <a:pPr lvl="0" algn="ctr" defTabSz="1644650">
-            <a:lnSpc>
-              <a:spcPct val="90000"/>
-            </a:lnSpc>
-            <a:spcBef>
-              <a:spcPct val="0"/>
-            </a:spcBef>
-            <a:spcAft>
-              <a:spcPct val="35000"/>
-            </a:spcAft>
-          </a:pPr>
-          <a:r>
-            <a:rPr lang="zh-CN" altLang="en-US" sz="3700" kern="1200" dirty="0" smtClean="0"/>
-            <a:t>第二层</a:t>
-          </a:r>
-          <a:endParaRPr lang="zh-CN" altLang="en-US" sz="3700" kern="1200" dirty="0"/>
-        </a:p>
-      </dsp:txBody>
-      <dsp:txXfrm>
-        <a:off x="361823" y="1602086"/>
-        <a:ext cx="1708031" cy="1313852"/>
-      </dsp:txXfrm>
-    </dsp:sp>
-    <dsp:sp modelId="{3A895E7A-F92A-44EB-ADD1-62EF62E0E337}">
-      <dsp:nvSpPr>
-        <dsp:cNvPr id="0" name=""/>
-        <dsp:cNvSpPr/>
-      </dsp:nvSpPr>
-      <dsp:spPr>
-        <a:xfrm rot="5400000">
-          <a:off x="5352046" y="-5700"/>
-          <a:ext cx="1164803" cy="7587034"/>
-        </a:xfrm>
-        <a:prstGeom prst="round2SameRect">
-          <a:avLst/>
-        </a:prstGeom>
-        <a:solidFill>
-          <a:schemeClr val="accent1">
-            <a:alpha val="90000"/>
-            <a:tint val="40000"/>
-            <a:hueOff val="0"/>
-            <a:satOff val="0"/>
-            <a:lumOff val="0"/>
-            <a:alphaOff val="0"/>
-          </a:schemeClr>
-        </a:solidFill>
-        <a:ln w="15875" cap="rnd" cmpd="sng" algn="ctr">
-          <a:solidFill>
-            <a:schemeClr val="accent1">
-              <a:alpha val="90000"/>
-              <a:tint val="40000"/>
-              <a:hueOff val="0"/>
-              <a:satOff val="0"/>
-              <a:lumOff val="0"/>
-              <a:alphaOff val="0"/>
-            </a:schemeClr>
-          </a:solidFill>
-          <a:prstDash val="solid"/>
-        </a:ln>
-        <a:effectLst/>
-      </dsp:spPr>
-      <dsp:style>
-        <a:lnRef idx="2">
-          <a:scrgbClr r="0" g="0" b="0"/>
-        </a:lnRef>
-        <a:fillRef idx="1">
-          <a:scrgbClr r="0" g="0" b="0"/>
-        </a:fillRef>
-        <a:effectRef idx="0">
-          <a:scrgbClr r="0" g="0" b="0"/>
-        </a:effectRef>
-        <a:fontRef idx="minor"/>
-      </dsp:style>
-      <dsp:txBody>
-        <a:bodyPr spcFirstLastPara="0" vert="horz" wrap="square" lIns="60960" tIns="30480" rIns="60960" bIns="30480" numCol="1" spcCol="1270" anchor="ctr" anchorCtr="0">
-          <a:noAutofit/>
-        </a:bodyPr>
-        <a:lstStyle/>
-        <a:p>
-          <a:pPr marL="171450" lvl="1" indent="-171450" algn="l" defTabSz="711200">
-            <a:lnSpc>
-              <a:spcPct val="90000"/>
-            </a:lnSpc>
-            <a:spcBef>
-              <a:spcPct val="0"/>
-            </a:spcBef>
-            <a:spcAft>
-              <a:spcPct val="15000"/>
-            </a:spcAft>
-            <a:buChar char="••"/>
-          </a:pPr>
-          <a:r>
-            <a:rPr lang="zh-CN" altLang="en-US" sz="1600" kern="1200" dirty="0" smtClean="0"/>
-            <a:t>业务逻辑编排层，业务逻辑编排层通常有两类：一类是纯粹的业务逻辑编排，还有一类是应用层协议插件，用于协议相关的编解码和链路管理，例如 </a:t>
-          </a:r>
-          <a:r>
-            <a:rPr lang="en-US" altLang="zh-CN" sz="1600" kern="1200" dirty="0" err="1" smtClean="0"/>
-            <a:t>Hession</a:t>
-          </a:r>
-          <a:r>
-            <a:rPr lang="zh-CN" altLang="en-US" sz="1600" kern="1200" smtClean="0"/>
-            <a:t>编码插件</a:t>
-          </a:r>
-          <a:r>
-            <a:rPr lang="zh-CN" altLang="en-US" sz="1600" kern="1200" dirty="0" smtClean="0"/>
-            <a:t>。</a:t>
-          </a:r>
-          <a:endParaRPr lang="zh-CN" altLang="en-US" sz="1600" kern="1200" dirty="0"/>
-        </a:p>
-      </dsp:txBody>
-      <dsp:txXfrm rot="-5400000">
-        <a:off x="2140931" y="3262277"/>
-        <a:ext cx="7530173" cy="1051081"/>
-      </dsp:txXfrm>
-    </dsp:sp>
-    <dsp:sp modelId="{09F04A3B-D471-45E6-BB8D-DE4B129D58D0}">
-      <dsp:nvSpPr>
-        <dsp:cNvPr id="0" name=""/>
-        <dsp:cNvSpPr/>
-      </dsp:nvSpPr>
-      <dsp:spPr>
-        <a:xfrm>
-          <a:off x="290747" y="3059814"/>
-          <a:ext cx="1850183" cy="1456004"/>
-        </a:xfrm>
-        <a:prstGeom prst="roundRect">
-          <a:avLst/>
-        </a:prstGeom>
-        <a:solidFill>
-          <a:schemeClr val="accent1">
-            <a:hueOff val="0"/>
-            <a:satOff val="0"/>
-            <a:lumOff val="0"/>
-            <a:alphaOff val="0"/>
-          </a:schemeClr>
-        </a:solidFill>
-        <a:ln w="15875" cap="rnd" cmpd="sng" algn="ctr">
-          <a:solidFill>
-            <a:schemeClr val="lt1">
-              <a:hueOff val="0"/>
-              <a:satOff val="0"/>
-              <a:lumOff val="0"/>
-              <a:alphaOff val="0"/>
-            </a:schemeClr>
-          </a:solidFill>
-          <a:prstDash val="solid"/>
-        </a:ln>
-        <a:effectLst/>
-      </dsp:spPr>
-      <dsp:style>
-        <a:lnRef idx="2">
-          <a:scrgbClr r="0" g="0" b="0"/>
-        </a:lnRef>
-        <a:fillRef idx="1">
-          <a:scrgbClr r="0" g="0" b="0"/>
-        </a:fillRef>
-        <a:effectRef idx="0">
-          <a:scrgbClr r="0" g="0" b="0"/>
-        </a:effectRef>
-        <a:fontRef idx="minor">
-          <a:schemeClr val="lt1"/>
-        </a:fontRef>
-      </dsp:style>
-      <dsp:txBody>
-        <a:bodyPr spcFirstLastPara="0" vert="horz" wrap="square" lIns="140970" tIns="70485" rIns="140970" bIns="70485" numCol="1" spcCol="1270" anchor="ctr" anchorCtr="0">
-          <a:noAutofit/>
-        </a:bodyPr>
-        <a:lstStyle/>
-        <a:p>
-          <a:pPr lvl="0" algn="ctr" defTabSz="1644650">
-            <a:lnSpc>
-              <a:spcPct val="90000"/>
-            </a:lnSpc>
-            <a:spcBef>
-              <a:spcPct val="0"/>
-            </a:spcBef>
-            <a:spcAft>
-              <a:spcPct val="35000"/>
-            </a:spcAft>
-          </a:pPr>
-          <a:r>
-            <a:rPr lang="zh-CN" altLang="en-US" sz="3700" kern="1200" dirty="0" smtClean="0"/>
-            <a:t>第三层</a:t>
-          </a:r>
-          <a:endParaRPr lang="zh-CN" altLang="en-US" sz="3700" kern="1200" dirty="0"/>
-        </a:p>
-      </dsp:txBody>
-      <dsp:txXfrm>
-        <a:off x="361823" y="3130890"/>
-        <a:ext cx="1708031" cy="1313852"/>
-      </dsp:txXfrm>
-    </dsp:sp>
   </dsp:spTree>
 </dsp:drawing>
 </file>
@@ -7307,762 +6748,6 @@
       <dsp:cNvGrpSpPr/>
     </dsp:nvGrpSpPr>
     <dsp:grpSpPr/>
-    <dsp:sp modelId="{584451EA-FAE9-4986-832E-105574B55E26}">
-      <dsp:nvSpPr>
-        <dsp:cNvPr id="0" name=""/>
-        <dsp:cNvSpPr/>
-      </dsp:nvSpPr>
-      <dsp:spPr>
-        <a:xfrm rot="5400000">
-          <a:off x="5764177" y="-3274179"/>
-          <a:ext cx="1020322" cy="7798242"/>
-        </a:xfrm>
-        <a:prstGeom prst="round2SameRect">
-          <a:avLst/>
-        </a:prstGeom>
-        <a:solidFill>
-          <a:schemeClr val="accent2">
-            <a:tint val="40000"/>
-            <a:alpha val="90000"/>
-            <a:hueOff val="0"/>
-            <a:satOff val="0"/>
-            <a:lumOff val="0"/>
-            <a:alphaOff val="0"/>
-          </a:schemeClr>
-        </a:solidFill>
-        <a:ln w="15875" cap="rnd" cmpd="sng" algn="ctr">
-          <a:solidFill>
-            <a:schemeClr val="accent2">
-              <a:tint val="40000"/>
-              <a:alpha val="90000"/>
-              <a:hueOff val="0"/>
-              <a:satOff val="0"/>
-              <a:lumOff val="0"/>
-              <a:alphaOff val="0"/>
-            </a:schemeClr>
-          </a:solidFill>
-          <a:prstDash val="solid"/>
-        </a:ln>
-        <a:effectLst/>
-      </dsp:spPr>
-      <dsp:style>
-        <a:lnRef idx="2">
-          <a:scrgbClr r="0" g="0" b="0"/>
-        </a:lnRef>
-        <a:fillRef idx="1">
-          <a:scrgbClr r="0" g="0" b="0"/>
-        </a:fillRef>
-        <a:effectRef idx="0">
-          <a:scrgbClr r="0" g="0" b="0"/>
-        </a:effectRef>
-        <a:fontRef idx="minor"/>
-      </dsp:style>
-      <dsp:txBody>
-        <a:bodyPr spcFirstLastPara="0" vert="horz" wrap="square" lIns="60960" tIns="30480" rIns="60960" bIns="30480" numCol="1" spcCol="1270" anchor="ctr" anchorCtr="0">
-          <a:noAutofit/>
-        </a:bodyPr>
-        <a:lstStyle/>
-        <a:p>
-          <a:pPr marL="171450" lvl="1" indent="-171450" algn="l" defTabSz="711200">
-            <a:lnSpc>
-              <a:spcPct val="90000"/>
-            </a:lnSpc>
-            <a:spcBef>
-              <a:spcPct val="0"/>
-            </a:spcBef>
-            <a:spcAft>
-              <a:spcPct val="15000"/>
-            </a:spcAft>
-            <a:buChar char="••"/>
-          </a:pPr>
-          <a:r>
-            <a:rPr lang="zh-CN" altLang="en-US" sz="1600" kern="1200" dirty="0" smtClean="0"/>
-            <a:t>一个</a:t>
-          </a:r>
-          <a:r>
-            <a:rPr lang="en-US" altLang="en-US" sz="1600" kern="1200" dirty="0" err="1" smtClean="0"/>
-            <a:t>Netty</a:t>
-          </a:r>
-          <a:r>
-            <a:rPr lang="zh-CN" altLang="en-US" sz="1600" kern="1200" dirty="0" smtClean="0"/>
-            <a:t>应用通常由一个</a:t>
-          </a:r>
-          <a:r>
-            <a:rPr lang="en-US" altLang="en-US" sz="1600" kern="1200" dirty="0" smtClean="0"/>
-            <a:t>Bootstrap</a:t>
-          </a:r>
-          <a:r>
-            <a:rPr lang="zh-CN" altLang="en-US" sz="1600" kern="1200" dirty="0" smtClean="0"/>
-            <a:t>开始，它的主要作用是配置整个</a:t>
-          </a:r>
-          <a:r>
-            <a:rPr lang="en-US" altLang="en-US" sz="1600" kern="1200" dirty="0" err="1" smtClean="0"/>
-            <a:t>Netty</a:t>
-          </a:r>
-          <a:r>
-            <a:rPr lang="zh-CN" altLang="en-US" sz="1600" kern="1200" dirty="0" smtClean="0"/>
-            <a:t>程序，串联起各个组件。</a:t>
-          </a:r>
-          <a:r>
-            <a:rPr lang="en-US" altLang="en-US" sz="1600" kern="1200" dirty="0" smtClean="0"/>
-            <a:t>Bootstrap</a:t>
-          </a:r>
-          <a:r>
-            <a:rPr lang="zh-CN" altLang="en-US" sz="1600" kern="1200" dirty="0" smtClean="0"/>
-            <a:t>有两种类型，</a:t>
-          </a:r>
-          <a:r>
-            <a:rPr lang="en-US" altLang="en-US" sz="1600" kern="1200" dirty="0" err="1" smtClean="0"/>
-            <a:t>ServerBootstrap</a:t>
-          </a:r>
-          <a:r>
-            <a:rPr lang="zh-CN" altLang="en-US" sz="1600" kern="1200" dirty="0" smtClean="0"/>
-            <a:t>和</a:t>
-          </a:r>
-          <a:r>
-            <a:rPr lang="en-US" altLang="en-US" sz="1600" kern="1200" dirty="0" smtClean="0"/>
-            <a:t>Bootstrap</a:t>
-          </a:r>
-          <a:r>
-            <a:rPr lang="zh-CN" altLang="en-US" sz="1600" kern="1200" dirty="0" smtClean="0"/>
-            <a:t>，分别用于</a:t>
-          </a:r>
-          <a:r>
-            <a:rPr lang="en-US" altLang="en-US" sz="1600" kern="1200" dirty="0" smtClean="0"/>
-            <a:t>Server</a:t>
-          </a:r>
-          <a:r>
-            <a:rPr lang="zh-CN" altLang="en-US" sz="1600" kern="1200" dirty="0" smtClean="0"/>
-            <a:t>端和</a:t>
-          </a:r>
-          <a:r>
-            <a:rPr lang="en-US" altLang="en-US" sz="1600" kern="1200" dirty="0" smtClean="0"/>
-            <a:t>Client</a:t>
-          </a:r>
-          <a:r>
-            <a:rPr lang="zh-CN" altLang="en-US" sz="1600" kern="1200" dirty="0" smtClean="0"/>
-            <a:t>端</a:t>
-          </a:r>
-          <a:endParaRPr lang="zh-CN" altLang="en-US" sz="1600" kern="1200" dirty="0"/>
-        </a:p>
-      </dsp:txBody>
-      <dsp:txXfrm rot="-5400000">
-        <a:off x="2375217" y="164589"/>
-        <a:ext cx="7748434" cy="920706"/>
-      </dsp:txXfrm>
-    </dsp:sp>
-    <dsp:sp modelId="{92DADAC6-B996-4CC3-9857-88F96E278350}">
-      <dsp:nvSpPr>
-        <dsp:cNvPr id="0" name=""/>
-        <dsp:cNvSpPr/>
-      </dsp:nvSpPr>
-      <dsp:spPr>
-        <a:xfrm>
-          <a:off x="830" y="2587"/>
-          <a:ext cx="2374386" cy="1244708"/>
-        </a:xfrm>
-        <a:prstGeom prst="roundRect">
-          <a:avLst/>
-        </a:prstGeom>
-        <a:solidFill>
-          <a:schemeClr val="accent2">
-            <a:hueOff val="0"/>
-            <a:satOff val="0"/>
-            <a:lumOff val="0"/>
-            <a:alphaOff val="0"/>
-          </a:schemeClr>
-        </a:solidFill>
-        <a:ln w="15875" cap="rnd" cmpd="sng" algn="ctr">
-          <a:solidFill>
-            <a:schemeClr val="lt1">
-              <a:hueOff val="0"/>
-              <a:satOff val="0"/>
-              <a:lumOff val="0"/>
-              <a:alphaOff val="0"/>
-            </a:schemeClr>
-          </a:solidFill>
-          <a:prstDash val="solid"/>
-        </a:ln>
-        <a:effectLst/>
-      </dsp:spPr>
-      <dsp:style>
-        <a:lnRef idx="2">
-          <a:scrgbClr r="0" g="0" b="0"/>
-        </a:lnRef>
-        <a:fillRef idx="1">
-          <a:scrgbClr r="0" g="0" b="0"/>
-        </a:fillRef>
-        <a:effectRef idx="0">
-          <a:scrgbClr r="0" g="0" b="0"/>
-        </a:effectRef>
-        <a:fontRef idx="minor">
-          <a:schemeClr val="lt1"/>
-        </a:fontRef>
-      </dsp:style>
-      <dsp:txBody>
-        <a:bodyPr spcFirstLastPara="0" vert="horz" wrap="square" lIns="80010" tIns="40005" rIns="80010" bIns="40005" numCol="1" spcCol="1270" anchor="ctr" anchorCtr="0">
-          <a:noAutofit/>
-        </a:bodyPr>
-        <a:lstStyle/>
-        <a:p>
-          <a:pPr lvl="0" algn="ctr" defTabSz="933450">
-            <a:lnSpc>
-              <a:spcPct val="90000"/>
-            </a:lnSpc>
-            <a:spcBef>
-              <a:spcPct val="0"/>
-            </a:spcBef>
-            <a:spcAft>
-              <a:spcPct val="35000"/>
-            </a:spcAft>
-          </a:pPr>
-          <a:r>
-            <a:rPr lang="en-US" altLang="en-US" sz="2100" kern="1200" dirty="0" smtClean="0"/>
-            <a:t>Bootstrap</a:t>
-          </a:r>
-          <a:endParaRPr lang="zh-CN" altLang="en-US" sz="2100" kern="1200" dirty="0"/>
-        </a:p>
-      </dsp:txBody>
-      <dsp:txXfrm>
-        <a:off x="61592" y="63349"/>
-        <a:ext cx="2252862" cy="1123184"/>
-      </dsp:txXfrm>
-    </dsp:sp>
-    <dsp:sp modelId="{35F3A075-7F4A-4168-A6C3-69A19955DF8B}">
-      <dsp:nvSpPr>
-        <dsp:cNvPr id="0" name=""/>
-        <dsp:cNvSpPr/>
-      </dsp:nvSpPr>
-      <dsp:spPr>
-        <a:xfrm rot="5400000">
-          <a:off x="5763439" y="-1974490"/>
-          <a:ext cx="995766" cy="7812753"/>
-        </a:xfrm>
-        <a:prstGeom prst="round2SameRect">
-          <a:avLst/>
-        </a:prstGeom>
-        <a:solidFill>
-          <a:schemeClr val="accent3">
-            <a:tint val="40000"/>
-            <a:alpha val="90000"/>
-            <a:hueOff val="0"/>
-            <a:satOff val="0"/>
-            <a:lumOff val="0"/>
-            <a:alphaOff val="0"/>
-          </a:schemeClr>
-        </a:solidFill>
-        <a:ln w="15875" cap="rnd" cmpd="sng" algn="ctr">
-          <a:solidFill>
-            <a:schemeClr val="accent3">
-              <a:tint val="40000"/>
-              <a:alpha val="90000"/>
-              <a:hueOff val="0"/>
-              <a:satOff val="0"/>
-              <a:lumOff val="0"/>
-              <a:alphaOff val="0"/>
-            </a:schemeClr>
-          </a:solidFill>
-          <a:prstDash val="solid"/>
-        </a:ln>
-        <a:effectLst/>
-      </dsp:spPr>
-      <dsp:style>
-        <a:lnRef idx="2">
-          <a:scrgbClr r="0" g="0" b="0"/>
-        </a:lnRef>
-        <a:fillRef idx="1">
-          <a:scrgbClr r="0" g="0" b="0"/>
-        </a:fillRef>
-        <a:effectRef idx="0">
-          <a:scrgbClr r="0" g="0" b="0"/>
-        </a:effectRef>
-        <a:fontRef idx="minor"/>
-      </dsp:style>
-      <dsp:txBody>
-        <a:bodyPr spcFirstLastPara="0" vert="horz" wrap="square" lIns="60960" tIns="30480" rIns="60960" bIns="30480" numCol="1" spcCol="1270" anchor="ctr" anchorCtr="0">
-          <a:noAutofit/>
-        </a:bodyPr>
-        <a:lstStyle/>
-        <a:p>
-          <a:pPr marL="171450" lvl="1" indent="-171450" algn="l" defTabSz="711200">
-            <a:lnSpc>
-              <a:spcPct val="90000"/>
-            </a:lnSpc>
-            <a:spcBef>
-              <a:spcPct val="0"/>
-            </a:spcBef>
-            <a:spcAft>
-              <a:spcPct val="15000"/>
-            </a:spcAft>
-            <a:buChar char="••"/>
-          </a:pPr>
-          <a:r>
-            <a:rPr lang="zh-CN" altLang="en-US" sz="1600" kern="1200" dirty="0" smtClean="0"/>
-            <a:t>代表一个</a:t>
-          </a:r>
-          <a:r>
-            <a:rPr lang="en-US" altLang="en-US" sz="1600" kern="1200" dirty="0" smtClean="0"/>
-            <a:t>Socket</a:t>
-          </a:r>
-          <a:r>
-            <a:rPr lang="zh-CN" altLang="en-US" sz="1600" kern="1200" dirty="0" smtClean="0"/>
-            <a:t>连接，或者其他和</a:t>
-          </a:r>
-          <a:r>
-            <a:rPr lang="en-US" altLang="en-US" sz="1600" kern="1200" dirty="0" smtClean="0"/>
-            <a:t>I/O</a:t>
-          </a:r>
-          <a:r>
-            <a:rPr lang="zh-CN" altLang="en-US" sz="1600" kern="1200" dirty="0" smtClean="0"/>
-            <a:t>相关的组件</a:t>
-          </a:r>
-          <a:endParaRPr lang="zh-CN" altLang="en-US" sz="1600" kern="1200" dirty="0"/>
-        </a:p>
-      </dsp:txBody>
-      <dsp:txXfrm rot="-5400000">
-        <a:off x="2354946" y="1482612"/>
-        <a:ext cx="7764144" cy="898548"/>
-      </dsp:txXfrm>
-    </dsp:sp>
-    <dsp:sp modelId="{9FB27714-68A5-49D8-ACDE-749F741AD41E}">
-      <dsp:nvSpPr>
-        <dsp:cNvPr id="0" name=""/>
-        <dsp:cNvSpPr/>
-      </dsp:nvSpPr>
-      <dsp:spPr>
-        <a:xfrm>
-          <a:off x="830" y="1309531"/>
-          <a:ext cx="2354116" cy="1244708"/>
-        </a:xfrm>
-        <a:prstGeom prst="roundRect">
-          <a:avLst/>
-        </a:prstGeom>
-        <a:solidFill>
-          <a:schemeClr val="accent3">
-            <a:hueOff val="0"/>
-            <a:satOff val="0"/>
-            <a:lumOff val="0"/>
-            <a:alphaOff val="0"/>
-          </a:schemeClr>
-        </a:solidFill>
-        <a:ln w="15875" cap="rnd" cmpd="sng" algn="ctr">
-          <a:solidFill>
-            <a:schemeClr val="lt1">
-              <a:hueOff val="0"/>
-              <a:satOff val="0"/>
-              <a:lumOff val="0"/>
-              <a:alphaOff val="0"/>
-            </a:schemeClr>
-          </a:solidFill>
-          <a:prstDash val="solid"/>
-        </a:ln>
-        <a:effectLst/>
-      </dsp:spPr>
-      <dsp:style>
-        <a:lnRef idx="2">
-          <a:scrgbClr r="0" g="0" b="0"/>
-        </a:lnRef>
-        <a:fillRef idx="1">
-          <a:scrgbClr r="0" g="0" b="0"/>
-        </a:fillRef>
-        <a:effectRef idx="0">
-          <a:scrgbClr r="0" g="0" b="0"/>
-        </a:effectRef>
-        <a:fontRef idx="minor">
-          <a:schemeClr val="lt1"/>
-        </a:fontRef>
-      </dsp:style>
-      <dsp:txBody>
-        <a:bodyPr spcFirstLastPara="0" vert="horz" wrap="square" lIns="80010" tIns="40005" rIns="80010" bIns="40005" numCol="1" spcCol="1270" anchor="ctr" anchorCtr="0">
-          <a:noAutofit/>
-        </a:bodyPr>
-        <a:lstStyle/>
-        <a:p>
-          <a:pPr lvl="0" algn="ctr" defTabSz="933450">
-            <a:lnSpc>
-              <a:spcPct val="90000"/>
-            </a:lnSpc>
-            <a:spcBef>
-              <a:spcPct val="0"/>
-            </a:spcBef>
-            <a:spcAft>
-              <a:spcPct val="35000"/>
-            </a:spcAft>
-          </a:pPr>
-          <a:r>
-            <a:rPr lang="en-US" altLang="en-US" sz="2100" kern="1200" dirty="0" smtClean="0"/>
-            <a:t>Channel</a:t>
-          </a:r>
-          <a:endParaRPr lang="zh-CN" altLang="en-US" sz="2100" kern="1200" dirty="0"/>
-        </a:p>
-      </dsp:txBody>
-      <dsp:txXfrm>
-        <a:off x="61592" y="1370293"/>
-        <a:ext cx="2232592" cy="1123184"/>
-      </dsp:txXfrm>
-    </dsp:sp>
-    <dsp:sp modelId="{4D759A78-99D5-4EEE-A4BF-EC52D4204D23}">
-      <dsp:nvSpPr>
-        <dsp:cNvPr id="0" name=""/>
-        <dsp:cNvSpPr/>
-      </dsp:nvSpPr>
-      <dsp:spPr>
-        <a:xfrm rot="5400000">
-          <a:off x="5777291" y="-659112"/>
-          <a:ext cx="995766" cy="7795883"/>
-        </a:xfrm>
-        <a:prstGeom prst="round2SameRect">
-          <a:avLst/>
-        </a:prstGeom>
-        <a:solidFill>
-          <a:schemeClr val="accent4">
-            <a:tint val="40000"/>
-            <a:alpha val="90000"/>
-            <a:hueOff val="0"/>
-            <a:satOff val="0"/>
-            <a:lumOff val="0"/>
-            <a:alphaOff val="0"/>
-          </a:schemeClr>
-        </a:solidFill>
-        <a:ln w="15875" cap="rnd" cmpd="sng" algn="ctr">
-          <a:solidFill>
-            <a:schemeClr val="accent4">
-              <a:tint val="40000"/>
-              <a:alpha val="90000"/>
-              <a:hueOff val="0"/>
-              <a:satOff val="0"/>
-              <a:lumOff val="0"/>
-              <a:alphaOff val="0"/>
-            </a:schemeClr>
-          </a:solidFill>
-          <a:prstDash val="solid"/>
-        </a:ln>
-        <a:effectLst/>
-      </dsp:spPr>
-      <dsp:style>
-        <a:lnRef idx="2">
-          <a:scrgbClr r="0" g="0" b="0"/>
-        </a:lnRef>
-        <a:fillRef idx="1">
-          <a:scrgbClr r="0" g="0" b="0"/>
-        </a:fillRef>
-        <a:effectRef idx="0">
-          <a:scrgbClr r="0" g="0" b="0"/>
-        </a:effectRef>
-        <a:fontRef idx="minor"/>
-      </dsp:style>
-      <dsp:txBody>
-        <a:bodyPr spcFirstLastPara="0" vert="horz" wrap="square" lIns="60960" tIns="30480" rIns="60960" bIns="30480" numCol="1" spcCol="1270" anchor="ctr" anchorCtr="0">
-          <a:noAutofit/>
-        </a:bodyPr>
-        <a:lstStyle/>
-        <a:p>
-          <a:pPr marL="171450" lvl="1" indent="-171450" algn="l" defTabSz="711200">
-            <a:lnSpc>
-              <a:spcPct val="90000"/>
-            </a:lnSpc>
-            <a:spcBef>
-              <a:spcPct val="0"/>
-            </a:spcBef>
-            <a:spcAft>
-              <a:spcPct val="15000"/>
-            </a:spcAft>
-            <a:buChar char="••"/>
-          </a:pPr>
-          <a:r>
-            <a:rPr lang="zh-CN" altLang="en-US" sz="1600" kern="1200" dirty="0" smtClean="0"/>
-            <a:t>为</a:t>
-          </a:r>
-          <a:r>
-            <a:rPr lang="en-US" altLang="en-US" sz="1600" kern="1200" dirty="0" smtClean="0"/>
-            <a:t>Channel</a:t>
-          </a:r>
-          <a:r>
-            <a:rPr lang="zh-CN" altLang="en-US" sz="1600" kern="1200" dirty="0" smtClean="0"/>
-            <a:t>处理</a:t>
-          </a:r>
-          <a:r>
-            <a:rPr lang="en-US" altLang="en-US" sz="1600" kern="1200" dirty="0" smtClean="0"/>
-            <a:t>I/O</a:t>
-          </a:r>
-          <a:r>
-            <a:rPr lang="zh-CN" altLang="en-US" sz="1600" kern="1200" dirty="0" smtClean="0"/>
-            <a:t>操作，一个</a:t>
-          </a:r>
-          <a:r>
-            <a:rPr lang="en-US" altLang="en-US" sz="1600" kern="1200" dirty="0" err="1" smtClean="0"/>
-            <a:t>EventLoop</a:t>
-          </a:r>
-          <a:r>
-            <a:rPr lang="zh-CN" altLang="en-US" sz="1600" kern="1200" dirty="0" smtClean="0"/>
-            <a:t>可以为多个</a:t>
-          </a:r>
-          <a:r>
-            <a:rPr lang="en-US" altLang="en-US" sz="1600" kern="1200" dirty="0" smtClean="0"/>
-            <a:t>Channel</a:t>
-          </a:r>
-          <a:r>
-            <a:rPr lang="zh-CN" altLang="en-US" sz="1600" kern="1200" dirty="0" smtClean="0"/>
-            <a:t>服务，可理解为一个线程</a:t>
-          </a:r>
-          <a:endParaRPr lang="zh-CN" altLang="en-US" sz="1600" kern="1200" dirty="0"/>
-        </a:p>
-      </dsp:txBody>
-      <dsp:txXfrm rot="-5400000">
-        <a:off x="2377233" y="2789555"/>
-        <a:ext cx="7747274" cy="898548"/>
-      </dsp:txXfrm>
-    </dsp:sp>
-    <dsp:sp modelId="{069DF87E-A98D-4718-8D8A-9B0DEB2A9B4D}">
-      <dsp:nvSpPr>
-        <dsp:cNvPr id="0" name=""/>
-        <dsp:cNvSpPr/>
-      </dsp:nvSpPr>
-      <dsp:spPr>
-        <a:xfrm>
-          <a:off x="830" y="2616475"/>
-          <a:ext cx="2376402" cy="1244708"/>
-        </a:xfrm>
-        <a:prstGeom prst="roundRect">
-          <a:avLst/>
-        </a:prstGeom>
-        <a:solidFill>
-          <a:schemeClr val="accent4">
-            <a:hueOff val="0"/>
-            <a:satOff val="0"/>
-            <a:lumOff val="0"/>
-            <a:alphaOff val="0"/>
-          </a:schemeClr>
-        </a:solidFill>
-        <a:ln w="15875" cap="rnd" cmpd="sng" algn="ctr">
-          <a:solidFill>
-            <a:schemeClr val="lt1">
-              <a:hueOff val="0"/>
-              <a:satOff val="0"/>
-              <a:lumOff val="0"/>
-              <a:alphaOff val="0"/>
-            </a:schemeClr>
-          </a:solidFill>
-          <a:prstDash val="solid"/>
-        </a:ln>
-        <a:effectLst/>
-      </dsp:spPr>
-      <dsp:style>
-        <a:lnRef idx="2">
-          <a:scrgbClr r="0" g="0" b="0"/>
-        </a:lnRef>
-        <a:fillRef idx="1">
-          <a:scrgbClr r="0" g="0" b="0"/>
-        </a:fillRef>
-        <a:effectRef idx="0">
-          <a:scrgbClr r="0" g="0" b="0"/>
-        </a:effectRef>
-        <a:fontRef idx="minor">
-          <a:schemeClr val="lt1"/>
-        </a:fontRef>
-      </dsp:style>
-      <dsp:txBody>
-        <a:bodyPr spcFirstLastPara="0" vert="horz" wrap="square" lIns="80010" tIns="40005" rIns="80010" bIns="40005" numCol="1" spcCol="1270" anchor="ctr" anchorCtr="0">
-          <a:noAutofit/>
-        </a:bodyPr>
-        <a:lstStyle/>
-        <a:p>
-          <a:pPr lvl="0" algn="ctr" defTabSz="933450">
-            <a:lnSpc>
-              <a:spcPct val="90000"/>
-            </a:lnSpc>
-            <a:spcBef>
-              <a:spcPct val="0"/>
-            </a:spcBef>
-            <a:spcAft>
-              <a:spcPct val="35000"/>
-            </a:spcAft>
-          </a:pPr>
-          <a:r>
-            <a:rPr lang="en-US" altLang="en-US" sz="2100" kern="1200" dirty="0" err="1" smtClean="0"/>
-            <a:t>EventLoop</a:t>
-          </a:r>
-          <a:endParaRPr lang="zh-CN" altLang="en-US" sz="2100" kern="1200" dirty="0"/>
-        </a:p>
-      </dsp:txBody>
-      <dsp:txXfrm>
-        <a:off x="61592" y="2677237"/>
-        <a:ext cx="2254878" cy="1123184"/>
-      </dsp:txXfrm>
-    </dsp:sp>
-    <dsp:sp modelId="{7EAFE99C-83FA-4CAC-94F1-0ADDA25F4421}">
-      <dsp:nvSpPr>
-        <dsp:cNvPr id="0" name=""/>
-        <dsp:cNvSpPr/>
-      </dsp:nvSpPr>
-      <dsp:spPr>
-        <a:xfrm rot="5400000">
-          <a:off x="5777291" y="647831"/>
-          <a:ext cx="995766" cy="7795883"/>
-        </a:xfrm>
-        <a:prstGeom prst="round2SameRect">
-          <a:avLst/>
-        </a:prstGeom>
-        <a:solidFill>
-          <a:schemeClr val="accent5">
-            <a:tint val="40000"/>
-            <a:alpha val="90000"/>
-            <a:hueOff val="0"/>
-            <a:satOff val="0"/>
-            <a:lumOff val="0"/>
-            <a:alphaOff val="0"/>
-          </a:schemeClr>
-        </a:solidFill>
-        <a:ln w="15875" cap="rnd" cmpd="sng" algn="ctr">
-          <a:solidFill>
-            <a:schemeClr val="accent5">
-              <a:tint val="40000"/>
-              <a:alpha val="90000"/>
-              <a:hueOff val="0"/>
-              <a:satOff val="0"/>
-              <a:lumOff val="0"/>
-              <a:alphaOff val="0"/>
-            </a:schemeClr>
-          </a:solidFill>
-          <a:prstDash val="solid"/>
-        </a:ln>
-        <a:effectLst/>
-      </dsp:spPr>
-      <dsp:style>
-        <a:lnRef idx="2">
-          <a:scrgbClr r="0" g="0" b="0"/>
-        </a:lnRef>
-        <a:fillRef idx="1">
-          <a:scrgbClr r="0" g="0" b="0"/>
-        </a:fillRef>
-        <a:effectRef idx="0">
-          <a:scrgbClr r="0" g="0" b="0"/>
-        </a:effectRef>
-        <a:fontRef idx="minor"/>
-      </dsp:style>
-      <dsp:txBody>
-        <a:bodyPr spcFirstLastPara="0" vert="horz" wrap="square" lIns="60960" tIns="30480" rIns="60960" bIns="30480" numCol="1" spcCol="1270" anchor="ctr" anchorCtr="0">
-          <a:noAutofit/>
-        </a:bodyPr>
-        <a:lstStyle/>
-        <a:p>
-          <a:pPr marL="171450" lvl="1" indent="-171450" algn="l" defTabSz="711200">
-            <a:lnSpc>
-              <a:spcPct val="90000"/>
-            </a:lnSpc>
-            <a:spcBef>
-              <a:spcPct val="0"/>
-            </a:spcBef>
-            <a:spcAft>
-              <a:spcPct val="15000"/>
-            </a:spcAft>
-            <a:buChar char="••"/>
-          </a:pPr>
-          <a:r>
-            <a:rPr lang="zh-CN" altLang="en-US" sz="1600" kern="1200" dirty="0" smtClean="0"/>
-            <a:t>一个</a:t>
-          </a:r>
-          <a:r>
-            <a:rPr lang="en-US" altLang="en-US" sz="1600" kern="1200" dirty="0" err="1" smtClean="0"/>
-            <a:t>EventLoopGroup</a:t>
-          </a:r>
-          <a:r>
-            <a:rPr lang="zh-CN" altLang="en-US" sz="1600" kern="1200" dirty="0" smtClean="0"/>
-            <a:t>包含多个</a:t>
-          </a:r>
-          <a:r>
-            <a:rPr lang="en-US" altLang="en-US" sz="1600" kern="1200" dirty="0" err="1" smtClean="0"/>
-            <a:t>EventLoop</a:t>
-          </a:r>
-          <a:r>
-            <a:rPr lang="zh-CN" altLang="en-US" sz="1600" kern="1200" dirty="0" smtClean="0"/>
-            <a:t>，可以将其理解为一个线程池</a:t>
-          </a:r>
-          <a:endParaRPr lang="zh-CN" altLang="en-US" sz="1600" kern="1200" dirty="0"/>
-        </a:p>
-      </dsp:txBody>
-      <dsp:txXfrm rot="-5400000">
-        <a:off x="2377233" y="4096499"/>
-        <a:ext cx="7747274" cy="898548"/>
-      </dsp:txXfrm>
-    </dsp:sp>
-    <dsp:sp modelId="{A1DE4708-63A3-4572-A573-F5CBAB5D1392}">
-      <dsp:nvSpPr>
-        <dsp:cNvPr id="0" name=""/>
-        <dsp:cNvSpPr/>
-      </dsp:nvSpPr>
-      <dsp:spPr>
-        <a:xfrm>
-          <a:off x="830" y="3923418"/>
-          <a:ext cx="2376402" cy="1244708"/>
-        </a:xfrm>
-        <a:prstGeom prst="roundRect">
-          <a:avLst/>
-        </a:prstGeom>
-        <a:solidFill>
-          <a:schemeClr val="accent5">
-            <a:hueOff val="0"/>
-            <a:satOff val="0"/>
-            <a:lumOff val="0"/>
-            <a:alphaOff val="0"/>
-          </a:schemeClr>
-        </a:solidFill>
-        <a:ln w="15875" cap="rnd" cmpd="sng" algn="ctr">
-          <a:solidFill>
-            <a:schemeClr val="lt1">
-              <a:hueOff val="0"/>
-              <a:satOff val="0"/>
-              <a:lumOff val="0"/>
-              <a:alphaOff val="0"/>
-            </a:schemeClr>
-          </a:solidFill>
-          <a:prstDash val="solid"/>
-        </a:ln>
-        <a:effectLst/>
-      </dsp:spPr>
-      <dsp:style>
-        <a:lnRef idx="2">
-          <a:scrgbClr r="0" g="0" b="0"/>
-        </a:lnRef>
-        <a:fillRef idx="1">
-          <a:scrgbClr r="0" g="0" b="0"/>
-        </a:fillRef>
-        <a:effectRef idx="0">
-          <a:scrgbClr r="0" g="0" b="0"/>
-        </a:effectRef>
-        <a:fontRef idx="minor">
-          <a:schemeClr val="lt1"/>
-        </a:fontRef>
-      </dsp:style>
-      <dsp:txBody>
-        <a:bodyPr spcFirstLastPara="0" vert="horz" wrap="square" lIns="80010" tIns="40005" rIns="80010" bIns="40005" numCol="1" spcCol="1270" anchor="ctr" anchorCtr="0">
-          <a:noAutofit/>
-        </a:bodyPr>
-        <a:lstStyle/>
-        <a:p>
-          <a:pPr lvl="0" algn="ctr" defTabSz="933450">
-            <a:lnSpc>
-              <a:spcPct val="90000"/>
-            </a:lnSpc>
-            <a:spcBef>
-              <a:spcPct val="0"/>
-            </a:spcBef>
-            <a:spcAft>
-              <a:spcPct val="35000"/>
-            </a:spcAft>
-          </a:pPr>
-          <a:r>
-            <a:rPr lang="en-US" altLang="en-US" sz="2100" kern="1200" dirty="0" err="1" smtClean="0"/>
-            <a:t>EventLoopGroup</a:t>
-          </a:r>
-          <a:endParaRPr lang="zh-CN" altLang="en-US" sz="2100" kern="1200" dirty="0"/>
-        </a:p>
-      </dsp:txBody>
-      <dsp:txXfrm>
-        <a:off x="61592" y="3984180"/>
-        <a:ext cx="2254878" cy="1123184"/>
-      </dsp:txXfrm>
-    </dsp:sp>
   </dsp:spTree>
 </dsp:drawing>
 </file>
@@ -8075,541 +6760,6 @@
       <dsp:cNvGrpSpPr/>
     </dsp:nvGrpSpPr>
     <dsp:grpSpPr/>
-    <dsp:sp modelId="{661FE5D7-CD61-4C4E-B0DA-62A323A4A9E0}">
-      <dsp:nvSpPr>
-        <dsp:cNvPr id="0" name=""/>
-        <dsp:cNvSpPr/>
-      </dsp:nvSpPr>
-      <dsp:spPr>
-        <a:xfrm rot="5400000">
-          <a:off x="5570817" y="-3134990"/>
-          <a:ext cx="1274138" cy="7867480"/>
-        </a:xfrm>
-        <a:prstGeom prst="round2SameRect">
-          <a:avLst/>
-        </a:prstGeom>
-        <a:solidFill>
-          <a:schemeClr val="accent2">
-            <a:tint val="40000"/>
-            <a:alpha val="90000"/>
-            <a:hueOff val="0"/>
-            <a:satOff val="0"/>
-            <a:lumOff val="0"/>
-            <a:alphaOff val="0"/>
-          </a:schemeClr>
-        </a:solidFill>
-        <a:ln w="15875" cap="rnd" cmpd="sng" algn="ctr">
-          <a:solidFill>
-            <a:schemeClr val="accent2">
-              <a:tint val="40000"/>
-              <a:alpha val="90000"/>
-              <a:hueOff val="0"/>
-              <a:satOff val="0"/>
-              <a:lumOff val="0"/>
-              <a:alphaOff val="0"/>
-            </a:schemeClr>
-          </a:solidFill>
-          <a:prstDash val="solid"/>
-        </a:ln>
-        <a:effectLst/>
-      </dsp:spPr>
-      <dsp:style>
-        <a:lnRef idx="2">
-          <a:scrgbClr r="0" g="0" b="0"/>
-        </a:lnRef>
-        <a:fillRef idx="1">
-          <a:scrgbClr r="0" g="0" b="0"/>
-        </a:fillRef>
-        <a:effectRef idx="0">
-          <a:scrgbClr r="0" g="0" b="0"/>
-        </a:effectRef>
-        <a:fontRef idx="minor"/>
-      </dsp:style>
-      <dsp:txBody>
-        <a:bodyPr spcFirstLastPara="0" vert="horz" wrap="square" lIns="60960" tIns="30480" rIns="60960" bIns="30480" numCol="1" spcCol="1270" anchor="ctr" anchorCtr="0">
-          <a:noAutofit/>
-        </a:bodyPr>
-        <a:lstStyle/>
-        <a:p>
-          <a:pPr marL="171450" lvl="1" indent="-171450" algn="l" defTabSz="711200">
-            <a:lnSpc>
-              <a:spcPct val="90000"/>
-            </a:lnSpc>
-            <a:spcBef>
-              <a:spcPct val="0"/>
-            </a:spcBef>
-            <a:spcAft>
-              <a:spcPct val="15000"/>
-            </a:spcAft>
-            <a:buChar char="••"/>
-          </a:pPr>
-          <a:r>
-            <a:rPr lang="zh-CN" altLang="en-US" sz="1600" kern="1200" dirty="0" smtClean="0"/>
-            <a:t>用来处理各种事件，比如连接、数据接收、异常、数据转换、编解码等。按照输入输出来分，分为</a:t>
-          </a:r>
-          <a:r>
-            <a:rPr lang="en-US" altLang="en-US" sz="1600" kern="1200" dirty="0" err="1" smtClean="0"/>
-            <a:t>ChannelInboundHandler</a:t>
-          </a:r>
-          <a:r>
-            <a:rPr lang="zh-CN" altLang="en-US" sz="1600" kern="1200" dirty="0" smtClean="0"/>
-            <a:t>和</a:t>
-          </a:r>
-          <a:r>
-            <a:rPr lang="en-US" altLang="en-US" sz="1600" kern="1200" dirty="0" err="1" smtClean="0"/>
-            <a:t>ChannelOutboundHandler</a:t>
-          </a:r>
-          <a:r>
-            <a:rPr lang="zh-CN" altLang="en-US" sz="1600" kern="1200" dirty="0" smtClean="0"/>
-            <a:t>。前者对从客户端发往服务器的报文进行处理，一般用来执行编码、读数据、业务处理等；后者处理服务器发往客户端的数据，如编码</a:t>
-          </a:r>
-          <a:endParaRPr lang="zh-CN" altLang="en-US" sz="1600" kern="1200" dirty="0"/>
-        </a:p>
-      </dsp:txBody>
-      <dsp:txXfrm rot="-5400000">
-        <a:off x="2274146" y="223879"/>
-        <a:ext cx="7805282" cy="1149742"/>
-      </dsp:txXfrm>
-    </dsp:sp>
-    <dsp:sp modelId="{B1883787-8131-45B9-A583-28A68E630650}">
-      <dsp:nvSpPr>
-        <dsp:cNvPr id="0" name=""/>
-        <dsp:cNvSpPr/>
-      </dsp:nvSpPr>
-      <dsp:spPr>
-        <a:xfrm>
-          <a:off x="21774" y="2413"/>
-          <a:ext cx="2252372" cy="1592673"/>
-        </a:xfrm>
-        <a:prstGeom prst="roundRect">
-          <a:avLst/>
-        </a:prstGeom>
-        <a:solidFill>
-          <a:schemeClr val="accent2">
-            <a:hueOff val="0"/>
-            <a:satOff val="0"/>
-            <a:lumOff val="0"/>
-            <a:alphaOff val="0"/>
-          </a:schemeClr>
-        </a:solidFill>
-        <a:ln w="15875" cap="rnd" cmpd="sng" algn="ctr">
-          <a:solidFill>
-            <a:schemeClr val="lt1">
-              <a:hueOff val="0"/>
-              <a:satOff val="0"/>
-              <a:lumOff val="0"/>
-              <a:alphaOff val="0"/>
-            </a:schemeClr>
-          </a:solidFill>
-          <a:prstDash val="solid"/>
-        </a:ln>
-        <a:effectLst/>
-      </dsp:spPr>
-      <dsp:style>
-        <a:lnRef idx="2">
-          <a:scrgbClr r="0" g="0" b="0"/>
-        </a:lnRef>
-        <a:fillRef idx="1">
-          <a:scrgbClr r="0" g="0" b="0"/>
-        </a:fillRef>
-        <a:effectRef idx="0">
-          <a:scrgbClr r="0" g="0" b="0"/>
-        </a:effectRef>
-        <a:fontRef idx="minor">
-          <a:schemeClr val="lt1"/>
-        </a:fontRef>
-      </dsp:style>
-      <dsp:txBody>
-        <a:bodyPr spcFirstLastPara="0" vert="horz" wrap="square" lIns="76200" tIns="38100" rIns="76200" bIns="38100" numCol="1" spcCol="1270" anchor="ctr" anchorCtr="0">
-          <a:noAutofit/>
-        </a:bodyPr>
-        <a:lstStyle/>
-        <a:p>
-          <a:pPr lvl="0" algn="ctr" defTabSz="889000">
-            <a:lnSpc>
-              <a:spcPct val="90000"/>
-            </a:lnSpc>
-            <a:spcBef>
-              <a:spcPct val="0"/>
-            </a:spcBef>
-            <a:spcAft>
-              <a:spcPct val="35000"/>
-            </a:spcAft>
-          </a:pPr>
-          <a:r>
-            <a:rPr lang="en-US" altLang="en-US" sz="2000" kern="1200" dirty="0" smtClean="0"/>
-            <a:t>Handler</a:t>
-          </a:r>
-          <a:endParaRPr lang="zh-CN" altLang="en-US" sz="2000" kern="1200" dirty="0"/>
-        </a:p>
-      </dsp:txBody>
-      <dsp:txXfrm>
-        <a:off x="99522" y="80161"/>
-        <a:ext cx="2096876" cy="1437177"/>
-      </dsp:txXfrm>
-    </dsp:sp>
-    <dsp:sp modelId="{89ACE82C-D8E1-4526-9A01-119194BDF575}">
-      <dsp:nvSpPr>
-        <dsp:cNvPr id="0" name=""/>
-        <dsp:cNvSpPr/>
-      </dsp:nvSpPr>
-      <dsp:spPr>
-        <a:xfrm rot="5400000">
-          <a:off x="5570817" y="-1462683"/>
-          <a:ext cx="1274138" cy="7867480"/>
-        </a:xfrm>
-        <a:prstGeom prst="round2SameRect">
-          <a:avLst/>
-        </a:prstGeom>
-        <a:solidFill>
-          <a:schemeClr val="accent3">
-            <a:tint val="40000"/>
-            <a:alpha val="90000"/>
-            <a:hueOff val="0"/>
-            <a:satOff val="0"/>
-            <a:lumOff val="0"/>
-            <a:alphaOff val="0"/>
-          </a:schemeClr>
-        </a:solidFill>
-        <a:ln w="15875" cap="rnd" cmpd="sng" algn="ctr">
-          <a:solidFill>
-            <a:schemeClr val="accent3">
-              <a:tint val="40000"/>
-              <a:alpha val="90000"/>
-              <a:hueOff val="0"/>
-              <a:satOff val="0"/>
-              <a:lumOff val="0"/>
-              <a:alphaOff val="0"/>
-            </a:schemeClr>
-          </a:solidFill>
-          <a:prstDash val="solid"/>
-        </a:ln>
-        <a:effectLst/>
-      </dsp:spPr>
-      <dsp:style>
-        <a:lnRef idx="2">
-          <a:scrgbClr r="0" g="0" b="0"/>
-        </a:lnRef>
-        <a:fillRef idx="1">
-          <a:scrgbClr r="0" g="0" b="0"/>
-        </a:fillRef>
-        <a:effectRef idx="0">
-          <a:scrgbClr r="0" g="0" b="0"/>
-        </a:effectRef>
-        <a:fontRef idx="minor"/>
-      </dsp:style>
-      <dsp:txBody>
-        <a:bodyPr spcFirstLastPara="0" vert="horz" wrap="square" lIns="60960" tIns="30480" rIns="60960" bIns="30480" numCol="1" spcCol="1270" anchor="ctr" anchorCtr="0">
-          <a:noAutofit/>
-        </a:bodyPr>
-        <a:lstStyle/>
-        <a:p>
-          <a:pPr marL="171450" lvl="1" indent="-171450" algn="l" defTabSz="711200">
-            <a:lnSpc>
-              <a:spcPct val="90000"/>
-            </a:lnSpc>
-            <a:spcBef>
-              <a:spcPct val="0"/>
-            </a:spcBef>
-            <a:spcAft>
-              <a:spcPct val="15000"/>
-            </a:spcAft>
-            <a:buChar char="••"/>
-          </a:pPr>
-          <a:r>
-            <a:rPr lang="en-US" altLang="en-US" sz="1600" kern="1200" dirty="0" err="1" smtClean="0"/>
-            <a:t>ChannelHandler</a:t>
-          </a:r>
-          <a:r>
-            <a:rPr lang="zh-CN" altLang="en-US" sz="1600" kern="1200" dirty="0" smtClean="0"/>
-            <a:t>的容器。每个</a:t>
-          </a:r>
-          <a:r>
-            <a:rPr lang="en-US" altLang="en-US" sz="1600" kern="1200" dirty="0" smtClean="0"/>
-            <a:t>Channel</a:t>
-          </a:r>
-          <a:r>
-            <a:rPr lang="zh-CN" altLang="en-US" sz="1600" kern="1200" dirty="0" smtClean="0"/>
-            <a:t>会绑定一个</a:t>
-          </a:r>
-          <a:r>
-            <a:rPr lang="en-US" altLang="en-US" sz="1600" kern="1200" dirty="0" err="1" smtClean="0"/>
-            <a:t>ChannelPipeline</a:t>
-          </a:r>
-          <a:r>
-            <a:rPr lang="zh-CN" altLang="en-US" sz="1600" kern="1200" dirty="0" smtClean="0"/>
-            <a:t>，用于处理该</a:t>
-          </a:r>
-          <a:r>
-            <a:rPr lang="en-US" altLang="en-US" sz="1600" kern="1200" dirty="0" smtClean="0"/>
-            <a:t>Channel</a:t>
-          </a:r>
-          <a:r>
-            <a:rPr lang="zh-CN" altLang="en-US" sz="1600" kern="1200" dirty="0" smtClean="0"/>
-            <a:t>上产生的事件</a:t>
-          </a:r>
-          <a:endParaRPr lang="zh-CN" altLang="en-US" sz="1600" kern="1200" dirty="0"/>
-        </a:p>
-      </dsp:txBody>
-      <dsp:txXfrm rot="-5400000">
-        <a:off x="2274146" y="1896186"/>
-        <a:ext cx="7805282" cy="1149742"/>
-      </dsp:txXfrm>
-    </dsp:sp>
-    <dsp:sp modelId="{22941AF0-2C40-4F83-82FB-3C1A7E45EF87}">
-      <dsp:nvSpPr>
-        <dsp:cNvPr id="0" name=""/>
-        <dsp:cNvSpPr/>
-      </dsp:nvSpPr>
-      <dsp:spPr>
-        <a:xfrm>
-          <a:off x="21774" y="1674720"/>
-          <a:ext cx="2252372" cy="1592673"/>
-        </a:xfrm>
-        <a:prstGeom prst="roundRect">
-          <a:avLst/>
-        </a:prstGeom>
-        <a:solidFill>
-          <a:schemeClr val="accent3">
-            <a:hueOff val="0"/>
-            <a:satOff val="0"/>
-            <a:lumOff val="0"/>
-            <a:alphaOff val="0"/>
-          </a:schemeClr>
-        </a:solidFill>
-        <a:ln w="15875" cap="rnd" cmpd="sng" algn="ctr">
-          <a:solidFill>
-            <a:schemeClr val="lt1">
-              <a:hueOff val="0"/>
-              <a:satOff val="0"/>
-              <a:lumOff val="0"/>
-              <a:alphaOff val="0"/>
-            </a:schemeClr>
-          </a:solidFill>
-          <a:prstDash val="solid"/>
-        </a:ln>
-        <a:effectLst/>
-      </dsp:spPr>
-      <dsp:style>
-        <a:lnRef idx="2">
-          <a:scrgbClr r="0" g="0" b="0"/>
-        </a:lnRef>
-        <a:fillRef idx="1">
-          <a:scrgbClr r="0" g="0" b="0"/>
-        </a:fillRef>
-        <a:effectRef idx="0">
-          <a:scrgbClr r="0" g="0" b="0"/>
-        </a:effectRef>
-        <a:fontRef idx="minor">
-          <a:schemeClr val="lt1"/>
-        </a:fontRef>
-      </dsp:style>
-      <dsp:txBody>
-        <a:bodyPr spcFirstLastPara="0" vert="horz" wrap="square" lIns="76200" tIns="38100" rIns="76200" bIns="38100" numCol="1" spcCol="1270" anchor="ctr" anchorCtr="0">
-          <a:noAutofit/>
-        </a:bodyPr>
-        <a:lstStyle/>
-        <a:p>
-          <a:pPr lvl="0" algn="ctr" defTabSz="889000">
-            <a:lnSpc>
-              <a:spcPct val="90000"/>
-            </a:lnSpc>
-            <a:spcBef>
-              <a:spcPct val="0"/>
-            </a:spcBef>
-            <a:spcAft>
-              <a:spcPct val="35000"/>
-            </a:spcAft>
-          </a:pPr>
-          <a:r>
-            <a:rPr lang="en-US" altLang="en-US" sz="2000" kern="1200" dirty="0" err="1" smtClean="0"/>
-            <a:t>ChannelPipeline</a:t>
-          </a:r>
-          <a:endParaRPr lang="zh-CN" altLang="en-US" sz="2000" kern="1200" dirty="0"/>
-        </a:p>
-      </dsp:txBody>
-      <dsp:txXfrm>
-        <a:off x="99522" y="1752468"/>
-        <a:ext cx="2096876" cy="1437177"/>
-      </dsp:txXfrm>
-    </dsp:sp>
-    <dsp:sp modelId="{ED247BB7-994B-4048-8869-7C3A49E2BEA3}">
-      <dsp:nvSpPr>
-        <dsp:cNvPr id="0" name=""/>
-        <dsp:cNvSpPr/>
-      </dsp:nvSpPr>
-      <dsp:spPr>
-        <a:xfrm rot="5400000">
-          <a:off x="5570817" y="209623"/>
-          <a:ext cx="1274138" cy="7867480"/>
-        </a:xfrm>
-        <a:prstGeom prst="round2SameRect">
-          <a:avLst/>
-        </a:prstGeom>
-        <a:solidFill>
-          <a:schemeClr val="accent4">
-            <a:tint val="40000"/>
-            <a:alpha val="90000"/>
-            <a:hueOff val="0"/>
-            <a:satOff val="0"/>
-            <a:lumOff val="0"/>
-            <a:alphaOff val="0"/>
-          </a:schemeClr>
-        </a:solidFill>
-        <a:ln w="15875" cap="rnd" cmpd="sng" algn="ctr">
-          <a:solidFill>
-            <a:schemeClr val="accent4">
-              <a:tint val="40000"/>
-              <a:alpha val="90000"/>
-              <a:hueOff val="0"/>
-              <a:satOff val="0"/>
-              <a:lumOff val="0"/>
-              <a:alphaOff val="0"/>
-            </a:schemeClr>
-          </a:solidFill>
-          <a:prstDash val="solid"/>
-        </a:ln>
-        <a:effectLst/>
-      </dsp:spPr>
-      <dsp:style>
-        <a:lnRef idx="2">
-          <a:scrgbClr r="0" g="0" b="0"/>
-        </a:lnRef>
-        <a:fillRef idx="1">
-          <a:scrgbClr r="0" g="0" b="0"/>
-        </a:fillRef>
-        <a:effectRef idx="0">
-          <a:scrgbClr r="0" g="0" b="0"/>
-        </a:effectRef>
-        <a:fontRef idx="minor"/>
-      </dsp:style>
-      <dsp:txBody>
-        <a:bodyPr spcFirstLastPara="0" vert="horz" wrap="square" lIns="60960" tIns="30480" rIns="60960" bIns="30480" numCol="1" spcCol="1270" anchor="ctr" anchorCtr="0">
-          <a:noAutofit/>
-        </a:bodyPr>
-        <a:lstStyle/>
-        <a:p>
-          <a:pPr marL="171450" lvl="1" indent="-171450" algn="l" defTabSz="711200">
-            <a:lnSpc>
-              <a:spcPct val="90000"/>
-            </a:lnSpc>
-            <a:spcBef>
-              <a:spcPct val="0"/>
-            </a:spcBef>
-            <a:spcAft>
-              <a:spcPct val="15000"/>
-            </a:spcAft>
-            <a:buChar char="••"/>
-          </a:pPr>
-          <a:r>
-            <a:rPr lang="en-US" altLang="en-US" sz="1600" kern="1200" dirty="0" err="1" smtClean="0"/>
-            <a:t>Netty</a:t>
-          </a:r>
-          <a:r>
-            <a:rPr lang="zh-CN" altLang="en-US" sz="1600" kern="1200" dirty="0" smtClean="0"/>
-            <a:t>中所有的</a:t>
-          </a:r>
-          <a:r>
-            <a:rPr lang="en-US" altLang="en-US" sz="1600" kern="1200" dirty="0" smtClean="0"/>
-            <a:t>I/O</a:t>
-          </a:r>
-          <a:r>
-            <a:rPr lang="zh-CN" altLang="en-US" sz="1600" kern="1200" dirty="0" smtClean="0"/>
-            <a:t>操作都是异步的，所以不能立刻得知消息的处理结果。因此，我们需要通过</a:t>
-          </a:r>
-          <a:r>
-            <a:rPr lang="en-US" altLang="en-US" sz="1600" kern="1200" dirty="0" err="1" smtClean="0"/>
-            <a:t>ChannelFuture</a:t>
-          </a:r>
-          <a:r>
-            <a:rPr lang="zh-CN" altLang="en-US" sz="1600" kern="1200" dirty="0" smtClean="0"/>
-            <a:t>注册一个监听，当操作执行成功或失败时进行一些处理</a:t>
-          </a:r>
-          <a:endParaRPr lang="zh-CN" altLang="en-US" sz="1600" kern="1200" dirty="0"/>
-        </a:p>
-      </dsp:txBody>
-      <dsp:txXfrm rot="-5400000">
-        <a:off x="2274146" y="3568492"/>
-        <a:ext cx="7805282" cy="1149742"/>
-      </dsp:txXfrm>
-    </dsp:sp>
-    <dsp:sp modelId="{02BC8B40-EBDF-49CF-807A-9A2710857950}">
-      <dsp:nvSpPr>
-        <dsp:cNvPr id="0" name=""/>
-        <dsp:cNvSpPr/>
-      </dsp:nvSpPr>
-      <dsp:spPr>
-        <a:xfrm>
-          <a:off x="32636" y="3349440"/>
-          <a:ext cx="2252372" cy="1592673"/>
-        </a:xfrm>
-        <a:prstGeom prst="roundRect">
-          <a:avLst/>
-        </a:prstGeom>
-        <a:solidFill>
-          <a:schemeClr val="accent4">
-            <a:hueOff val="0"/>
-            <a:satOff val="0"/>
-            <a:lumOff val="0"/>
-            <a:alphaOff val="0"/>
-          </a:schemeClr>
-        </a:solidFill>
-        <a:ln w="15875" cap="rnd" cmpd="sng" algn="ctr">
-          <a:solidFill>
-            <a:schemeClr val="lt1">
-              <a:hueOff val="0"/>
-              <a:satOff val="0"/>
-              <a:lumOff val="0"/>
-              <a:alphaOff val="0"/>
-            </a:schemeClr>
-          </a:solidFill>
-          <a:prstDash val="solid"/>
-        </a:ln>
-        <a:effectLst/>
-      </dsp:spPr>
-      <dsp:style>
-        <a:lnRef idx="2">
-          <a:scrgbClr r="0" g="0" b="0"/>
-        </a:lnRef>
-        <a:fillRef idx="1">
-          <a:scrgbClr r="0" g="0" b="0"/>
-        </a:fillRef>
-        <a:effectRef idx="0">
-          <a:scrgbClr r="0" g="0" b="0"/>
-        </a:effectRef>
-        <a:fontRef idx="minor">
-          <a:schemeClr val="lt1"/>
-        </a:fontRef>
-      </dsp:style>
-      <dsp:txBody>
-        <a:bodyPr spcFirstLastPara="0" vert="horz" wrap="square" lIns="76200" tIns="38100" rIns="76200" bIns="38100" numCol="1" spcCol="1270" anchor="ctr" anchorCtr="0">
-          <a:noAutofit/>
-        </a:bodyPr>
-        <a:lstStyle/>
-        <a:p>
-          <a:pPr lvl="0" algn="ctr" defTabSz="889000">
-            <a:lnSpc>
-              <a:spcPct val="90000"/>
-            </a:lnSpc>
-            <a:spcBef>
-              <a:spcPct val="0"/>
-            </a:spcBef>
-            <a:spcAft>
-              <a:spcPct val="35000"/>
-            </a:spcAft>
-          </a:pPr>
-          <a:r>
-            <a:rPr lang="en-US" altLang="en-US" sz="2000" kern="1200" dirty="0" err="1" smtClean="0"/>
-            <a:t>ChannelFuture</a:t>
-          </a:r>
-          <a:endParaRPr lang="zh-CN" altLang="en-US" sz="2000" kern="1200" dirty="0"/>
-        </a:p>
-      </dsp:txBody>
-      <dsp:txXfrm>
-        <a:off x="110384" y="3427188"/>
-        <a:ext cx="2096876" cy="1437177"/>
-      </dsp:txXfrm>
-    </dsp:sp>
   </dsp:spTree>
 </dsp:drawing>
 </file>
@@ -8622,294 +6772,6 @@
       <dsp:cNvGrpSpPr/>
     </dsp:nvGrpSpPr>
     <dsp:grpSpPr/>
-    <dsp:sp modelId="{193C5707-8372-4A2F-90A7-49F062D5BF97}">
-      <dsp:nvSpPr>
-        <dsp:cNvPr id="0" name=""/>
-        <dsp:cNvSpPr/>
-      </dsp:nvSpPr>
-      <dsp:spPr>
-        <a:xfrm>
-          <a:off x="0" y="233934"/>
-          <a:ext cx="10018712" cy="826382"/>
-        </a:xfrm>
-        <a:prstGeom prst="roundRect">
-          <a:avLst/>
-        </a:prstGeom>
-        <a:solidFill>
-          <a:schemeClr val="accent1">
-            <a:hueOff val="0"/>
-            <a:satOff val="0"/>
-            <a:lumOff val="0"/>
-            <a:alphaOff val="0"/>
-          </a:schemeClr>
-        </a:solidFill>
-        <a:ln>
-          <a:noFill/>
-        </a:ln>
-        <a:effectLst>
-          <a:reflection blurRad="12700" stA="26000" endPos="32000" dist="12700" dir="5400000" sy="-100000" rotWithShape="0"/>
-        </a:effectLst>
-        <a:sp3d prstMaterial="plastic">
-          <a:bevelT w="50800" h="50800"/>
-          <a:bevelB w="50800" h="50800"/>
-        </a:sp3d>
-      </dsp:spPr>
-      <dsp:style>
-        <a:lnRef idx="0">
-          <a:scrgbClr r="0" g="0" b="0"/>
-        </a:lnRef>
-        <a:fillRef idx="1">
-          <a:scrgbClr r="0" g="0" b="0"/>
-        </a:fillRef>
-        <a:effectRef idx="2">
-          <a:scrgbClr r="0" g="0" b="0"/>
-        </a:effectRef>
-        <a:fontRef idx="minor">
-          <a:schemeClr val="lt1"/>
-        </a:fontRef>
-      </dsp:style>
-      <dsp:txBody>
-        <a:bodyPr spcFirstLastPara="0" vert="horz" wrap="square" lIns="114300" tIns="114300" rIns="114300" bIns="114300" numCol="1" spcCol="1270" anchor="ctr" anchorCtr="0">
-          <a:noAutofit/>
-        </a:bodyPr>
-        <a:lstStyle/>
-        <a:p>
-          <a:pPr lvl="0" algn="l" defTabSz="1333500">
-            <a:lnSpc>
-              <a:spcPct val="90000"/>
-            </a:lnSpc>
-            <a:spcBef>
-              <a:spcPct val="0"/>
-            </a:spcBef>
-            <a:spcAft>
-              <a:spcPct val="35000"/>
-            </a:spcAft>
-          </a:pPr>
-          <a:r>
-            <a:rPr lang="zh-CN" altLang="en-US" sz="3000" kern="1200" dirty="0" smtClean="0"/>
-            <a:t>粘包</a:t>
-          </a:r>
-          <a:endParaRPr lang="zh-CN" altLang="en-US" sz="3000" kern="1200" dirty="0"/>
-        </a:p>
-      </dsp:txBody>
-      <dsp:txXfrm>
-        <a:off x="40341" y="274275"/>
-        <a:ext cx="9938030" cy="745700"/>
-      </dsp:txXfrm>
-    </dsp:sp>
-    <dsp:sp modelId="{D1E764A5-373F-4846-B08A-AEA206222F82}">
-      <dsp:nvSpPr>
-        <dsp:cNvPr id="0" name=""/>
-        <dsp:cNvSpPr/>
-      </dsp:nvSpPr>
-      <dsp:spPr>
-        <a:xfrm>
-          <a:off x="0" y="1060317"/>
-          <a:ext cx="10018712" cy="1059840"/>
-        </a:xfrm>
-        <a:prstGeom prst="rect">
-          <a:avLst/>
-        </a:prstGeom>
-        <a:solidFill>
-          <a:schemeClr val="lt1">
-            <a:alpha val="0"/>
-            <a:hueOff val="0"/>
-            <a:satOff val="0"/>
-            <a:lumOff val="0"/>
-            <a:alphaOff val="0"/>
-          </a:schemeClr>
-        </a:solidFill>
-        <a:ln>
-          <a:noFill/>
-        </a:ln>
-        <a:effectLst/>
-      </dsp:spPr>
-      <dsp:style>
-        <a:lnRef idx="0">
-          <a:scrgbClr r="0" g="0" b="0"/>
-        </a:lnRef>
-        <a:fillRef idx="1">
-          <a:scrgbClr r="0" g="0" b="0"/>
-        </a:fillRef>
-        <a:effectRef idx="0">
-          <a:scrgbClr r="0" g="0" b="0"/>
-        </a:effectRef>
-        <a:fontRef idx="minor"/>
-      </dsp:style>
-      <dsp:txBody>
-        <a:bodyPr spcFirstLastPara="0" vert="horz" wrap="square" lIns="318094" tIns="45720" rIns="256032" bIns="45720" numCol="1" spcCol="1270" anchor="t" anchorCtr="0">
-          <a:noAutofit/>
-        </a:bodyPr>
-        <a:lstStyle/>
-        <a:p>
-          <a:pPr marL="285750" lvl="1" indent="-285750" algn="l" defTabSz="1600200">
-            <a:lnSpc>
-              <a:spcPct val="90000"/>
-            </a:lnSpc>
-            <a:spcBef>
-              <a:spcPct val="0"/>
-            </a:spcBef>
-            <a:spcAft>
-              <a:spcPct val="20000"/>
-            </a:spcAft>
-            <a:buChar char="••"/>
-          </a:pPr>
-          <a:r>
-            <a:rPr lang="zh-CN" altLang="en-US" sz="3600" kern="1200" dirty="0" smtClean="0"/>
-            <a:t>多次发送的较短的数据一次或几次接收</a:t>
-          </a:r>
-          <a:endParaRPr lang="zh-CN" altLang="en-US" sz="3600" kern="1200" dirty="0"/>
-        </a:p>
-      </dsp:txBody>
-      <dsp:txXfrm>
-        <a:off x="0" y="1060317"/>
-        <a:ext cx="10018712" cy="1059840"/>
-      </dsp:txXfrm>
-    </dsp:sp>
-    <dsp:sp modelId="{C5E434E0-4306-4298-B905-C3F1BD11C355}">
-      <dsp:nvSpPr>
-        <dsp:cNvPr id="0" name=""/>
-        <dsp:cNvSpPr/>
-      </dsp:nvSpPr>
-      <dsp:spPr>
-        <a:xfrm>
-          <a:off x="0" y="2120157"/>
-          <a:ext cx="10018712" cy="871335"/>
-        </a:xfrm>
-        <a:prstGeom prst="roundRect">
-          <a:avLst/>
-        </a:prstGeom>
-        <a:solidFill>
-          <a:schemeClr val="accent1">
-            <a:hueOff val="0"/>
-            <a:satOff val="0"/>
-            <a:lumOff val="0"/>
-            <a:alphaOff val="0"/>
-          </a:schemeClr>
-        </a:solidFill>
-        <a:ln>
-          <a:noFill/>
-        </a:ln>
-        <a:effectLst>
-          <a:reflection blurRad="12700" stA="26000" endPos="32000" dist="12700" dir="5400000" sy="-100000" rotWithShape="0"/>
-        </a:effectLst>
-        <a:sp3d prstMaterial="plastic">
-          <a:bevelT w="50800" h="50800"/>
-          <a:bevelB w="50800" h="50800"/>
-        </a:sp3d>
-      </dsp:spPr>
-      <dsp:style>
-        <a:lnRef idx="0">
-          <a:scrgbClr r="0" g="0" b="0"/>
-        </a:lnRef>
-        <a:fillRef idx="1">
-          <a:scrgbClr r="0" g="0" b="0"/>
-        </a:fillRef>
-        <a:effectRef idx="2">
-          <a:scrgbClr r="0" g="0" b="0"/>
-        </a:effectRef>
-        <a:fontRef idx="minor">
-          <a:schemeClr val="lt1"/>
-        </a:fontRef>
-      </dsp:style>
-      <dsp:txBody>
-        <a:bodyPr spcFirstLastPara="0" vert="horz" wrap="square" lIns="114300" tIns="114300" rIns="114300" bIns="114300" numCol="1" spcCol="1270" anchor="ctr" anchorCtr="0">
-          <a:noAutofit/>
-        </a:bodyPr>
-        <a:lstStyle/>
-        <a:p>
-          <a:pPr lvl="0" algn="l" defTabSz="1333500">
-            <a:lnSpc>
-              <a:spcPct val="90000"/>
-            </a:lnSpc>
-            <a:spcBef>
-              <a:spcPct val="0"/>
-            </a:spcBef>
-            <a:spcAft>
-              <a:spcPct val="35000"/>
-            </a:spcAft>
-          </a:pPr>
-          <a:r>
-            <a:rPr lang="zh-CN" altLang="en-US" sz="3000" kern="1200" dirty="0" smtClean="0"/>
-            <a:t>拆包</a:t>
-          </a:r>
-          <a:endParaRPr lang="zh-CN" altLang="en-US" sz="3000" kern="1200" dirty="0"/>
-        </a:p>
-      </dsp:txBody>
-      <dsp:txXfrm>
-        <a:off x="42535" y="2162692"/>
-        <a:ext cx="9933642" cy="786265"/>
-      </dsp:txXfrm>
-    </dsp:sp>
-    <dsp:sp modelId="{449958B8-6DD0-498E-B335-97288BC7E2FB}">
-      <dsp:nvSpPr>
-        <dsp:cNvPr id="0" name=""/>
-        <dsp:cNvSpPr/>
-      </dsp:nvSpPr>
-      <dsp:spPr>
-        <a:xfrm>
-          <a:off x="0" y="2991492"/>
-          <a:ext cx="10018712" cy="1107087"/>
-        </a:xfrm>
-        <a:prstGeom prst="rect">
-          <a:avLst/>
-        </a:prstGeom>
-        <a:solidFill>
-          <a:schemeClr val="lt1">
-            <a:alpha val="0"/>
-            <a:hueOff val="0"/>
-            <a:satOff val="0"/>
-            <a:lumOff val="0"/>
-            <a:alphaOff val="0"/>
-          </a:schemeClr>
-        </a:solidFill>
-        <a:ln>
-          <a:noFill/>
-        </a:ln>
-        <a:effectLst/>
-      </dsp:spPr>
-      <dsp:style>
-        <a:lnRef idx="0">
-          <a:scrgbClr r="0" g="0" b="0"/>
-        </a:lnRef>
-        <a:fillRef idx="1">
-          <a:scrgbClr r="0" g="0" b="0"/>
-        </a:fillRef>
-        <a:effectRef idx="0">
-          <a:scrgbClr r="0" g="0" b="0"/>
-        </a:effectRef>
-        <a:fontRef idx="minor"/>
-      </dsp:style>
-      <dsp:txBody>
-        <a:bodyPr spcFirstLastPara="0" vert="horz" wrap="square" lIns="318094" tIns="45720" rIns="256032" bIns="45720" numCol="1" spcCol="1270" anchor="t" anchorCtr="0">
-          <a:noAutofit/>
-        </a:bodyPr>
-        <a:lstStyle/>
-        <a:p>
-          <a:pPr marL="285750" lvl="1" indent="-285750" algn="l" defTabSz="1600200">
-            <a:lnSpc>
-              <a:spcPct val="90000"/>
-            </a:lnSpc>
-            <a:spcBef>
-              <a:spcPct val="0"/>
-            </a:spcBef>
-            <a:spcAft>
-              <a:spcPct val="20000"/>
-            </a:spcAft>
-            <a:buChar char="••"/>
-          </a:pPr>
-          <a:r>
-            <a:rPr lang="zh-CN" altLang="en-US" sz="3600" kern="1200" dirty="0" smtClean="0"/>
-            <a:t>一次发送的较长的数据分几次接收</a:t>
-          </a:r>
-          <a:endParaRPr lang="zh-CN" altLang="en-US" sz="3600" kern="1200" dirty="0"/>
-        </a:p>
-      </dsp:txBody>
-      <dsp:txXfrm>
-        <a:off x="0" y="2991492"/>
-        <a:ext cx="10018712" cy="1107087"/>
-      </dsp:txXfrm>
-    </dsp:sp>
   </dsp:spTree>
 </dsp:drawing>
 </file>
@@ -16411,7 +14273,7 @@
           <a:p>
             <a:fld id="{A24A1628-B285-4774-91C7-C9C97F69F986}" type="datetimeFigureOut">
               <a:rPr lang="zh-CN" altLang="en-US" smtClean="0"/>
-              <a:t>2018/7/23</a:t>
+              <a:t>2018/7/26</a:t>
             </a:fld>
             <a:endParaRPr lang="zh-CN" altLang="en-US"/>
           </a:p>
@@ -16581,7 +14443,7 @@
           <a:p>
             <a:fld id="{A24A1628-B285-4774-91C7-C9C97F69F986}" type="datetimeFigureOut">
               <a:rPr lang="zh-CN" altLang="en-US" smtClean="0"/>
-              <a:t>2018/7/23</a:t>
+              <a:t>2018/7/26</a:t>
             </a:fld>
             <a:endParaRPr lang="zh-CN" altLang="en-US"/>
           </a:p>
@@ -16761,7 +14623,7 @@
           <a:p>
             <a:fld id="{A24A1628-B285-4774-91C7-C9C97F69F986}" type="datetimeFigureOut">
               <a:rPr lang="zh-CN" altLang="en-US" smtClean="0"/>
-              <a:t>2018/7/23</a:t>
+              <a:t>2018/7/26</a:t>
             </a:fld>
             <a:endParaRPr lang="zh-CN" altLang="en-US"/>
           </a:p>
@@ -17324,7 +15186,7 @@
           <a:p>
             <a:fld id="{A24A1628-B285-4774-91C7-C9C97F69F986}" type="datetimeFigureOut">
               <a:rPr lang="zh-CN" altLang="en-US" smtClean="0"/>
-              <a:t>2018/7/23</a:t>
+              <a:t>2018/7/26</a:t>
             </a:fld>
             <a:endParaRPr lang="zh-CN" altLang="en-US"/>
           </a:p>
@@ -17499,7 +15361,7 @@
           <a:p>
             <a:fld id="{A24A1628-B285-4774-91C7-C9C97F69F986}" type="datetimeFigureOut">
               <a:rPr lang="zh-CN" altLang="en-US" smtClean="0"/>
-              <a:t>2018/7/23</a:t>
+              <a:t>2018/7/26</a:t>
             </a:fld>
             <a:endParaRPr lang="zh-CN" altLang="en-US"/>
           </a:p>
@@ -17750,7 +15612,7 @@
           <a:p>
             <a:fld id="{A24A1628-B285-4774-91C7-C9C97F69F986}" type="datetimeFigureOut">
               <a:rPr lang="zh-CN" altLang="en-US" smtClean="0"/>
-              <a:t>2018/7/23</a:t>
+              <a:t>2018/7/26</a:t>
             </a:fld>
             <a:endParaRPr lang="zh-CN" altLang="en-US"/>
           </a:p>
@@ -18047,7 +15909,7 @@
           <a:p>
             <a:fld id="{A24A1628-B285-4774-91C7-C9C97F69F986}" type="datetimeFigureOut">
               <a:rPr lang="zh-CN" altLang="en-US" smtClean="0"/>
-              <a:t>2018/7/23</a:t>
+              <a:t>2018/7/26</a:t>
             </a:fld>
             <a:endParaRPr lang="zh-CN" altLang="en-US"/>
           </a:p>
@@ -18494,7 +16356,7 @@
           <a:p>
             <a:fld id="{A24A1628-B285-4774-91C7-C9C97F69F986}" type="datetimeFigureOut">
               <a:rPr lang="zh-CN" altLang="en-US" smtClean="0"/>
-              <a:t>2018/7/23</a:t>
+              <a:t>2018/7/26</a:t>
             </a:fld>
             <a:endParaRPr lang="zh-CN" altLang="en-US"/>
           </a:p>
@@ -18617,7 +16479,7 @@
           <a:p>
             <a:fld id="{A24A1628-B285-4774-91C7-C9C97F69F986}" type="datetimeFigureOut">
               <a:rPr lang="zh-CN" altLang="en-US" smtClean="0"/>
-              <a:t>2018/7/23</a:t>
+              <a:t>2018/7/26</a:t>
             </a:fld>
             <a:endParaRPr lang="zh-CN" altLang="en-US"/>
           </a:p>
@@ -18712,7 +16574,7 @@
           <a:p>
             <a:fld id="{A24A1628-B285-4774-91C7-C9C97F69F986}" type="datetimeFigureOut">
               <a:rPr lang="zh-CN" altLang="en-US" smtClean="0"/>
-              <a:t>2018/7/23</a:t>
+              <a:t>2018/7/26</a:t>
             </a:fld>
             <a:endParaRPr lang="zh-CN" altLang="en-US"/>
           </a:p>
@@ -18995,7 +16857,7 @@
           <a:p>
             <a:fld id="{A24A1628-B285-4774-91C7-C9C97F69F986}" type="datetimeFigureOut">
               <a:rPr lang="zh-CN" altLang="en-US" smtClean="0"/>
-              <a:t>2018/7/23</a:t>
+              <a:t>2018/7/26</a:t>
             </a:fld>
             <a:endParaRPr lang="zh-CN" altLang="en-US"/>
           </a:p>
@@ -19170,7 +17032,7 @@
           <a:p>
             <a:fld id="{A24A1628-B285-4774-91C7-C9C97F69F986}" type="datetimeFigureOut">
               <a:rPr lang="zh-CN" altLang="en-US" smtClean="0"/>
-              <a:t>2018/7/23</a:t>
+              <a:t>2018/7/26</a:t>
             </a:fld>
             <a:endParaRPr lang="zh-CN" altLang="en-US"/>
           </a:p>
@@ -19461,7 +17323,7 @@
           <a:p>
             <a:fld id="{A24A1628-B285-4774-91C7-C9C97F69F986}" type="datetimeFigureOut">
               <a:rPr lang="zh-CN" altLang="en-US" smtClean="0"/>
-              <a:t>2018/7/23</a:t>
+              <a:t>2018/7/26</a:t>
             </a:fld>
             <a:endParaRPr lang="zh-CN" altLang="en-US"/>
           </a:p>
@@ -19752,7 +17614,7 @@
           <a:p>
             <a:fld id="{A24A1628-B285-4774-91C7-C9C97F69F986}" type="datetimeFigureOut">
               <a:rPr lang="zh-CN" altLang="en-US" smtClean="0"/>
-              <a:t>2018/7/23</a:t>
+              <a:t>2018/7/26</a:t>
             </a:fld>
             <a:endParaRPr lang="zh-CN" altLang="en-US"/>
           </a:p>
@@ -20000,7 +17862,7 @@
           <a:p>
             <a:fld id="{A24A1628-B285-4774-91C7-C9C97F69F986}" type="datetimeFigureOut">
               <a:rPr lang="zh-CN" altLang="en-US" smtClean="0"/>
-              <a:t>2018/7/23</a:t>
+              <a:t>2018/7/26</a:t>
             </a:fld>
             <a:endParaRPr lang="zh-CN" altLang="en-US"/>
           </a:p>
@@ -20540,7 +18402,7 @@
           <a:p>
             <a:fld id="{A24A1628-B285-4774-91C7-C9C97F69F986}" type="datetimeFigureOut">
               <a:rPr lang="zh-CN" altLang="en-US" smtClean="0"/>
-              <a:t>2018/7/23</a:t>
+              <a:t>2018/7/26</a:t>
             </a:fld>
             <a:endParaRPr lang="zh-CN" altLang="en-US"/>
           </a:p>
@@ -20788,7 +18650,7 @@
           <a:p>
             <a:fld id="{A24A1628-B285-4774-91C7-C9C97F69F986}" type="datetimeFigureOut">
               <a:rPr lang="zh-CN" altLang="en-US" smtClean="0"/>
-              <a:t>2018/7/23</a:t>
+              <a:t>2018/7/26</a:t>
             </a:fld>
             <a:endParaRPr lang="zh-CN" altLang="en-US"/>
           </a:p>
@@ -21320,7 +19182,7 @@
           <a:p>
             <a:fld id="{A24A1628-B285-4774-91C7-C9C97F69F986}" type="datetimeFigureOut">
               <a:rPr lang="zh-CN" altLang="en-US" smtClean="0"/>
-              <a:t>2018/7/23</a:t>
+              <a:t>2018/7/26</a:t>
             </a:fld>
             <a:endParaRPr lang="zh-CN" altLang="en-US"/>
           </a:p>
@@ -21617,7 +19479,7 @@
           <a:p>
             <a:fld id="{A24A1628-B285-4774-91C7-C9C97F69F986}" type="datetimeFigureOut">
               <a:rPr lang="zh-CN" altLang="en-US" smtClean="0"/>
-              <a:t>2018/7/23</a:t>
+              <a:t>2018/7/26</a:t>
             </a:fld>
             <a:endParaRPr lang="zh-CN" altLang="en-US"/>
           </a:p>
@@ -21791,7 +19653,7 @@
           <a:p>
             <a:fld id="{A24A1628-B285-4774-91C7-C9C97F69F986}" type="datetimeFigureOut">
               <a:rPr lang="zh-CN" altLang="en-US" smtClean="0"/>
-              <a:t>2018/7/23</a:t>
+              <a:t>2018/7/26</a:t>
             </a:fld>
             <a:endParaRPr lang="zh-CN" altLang="en-US"/>
           </a:p>
@@ -21971,7 +19833,7 @@
           <a:p>
             <a:fld id="{A24A1628-B285-4774-91C7-C9C97F69F986}" type="datetimeFigureOut">
               <a:rPr lang="zh-CN" altLang="en-US" smtClean="0"/>
-              <a:t>2018/7/23</a:t>
+              <a:t>2018/7/26</a:t>
             </a:fld>
             <a:endParaRPr lang="zh-CN" altLang="en-US"/>
           </a:p>
@@ -22222,7 +20084,7 @@
           <a:p>
             <a:fld id="{A24A1628-B285-4774-91C7-C9C97F69F986}" type="datetimeFigureOut">
               <a:rPr lang="zh-CN" altLang="en-US" smtClean="0"/>
-              <a:t>2018/7/23</a:t>
+              <a:t>2018/7/26</a:t>
             </a:fld>
             <a:endParaRPr lang="zh-CN" altLang="en-US"/>
           </a:p>
@@ -22454,7 +20316,7 @@
           <a:p>
             <a:fld id="{A24A1628-B285-4774-91C7-C9C97F69F986}" type="datetimeFigureOut">
               <a:rPr lang="zh-CN" altLang="en-US" smtClean="0"/>
-              <a:t>2018/7/23</a:t>
+              <a:t>2018/7/26</a:t>
             </a:fld>
             <a:endParaRPr lang="zh-CN" altLang="en-US"/>
           </a:p>
@@ -22806,7 +20668,7 @@
           <a:p>
             <a:fld id="{A24A1628-B285-4774-91C7-C9C97F69F986}" type="datetimeFigureOut">
               <a:rPr lang="zh-CN" altLang="en-US" smtClean="0"/>
-              <a:t>2018/7/23</a:t>
+              <a:t>2018/7/26</a:t>
             </a:fld>
             <a:endParaRPr lang="zh-CN" altLang="en-US"/>
           </a:p>
@@ -22929,7 +20791,7 @@
           <a:p>
             <a:fld id="{A24A1628-B285-4774-91C7-C9C97F69F986}" type="datetimeFigureOut">
               <a:rPr lang="zh-CN" altLang="en-US" smtClean="0"/>
-              <a:t>2018/7/23</a:t>
+              <a:t>2018/7/26</a:t>
             </a:fld>
             <a:endParaRPr lang="zh-CN" altLang="en-US"/>
           </a:p>
@@ -23047,7 +20909,7 @@
           <a:p>
             <a:fld id="{A24A1628-B285-4774-91C7-C9C97F69F986}" type="datetimeFigureOut">
               <a:rPr lang="zh-CN" altLang="en-US" smtClean="0"/>
-              <a:t>2018/7/23</a:t>
+              <a:t>2018/7/26</a:t>
             </a:fld>
             <a:endParaRPr lang="zh-CN" altLang="en-US"/>
           </a:p>
@@ -23331,7 +21193,7 @@
           <a:p>
             <a:fld id="{A24A1628-B285-4774-91C7-C9C97F69F986}" type="datetimeFigureOut">
               <a:rPr lang="zh-CN" altLang="en-US" smtClean="0"/>
-              <a:t>2018/7/23</a:t>
+              <a:t>2018/7/26</a:t>
             </a:fld>
             <a:endParaRPr lang="zh-CN" altLang="en-US"/>
           </a:p>
@@ -23600,7 +21462,7 @@
           <a:p>
             <a:fld id="{A24A1628-B285-4774-91C7-C9C97F69F986}" type="datetimeFigureOut">
               <a:rPr lang="zh-CN" altLang="en-US" smtClean="0"/>
-              <a:t>2018/7/23</a:t>
+              <a:t>2018/7/26</a:t>
             </a:fld>
             <a:endParaRPr lang="zh-CN" altLang="en-US"/>
           </a:p>
@@ -23814,7 +21676,7 @@
           <a:p>
             <a:fld id="{A24A1628-B285-4774-91C7-C9C97F69F986}" type="datetimeFigureOut">
               <a:rPr lang="zh-CN" altLang="en-US" smtClean="0"/>
-              <a:t>2018/7/23</a:t>
+              <a:t>2018/7/26</a:t>
             </a:fld>
             <a:endParaRPr lang="zh-CN" altLang="en-US"/>
           </a:p>
@@ -24665,7 +22527,7 @@
           <a:p>
             <a:fld id="{A24A1628-B285-4774-91C7-C9C97F69F986}" type="datetimeFigureOut">
               <a:rPr lang="zh-CN" altLang="en-US" smtClean="0"/>
-              <a:t>2018/7/23</a:t>
+              <a:t>2018/7/26</a:t>
             </a:fld>
             <a:endParaRPr lang="zh-CN" altLang="en-US"/>
           </a:p>
@@ -25607,6 +23469,93 @@
       </p:par>
     </p:tnLst>
   </p:timing>
+</p:sld>
+</file>
+
+<file path=ppt/slides/slide13.xml><?xml version="1.0" encoding="utf-8"?>
+<p:sld xmlns:a="http://schemas.openxmlformats.org/drawingml/2006/main" xmlns:r="http://schemas.openxmlformats.org/officeDocument/2006/relationships" xmlns:p="http://schemas.openxmlformats.org/presentationml/2006/main">
+  <p:cSld>
+    <p:spTree>
+      <p:nvGrpSpPr>
+        <p:cNvPr id="1" name=""/>
+        <p:cNvGrpSpPr/>
+        <p:nvPr/>
+      </p:nvGrpSpPr>
+      <p:grpSpPr>
+        <a:xfrm>
+          <a:off x="0" y="0"/>
+          <a:ext cx="0" cy="0"/>
+          <a:chOff x="0" y="0"/>
+          <a:chExt cx="0" cy="0"/>
+        </a:xfrm>
+      </p:grpSpPr>
+      <p:sp>
+        <p:nvSpPr>
+          <p:cNvPr id="2" name="标题 1"/>
+          <p:cNvSpPr>
+            <a:spLocks noGrp="1"/>
+          </p:cNvSpPr>
+          <p:nvPr>
+            <p:ph type="title"/>
+          </p:nvPr>
+        </p:nvSpPr>
+        <p:spPr/>
+        <p:txBody>
+          <a:bodyPr/>
+          <a:lstStyle/>
+          <a:p>
+            <a:r>
+              <a:rPr lang="en-US" altLang="zh-CN" dirty="0" err="1" smtClean="0"/>
+              <a:t>Netty</a:t>
+            </a:r>
+            <a:r>
+              <a:rPr lang="zh-CN" altLang="en-US" dirty="0" smtClean="0"/>
+              <a:t>心跳</a:t>
+            </a:r>
+            <a:endParaRPr lang="zh-CN" altLang="en-US" dirty="0"/>
+          </a:p>
+        </p:txBody>
+      </p:sp>
+      <p:sp>
+        <p:nvSpPr>
+          <p:cNvPr id="3" name="内容占位符 2"/>
+          <p:cNvSpPr>
+            <a:spLocks noGrp="1"/>
+          </p:cNvSpPr>
+          <p:nvPr>
+            <p:ph idx="1"/>
+          </p:nvPr>
+        </p:nvSpPr>
+        <p:spPr/>
+        <p:txBody>
+          <a:bodyPr/>
+          <a:lstStyle/>
+          <a:p>
+            <a:pPr marL="0" indent="0">
+              <a:buNone/>
+            </a:pPr>
+            <a:r>
+              <a:rPr lang="en-US" altLang="zh-CN" dirty="0" smtClean="0"/>
+              <a:t>Demo4</a:t>
+            </a:r>
+            <a:r>
+              <a:rPr lang="zh-CN" altLang="en-US" smtClean="0"/>
+              <a:t>详解</a:t>
+            </a:r>
+            <a:endParaRPr lang="zh-CN" altLang="en-US" dirty="0"/>
+          </a:p>
+        </p:txBody>
+      </p:sp>
+    </p:spTree>
+    <p:extLst>
+      <p:ext uri="{BB962C8B-B14F-4D97-AF65-F5344CB8AC3E}">
+        <p14:creationId xmlns:p14="http://schemas.microsoft.com/office/powerpoint/2010/main" val="3168399183"/>
+      </p:ext>
+    </p:extLst>
+  </p:cSld>
+  <p:clrMapOvr>
+    <a:masterClrMapping/>
+  </p:clrMapOvr>
 </p:sld>
 </file>
 

--- a/Netty-Parent/netty分享.pptx
+++ b/Netty-Parent/netty分享.pptx
@@ -4696,19 +4696,19 @@
     </dgm:pt>
   </dgm:ptLst>
   <dgm:cxnLst>
-    <dgm:cxn modelId="{9D1CCF5F-F70F-4EA5-A901-89660CA3AB07}" srcId="{10FE40D6-C3B6-4336-8CB5-731A13E49219}" destId="{2CC91FFE-51BC-4AC1-956B-E6D83D6B5265}" srcOrd="2" destOrd="0" parTransId="{67FA0C95-7AC3-436E-8B7F-ECD4CF494879}" sibTransId="{C3B7A825-C89D-4BB8-A1F4-A66F4BB77425}"/>
     <dgm:cxn modelId="{949B37CA-F258-4EC3-B591-1990E6A23677}" type="presOf" srcId="{2CC91FFE-51BC-4AC1-956B-E6D83D6B5265}" destId="{09F04A3B-D471-45E6-BB8D-DE4B129D58D0}" srcOrd="0" destOrd="0" presId="urn:microsoft.com/office/officeart/2005/8/layout/vList5"/>
-    <dgm:cxn modelId="{7686C187-0E41-4F2C-BFD8-4352E1FA6753}" type="presOf" srcId="{68861929-4E40-4C54-BDC7-B929EFD05597}" destId="{F52B4BDB-80A5-41AA-B9B3-3645F8EF4C11}" srcOrd="0" destOrd="0" presId="urn:microsoft.com/office/officeart/2005/8/layout/vList5"/>
-    <dgm:cxn modelId="{A925A93C-04E4-49D0-B436-A3117D2B5202}" type="presOf" srcId="{10FE40D6-C3B6-4336-8CB5-731A13E49219}" destId="{1D0BD91F-F3C4-488C-8CE7-A2F21EABC647}" srcOrd="0" destOrd="0" presId="urn:microsoft.com/office/officeart/2005/8/layout/vList5"/>
-    <dgm:cxn modelId="{BBEDDA6D-0D31-40C8-8B8E-087C135418EA}" srcId="{2CC91FFE-51BC-4AC1-956B-E6D83D6B5265}" destId="{E769D187-0313-4DC8-93AD-81B7BA7E7937}" srcOrd="0" destOrd="0" parTransId="{B1C1ED42-3183-46DE-B6D6-2C1E84A17F3C}" sibTransId="{C4691D04-7D9B-4B60-A8CA-32DF971E71A5}"/>
+    <dgm:cxn modelId="{35655412-8338-412A-A404-52434B1D5AE4}" srcId="{10FE40D6-C3B6-4336-8CB5-731A13E49219}" destId="{93CAC3CC-AE22-4494-B720-C31FF1451C9E}" srcOrd="0" destOrd="0" parTransId="{90EE975D-A833-462E-A403-953A799C121A}" sibTransId="{C2EA9B8A-EC34-4CE0-89BB-7658BD65F3E5}"/>
     <dgm:cxn modelId="{553A20D6-1D07-42A1-92D4-740ED837D0BF}" srcId="{93CAC3CC-AE22-4494-B720-C31FF1451C9E}" destId="{A691F43A-E572-4457-ACDD-C8E9799F6EB3}" srcOrd="0" destOrd="0" parTransId="{3BE6E77F-B05E-4E17-A0C3-57B132DD457D}" sibTransId="{BA6CBA50-1EF6-485B-9986-E155B51A9125}"/>
-    <dgm:cxn modelId="{1A529A9D-10A7-4815-AB48-413C37FA79C2}" srcId="{68861929-4E40-4C54-BDC7-B929EFD05597}" destId="{6BB40D84-C1D7-4C2F-8DF9-E451CE7A44BA}" srcOrd="0" destOrd="0" parTransId="{78FF9D6B-87A0-471F-BD01-0BF9ADED66BF}" sibTransId="{6DC549BC-3847-40D8-BD42-DC6051E93B56}"/>
-    <dgm:cxn modelId="{57E94998-B3F4-49DC-9344-764E04B1130E}" type="presOf" srcId="{6BB40D84-C1D7-4C2F-8DF9-E451CE7A44BA}" destId="{ED6E39D2-824F-4791-A604-37A1250DABA9}" srcOrd="0" destOrd="0" presId="urn:microsoft.com/office/officeart/2005/8/layout/vList5"/>
     <dgm:cxn modelId="{D33AB769-67A3-4050-B9BB-83BA5662617A}" type="presOf" srcId="{E769D187-0313-4DC8-93AD-81B7BA7E7937}" destId="{3A895E7A-F92A-44EB-ADD1-62EF62E0E337}" srcOrd="0" destOrd="0" presId="urn:microsoft.com/office/officeart/2005/8/layout/vList5"/>
     <dgm:cxn modelId="{21B938CC-9BD5-4C62-84A5-E84BC91F30B6}" srcId="{10FE40D6-C3B6-4336-8CB5-731A13E49219}" destId="{68861929-4E40-4C54-BDC7-B929EFD05597}" srcOrd="1" destOrd="0" parTransId="{8EEEDF21-6523-4A5D-BA7C-5C2836AD9D03}" sibTransId="{F5C4A384-3B2B-4AA4-AB6D-6E3BADD4A028}"/>
+    <dgm:cxn modelId="{1A529A9D-10A7-4815-AB48-413C37FA79C2}" srcId="{68861929-4E40-4C54-BDC7-B929EFD05597}" destId="{6BB40D84-C1D7-4C2F-8DF9-E451CE7A44BA}" srcOrd="0" destOrd="0" parTransId="{78FF9D6B-87A0-471F-BD01-0BF9ADED66BF}" sibTransId="{6DC549BC-3847-40D8-BD42-DC6051E93B56}"/>
+    <dgm:cxn modelId="{CEEF1769-85DF-49A2-86FA-9C9E554AD9DC}" type="presOf" srcId="{93CAC3CC-AE22-4494-B720-C31FF1451C9E}" destId="{EA945CF3-C00F-4A19-97C9-9DC03EC7034E}" srcOrd="0" destOrd="0" presId="urn:microsoft.com/office/officeart/2005/8/layout/vList5"/>
     <dgm:cxn modelId="{BA2DF860-13B2-4440-9F9D-6010D82996A9}" type="presOf" srcId="{A691F43A-E572-4457-ACDD-C8E9799F6EB3}" destId="{1D61917E-66F5-412C-9533-A0AFE78DDA5E}" srcOrd="0" destOrd="0" presId="urn:microsoft.com/office/officeart/2005/8/layout/vList5"/>
-    <dgm:cxn modelId="{35655412-8338-412A-A404-52434B1D5AE4}" srcId="{10FE40D6-C3B6-4336-8CB5-731A13E49219}" destId="{93CAC3CC-AE22-4494-B720-C31FF1451C9E}" srcOrd="0" destOrd="0" parTransId="{90EE975D-A833-462E-A403-953A799C121A}" sibTransId="{C2EA9B8A-EC34-4CE0-89BB-7658BD65F3E5}"/>
-    <dgm:cxn modelId="{CEEF1769-85DF-49A2-86FA-9C9E554AD9DC}" type="presOf" srcId="{93CAC3CC-AE22-4494-B720-C31FF1451C9E}" destId="{EA945CF3-C00F-4A19-97C9-9DC03EC7034E}" srcOrd="0" destOrd="0" presId="urn:microsoft.com/office/officeart/2005/8/layout/vList5"/>
+    <dgm:cxn modelId="{A925A93C-04E4-49D0-B436-A3117D2B5202}" type="presOf" srcId="{10FE40D6-C3B6-4336-8CB5-731A13E49219}" destId="{1D0BD91F-F3C4-488C-8CE7-A2F21EABC647}" srcOrd="0" destOrd="0" presId="urn:microsoft.com/office/officeart/2005/8/layout/vList5"/>
+    <dgm:cxn modelId="{57E94998-B3F4-49DC-9344-764E04B1130E}" type="presOf" srcId="{6BB40D84-C1D7-4C2F-8DF9-E451CE7A44BA}" destId="{ED6E39D2-824F-4791-A604-37A1250DABA9}" srcOrd="0" destOrd="0" presId="urn:microsoft.com/office/officeart/2005/8/layout/vList5"/>
+    <dgm:cxn modelId="{BBEDDA6D-0D31-40C8-8B8E-087C135418EA}" srcId="{2CC91FFE-51BC-4AC1-956B-E6D83D6B5265}" destId="{E769D187-0313-4DC8-93AD-81B7BA7E7937}" srcOrd="0" destOrd="0" parTransId="{B1C1ED42-3183-46DE-B6D6-2C1E84A17F3C}" sibTransId="{C4691D04-7D9B-4B60-A8CA-32DF971E71A5}"/>
+    <dgm:cxn modelId="{7686C187-0E41-4F2C-BFD8-4352E1FA6753}" type="presOf" srcId="{68861929-4E40-4C54-BDC7-B929EFD05597}" destId="{F52B4BDB-80A5-41AA-B9B3-3645F8EF4C11}" srcOrd="0" destOrd="0" presId="urn:microsoft.com/office/officeart/2005/8/layout/vList5"/>
+    <dgm:cxn modelId="{9D1CCF5F-F70F-4EA5-A901-89660CA3AB07}" srcId="{10FE40D6-C3B6-4336-8CB5-731A13E49219}" destId="{2CC91FFE-51BC-4AC1-956B-E6D83D6B5265}" srcOrd="2" destOrd="0" parTransId="{67FA0C95-7AC3-436E-8B7F-ECD4CF494879}" sibTransId="{C3B7A825-C89D-4BB8-A1F4-A66F4BB77425}"/>
     <dgm:cxn modelId="{D8444A86-3559-4A06-B0BE-BFB94CBA2950}" type="presParOf" srcId="{1D0BD91F-F3C4-488C-8CE7-A2F21EABC647}" destId="{483281B5-52B1-46CA-A154-E99EC018A660}" srcOrd="0" destOrd="0" presId="urn:microsoft.com/office/officeart/2005/8/layout/vList5"/>
     <dgm:cxn modelId="{D026071B-A9A7-4D4F-9B11-DE777EC8F5ED}" type="presParOf" srcId="{483281B5-52B1-46CA-A154-E99EC018A660}" destId="{EA945CF3-C00F-4A19-97C9-9DC03EC7034E}" srcOrd="0" destOrd="0" presId="urn:microsoft.com/office/officeart/2005/8/layout/vList5"/>
     <dgm:cxn modelId="{CD21F18B-E05B-441B-BE00-C909F7749FE0}" type="presParOf" srcId="{483281B5-52B1-46CA-A154-E99EC018A660}" destId="{1D61917E-66F5-412C-9533-A0AFE78DDA5E}" srcOrd="1" destOrd="0" presId="urn:microsoft.com/office/officeart/2005/8/layout/vList5"/>
@@ -6706,9 +6706,9 @@
     <dgm:cxn modelId="{DAC9ADF0-BF35-4159-8F55-6CE82086269D}" type="presOf" srcId="{622CA088-C9BF-46EB-83FD-2FD80BE93EB3}" destId="{075DAB5A-EB6D-4514-9392-4F760EBB0DA3}" srcOrd="0" destOrd="0" presId="urn:microsoft.com/office/officeart/2005/8/layout/vList2"/>
     <dgm:cxn modelId="{038B2C3D-6401-486F-919E-84BD2D6FA088}" type="presOf" srcId="{CE2D9564-0D0C-4067-8B04-66280DD4907B}" destId="{8E88E7CA-A1B5-4CE5-9428-9AFF148C95A8}" srcOrd="0" destOrd="0" presId="urn:microsoft.com/office/officeart/2005/8/layout/vList2"/>
     <dgm:cxn modelId="{D3595E3B-E712-459A-9BDE-17D74818A970}" type="presOf" srcId="{D65F25BD-5964-43A4-A9F4-3F3A10E13075}" destId="{8480CD49-7A08-44C8-800C-791C578F56D2}" srcOrd="0" destOrd="0" presId="urn:microsoft.com/office/officeart/2005/8/layout/vList2"/>
+    <dgm:cxn modelId="{151B849D-08DB-4B4B-B125-2F5661AD0F5F}" type="presOf" srcId="{7BBB3E7B-9202-4312-B160-476E161E3E44}" destId="{55574814-5C05-49D8-B3D4-751D27E76157}" srcOrd="0" destOrd="0" presId="urn:microsoft.com/office/officeart/2005/8/layout/vList2"/>
+    <dgm:cxn modelId="{6ADD0B39-9992-4C4D-8199-F4F531C38353}" srcId="{C02690BE-3F15-47B6-B5F1-9063FC833116}" destId="{622CA088-C9BF-46EB-83FD-2FD80BE93EB3}" srcOrd="3" destOrd="0" parTransId="{B98B7F9C-89F1-4172-A628-6739FBD50FE4}" sibTransId="{BA800ED1-7538-418E-98E8-09E5889F6F3B}"/>
     <dgm:cxn modelId="{9CCE129B-312E-4C9E-8670-5F7DE71457F1}" srcId="{C02690BE-3F15-47B6-B5F1-9063FC833116}" destId="{0B3B9A80-FEAB-4382-AEC1-8F4985BF9AF7}" srcOrd="1" destOrd="0" parTransId="{6A23D7C0-0A42-47BB-8E9E-279348E9A7D5}" sibTransId="{CF537DE7-4794-4496-82A8-5B723FBAE9DD}"/>
-    <dgm:cxn modelId="{6ADD0B39-9992-4C4D-8199-F4F531C38353}" srcId="{C02690BE-3F15-47B6-B5F1-9063FC833116}" destId="{622CA088-C9BF-46EB-83FD-2FD80BE93EB3}" srcOrd="3" destOrd="0" parTransId="{B98B7F9C-89F1-4172-A628-6739FBD50FE4}" sibTransId="{BA800ED1-7538-418E-98E8-09E5889F6F3B}"/>
-    <dgm:cxn modelId="{151B849D-08DB-4B4B-B125-2F5661AD0F5F}" type="presOf" srcId="{7BBB3E7B-9202-4312-B160-476E161E3E44}" destId="{55574814-5C05-49D8-B3D4-751D27E76157}" srcOrd="0" destOrd="0" presId="urn:microsoft.com/office/officeart/2005/8/layout/vList2"/>
     <dgm:cxn modelId="{7B4C5AD5-161D-4DA3-92D0-7C15D92B5309}" type="presParOf" srcId="{27364063-BC25-46CF-BBC7-6B414AD95359}" destId="{8480CD49-7A08-44C8-800C-791C578F56D2}" srcOrd="0" destOrd="0" presId="urn:microsoft.com/office/officeart/2005/8/layout/vList2"/>
     <dgm:cxn modelId="{F23A0662-CC4A-43AD-A00E-CF98272D2B6B}" type="presParOf" srcId="{27364063-BC25-46CF-BBC7-6B414AD95359}" destId="{8CEEE20B-9890-4F12-9002-B17AD2045685}" srcOrd="1" destOrd="0" presId="urn:microsoft.com/office/officeart/2005/8/layout/vList2"/>
     <dgm:cxn modelId="{749239C9-EB8D-4EFD-903E-D3CC0BAD14CB}" type="presParOf" srcId="{27364063-BC25-46CF-BBC7-6B414AD95359}" destId="{367775B8-3428-4829-A7B2-607BBF34E06D}" srcOrd="2" destOrd="0" presId="urn:microsoft.com/office/officeart/2005/8/layout/vList2"/>
@@ -6784,742 +6784,6 @@
       <dsp:cNvGrpSpPr/>
     </dsp:nvGrpSpPr>
     <dsp:grpSpPr/>
-    <dsp:sp modelId="{8480CD49-7A08-44C8-800C-791C578F56D2}">
-      <dsp:nvSpPr>
-        <dsp:cNvPr id="0" name=""/>
-        <dsp:cNvSpPr/>
-      </dsp:nvSpPr>
-      <dsp:spPr>
-        <a:xfrm>
-          <a:off x="0" y="80943"/>
-          <a:ext cx="10018712" cy="505440"/>
-        </a:xfrm>
-        <a:prstGeom prst="roundRect">
-          <a:avLst/>
-        </a:prstGeom>
-        <a:solidFill>
-          <a:schemeClr val="accent1">
-            <a:hueOff val="0"/>
-            <a:satOff val="0"/>
-            <a:lumOff val="0"/>
-            <a:alphaOff val="0"/>
-          </a:schemeClr>
-        </a:solidFill>
-        <a:ln>
-          <a:noFill/>
-        </a:ln>
-        <a:effectLst>
-          <a:reflection blurRad="12700" stA="26000" endPos="32000" dist="12700" dir="5400000" sy="-100000" rotWithShape="0"/>
-        </a:effectLst>
-        <a:scene3d>
-          <a:camera prst="orthographicFront">
-            <a:rot lat="0" lon="0" rev="0"/>
-          </a:camera>
-          <a:lightRig rig="contrasting" dir="t">
-            <a:rot lat="0" lon="0" rev="1200000"/>
-          </a:lightRig>
-        </a:scene3d>
-        <a:sp3d contourW="19050" prstMaterial="metal">
-          <a:bevelT w="88900" h="203200"/>
-          <a:bevelB w="165100" h="254000"/>
-        </a:sp3d>
-      </dsp:spPr>
-      <dsp:style>
-        <a:lnRef idx="0">
-          <a:scrgbClr r="0" g="0" b="0"/>
-        </a:lnRef>
-        <a:fillRef idx="1">
-          <a:scrgbClr r="0" g="0" b="0"/>
-        </a:fillRef>
-        <a:effectRef idx="2">
-          <a:scrgbClr r="0" g="0" b="0"/>
-        </a:effectRef>
-        <a:fontRef idx="minor">
-          <a:schemeClr val="lt1"/>
-        </a:fontRef>
-      </dsp:style>
-      <dsp:txBody>
-        <a:bodyPr spcFirstLastPara="0" vert="horz" wrap="square" lIns="68580" tIns="68580" rIns="68580" bIns="68580" numCol="1" spcCol="1270" anchor="ctr" anchorCtr="0">
-          <a:noAutofit/>
-        </a:bodyPr>
-        <a:lstStyle/>
-        <a:p>
-          <a:pPr lvl="0" algn="l" defTabSz="800100">
-            <a:lnSpc>
-              <a:spcPct val="90000"/>
-            </a:lnSpc>
-            <a:spcBef>
-              <a:spcPct val="0"/>
-            </a:spcBef>
-            <a:spcAft>
-              <a:spcPct val="35000"/>
-            </a:spcAft>
-          </a:pPr>
-          <a:r>
-            <a:rPr lang="en-US" altLang="en-US" sz="1800" b="1" kern="1200" dirty="0" err="1" smtClean="0">
-              <a:solidFill>
-                <a:srgbClr val="FFC000"/>
-              </a:solidFill>
-            </a:rPr>
-            <a:t>LineBasedFrameDecoder</a:t>
-          </a:r>
-          <a:endParaRPr lang="zh-CN" altLang="en-US" sz="1800" b="1" kern="1200" dirty="0">
-            <a:solidFill>
-              <a:srgbClr val="FFC000"/>
-            </a:solidFill>
-          </a:endParaRPr>
-        </a:p>
-      </dsp:txBody>
-      <dsp:txXfrm>
-        <a:off x="24674" y="105617"/>
-        <a:ext cx="9969364" cy="456092"/>
-      </dsp:txXfrm>
-    </dsp:sp>
-    <dsp:sp modelId="{8CEEE20B-9890-4F12-9002-B17AD2045685}">
-      <dsp:nvSpPr>
-        <dsp:cNvPr id="0" name=""/>
-        <dsp:cNvSpPr/>
-      </dsp:nvSpPr>
-      <dsp:spPr>
-        <a:xfrm>
-          <a:off x="0" y="586383"/>
-          <a:ext cx="10018712" cy="447120"/>
-        </a:xfrm>
-        <a:prstGeom prst="rect">
-          <a:avLst/>
-        </a:prstGeom>
-        <a:noFill/>
-        <a:ln w="9525" cap="rnd" cmpd="sng" algn="ctr">
-          <a:solidFill>
-            <a:schemeClr val="dk1">
-              <a:alpha val="0"/>
-              <a:hueOff val="0"/>
-              <a:satOff val="0"/>
-              <a:lumOff val="0"/>
-              <a:alphaOff val="0"/>
-            </a:schemeClr>
-          </a:solidFill>
-          <a:prstDash val="solid"/>
-        </a:ln>
-        <a:effectLst/>
-      </dsp:spPr>
-      <dsp:style>
-        <a:lnRef idx="1">
-          <a:scrgbClr r="0" g="0" b="0"/>
-        </a:lnRef>
-        <a:fillRef idx="0">
-          <a:scrgbClr r="0" g="0" b="0"/>
-        </a:fillRef>
-        <a:effectRef idx="0">
-          <a:scrgbClr r="0" g="0" b="0"/>
-        </a:effectRef>
-        <a:fontRef idx="minor"/>
-      </dsp:style>
-      <dsp:txBody>
-        <a:bodyPr spcFirstLastPara="0" vert="horz" wrap="square" lIns="318094" tIns="34290" rIns="192024" bIns="34290" numCol="1" spcCol="1270" anchor="t" anchorCtr="0">
-          <a:noAutofit/>
-        </a:bodyPr>
-        <a:lstStyle/>
-        <a:p>
-          <a:pPr marL="228600" lvl="1" indent="-228600" algn="l" defTabSz="933450">
-            <a:lnSpc>
-              <a:spcPct val="90000"/>
-            </a:lnSpc>
-            <a:spcBef>
-              <a:spcPct val="0"/>
-            </a:spcBef>
-            <a:spcAft>
-              <a:spcPct val="20000"/>
-            </a:spcAft>
-            <a:buChar char="••"/>
-          </a:pPr>
-          <a:r>
-            <a:rPr lang="zh-CN" altLang="en-US" sz="2100" kern="1200" dirty="0" smtClean="0"/>
-            <a:t>将回车换行符作为消息结束符。如</a:t>
-          </a:r>
-          <a:r>
-            <a:rPr lang="en-US" altLang="en-US" sz="2100" kern="1200" dirty="0" smtClean="0"/>
-            <a:t>FTP</a:t>
-          </a:r>
-          <a:r>
-            <a:rPr lang="zh-CN" altLang="en-US" sz="2100" kern="1200" dirty="0" smtClean="0"/>
-            <a:t>协议，这种方式在文本协议中应用广泛</a:t>
-          </a:r>
-          <a:endParaRPr lang="zh-CN" altLang="en-US" sz="2100" kern="1200" dirty="0"/>
-        </a:p>
-      </dsp:txBody>
-      <dsp:txXfrm>
-        <a:off x="0" y="586383"/>
-        <a:ext cx="10018712" cy="447120"/>
-      </dsp:txXfrm>
-    </dsp:sp>
-    <dsp:sp modelId="{367775B8-3428-4829-A7B2-607BBF34E06D}">
-      <dsp:nvSpPr>
-        <dsp:cNvPr id="0" name=""/>
-        <dsp:cNvSpPr/>
-      </dsp:nvSpPr>
-      <dsp:spPr>
-        <a:xfrm>
-          <a:off x="0" y="1033503"/>
-          <a:ext cx="10018712" cy="505440"/>
-        </a:xfrm>
-        <a:prstGeom prst="roundRect">
-          <a:avLst/>
-        </a:prstGeom>
-        <a:solidFill>
-          <a:schemeClr val="accent1">
-            <a:hueOff val="0"/>
-            <a:satOff val="0"/>
-            <a:lumOff val="0"/>
-            <a:alphaOff val="0"/>
-          </a:schemeClr>
-        </a:solidFill>
-        <a:ln>
-          <a:noFill/>
-        </a:ln>
-        <a:effectLst>
-          <a:reflection blurRad="12700" stA="26000" endPos="32000" dist="12700" dir="5400000" sy="-100000" rotWithShape="0"/>
-        </a:effectLst>
-        <a:scene3d>
-          <a:camera prst="orthographicFront">
-            <a:rot lat="0" lon="0" rev="0"/>
-          </a:camera>
-          <a:lightRig rig="contrasting" dir="t">
-            <a:rot lat="0" lon="0" rev="1200000"/>
-          </a:lightRig>
-        </a:scene3d>
-        <a:sp3d contourW="19050" prstMaterial="metal">
-          <a:bevelT w="88900" h="203200"/>
-          <a:bevelB w="165100" h="254000"/>
-        </a:sp3d>
-      </dsp:spPr>
-      <dsp:style>
-        <a:lnRef idx="0">
-          <a:scrgbClr r="0" g="0" b="0"/>
-        </a:lnRef>
-        <a:fillRef idx="1">
-          <a:scrgbClr r="0" g="0" b="0"/>
-        </a:fillRef>
-        <a:effectRef idx="2">
-          <a:scrgbClr r="0" g="0" b="0"/>
-        </a:effectRef>
-        <a:fontRef idx="minor">
-          <a:schemeClr val="lt1"/>
-        </a:fontRef>
-      </dsp:style>
-      <dsp:txBody>
-        <a:bodyPr spcFirstLastPara="0" vert="horz" wrap="square" lIns="68580" tIns="68580" rIns="68580" bIns="68580" numCol="1" spcCol="1270" anchor="ctr" anchorCtr="0">
-          <a:noAutofit/>
-        </a:bodyPr>
-        <a:lstStyle/>
-        <a:p>
-          <a:pPr lvl="0" algn="l" defTabSz="800100">
-            <a:lnSpc>
-              <a:spcPct val="90000"/>
-            </a:lnSpc>
-            <a:spcBef>
-              <a:spcPct val="0"/>
-            </a:spcBef>
-            <a:spcAft>
-              <a:spcPct val="35000"/>
-            </a:spcAft>
-          </a:pPr>
-          <a:r>
-            <a:rPr lang="en-US" altLang="en-US" sz="1800" b="1" kern="1200" dirty="0" err="1" smtClean="0">
-              <a:solidFill>
-                <a:srgbClr val="FFC000"/>
-              </a:solidFill>
-            </a:rPr>
-            <a:t>DelimiterBasedFrameDecoder</a:t>
-          </a:r>
-          <a:endParaRPr lang="zh-CN" altLang="en-US" sz="1800" b="1" kern="1200" dirty="0">
-            <a:solidFill>
-              <a:srgbClr val="FFC000"/>
-            </a:solidFill>
-          </a:endParaRPr>
-        </a:p>
-      </dsp:txBody>
-      <dsp:txXfrm>
-        <a:off x="24674" y="1058177"/>
-        <a:ext cx="9969364" cy="456092"/>
-      </dsp:txXfrm>
-    </dsp:sp>
-    <dsp:sp modelId="{40F6F29C-9F6F-4FD5-ABDB-029C25C36CA7}">
-      <dsp:nvSpPr>
-        <dsp:cNvPr id="0" name=""/>
-        <dsp:cNvSpPr/>
-      </dsp:nvSpPr>
-      <dsp:spPr>
-        <a:xfrm>
-          <a:off x="0" y="1538943"/>
-          <a:ext cx="10018712" cy="447120"/>
-        </a:xfrm>
-        <a:prstGeom prst="rect">
-          <a:avLst/>
-        </a:prstGeom>
-        <a:noFill/>
-        <a:ln w="9525" cap="rnd" cmpd="sng" algn="ctr">
-          <a:solidFill>
-            <a:schemeClr val="dk1">
-              <a:alpha val="0"/>
-              <a:hueOff val="0"/>
-              <a:satOff val="0"/>
-              <a:lumOff val="0"/>
-              <a:alphaOff val="0"/>
-            </a:schemeClr>
-          </a:solidFill>
-          <a:prstDash val="solid"/>
-        </a:ln>
-        <a:effectLst/>
-      </dsp:spPr>
-      <dsp:style>
-        <a:lnRef idx="1">
-          <a:scrgbClr r="0" g="0" b="0"/>
-        </a:lnRef>
-        <a:fillRef idx="0">
-          <a:scrgbClr r="0" g="0" b="0"/>
-        </a:fillRef>
-        <a:effectRef idx="0">
-          <a:scrgbClr r="0" g="0" b="0"/>
-        </a:effectRef>
-        <a:fontRef idx="minor"/>
-      </dsp:style>
-      <dsp:txBody>
-        <a:bodyPr spcFirstLastPara="0" vert="horz" wrap="square" lIns="318094" tIns="34290" rIns="192024" bIns="34290" numCol="1" spcCol="1270" anchor="t" anchorCtr="0">
-          <a:noAutofit/>
-        </a:bodyPr>
-        <a:lstStyle/>
-        <a:p>
-          <a:pPr marL="228600" lvl="1" indent="-228600" algn="l" defTabSz="933450">
-            <a:lnSpc>
-              <a:spcPct val="90000"/>
-            </a:lnSpc>
-            <a:spcBef>
-              <a:spcPct val="0"/>
-            </a:spcBef>
-            <a:spcAft>
-              <a:spcPct val="20000"/>
-            </a:spcAft>
-            <a:buChar char="••"/>
-          </a:pPr>
-          <a:r>
-            <a:rPr lang="zh-CN" altLang="en-US" sz="2100" kern="1200" dirty="0" smtClean="0"/>
-            <a:t>将特殊的分隔符作为消息的结束标志。回车换行符就是一种特殊的结束符</a:t>
-          </a:r>
-          <a:endParaRPr lang="zh-CN" altLang="en-US" sz="2100" kern="1200" dirty="0"/>
-        </a:p>
-      </dsp:txBody>
-      <dsp:txXfrm>
-        <a:off x="0" y="1538943"/>
-        <a:ext cx="10018712" cy="447120"/>
-      </dsp:txXfrm>
-    </dsp:sp>
-    <dsp:sp modelId="{8E88E7CA-A1B5-4CE5-9428-9AFF148C95A8}">
-      <dsp:nvSpPr>
-        <dsp:cNvPr id="0" name=""/>
-        <dsp:cNvSpPr/>
-      </dsp:nvSpPr>
-      <dsp:spPr>
-        <a:xfrm>
-          <a:off x="0" y="1986063"/>
-          <a:ext cx="10018712" cy="505440"/>
-        </a:xfrm>
-        <a:prstGeom prst="roundRect">
-          <a:avLst/>
-        </a:prstGeom>
-        <a:solidFill>
-          <a:schemeClr val="accent1">
-            <a:hueOff val="0"/>
-            <a:satOff val="0"/>
-            <a:lumOff val="0"/>
-            <a:alphaOff val="0"/>
-          </a:schemeClr>
-        </a:solidFill>
-        <a:ln>
-          <a:noFill/>
-        </a:ln>
-        <a:effectLst>
-          <a:reflection blurRad="12700" stA="26000" endPos="32000" dist="12700" dir="5400000" sy="-100000" rotWithShape="0"/>
-        </a:effectLst>
-        <a:scene3d>
-          <a:camera prst="orthographicFront">
-            <a:rot lat="0" lon="0" rev="0"/>
-          </a:camera>
-          <a:lightRig rig="contrasting" dir="t">
-            <a:rot lat="0" lon="0" rev="1200000"/>
-          </a:lightRig>
-        </a:scene3d>
-        <a:sp3d contourW="19050" prstMaterial="metal">
-          <a:bevelT w="88900" h="203200"/>
-          <a:bevelB w="165100" h="254000"/>
-        </a:sp3d>
-      </dsp:spPr>
-      <dsp:style>
-        <a:lnRef idx="0">
-          <a:scrgbClr r="0" g="0" b="0"/>
-        </a:lnRef>
-        <a:fillRef idx="1">
-          <a:scrgbClr r="0" g="0" b="0"/>
-        </a:fillRef>
-        <a:effectRef idx="2">
-          <a:scrgbClr r="0" g="0" b="0"/>
-        </a:effectRef>
-        <a:fontRef idx="minor">
-          <a:schemeClr val="lt1"/>
-        </a:fontRef>
-      </dsp:style>
-      <dsp:txBody>
-        <a:bodyPr spcFirstLastPara="0" vert="horz" wrap="square" lIns="68580" tIns="68580" rIns="68580" bIns="68580" numCol="1" spcCol="1270" anchor="ctr" anchorCtr="0">
-          <a:noAutofit/>
-        </a:bodyPr>
-        <a:lstStyle/>
-        <a:p>
-          <a:pPr lvl="0" algn="l" defTabSz="800100">
-            <a:lnSpc>
-              <a:spcPct val="90000"/>
-            </a:lnSpc>
-            <a:spcBef>
-              <a:spcPct val="0"/>
-            </a:spcBef>
-            <a:spcAft>
-              <a:spcPct val="35000"/>
-            </a:spcAft>
-          </a:pPr>
-          <a:r>
-            <a:rPr lang="en-US" altLang="en-US" sz="1800" b="1" kern="1200" dirty="0" err="1" smtClean="0">
-              <a:solidFill>
-                <a:srgbClr val="FFC000"/>
-              </a:solidFill>
-            </a:rPr>
-            <a:t>FixedLengthFrameDecoder</a:t>
-          </a:r>
-          <a:endParaRPr lang="zh-CN" altLang="en-US" sz="1800" b="1" kern="1200" dirty="0">
-            <a:solidFill>
-              <a:srgbClr val="FFC000"/>
-            </a:solidFill>
-          </a:endParaRPr>
-        </a:p>
-      </dsp:txBody>
-      <dsp:txXfrm>
-        <a:off x="24674" y="2010737"/>
-        <a:ext cx="9969364" cy="456092"/>
-      </dsp:txXfrm>
-    </dsp:sp>
-    <dsp:sp modelId="{560658FD-2AEF-4666-AA72-E101777542C0}">
-      <dsp:nvSpPr>
-        <dsp:cNvPr id="0" name=""/>
-        <dsp:cNvSpPr/>
-      </dsp:nvSpPr>
-      <dsp:spPr>
-        <a:xfrm>
-          <a:off x="0" y="2491503"/>
-          <a:ext cx="10018712" cy="768487"/>
-        </a:xfrm>
-        <a:prstGeom prst="rect">
-          <a:avLst/>
-        </a:prstGeom>
-        <a:noFill/>
-        <a:ln w="9525" cap="rnd" cmpd="sng" algn="ctr">
-          <a:solidFill>
-            <a:schemeClr val="dk1">
-              <a:alpha val="0"/>
-              <a:hueOff val="0"/>
-              <a:satOff val="0"/>
-              <a:lumOff val="0"/>
-              <a:alphaOff val="0"/>
-            </a:schemeClr>
-          </a:solidFill>
-          <a:prstDash val="solid"/>
-        </a:ln>
-        <a:effectLst/>
-      </dsp:spPr>
-      <dsp:style>
-        <a:lnRef idx="1">
-          <a:scrgbClr r="0" g="0" b="0"/>
-        </a:lnRef>
-        <a:fillRef idx="0">
-          <a:scrgbClr r="0" g="0" b="0"/>
-        </a:fillRef>
-        <a:effectRef idx="0">
-          <a:scrgbClr r="0" g="0" b="0"/>
-        </a:effectRef>
-        <a:fontRef idx="minor"/>
-      </dsp:style>
-      <dsp:txBody>
-        <a:bodyPr spcFirstLastPara="0" vert="horz" wrap="square" lIns="318094" tIns="34290" rIns="192024" bIns="34290" numCol="1" spcCol="1270" anchor="t" anchorCtr="0">
-          <a:noAutofit/>
-        </a:bodyPr>
-        <a:lstStyle/>
-        <a:p>
-          <a:pPr marL="228600" lvl="1" indent="-228600" algn="l" defTabSz="933450">
-            <a:lnSpc>
-              <a:spcPct val="90000"/>
-            </a:lnSpc>
-            <a:spcBef>
-              <a:spcPct val="0"/>
-            </a:spcBef>
-            <a:spcAft>
-              <a:spcPct val="20000"/>
-            </a:spcAft>
-            <a:buChar char="••"/>
-          </a:pPr>
-          <a:r>
-            <a:rPr lang="zh-CN" altLang="en-US" sz="2100" kern="1200" dirty="0" smtClean="0"/>
-            <a:t>累计读取到长度总和为定长的</a:t>
-          </a:r>
-          <a:r>
-            <a:rPr lang="en-US" altLang="en-US" sz="2100" kern="1200" dirty="0" smtClean="0"/>
-            <a:t>LEN</a:t>
-          </a:r>
-          <a:r>
-            <a:rPr lang="zh-CN" altLang="en-US" sz="2100" kern="1200" dirty="0" smtClean="0"/>
-            <a:t>的报文后，就认为读取到一个完整的消息。将计数器置位，重新开始读取下个数据报</a:t>
-          </a:r>
-          <a:endParaRPr lang="zh-CN" altLang="en-US" sz="2100" kern="1200" dirty="0"/>
-        </a:p>
-      </dsp:txBody>
-      <dsp:txXfrm>
-        <a:off x="0" y="2491503"/>
-        <a:ext cx="10018712" cy="768487"/>
-      </dsp:txXfrm>
-    </dsp:sp>
-    <dsp:sp modelId="{075DAB5A-EB6D-4514-9392-4F760EBB0DA3}">
-      <dsp:nvSpPr>
-        <dsp:cNvPr id="0" name=""/>
-        <dsp:cNvSpPr/>
-      </dsp:nvSpPr>
-      <dsp:spPr>
-        <a:xfrm>
-          <a:off x="0" y="3259990"/>
-          <a:ext cx="10018712" cy="505440"/>
-        </a:xfrm>
-        <a:prstGeom prst="roundRect">
-          <a:avLst/>
-        </a:prstGeom>
-        <a:solidFill>
-          <a:schemeClr val="accent1">
-            <a:hueOff val="0"/>
-            <a:satOff val="0"/>
-            <a:lumOff val="0"/>
-            <a:alphaOff val="0"/>
-          </a:schemeClr>
-        </a:solidFill>
-        <a:ln>
-          <a:noFill/>
-        </a:ln>
-        <a:effectLst>
-          <a:reflection blurRad="12700" stA="26000" endPos="32000" dist="12700" dir="5400000" sy="-100000" rotWithShape="0"/>
-        </a:effectLst>
-        <a:scene3d>
-          <a:camera prst="orthographicFront">
-            <a:rot lat="0" lon="0" rev="0"/>
-          </a:camera>
-          <a:lightRig rig="contrasting" dir="t">
-            <a:rot lat="0" lon="0" rev="1200000"/>
-          </a:lightRig>
-        </a:scene3d>
-        <a:sp3d contourW="19050" prstMaterial="metal">
-          <a:bevelT w="88900" h="203200"/>
-          <a:bevelB w="165100" h="254000"/>
-        </a:sp3d>
-      </dsp:spPr>
-      <dsp:style>
-        <a:lnRef idx="0">
-          <a:scrgbClr r="0" g="0" b="0"/>
-        </a:lnRef>
-        <a:fillRef idx="1">
-          <a:scrgbClr r="0" g="0" b="0"/>
-        </a:fillRef>
-        <a:effectRef idx="2">
-          <a:scrgbClr r="0" g="0" b="0"/>
-        </a:effectRef>
-        <a:fontRef idx="minor">
-          <a:schemeClr val="lt1"/>
-        </a:fontRef>
-      </dsp:style>
-      <dsp:txBody>
-        <a:bodyPr spcFirstLastPara="0" vert="horz" wrap="square" lIns="68580" tIns="68580" rIns="68580" bIns="68580" numCol="1" spcCol="1270" anchor="ctr" anchorCtr="0">
-          <a:noAutofit/>
-        </a:bodyPr>
-        <a:lstStyle/>
-        <a:p>
-          <a:pPr lvl="0" algn="l" defTabSz="800100">
-            <a:lnSpc>
-              <a:spcPct val="90000"/>
-            </a:lnSpc>
-            <a:spcBef>
-              <a:spcPct val="0"/>
-            </a:spcBef>
-            <a:spcAft>
-              <a:spcPct val="35000"/>
-            </a:spcAft>
-          </a:pPr>
-          <a:r>
-            <a:rPr lang="zh-CN" altLang="en-US" sz="1800" b="1" kern="1200" dirty="0" smtClean="0">
-              <a:solidFill>
-                <a:srgbClr val="FFC000"/>
-              </a:solidFill>
-            </a:rPr>
-            <a:t>自定义解码器</a:t>
-          </a:r>
-          <a:r>
-            <a:rPr lang="en-US" altLang="zh-CN" sz="1800" b="1" kern="1200" dirty="0" smtClean="0">
-              <a:solidFill>
-                <a:srgbClr val="FFC000"/>
-              </a:solidFill>
-            </a:rPr>
-            <a:t>(</a:t>
-          </a:r>
-          <a:r>
-            <a:rPr lang="zh-CN" altLang="en-US" sz="1800" b="1" kern="1200" dirty="0" smtClean="0">
-              <a:solidFill>
-                <a:srgbClr val="FFC000"/>
-              </a:solidFill>
-            </a:rPr>
-            <a:t>基于长度的通用解码器</a:t>
-          </a:r>
-          <a:r>
-            <a:rPr lang="en-US" altLang="zh-CN" sz="1800" b="1" kern="1200" dirty="0" smtClean="0">
-              <a:solidFill>
-                <a:srgbClr val="FFC000"/>
-              </a:solidFill>
-            </a:rPr>
-            <a:t>)</a:t>
-          </a:r>
-          <a:endParaRPr lang="zh-CN" altLang="en-US" sz="1800" b="1" kern="1200" dirty="0">
-            <a:solidFill>
-              <a:srgbClr val="FFC000"/>
-            </a:solidFill>
-          </a:endParaRPr>
-        </a:p>
-      </dsp:txBody>
-      <dsp:txXfrm>
-        <a:off x="24674" y="3284664"/>
-        <a:ext cx="9969364" cy="456092"/>
-      </dsp:txXfrm>
-    </dsp:sp>
-    <dsp:sp modelId="{55574814-5C05-49D8-B3D4-751D27E76157}">
-      <dsp:nvSpPr>
-        <dsp:cNvPr id="0" name=""/>
-        <dsp:cNvSpPr/>
-      </dsp:nvSpPr>
-      <dsp:spPr>
-        <a:xfrm>
-          <a:off x="0" y="3765431"/>
-          <a:ext cx="10018712" cy="768487"/>
-        </a:xfrm>
-        <a:prstGeom prst="rect">
-          <a:avLst/>
-        </a:prstGeom>
-        <a:noFill/>
-        <a:ln w="9525" cap="rnd" cmpd="sng" algn="ctr">
-          <a:solidFill>
-            <a:schemeClr val="dk1">
-              <a:alpha val="0"/>
-              <a:hueOff val="0"/>
-              <a:satOff val="0"/>
-              <a:lumOff val="0"/>
-              <a:alphaOff val="0"/>
-            </a:schemeClr>
-          </a:solidFill>
-          <a:prstDash val="solid"/>
-        </a:ln>
-        <a:effectLst/>
-      </dsp:spPr>
-      <dsp:style>
-        <a:lnRef idx="1">
-          <a:scrgbClr r="0" g="0" b="0"/>
-        </a:lnRef>
-        <a:fillRef idx="0">
-          <a:scrgbClr r="0" g="0" b="0"/>
-        </a:fillRef>
-        <a:effectRef idx="0">
-          <a:scrgbClr r="0" g="0" b="0"/>
-        </a:effectRef>
-        <a:fontRef idx="minor"/>
-      </dsp:style>
-      <dsp:txBody>
-        <a:bodyPr spcFirstLastPara="0" vert="horz" wrap="square" lIns="318094" tIns="34290" rIns="192024" bIns="34290" numCol="1" spcCol="1270" anchor="t" anchorCtr="0">
-          <a:noAutofit/>
-        </a:bodyPr>
-        <a:lstStyle/>
-        <a:p>
-          <a:pPr marL="228600" lvl="1" indent="-228600" algn="l" defTabSz="933450">
-            <a:lnSpc>
-              <a:spcPct val="90000"/>
-            </a:lnSpc>
-            <a:spcBef>
-              <a:spcPct val="0"/>
-            </a:spcBef>
-            <a:spcAft>
-              <a:spcPct val="20000"/>
-            </a:spcAft>
-            <a:buChar char="••"/>
-          </a:pPr>
-          <a:r>
-            <a:rPr lang="zh-CN" altLang="en-US" sz="2100" kern="1200" dirty="0" smtClean="0"/>
-            <a:t>通过在消息头中定义长度字段来标识消息的总长度</a:t>
-          </a:r>
-          <a:r>
-            <a:rPr lang="en-US" altLang="en-US" sz="2100" kern="1200" dirty="0" smtClean="0"/>
-            <a:t>,</a:t>
-          </a:r>
-          <a:r>
-            <a:rPr lang="zh-CN" altLang="en-US" sz="2100" kern="1200" dirty="0" smtClean="0"/>
-            <a:t>了解</a:t>
-          </a:r>
-          <a:r>
-            <a:rPr lang="en-US" altLang="en-US" sz="2100" kern="1200" dirty="0" err="1" smtClean="0"/>
-            <a:t>netty</a:t>
-          </a:r>
-          <a:r>
-            <a:rPr lang="zh-CN" altLang="en-US" sz="2100" kern="1200" dirty="0" smtClean="0"/>
-            <a:t>的</a:t>
-          </a:r>
-          <a:r>
-            <a:rPr lang="en-US" altLang="en-US" sz="2100" kern="1200" dirty="0" err="1" smtClean="0"/>
-            <a:t>ByteBuf</a:t>
-          </a:r>
-          <a:r>
-            <a:rPr lang="zh-CN" altLang="en-US" sz="2100" kern="1200" dirty="0" smtClean="0"/>
-            <a:t>和读操作</a:t>
-          </a:r>
-          <a:r>
-            <a:rPr lang="en-US" altLang="zh-CN" sz="2100" kern="1200" dirty="0" smtClean="0"/>
-            <a:t>,</a:t>
-          </a:r>
-          <a:r>
-            <a:rPr lang="zh-CN" altLang="en-US" sz="2100" kern="1200" dirty="0" smtClean="0"/>
-            <a:t>如 </a:t>
-          </a:r>
-          <a:r>
-            <a:rPr lang="en-US" altLang="en-US" sz="2100" kern="1200" dirty="0" err="1" smtClean="0"/>
-            <a:t>readInt</a:t>
-          </a:r>
-          <a:r>
-            <a:rPr lang="en-US" altLang="en-US" sz="2100" kern="1200" dirty="0" smtClean="0"/>
-            <a:t>(),</a:t>
-          </a:r>
-          <a:r>
-            <a:rPr lang="en-US" altLang="en-US" sz="2100" kern="1200" dirty="0" err="1" smtClean="0"/>
-            <a:t>readBytes</a:t>
-          </a:r>
-          <a:r>
-            <a:rPr lang="en-US" altLang="en-US" sz="2100" kern="1200" dirty="0" smtClean="0"/>
-            <a:t>(n)</a:t>
-          </a:r>
-          <a:r>
-            <a:rPr lang="zh-CN" altLang="en-US" sz="2100" kern="1200" dirty="0" smtClean="0"/>
-            <a:t>等等</a:t>
-          </a:r>
-          <a:endParaRPr lang="zh-CN" altLang="en-US" sz="2100" kern="1200" dirty="0"/>
-        </a:p>
-      </dsp:txBody>
-      <dsp:txXfrm>
-        <a:off x="0" y="3765431"/>
-        <a:ext cx="10018712" cy="768487"/>
-      </dsp:txXfrm>
-    </dsp:sp>
   </dsp:spTree>
 </dsp:drawing>
 </file>
@@ -14273,7 +13537,7 @@
           <a:p>
             <a:fld id="{A24A1628-B285-4774-91C7-C9C97F69F986}" type="datetimeFigureOut">
               <a:rPr lang="zh-CN" altLang="en-US" smtClean="0"/>
-              <a:t>2018/7/26</a:t>
+              <a:t>2018/8/1</a:t>
             </a:fld>
             <a:endParaRPr lang="zh-CN" altLang="en-US"/>
           </a:p>
@@ -14443,7 +13707,7 @@
           <a:p>
             <a:fld id="{A24A1628-B285-4774-91C7-C9C97F69F986}" type="datetimeFigureOut">
               <a:rPr lang="zh-CN" altLang="en-US" smtClean="0"/>
-              <a:t>2018/7/26</a:t>
+              <a:t>2018/8/1</a:t>
             </a:fld>
             <a:endParaRPr lang="zh-CN" altLang="en-US"/>
           </a:p>
@@ -14623,7 +13887,7 @@
           <a:p>
             <a:fld id="{A24A1628-B285-4774-91C7-C9C97F69F986}" type="datetimeFigureOut">
               <a:rPr lang="zh-CN" altLang="en-US" smtClean="0"/>
-              <a:t>2018/7/26</a:t>
+              <a:t>2018/8/1</a:t>
             </a:fld>
             <a:endParaRPr lang="zh-CN" altLang="en-US"/>
           </a:p>
@@ -15186,7 +14450,7 @@
           <a:p>
             <a:fld id="{A24A1628-B285-4774-91C7-C9C97F69F986}" type="datetimeFigureOut">
               <a:rPr lang="zh-CN" altLang="en-US" smtClean="0"/>
-              <a:t>2018/7/26</a:t>
+              <a:t>2018/8/1</a:t>
             </a:fld>
             <a:endParaRPr lang="zh-CN" altLang="en-US"/>
           </a:p>
@@ -15361,7 +14625,7 @@
           <a:p>
             <a:fld id="{A24A1628-B285-4774-91C7-C9C97F69F986}" type="datetimeFigureOut">
               <a:rPr lang="zh-CN" altLang="en-US" smtClean="0"/>
-              <a:t>2018/7/26</a:t>
+              <a:t>2018/8/1</a:t>
             </a:fld>
             <a:endParaRPr lang="zh-CN" altLang="en-US"/>
           </a:p>
@@ -15612,7 +14876,7 @@
           <a:p>
             <a:fld id="{A24A1628-B285-4774-91C7-C9C97F69F986}" type="datetimeFigureOut">
               <a:rPr lang="zh-CN" altLang="en-US" smtClean="0"/>
-              <a:t>2018/7/26</a:t>
+              <a:t>2018/8/1</a:t>
             </a:fld>
             <a:endParaRPr lang="zh-CN" altLang="en-US"/>
           </a:p>
@@ -15909,7 +15173,7 @@
           <a:p>
             <a:fld id="{A24A1628-B285-4774-91C7-C9C97F69F986}" type="datetimeFigureOut">
               <a:rPr lang="zh-CN" altLang="en-US" smtClean="0"/>
-              <a:t>2018/7/26</a:t>
+              <a:t>2018/8/1</a:t>
             </a:fld>
             <a:endParaRPr lang="zh-CN" altLang="en-US"/>
           </a:p>
@@ -16356,7 +15620,7 @@
           <a:p>
             <a:fld id="{A24A1628-B285-4774-91C7-C9C97F69F986}" type="datetimeFigureOut">
               <a:rPr lang="zh-CN" altLang="en-US" smtClean="0"/>
-              <a:t>2018/7/26</a:t>
+              <a:t>2018/8/1</a:t>
             </a:fld>
             <a:endParaRPr lang="zh-CN" altLang="en-US"/>
           </a:p>
@@ -16479,7 +15743,7 @@
           <a:p>
             <a:fld id="{A24A1628-B285-4774-91C7-C9C97F69F986}" type="datetimeFigureOut">
               <a:rPr lang="zh-CN" altLang="en-US" smtClean="0"/>
-              <a:t>2018/7/26</a:t>
+              <a:t>2018/8/1</a:t>
             </a:fld>
             <a:endParaRPr lang="zh-CN" altLang="en-US"/>
           </a:p>
@@ -16574,7 +15838,7 @@
           <a:p>
             <a:fld id="{A24A1628-B285-4774-91C7-C9C97F69F986}" type="datetimeFigureOut">
               <a:rPr lang="zh-CN" altLang="en-US" smtClean="0"/>
-              <a:t>2018/7/26</a:t>
+              <a:t>2018/8/1</a:t>
             </a:fld>
             <a:endParaRPr lang="zh-CN" altLang="en-US"/>
           </a:p>
@@ -16857,7 +16121,7 @@
           <a:p>
             <a:fld id="{A24A1628-B285-4774-91C7-C9C97F69F986}" type="datetimeFigureOut">
               <a:rPr lang="zh-CN" altLang="en-US" smtClean="0"/>
-              <a:t>2018/7/26</a:t>
+              <a:t>2018/8/1</a:t>
             </a:fld>
             <a:endParaRPr lang="zh-CN" altLang="en-US"/>
           </a:p>
@@ -17032,7 +16296,7 @@
           <a:p>
             <a:fld id="{A24A1628-B285-4774-91C7-C9C97F69F986}" type="datetimeFigureOut">
               <a:rPr lang="zh-CN" altLang="en-US" smtClean="0"/>
-              <a:t>2018/7/26</a:t>
+              <a:t>2018/8/1</a:t>
             </a:fld>
             <a:endParaRPr lang="zh-CN" altLang="en-US"/>
           </a:p>
@@ -17323,7 +16587,7 @@
           <a:p>
             <a:fld id="{A24A1628-B285-4774-91C7-C9C97F69F986}" type="datetimeFigureOut">
               <a:rPr lang="zh-CN" altLang="en-US" smtClean="0"/>
-              <a:t>2018/7/26</a:t>
+              <a:t>2018/8/1</a:t>
             </a:fld>
             <a:endParaRPr lang="zh-CN" altLang="en-US"/>
           </a:p>
@@ -17614,7 +16878,7 @@
           <a:p>
             <a:fld id="{A24A1628-B285-4774-91C7-C9C97F69F986}" type="datetimeFigureOut">
               <a:rPr lang="zh-CN" altLang="en-US" smtClean="0"/>
-              <a:t>2018/7/26</a:t>
+              <a:t>2018/8/1</a:t>
             </a:fld>
             <a:endParaRPr lang="zh-CN" altLang="en-US"/>
           </a:p>
@@ -17862,7 +17126,7 @@
           <a:p>
             <a:fld id="{A24A1628-B285-4774-91C7-C9C97F69F986}" type="datetimeFigureOut">
               <a:rPr lang="zh-CN" altLang="en-US" smtClean="0"/>
-              <a:t>2018/7/26</a:t>
+              <a:t>2018/8/1</a:t>
             </a:fld>
             <a:endParaRPr lang="zh-CN" altLang="en-US"/>
           </a:p>
@@ -18402,7 +17666,7 @@
           <a:p>
             <a:fld id="{A24A1628-B285-4774-91C7-C9C97F69F986}" type="datetimeFigureOut">
               <a:rPr lang="zh-CN" altLang="en-US" smtClean="0"/>
-              <a:t>2018/7/26</a:t>
+              <a:t>2018/8/1</a:t>
             </a:fld>
             <a:endParaRPr lang="zh-CN" altLang="en-US"/>
           </a:p>
@@ -18650,7 +17914,7 @@
           <a:p>
             <a:fld id="{A24A1628-B285-4774-91C7-C9C97F69F986}" type="datetimeFigureOut">
               <a:rPr lang="zh-CN" altLang="en-US" smtClean="0"/>
-              <a:t>2018/7/26</a:t>
+              <a:t>2018/8/1</a:t>
             </a:fld>
             <a:endParaRPr lang="zh-CN" altLang="en-US"/>
           </a:p>
@@ -19182,7 +18446,7 @@
           <a:p>
             <a:fld id="{A24A1628-B285-4774-91C7-C9C97F69F986}" type="datetimeFigureOut">
               <a:rPr lang="zh-CN" altLang="en-US" smtClean="0"/>
-              <a:t>2018/7/26</a:t>
+              <a:t>2018/8/1</a:t>
             </a:fld>
             <a:endParaRPr lang="zh-CN" altLang="en-US"/>
           </a:p>
@@ -19479,7 +18743,7 @@
           <a:p>
             <a:fld id="{A24A1628-B285-4774-91C7-C9C97F69F986}" type="datetimeFigureOut">
               <a:rPr lang="zh-CN" altLang="en-US" smtClean="0"/>
-              <a:t>2018/7/26</a:t>
+              <a:t>2018/8/1</a:t>
             </a:fld>
             <a:endParaRPr lang="zh-CN" altLang="en-US"/>
           </a:p>
@@ -19653,7 +18917,7 @@
           <a:p>
             <a:fld id="{A24A1628-B285-4774-91C7-C9C97F69F986}" type="datetimeFigureOut">
               <a:rPr lang="zh-CN" altLang="en-US" smtClean="0"/>
-              <a:t>2018/7/26</a:t>
+              <a:t>2018/8/1</a:t>
             </a:fld>
             <a:endParaRPr lang="zh-CN" altLang="en-US"/>
           </a:p>
@@ -19833,7 +19097,7 @@
           <a:p>
             <a:fld id="{A24A1628-B285-4774-91C7-C9C97F69F986}" type="datetimeFigureOut">
               <a:rPr lang="zh-CN" altLang="en-US" smtClean="0"/>
-              <a:t>2018/7/26</a:t>
+              <a:t>2018/8/1</a:t>
             </a:fld>
             <a:endParaRPr lang="zh-CN" altLang="en-US"/>
           </a:p>
@@ -20084,7 +19348,7 @@
           <a:p>
             <a:fld id="{A24A1628-B285-4774-91C7-C9C97F69F986}" type="datetimeFigureOut">
               <a:rPr lang="zh-CN" altLang="en-US" smtClean="0"/>
-              <a:t>2018/7/26</a:t>
+              <a:t>2018/8/1</a:t>
             </a:fld>
             <a:endParaRPr lang="zh-CN" altLang="en-US"/>
           </a:p>
@@ -20316,7 +19580,7 @@
           <a:p>
             <a:fld id="{A24A1628-B285-4774-91C7-C9C97F69F986}" type="datetimeFigureOut">
               <a:rPr lang="zh-CN" altLang="en-US" smtClean="0"/>
-              <a:t>2018/7/26</a:t>
+              <a:t>2018/8/1</a:t>
             </a:fld>
             <a:endParaRPr lang="zh-CN" altLang="en-US"/>
           </a:p>
@@ -20668,7 +19932,7 @@
           <a:p>
             <a:fld id="{A24A1628-B285-4774-91C7-C9C97F69F986}" type="datetimeFigureOut">
               <a:rPr lang="zh-CN" altLang="en-US" smtClean="0"/>
-              <a:t>2018/7/26</a:t>
+              <a:t>2018/8/1</a:t>
             </a:fld>
             <a:endParaRPr lang="zh-CN" altLang="en-US"/>
           </a:p>
@@ -20791,7 +20055,7 @@
           <a:p>
             <a:fld id="{A24A1628-B285-4774-91C7-C9C97F69F986}" type="datetimeFigureOut">
               <a:rPr lang="zh-CN" altLang="en-US" smtClean="0"/>
-              <a:t>2018/7/26</a:t>
+              <a:t>2018/8/1</a:t>
             </a:fld>
             <a:endParaRPr lang="zh-CN" altLang="en-US"/>
           </a:p>
@@ -20909,7 +20173,7 @@
           <a:p>
             <a:fld id="{A24A1628-B285-4774-91C7-C9C97F69F986}" type="datetimeFigureOut">
               <a:rPr lang="zh-CN" altLang="en-US" smtClean="0"/>
-              <a:t>2018/7/26</a:t>
+              <a:t>2018/8/1</a:t>
             </a:fld>
             <a:endParaRPr lang="zh-CN" altLang="en-US"/>
           </a:p>
@@ -21193,7 +20457,7 @@
           <a:p>
             <a:fld id="{A24A1628-B285-4774-91C7-C9C97F69F986}" type="datetimeFigureOut">
               <a:rPr lang="zh-CN" altLang="en-US" smtClean="0"/>
-              <a:t>2018/7/26</a:t>
+              <a:t>2018/8/1</a:t>
             </a:fld>
             <a:endParaRPr lang="zh-CN" altLang="en-US"/>
           </a:p>
@@ -21462,7 +20726,7 @@
           <a:p>
             <a:fld id="{A24A1628-B285-4774-91C7-C9C97F69F986}" type="datetimeFigureOut">
               <a:rPr lang="zh-CN" altLang="en-US" smtClean="0"/>
-              <a:t>2018/7/26</a:t>
+              <a:t>2018/8/1</a:t>
             </a:fld>
             <a:endParaRPr lang="zh-CN" altLang="en-US"/>
           </a:p>
@@ -21676,7 +20940,7 @@
           <a:p>
             <a:fld id="{A24A1628-B285-4774-91C7-C9C97F69F986}" type="datetimeFigureOut">
               <a:rPr lang="zh-CN" altLang="en-US" smtClean="0"/>
-              <a:t>2018/7/26</a:t>
+              <a:t>2018/8/1</a:t>
             </a:fld>
             <a:endParaRPr lang="zh-CN" altLang="en-US"/>
           </a:p>
@@ -22527,7 +21791,7 @@
           <a:p>
             <a:fld id="{A24A1628-B285-4774-91C7-C9C97F69F986}" type="datetimeFigureOut">
               <a:rPr lang="zh-CN" altLang="en-US" smtClean="0"/>
-              <a:t>2018/7/26</a:t>
+              <a:t>2018/8/1</a:t>
             </a:fld>
             <a:endParaRPr lang="zh-CN" altLang="en-US"/>
           </a:p>
@@ -23499,7 +22763,12 @@
             <p:ph type="title"/>
           </p:nvPr>
         </p:nvSpPr>
-        <p:spPr/>
+        <p:spPr>
+          <a:xfrm>
+            <a:off x="1484311" y="685800"/>
+            <a:ext cx="10018713" cy="987725"/>
+          </a:xfrm>
+        </p:spPr>
         <p:txBody>
           <a:bodyPr/>
           <a:lstStyle/>
@@ -23510,7 +22779,7 @@
             </a:r>
             <a:r>
               <a:rPr lang="zh-CN" altLang="en-US" dirty="0" smtClean="0"/>
-              <a:t>心跳</a:t>
+              <a:t>自带心跳</a:t>
             </a:r>
             <a:endParaRPr lang="zh-CN" altLang="en-US" dirty="0"/>
           </a:p>
@@ -23526,23 +22795,356 @@
             <p:ph idx="1"/>
           </p:nvPr>
         </p:nvSpPr>
-        <p:spPr/>
+        <p:spPr>
+          <a:xfrm>
+            <a:off x="1484310" y="1871933"/>
+            <a:ext cx="10018713" cy="3919268"/>
+          </a:xfrm>
+        </p:spPr>
         <p:txBody>
-          <a:bodyPr/>
+          <a:bodyPr>
+            <a:normAutofit lnSpcReduction="10000"/>
+          </a:bodyPr>
           <a:lstStyle/>
           <a:p>
             <a:pPr marL="0" indent="0">
               <a:buNone/>
             </a:pPr>
             <a:r>
-              <a:rPr lang="en-US" altLang="zh-CN" dirty="0" smtClean="0"/>
+              <a:rPr lang="en-US" altLang="zh-CN" sz="1400" dirty="0" smtClean="0"/>
+              <a:t>1</a:t>
+            </a:r>
+            <a:r>
+              <a:rPr lang="zh-CN" altLang="en-US" sz="1400" dirty="0" smtClean="0"/>
+              <a:t>、</a:t>
+            </a:r>
+            <a:r>
+              <a:rPr lang="en-US" altLang="zh-CN" sz="1400" dirty="0" err="1" smtClean="0"/>
+              <a:t>Netty</a:t>
+            </a:r>
+            <a:r>
+              <a:rPr lang="zh-CN" altLang="en-US" sz="1400" dirty="0" smtClean="0"/>
+              <a:t>提供的心跳处理</a:t>
+            </a:r>
+            <a:r>
+              <a:rPr lang="en-US" altLang="zh-CN" sz="1400" dirty="0" smtClean="0"/>
+              <a:t>handler</a:t>
+            </a:r>
+            <a:r>
+              <a:rPr lang="zh-CN" altLang="en-US" sz="1400" dirty="0" smtClean="0"/>
+              <a:t>：</a:t>
+            </a:r>
+            <a:endParaRPr lang="en-US" altLang="zh-CN" sz="1400" dirty="0" smtClean="0"/>
+          </a:p>
+          <a:p>
+            <a:pPr marL="0" indent="0">
+              <a:buNone/>
+            </a:pPr>
+            <a:r>
+              <a:rPr lang="en-US" altLang="zh-CN" sz="1400" dirty="0" smtClean="0"/>
+              <a:t>         </a:t>
+            </a:r>
+            <a:r>
+              <a:rPr lang="en-US" altLang="zh-CN" sz="1400" dirty="0" err="1" smtClean="0"/>
+              <a:t>IdleStateHandler</a:t>
+            </a:r>
+            <a:r>
+              <a:rPr lang="en-US" altLang="zh-CN" sz="1400" dirty="0" smtClean="0"/>
+              <a:t>(long </a:t>
+            </a:r>
+            <a:r>
+              <a:rPr lang="en-US" altLang="zh-CN" sz="1400" dirty="0" err="1"/>
+              <a:t>readerIdleTime</a:t>
+            </a:r>
+            <a:r>
+              <a:rPr lang="en-US" altLang="zh-CN" sz="1400" dirty="0"/>
+              <a:t>, long </a:t>
+            </a:r>
+            <a:r>
+              <a:rPr lang="en-US" altLang="zh-CN" sz="1400" dirty="0" err="1"/>
+              <a:t>writerIdleTime</a:t>
+            </a:r>
+            <a:r>
+              <a:rPr lang="en-US" altLang="zh-CN" sz="1400" dirty="0"/>
+              <a:t>, long </a:t>
+            </a:r>
+            <a:r>
+              <a:rPr lang="en-US" altLang="zh-CN" sz="1400" dirty="0" err="1"/>
+              <a:t>allIdleTime,TimeUnit</a:t>
+            </a:r>
+            <a:r>
+              <a:rPr lang="en-US" altLang="zh-CN" sz="1400" dirty="0"/>
+              <a:t> unit</a:t>
+            </a:r>
+            <a:r>
+              <a:rPr lang="en-US" altLang="zh-CN" sz="1400" dirty="0" smtClean="0"/>
+              <a:t>)</a:t>
+            </a:r>
+          </a:p>
+          <a:p>
+            <a:pPr marL="0" indent="0">
+              <a:buNone/>
+            </a:pPr>
+            <a:r>
+              <a:rPr lang="en-US" altLang="zh-CN" sz="1400" dirty="0" smtClean="0"/>
+              <a:t>         </a:t>
+            </a:r>
+            <a:r>
+              <a:rPr lang="en-US" altLang="zh-CN" sz="1400" dirty="0" err="1" smtClean="0"/>
+              <a:t>IdleStateHandler</a:t>
+            </a:r>
+            <a:r>
+              <a:rPr lang="en-US" altLang="zh-CN" sz="1400" dirty="0" smtClean="0"/>
+              <a:t>(</a:t>
+            </a:r>
+            <a:r>
+              <a:rPr lang="zh-CN" altLang="en-US" sz="1400" dirty="0" smtClean="0"/>
+              <a:t>读超时时间</a:t>
+            </a:r>
+            <a:r>
+              <a:rPr lang="en-US" altLang="zh-CN" sz="1400" dirty="0" smtClean="0"/>
+              <a:t>, </a:t>
+            </a:r>
+            <a:r>
+              <a:rPr lang="zh-CN" altLang="en-US" sz="1400" dirty="0" smtClean="0"/>
+              <a:t>写超时时间</a:t>
+            </a:r>
+            <a:r>
+              <a:rPr lang="en-US" altLang="zh-CN" sz="1400" dirty="0" smtClean="0"/>
+              <a:t>, </a:t>
+            </a:r>
+            <a:r>
+              <a:rPr lang="zh-CN" altLang="en-US" sz="1400" dirty="0" smtClean="0"/>
+              <a:t>全部超时时间</a:t>
+            </a:r>
+            <a:r>
+              <a:rPr lang="en-US" altLang="zh-CN" sz="1400" dirty="0" smtClean="0"/>
+              <a:t>,</a:t>
+            </a:r>
+            <a:r>
+              <a:rPr lang="zh-CN" altLang="en-US" sz="1400" dirty="0" smtClean="0"/>
+              <a:t>时间单位</a:t>
+            </a:r>
+            <a:r>
+              <a:rPr lang="en-US" altLang="zh-CN" sz="1400" dirty="0" smtClean="0"/>
+              <a:t>)</a:t>
+            </a:r>
+          </a:p>
+          <a:p>
+            <a:pPr marL="0" indent="0">
+              <a:buNone/>
+            </a:pPr>
+            <a:endParaRPr lang="en-US" altLang="zh-CN" sz="1400" dirty="0"/>
+          </a:p>
+          <a:p>
+            <a:pPr marL="0" indent="0">
+              <a:buNone/>
+            </a:pPr>
+            <a:r>
+              <a:rPr lang="en-US" altLang="zh-CN" sz="1400" dirty="0" smtClean="0"/>
+              <a:t>2</a:t>
+            </a:r>
+            <a:r>
+              <a:rPr lang="zh-CN" altLang="en-US" sz="1400" smtClean="0"/>
+              <a:t>、</a:t>
+            </a:r>
+            <a:r>
+              <a:rPr lang="en-US" altLang="zh-CN" sz="1400" smtClean="0"/>
+              <a:t>userEventTriggered</a:t>
+            </a:r>
+            <a:r>
+              <a:rPr lang="en-US" altLang="zh-CN" sz="1400" dirty="0" smtClean="0"/>
+              <a:t>(</a:t>
+            </a:r>
+            <a:r>
+              <a:rPr lang="en-US" altLang="zh-CN" sz="1400" dirty="0" err="1" smtClean="0"/>
+              <a:t>ChannelHandlerContext</a:t>
+            </a:r>
+            <a:r>
+              <a:rPr lang="en-US" altLang="zh-CN" sz="1400" dirty="0" smtClean="0"/>
+              <a:t> </a:t>
+            </a:r>
+            <a:r>
+              <a:rPr lang="en-US" altLang="zh-CN" sz="1400" dirty="0" err="1"/>
+              <a:t>ctx</a:t>
+            </a:r>
+            <a:r>
+              <a:rPr lang="en-US" altLang="zh-CN" sz="1400" dirty="0"/>
+              <a:t>, Object </a:t>
+            </a:r>
+            <a:r>
+              <a:rPr lang="en-US" altLang="zh-CN" sz="1400" dirty="0" err="1"/>
+              <a:t>evt</a:t>
+            </a:r>
+            <a:r>
+              <a:rPr lang="en-US" altLang="zh-CN" sz="1400" dirty="0" smtClean="0"/>
+              <a:t>)</a:t>
+            </a:r>
+            <a:r>
+              <a:rPr lang="zh-CN" altLang="en-US" sz="1400" dirty="0" smtClean="0"/>
+              <a:t>事件触发器：</a:t>
+            </a:r>
+            <a:endParaRPr lang="en-US" altLang="zh-CN" sz="1400" dirty="0" smtClean="0"/>
+          </a:p>
+          <a:p>
+            <a:pPr marL="0" indent="0">
+              <a:buNone/>
+            </a:pPr>
+            <a:r>
+              <a:rPr lang="en-US" altLang="zh-CN" sz="1400" dirty="0" smtClean="0"/>
+              <a:t>        if </a:t>
+            </a:r>
+            <a:r>
+              <a:rPr lang="en-US" altLang="zh-CN" sz="1400" dirty="0"/>
+              <a:t>(</a:t>
+            </a:r>
+            <a:r>
+              <a:rPr lang="en-US" altLang="zh-CN" sz="1400" dirty="0" err="1"/>
+              <a:t>evt</a:t>
+            </a:r>
+            <a:r>
+              <a:rPr lang="en-US" altLang="zh-CN" sz="1400" dirty="0"/>
+              <a:t> </a:t>
+            </a:r>
+            <a:r>
+              <a:rPr lang="en-US" altLang="zh-CN" sz="1400" dirty="0" err="1"/>
+              <a:t>instanceof</a:t>
+            </a:r>
+            <a:r>
+              <a:rPr lang="en-US" altLang="zh-CN" sz="1400" dirty="0"/>
+              <a:t> </a:t>
+            </a:r>
+            <a:r>
+              <a:rPr lang="en-US" altLang="zh-CN" sz="1400" dirty="0" err="1"/>
+              <a:t>IdleStateEvent</a:t>
+            </a:r>
+            <a:r>
+              <a:rPr lang="en-US" altLang="zh-CN" sz="1400" dirty="0"/>
+              <a:t>) { </a:t>
+            </a:r>
+          </a:p>
+          <a:p>
+            <a:pPr marL="0" indent="0">
+              <a:buNone/>
+            </a:pPr>
+            <a:r>
+              <a:rPr lang="en-US" altLang="zh-CN" sz="1400" dirty="0" smtClean="0"/>
+              <a:t>        </a:t>
+            </a:r>
+            <a:r>
+              <a:rPr lang="en-US" altLang="zh-CN" sz="1400" dirty="0" err="1" smtClean="0"/>
+              <a:t>IdleStateEvent</a:t>
+            </a:r>
+            <a:r>
+              <a:rPr lang="en-US" altLang="zh-CN" sz="1400" dirty="0" smtClean="0"/>
+              <a:t> </a:t>
+            </a:r>
+            <a:r>
+              <a:rPr lang="en-US" altLang="zh-CN" sz="1400" dirty="0"/>
+              <a:t>event = (</a:t>
+            </a:r>
+            <a:r>
+              <a:rPr lang="en-US" altLang="zh-CN" sz="1400" dirty="0" err="1"/>
+              <a:t>IdleStateEvent</a:t>
+            </a:r>
+            <a:r>
+              <a:rPr lang="en-US" altLang="zh-CN" sz="1400" dirty="0"/>
+              <a:t>) </a:t>
+            </a:r>
+            <a:r>
+              <a:rPr lang="en-US" altLang="zh-CN" sz="1400" dirty="0" err="1"/>
+              <a:t>evt</a:t>
+            </a:r>
+            <a:r>
+              <a:rPr lang="en-US" altLang="zh-CN" sz="1400" dirty="0"/>
+              <a:t>; </a:t>
+            </a:r>
+          </a:p>
+          <a:p>
+            <a:pPr marL="0" indent="0">
+              <a:buNone/>
+            </a:pPr>
+            <a:r>
+              <a:rPr lang="en-US" altLang="zh-CN" sz="1400" dirty="0" smtClean="0"/>
+              <a:t>        </a:t>
+            </a:r>
+            <a:r>
+              <a:rPr lang="en-US" altLang="zh-CN" sz="1400" dirty="0" err="1" smtClean="0"/>
+              <a:t>event.state</a:t>
+            </a:r>
+            <a:r>
+              <a:rPr lang="en-US" altLang="zh-CN" sz="1400" dirty="0"/>
+              <a:t>() == </a:t>
+            </a:r>
+            <a:r>
+              <a:rPr lang="en-US" altLang="zh-CN" sz="1400" dirty="0" err="1"/>
+              <a:t>IdleState.READER_IDLE</a:t>
+            </a:r>
+            <a:endParaRPr lang="en-US" altLang="zh-CN" sz="1400" dirty="0"/>
+          </a:p>
+          <a:p>
+            <a:pPr marL="0" indent="0">
+              <a:buNone/>
+            </a:pPr>
+            <a:r>
+              <a:rPr lang="en-US" altLang="zh-CN" sz="1400" dirty="0" smtClean="0"/>
+              <a:t>        </a:t>
+            </a:r>
+            <a:r>
+              <a:rPr lang="en-US" altLang="zh-CN" sz="1400" dirty="0" err="1" smtClean="0"/>
+              <a:t>event.state</a:t>
+            </a:r>
+            <a:r>
+              <a:rPr lang="en-US" altLang="zh-CN" sz="1400" dirty="0"/>
+              <a:t>() == </a:t>
+            </a:r>
+            <a:r>
+              <a:rPr lang="en-US" altLang="zh-CN" sz="1400" dirty="0" err="1"/>
+              <a:t>IdleState.WRITER_IDLE</a:t>
+            </a:r>
+            <a:endParaRPr lang="en-US" altLang="zh-CN" sz="1400" dirty="0"/>
+          </a:p>
+          <a:p>
+            <a:pPr marL="0" indent="0">
+              <a:buNone/>
+            </a:pPr>
+            <a:r>
+              <a:rPr lang="en-US" altLang="zh-CN" sz="1400" dirty="0" smtClean="0"/>
+              <a:t>        </a:t>
+            </a:r>
+            <a:r>
+              <a:rPr lang="en-US" altLang="zh-CN" sz="1400" dirty="0" err="1" smtClean="0"/>
+              <a:t>event.state</a:t>
+            </a:r>
+            <a:r>
+              <a:rPr lang="en-US" altLang="zh-CN" sz="1400" dirty="0"/>
+              <a:t>() == </a:t>
+            </a:r>
+            <a:r>
+              <a:rPr lang="en-US" altLang="zh-CN" sz="1400" dirty="0" err="1" smtClean="0"/>
+              <a:t>IdleState.ALL_IDLE</a:t>
+            </a:r>
+            <a:endParaRPr lang="en-US" altLang="zh-CN" sz="1400" dirty="0" smtClean="0"/>
+          </a:p>
+          <a:p>
+            <a:pPr marL="0" indent="0">
+              <a:buNone/>
+            </a:pPr>
+            <a:endParaRPr lang="en-US" altLang="zh-CN" sz="1400" dirty="0" smtClean="0"/>
+          </a:p>
+          <a:p>
+            <a:pPr marL="0" indent="0">
+              <a:buNone/>
+            </a:pPr>
+            <a:r>
+              <a:rPr lang="en-US" altLang="zh-CN" sz="1400" dirty="0" smtClean="0"/>
               <a:t>Demo4</a:t>
             </a:r>
             <a:r>
-              <a:rPr lang="zh-CN" altLang="en-US" smtClean="0"/>
+              <a:rPr lang="zh-CN" altLang="en-US" sz="1400" dirty="0" smtClean="0"/>
               <a:t>详解</a:t>
             </a:r>
-            <a:endParaRPr lang="zh-CN" altLang="en-US" dirty="0"/>
+            <a:endParaRPr lang="zh-CN" altLang="en-US" sz="1400" dirty="0"/>
           </a:p>
         </p:txBody>
       </p:sp>
